--- a/발표자료/Secure Coding 발표자료.pptx
+++ b/발표자료/Secure Coding 발표자료.pptx
@@ -121,7 +121,7 @@
 <file path=ppt/revisionInfo.xml><?xml version="1.0" encoding="utf-8"?>
 <p1510:revInfo xmlns:a="http://schemas.openxmlformats.org/drawingml/2006/main" xmlns:r="http://schemas.openxmlformats.org/officeDocument/2006/relationships" xmlns:p1510="http://schemas.microsoft.com/office/powerpoint/2015/10/main">
   <p1510:revLst>
-    <p1510:client id="{E40C6577-B879-4DCF-B1E5-C50637C2442F}" v="5" dt="2022-08-10T13:42:40.405"/>
+    <p1510:client id="{E40C6577-B879-4DCF-B1E5-C50637C2442F}" v="8" dt="2022-08-10T13:45:33.496"/>
   </p1510:revLst>
 </p1510:revInfo>
 </file>
@@ -3945,6 +3945,16 @@
           <a:bodyPr/>
           <a:lstStyle/>
           <a:p>
+            <a:r>
+              <a:rPr lang="ko-KR" altLang="en-US"/>
+              <a:t>형식은 자유로</a:t>
+            </a:r>
+            <a:endParaRPr lang="en-US" altLang="ko-KR"/>
+          </a:p>
+          <a:p>
+            <a:pPr marL="0" indent="0">
+              <a:buNone/>
+            </a:pPr>
             <a:endParaRPr lang="ko-KR" altLang="en-US"/>
           </a:p>
         </p:txBody>
@@ -4035,6 +4045,13 @@
         <p:txBody>
           <a:bodyPr/>
           <a:lstStyle/>
+          <a:p>
+            <a:r>
+              <a:rPr lang="ko-KR" altLang="en-US"/>
+              <a:t>형식은 자유로</a:t>
+            </a:r>
+            <a:endParaRPr lang="en-US" altLang="ko-KR"/>
+          </a:p>
           <a:p>
             <a:endParaRPr lang="ko-KR" altLang="en-US"/>
           </a:p>

--- a/발표자료/Secure Coding 발표자료.pptx
+++ b/발표자료/Secure Coding 발표자료.pptx
@@ -10,8 +10,12 @@
     <p:sldId id="259" r:id="rId4"/>
     <p:sldId id="260" r:id="rId5"/>
     <p:sldId id="261" r:id="rId6"/>
-    <p:sldId id="262" r:id="rId7"/>
-    <p:sldId id="263" r:id="rId8"/>
+    <p:sldId id="265" r:id="rId7"/>
+    <p:sldId id="266" r:id="rId8"/>
+    <p:sldId id="267" r:id="rId9"/>
+    <p:sldId id="268" r:id="rId10"/>
+    <p:sldId id="269" r:id="rId11"/>
+    <p:sldId id="263" r:id="rId12"/>
   </p:sldIdLst>
   <p:sldSz cx="12192000" cy="6858000"/>
   <p:notesSz cx="6858000" cy="9144000"/>
@@ -121,7 +125,7 @@
 <file path=ppt/revisionInfo.xml><?xml version="1.0" encoding="utf-8"?>
 <p1510:revInfo xmlns:a="http://schemas.openxmlformats.org/drawingml/2006/main" xmlns:r="http://schemas.openxmlformats.org/officeDocument/2006/relationships" xmlns:p1510="http://schemas.microsoft.com/office/powerpoint/2015/10/main">
   <p1510:revLst>
-    <p1510:client id="{E40C6577-B879-4DCF-B1E5-C50637C2442F}" v="8" dt="2022-08-10T13:45:33.496"/>
+    <p1510:client id="{E40C6577-B879-4DCF-B1E5-C50637C2442F}" v="126" dt="2022-08-10T14:05:45.077"/>
   </p1510:revLst>
 </p1510:revInfo>
 </file>
@@ -3469,6 +3473,316 @@
 </p:sld>
 </file>
 
+<file path=ppt/slides/slide10.xml><?xml version="1.0" encoding="utf-8"?>
+<p:sld xmlns:a="http://schemas.openxmlformats.org/drawingml/2006/main" xmlns:r="http://schemas.openxmlformats.org/officeDocument/2006/relationships" xmlns:p="http://schemas.openxmlformats.org/presentationml/2006/main">
+  <p:cSld>
+    <p:spTree>
+      <p:nvGrpSpPr>
+        <p:cNvPr id="1" name=""/>
+        <p:cNvGrpSpPr/>
+        <p:nvPr/>
+      </p:nvGrpSpPr>
+      <p:grpSpPr>
+        <a:xfrm>
+          <a:off x="0" y="0"/>
+          <a:ext cx="0" cy="0"/>
+          <a:chOff x="0" y="0"/>
+          <a:chExt cx="0" cy="0"/>
+        </a:xfrm>
+      </p:grpSpPr>
+      <p:sp>
+        <p:nvSpPr>
+          <p:cNvPr id="2" name="제목 1">
+            <a:extLst>
+              <a:ext uri="{FF2B5EF4-FFF2-40B4-BE49-F238E27FC236}">
+                <a16:creationId xmlns:a16="http://schemas.microsoft.com/office/drawing/2014/main" id="{34BA6AF7-3BA7-B9D7-4B9A-8008EFBA9B91}"/>
+              </a:ext>
+            </a:extLst>
+          </p:cNvPr>
+          <p:cNvSpPr>
+            <a:spLocks noGrp="1"/>
+          </p:cNvSpPr>
+          <p:nvPr>
+            <p:ph type="title"/>
+          </p:nvPr>
+        </p:nvSpPr>
+        <p:spPr/>
+        <p:txBody>
+          <a:bodyPr/>
+          <a:lstStyle/>
+          <a:p>
+            <a:r>
+              <a:rPr lang="en-US" altLang="ko-KR"/>
+              <a:t>7</a:t>
+            </a:r>
+            <a:r>
+              <a:rPr lang="ko-KR" altLang="en-US"/>
+              <a:t>절 </a:t>
+            </a:r>
+            <a:r>
+              <a:rPr lang="en-US" altLang="ko-KR"/>
+              <a:t>API </a:t>
+            </a:r>
+            <a:r>
+              <a:rPr lang="ko-KR" altLang="en-US"/>
+              <a:t>오용</a:t>
+            </a:r>
+          </a:p>
+        </p:txBody>
+      </p:sp>
+      <p:sp>
+        <p:nvSpPr>
+          <p:cNvPr id="3" name="내용 개체 틀 2">
+            <a:extLst>
+              <a:ext uri="{FF2B5EF4-FFF2-40B4-BE49-F238E27FC236}">
+                <a16:creationId xmlns:a16="http://schemas.microsoft.com/office/drawing/2014/main" id="{54294108-B9FD-B03A-434B-5E51C863B1BF}"/>
+              </a:ext>
+            </a:extLst>
+          </p:cNvPr>
+          <p:cNvSpPr>
+            <a:spLocks noGrp="1"/>
+          </p:cNvSpPr>
+          <p:nvPr>
+            <p:ph idx="1"/>
+          </p:nvPr>
+        </p:nvSpPr>
+        <p:spPr/>
+        <p:txBody>
+          <a:bodyPr/>
+          <a:lstStyle/>
+          <a:p>
+            <a:pPr marL="514350" indent="-514350">
+              <a:buAutoNum type="arabicPeriod"/>
+            </a:pPr>
+            <a:r>
+              <a:rPr lang="ko-KR" altLang="en-US"/>
+              <a:t>도메인명에 의존한 보안 결정</a:t>
+            </a:r>
+            <a:endParaRPr lang="en-US" altLang="ko-KR"/>
+          </a:p>
+          <a:p>
+            <a:pPr marL="514350" indent="-514350">
+              <a:buAutoNum type="arabicPeriod"/>
+            </a:pPr>
+            <a:r>
+              <a:rPr lang="ko-KR" altLang="en-US"/>
+              <a:t>위험한 함수 사용</a:t>
+            </a:r>
+            <a:endParaRPr lang="en-US" altLang="ko-KR"/>
+          </a:p>
+          <a:p>
+            <a:pPr marL="514350" indent="-514350">
+              <a:buAutoNum type="arabicPeriod"/>
+            </a:pPr>
+            <a:r>
+              <a:rPr lang="ko-KR" altLang="en-US"/>
+              <a:t>작업 디렉터리 변경 없는 </a:t>
+            </a:r>
+            <a:r>
+              <a:rPr lang="en-US" altLang="ko-KR"/>
+              <a:t>chroot jail</a:t>
+            </a:r>
+            <a:r>
+              <a:rPr lang="ko-KR" altLang="en-US"/>
+              <a:t> 생성</a:t>
+            </a:r>
+            <a:endParaRPr lang="en-US" altLang="ko-KR"/>
+          </a:p>
+          <a:p>
+            <a:pPr marL="514350" indent="-514350">
+              <a:buAutoNum type="arabicPeriod"/>
+            </a:pPr>
+            <a:r>
+              <a:rPr lang="ko-KR" altLang="en-US"/>
+              <a:t>버퍼 오버 플로우가 발생할 수 있는 문자열 연산 함수 호출</a:t>
+            </a:r>
+            <a:endParaRPr lang="en-US" altLang="ko-KR"/>
+          </a:p>
+          <a:p>
+            <a:pPr marL="514350" indent="-514350">
+              <a:buAutoNum type="arabicPeriod"/>
+            </a:pPr>
+            <a:r>
+              <a:rPr lang="ko-KR" altLang="en-US"/>
+              <a:t>다중 스레드 프로그램에서 </a:t>
+            </a:r>
+            <a:r>
+              <a:rPr lang="en-US" altLang="ko-KR"/>
+              <a:t>getlogin()</a:t>
+            </a:r>
+            <a:r>
+              <a:rPr lang="ko-KR" altLang="en-US"/>
+              <a:t> 사용</a:t>
+            </a:r>
+          </a:p>
+        </p:txBody>
+      </p:sp>
+    </p:spTree>
+    <p:extLst>
+      <p:ext uri="{BB962C8B-B14F-4D97-AF65-F5344CB8AC3E}">
+        <p14:creationId xmlns:p14="http://schemas.microsoft.com/office/powerpoint/2010/main" val="1151038920"/>
+      </p:ext>
+    </p:extLst>
+  </p:cSld>
+  <p:clrMapOvr>
+    <a:masterClrMapping/>
+  </p:clrMapOvr>
+</p:sld>
+</file>
+
+<file path=ppt/slides/slide11.xml><?xml version="1.0" encoding="utf-8"?>
+<p:sld xmlns:a="http://schemas.openxmlformats.org/drawingml/2006/main" xmlns:r="http://schemas.openxmlformats.org/officeDocument/2006/relationships" xmlns:p="http://schemas.openxmlformats.org/presentationml/2006/main">
+  <p:cSld>
+    <p:spTree>
+      <p:nvGrpSpPr>
+        <p:cNvPr id="1" name=""/>
+        <p:cNvGrpSpPr/>
+        <p:nvPr/>
+      </p:nvGrpSpPr>
+      <p:grpSpPr>
+        <a:xfrm>
+          <a:off x="0" y="0"/>
+          <a:ext cx="0" cy="0"/>
+          <a:chOff x="0" y="0"/>
+          <a:chExt cx="0" cy="0"/>
+        </a:xfrm>
+      </p:grpSpPr>
+      <p:sp>
+        <p:nvSpPr>
+          <p:cNvPr id="2" name="제목 1">
+            <a:extLst>
+              <a:ext uri="{FF2B5EF4-FFF2-40B4-BE49-F238E27FC236}">
+                <a16:creationId xmlns:a16="http://schemas.microsoft.com/office/drawing/2014/main" id="{15921F49-7D41-59E5-E27F-21F8AF38ECF5}"/>
+              </a:ext>
+            </a:extLst>
+          </p:cNvPr>
+          <p:cNvSpPr>
+            <a:spLocks noGrp="1"/>
+          </p:cNvSpPr>
+          <p:nvPr>
+            <p:ph type="title"/>
+          </p:nvPr>
+        </p:nvSpPr>
+        <p:spPr/>
+        <p:txBody>
+          <a:bodyPr/>
+          <a:lstStyle/>
+          <a:p>
+            <a:r>
+              <a:rPr lang="ko-KR" altLang="en-US"/>
+              <a:t>소감</a:t>
+            </a:r>
+          </a:p>
+        </p:txBody>
+      </p:sp>
+      <p:sp>
+        <p:nvSpPr>
+          <p:cNvPr id="3" name="내용 개체 틀 2">
+            <a:extLst>
+              <a:ext uri="{FF2B5EF4-FFF2-40B4-BE49-F238E27FC236}">
+                <a16:creationId xmlns:a16="http://schemas.microsoft.com/office/drawing/2014/main" id="{1620EEC6-6476-9C0A-A584-E34C541480BE}"/>
+              </a:ext>
+            </a:extLst>
+          </p:cNvPr>
+          <p:cNvSpPr>
+            <a:spLocks noGrp="1"/>
+          </p:cNvSpPr>
+          <p:nvPr>
+            <p:ph idx="1"/>
+          </p:nvPr>
+        </p:nvSpPr>
+        <p:spPr/>
+        <p:txBody>
+          <a:bodyPr/>
+          <a:lstStyle/>
+          <a:p>
+            <a:r>
+              <a:rPr lang="en-US" altLang="ko-KR"/>
+              <a:t> </a:t>
+            </a:r>
+            <a:r>
+              <a:rPr lang="ko-KR" altLang="en-US"/>
+              <a:t>홍서빈 </a:t>
+            </a:r>
+            <a:r>
+              <a:rPr lang="en-US" altLang="ko-KR"/>
+              <a:t>: </a:t>
+            </a:r>
+          </a:p>
+          <a:p>
+            <a:endParaRPr lang="en-US" altLang="ko-KR"/>
+          </a:p>
+          <a:p>
+            <a:r>
+              <a:rPr lang="ko-KR" altLang="en-US"/>
+              <a:t>양나은 </a:t>
+            </a:r>
+            <a:r>
+              <a:rPr lang="en-US" altLang="ko-KR"/>
+              <a:t>:</a:t>
+            </a:r>
+          </a:p>
+          <a:p>
+            <a:endParaRPr lang="en-US" altLang="ko-KR"/>
+          </a:p>
+          <a:p>
+            <a:r>
+              <a:rPr lang="ko-KR" altLang="en-US"/>
+              <a:t>이승현 </a:t>
+            </a:r>
+            <a:r>
+              <a:rPr lang="en-US" altLang="ko-KR"/>
+              <a:t>: </a:t>
+            </a:r>
+            <a:r>
+              <a:rPr lang="ko-KR" altLang="en-US"/>
+              <a:t>여러 부분에서 취약점이 발생할 수 있고</a:t>
+            </a:r>
+            <a:r>
+              <a:rPr lang="en-US" altLang="ko-KR"/>
+              <a:t>, </a:t>
+            </a:r>
+            <a:r>
+              <a:rPr lang="ko-KR" altLang="en-US"/>
+              <a:t>조금만 신경</a:t>
+            </a:r>
+            <a:r>
+              <a:rPr lang="en-US" altLang="ko-KR"/>
+              <a:t>		      </a:t>
+            </a:r>
+            <a:r>
+              <a:rPr lang="ko-KR" altLang="en-US"/>
+              <a:t>을 쓴다면 오류을 예방할 수 있다는 걸 느꼈다</a:t>
+            </a:r>
+            <a:r>
+              <a:rPr lang="en-US" altLang="ko-KR"/>
+              <a:t>.</a:t>
+            </a:r>
+          </a:p>
+          <a:p>
+            <a:pPr marL="0" indent="0">
+              <a:buNone/>
+            </a:pPr>
+            <a:endParaRPr lang="en-US" altLang="ko-KR"/>
+          </a:p>
+          <a:p>
+            <a:endParaRPr lang="en-US" altLang="ko-KR"/>
+          </a:p>
+        </p:txBody>
+      </p:sp>
+    </p:spTree>
+    <p:extLst>
+      <p:ext uri="{BB962C8B-B14F-4D97-AF65-F5344CB8AC3E}">
+        <p14:creationId xmlns:p14="http://schemas.microsoft.com/office/powerpoint/2010/main" val="2270072957"/>
+      </p:ext>
+    </p:extLst>
+  </p:cSld>
+  <p:clrMapOvr>
+    <a:masterClrMapping/>
+  </p:clrMapOvr>
+</p:sld>
+</file>
+
 <file path=ppt/slides/slide2.xml><?xml version="1.0" encoding="utf-8"?>
 <p:sld xmlns:a="http://schemas.openxmlformats.org/drawingml/2006/main" xmlns:r="http://schemas.openxmlformats.org/officeDocument/2006/relationships" xmlns:p="http://schemas.openxmlformats.org/presentationml/2006/main">
   <p:cSld>
@@ -4092,7 +4406,7 @@
           <p:cNvPr id="2" name="제목 1">
             <a:extLst>
               <a:ext uri="{FF2B5EF4-FFF2-40B4-BE49-F238E27FC236}">
-                <a16:creationId xmlns:a16="http://schemas.microsoft.com/office/drawing/2014/main" id="{15921F49-7D41-59E5-E27F-21F8AF38ECF5}"/>
+                <a16:creationId xmlns:a16="http://schemas.microsoft.com/office/drawing/2014/main" id="{5EC9C7C9-D9C6-D896-636C-96AC3F30D4F2}"/>
               </a:ext>
             </a:extLst>
           </p:cNvPr>
@@ -4109,49 +4423,147 @@
           <a:lstStyle/>
           <a:p>
             <a:r>
-              <a:rPr lang="ko-KR" altLang="en-US"/>
-              <a:t>요약</a:t>
-            </a:r>
+              <a:rPr lang="en-US" altLang="ko-KR" b="1"/>
+              <a:t>3</a:t>
+            </a:r>
+            <a:r>
+              <a:rPr lang="ko-KR" altLang="en-US" b="1"/>
+              <a:t>절 시간 및 상태</a:t>
+            </a:r>
+            <a:endParaRPr lang="ko-KR" altLang="en-US"/>
+          </a:p>
+        </p:txBody>
+      </p:sp>
+      <p:sp>
+        <p:nvSpPr>
+          <p:cNvPr id="3" name="내용 개체 틀 2">
+            <a:extLst>
+              <a:ext uri="{FF2B5EF4-FFF2-40B4-BE49-F238E27FC236}">
+                <a16:creationId xmlns:a16="http://schemas.microsoft.com/office/drawing/2014/main" id="{2E84F36B-78A4-F1F1-E911-71CB3DFA5067}"/>
+              </a:ext>
+            </a:extLst>
+          </p:cNvPr>
+          <p:cNvSpPr>
+            <a:spLocks noGrp="1"/>
+          </p:cNvSpPr>
+          <p:nvPr>
+            <p:ph idx="1"/>
+          </p:nvPr>
+        </p:nvSpPr>
+        <p:spPr>
+          <a:xfrm>
+            <a:off x="838200" y="1825625"/>
+            <a:ext cx="6108700" cy="4351338"/>
+          </a:xfrm>
+        </p:spPr>
+        <p:txBody>
+          <a:bodyPr/>
+          <a:lstStyle/>
+          <a:p>
+            <a:pPr marL="514350" indent="-514350">
+              <a:buAutoNum type="arabicPeriod"/>
+            </a:pPr>
+            <a:r>
+              <a:rPr lang="ko-KR" altLang="en-US"/>
+              <a:t>경쟁 조건</a:t>
+            </a:r>
+            <a:endParaRPr lang="en-US" altLang="ko-KR"/>
+          </a:p>
+          <a:p>
+            <a:pPr marL="0" indent="0">
+              <a:buNone/>
+            </a:pPr>
             <a:r>
               <a:rPr lang="en-US" altLang="ko-KR"/>
-              <a:t>3 </a:t>
-            </a:r>
-            <a:r>
-              <a:rPr lang="ko-KR" altLang="en-US"/>
-              <a:t>이승현</a:t>
-            </a:r>
-          </a:p>
-        </p:txBody>
-      </p:sp>
-      <p:sp>
-        <p:nvSpPr>
-          <p:cNvPr id="3" name="내용 개체 틀 2">
-            <a:extLst>
-              <a:ext uri="{FF2B5EF4-FFF2-40B4-BE49-F238E27FC236}">
-                <a16:creationId xmlns:a16="http://schemas.microsoft.com/office/drawing/2014/main" id="{1620EEC6-6476-9C0A-A584-E34C541480BE}"/>
-              </a:ext>
-            </a:extLst>
-          </p:cNvPr>
-          <p:cNvSpPr>
-            <a:spLocks noGrp="1"/>
-          </p:cNvSpPr>
-          <p:nvPr>
-            <p:ph idx="1"/>
-          </p:nvPr>
-        </p:nvSpPr>
-        <p:spPr/>
-        <p:txBody>
-          <a:bodyPr/>
-          <a:lstStyle/>
-          <a:p>
+              <a:t>: </a:t>
+            </a:r>
+            <a:r>
+              <a:rPr lang="ko-KR" altLang="en-US"/>
+              <a:t>검사 시점과 사용 시점이 달라 </a:t>
+            </a:r>
+            <a:endParaRPr lang="en-US" altLang="ko-KR"/>
+          </a:p>
+          <a:p>
+            <a:pPr marL="0" indent="0">
+              <a:buNone/>
+            </a:pPr>
+            <a:r>
+              <a:rPr lang="en-US" altLang="ko-KR"/>
+              <a:t>  </a:t>
+            </a:r>
+            <a:r>
+              <a:rPr lang="ko-KR" altLang="en-US"/>
+              <a:t>발생하는  취약점</a:t>
+            </a:r>
+            <a:endParaRPr lang="en-US" altLang="ko-KR"/>
+          </a:p>
+          <a:p>
+            <a:pPr marL="0" indent="0">
+              <a:buNone/>
+            </a:pPr>
+            <a:endParaRPr lang="en-US" altLang="ko-KR"/>
+          </a:p>
+          <a:p>
+            <a:pPr marL="0" indent="0">
+              <a:buNone/>
+            </a:pPr>
+            <a:r>
+              <a:rPr lang="en-US" altLang="ko-KR"/>
+              <a:t>2. </a:t>
+            </a:r>
+            <a:r>
+              <a:rPr lang="ko-KR" altLang="en-US"/>
+              <a:t>제어되지 않은 재귀</a:t>
+            </a:r>
+            <a:endParaRPr lang="en-US" altLang="ko-KR"/>
+          </a:p>
+          <a:p>
+            <a:pPr marL="0" indent="0">
+              <a:buNone/>
+            </a:pPr>
             <a:endParaRPr lang="ko-KR" altLang="en-US"/>
           </a:p>
         </p:txBody>
       </p:sp>
+      <p:pic>
+        <p:nvPicPr>
+          <p:cNvPr id="4" name="Picture 1">
+            <a:extLst>
+              <a:ext uri="{FF2B5EF4-FFF2-40B4-BE49-F238E27FC236}">
+                <a16:creationId xmlns:a16="http://schemas.microsoft.com/office/drawing/2014/main" id="{2B0FC29C-BA57-D048-406E-72A86CC8E6AC}"/>
+              </a:ext>
+            </a:extLst>
+          </p:cNvPr>
+          <p:cNvPicPr>
+            <a:picLocks noChangeAspect="1"/>
+          </p:cNvPicPr>
+          <p:nvPr/>
+        </p:nvPicPr>
+        <p:blipFill>
+          <a:blip r:embed="rId2"/>
+          <a:stretch>
+            <a:fillRect/>
+          </a:stretch>
+        </p:blipFill>
+        <p:spPr>
+          <a:xfrm>
+            <a:off x="6810976" y="1690688"/>
+            <a:ext cx="5245100" cy="4520165"/>
+          </a:xfrm>
+          <a:prstGeom prst="rect">
+            <a:avLst/>
+          </a:prstGeom>
+          <a:noFill/>
+          <a:ln>
+            <a:noFill/>
+          </a:ln>
+          <a:effectLst/>
+        </p:spPr>
+      </p:pic>
     </p:spTree>
     <p:extLst>
       <p:ext uri="{BB962C8B-B14F-4D97-AF65-F5344CB8AC3E}">
-        <p14:creationId xmlns:p14="http://schemas.microsoft.com/office/powerpoint/2010/main" val="2693502631"/>
+        <p14:creationId xmlns:p14="http://schemas.microsoft.com/office/powerpoint/2010/main" val="3411764632"/>
       </p:ext>
     </p:extLst>
   </p:cSld>
@@ -4183,7 +4595,7 @@
           <p:cNvPr id="2" name="제목 1">
             <a:extLst>
               <a:ext uri="{FF2B5EF4-FFF2-40B4-BE49-F238E27FC236}">
-                <a16:creationId xmlns:a16="http://schemas.microsoft.com/office/drawing/2014/main" id="{15921F49-7D41-59E5-E27F-21F8AF38ECF5}"/>
+                <a16:creationId xmlns:a16="http://schemas.microsoft.com/office/drawing/2014/main" id="{656374FD-B5B3-3EF1-7FF7-056E72BE41C2}"/>
               </a:ext>
             </a:extLst>
           </p:cNvPr>
@@ -4200,8 +4612,12 @@
           <a:lstStyle/>
           <a:p>
             <a:r>
-              <a:rPr lang="ko-KR" altLang="en-US"/>
-              <a:t>소감</a:t>
+              <a:rPr lang="en-US" altLang="ko-KR" b="1"/>
+              <a:t>4</a:t>
+            </a:r>
+            <a:r>
+              <a:rPr lang="ko-KR" altLang="en-US" b="1"/>
+              <a:t>절 에러처리</a:t>
             </a:r>
           </a:p>
         </p:txBody>
@@ -4211,7 +4627,7 @@
           <p:cNvPr id="3" name="내용 개체 틀 2">
             <a:extLst>
               <a:ext uri="{FF2B5EF4-FFF2-40B4-BE49-F238E27FC236}">
-                <a16:creationId xmlns:a16="http://schemas.microsoft.com/office/drawing/2014/main" id="{1620EEC6-6476-9C0A-A584-E34C541480BE}"/>
+                <a16:creationId xmlns:a16="http://schemas.microsoft.com/office/drawing/2014/main" id="{F8B4F7D4-6AB0-05D4-877B-FE42DCA438A1}"/>
               </a:ext>
             </a:extLst>
           </p:cNvPr>
@@ -4227,84 +4643,314 @@
           <a:bodyPr/>
           <a:lstStyle/>
           <a:p>
-            <a:r>
-              <a:rPr lang="en-US" altLang="ko-KR"/>
-              <a:t> </a:t>
-            </a:r>
-            <a:r>
-              <a:rPr lang="ko-KR" altLang="en-US"/>
-              <a:t>홍서빈 </a:t>
-            </a:r>
-            <a:r>
-              <a:rPr lang="en-US" altLang="ko-KR"/>
-              <a:t>: </a:t>
-            </a:r>
-          </a:p>
-          <a:p>
+            <a:pPr marL="514350" indent="-514350">
+              <a:buAutoNum type="arabicPeriod"/>
+            </a:pPr>
+            <a:r>
+              <a:rPr lang="ko-KR" altLang="en-US"/>
+              <a:t>오류 메시지를 통한 정보 노출</a:t>
+            </a:r>
             <a:endParaRPr lang="en-US" altLang="ko-KR"/>
           </a:p>
           <a:p>
-            <a:r>
-              <a:rPr lang="ko-KR" altLang="en-US"/>
-              <a:t>양나은 </a:t>
-            </a:r>
-            <a:r>
-              <a:rPr lang="en-US" altLang="ko-KR"/>
-              <a:t>:</a:t>
-            </a:r>
-          </a:p>
-          <a:p>
+            <a:pPr marL="514350" indent="-514350">
+              <a:buAutoNum type="arabicPeriod"/>
+            </a:pPr>
+            <a:r>
+              <a:rPr lang="ko-KR" altLang="en-US"/>
+              <a:t>오류 상황 대응 부재</a:t>
+            </a:r>
             <a:endParaRPr lang="en-US" altLang="ko-KR"/>
           </a:p>
           <a:p>
-            <a:r>
-              <a:rPr lang="ko-KR" altLang="en-US"/>
-              <a:t>이승현 </a:t>
-            </a:r>
-            <a:r>
-              <a:rPr lang="en-US" altLang="ko-KR"/>
-              <a:t>: </a:t>
-            </a:r>
-            <a:r>
-              <a:rPr lang="ko-KR" altLang="en-US"/>
-              <a:t>여러 부분에서 취약점이 발생할 수 있고</a:t>
-            </a:r>
-            <a:r>
-              <a:rPr lang="en-US" altLang="ko-KR"/>
-              <a:t>, </a:t>
-            </a:r>
-            <a:r>
-              <a:rPr lang="ko-KR" altLang="en-US"/>
-              <a:t>조금만 신경</a:t>
-            </a:r>
-            <a:r>
-              <a:rPr lang="en-US" altLang="ko-KR"/>
-              <a:t>		      </a:t>
-            </a:r>
-            <a:r>
-              <a:rPr lang="ko-KR" altLang="en-US"/>
-              <a:t>을 쓴다면 오류을 예방할 수 있다는 걸 느꼈다</a:t>
-            </a:r>
-            <a:r>
-              <a:rPr lang="en-US" altLang="ko-KR"/>
-              <a:t>.</a:t>
-            </a:r>
-          </a:p>
-          <a:p>
-            <a:pPr marL="0" indent="0">
-              <a:buNone/>
+            <a:pPr marL="514350" indent="-514350">
+              <a:buAutoNum type="arabicPeriod"/>
             </a:pPr>
-            <a:endParaRPr lang="en-US" altLang="ko-KR"/>
-          </a:p>
-          <a:p>
-            <a:endParaRPr lang="en-US" altLang="ko-KR"/>
+            <a:r>
+              <a:rPr lang="ko-KR" altLang="en-US"/>
+              <a:t>적절하지 않은 예외처리</a:t>
+            </a:r>
           </a:p>
         </p:txBody>
       </p:sp>
     </p:spTree>
     <p:extLst>
       <p:ext uri="{BB962C8B-B14F-4D97-AF65-F5344CB8AC3E}">
-        <p14:creationId xmlns:p14="http://schemas.microsoft.com/office/powerpoint/2010/main" val="2270072957"/>
+        <p14:creationId xmlns:p14="http://schemas.microsoft.com/office/powerpoint/2010/main" val="3413742210"/>
+      </p:ext>
+    </p:extLst>
+  </p:cSld>
+  <p:clrMapOvr>
+    <a:masterClrMapping/>
+  </p:clrMapOvr>
+</p:sld>
+</file>
+
+<file path=ppt/slides/slide8.xml><?xml version="1.0" encoding="utf-8"?>
+<p:sld xmlns:a="http://schemas.openxmlformats.org/drawingml/2006/main" xmlns:r="http://schemas.openxmlformats.org/officeDocument/2006/relationships" xmlns:p="http://schemas.openxmlformats.org/presentationml/2006/main">
+  <p:cSld>
+    <p:spTree>
+      <p:nvGrpSpPr>
+        <p:cNvPr id="1" name=""/>
+        <p:cNvGrpSpPr/>
+        <p:nvPr/>
+      </p:nvGrpSpPr>
+      <p:grpSpPr>
+        <a:xfrm>
+          <a:off x="0" y="0"/>
+          <a:ext cx="0" cy="0"/>
+          <a:chOff x="0" y="0"/>
+          <a:chExt cx="0" cy="0"/>
+        </a:xfrm>
+      </p:grpSpPr>
+      <p:sp>
+        <p:nvSpPr>
+          <p:cNvPr id="2" name="제목 1">
+            <a:extLst>
+              <a:ext uri="{FF2B5EF4-FFF2-40B4-BE49-F238E27FC236}">
+                <a16:creationId xmlns:a16="http://schemas.microsoft.com/office/drawing/2014/main" id="{BB7460B0-7D1B-766A-4F43-5B58BA4D108F}"/>
+              </a:ext>
+            </a:extLst>
+          </p:cNvPr>
+          <p:cNvSpPr>
+            <a:spLocks noGrp="1"/>
+          </p:cNvSpPr>
+          <p:nvPr>
+            <p:ph type="title"/>
+          </p:nvPr>
+        </p:nvSpPr>
+        <p:spPr/>
+        <p:txBody>
+          <a:bodyPr/>
+          <a:lstStyle/>
+          <a:p>
+            <a:r>
+              <a:rPr lang="en-US" altLang="ko-KR" b="1"/>
+              <a:t>5</a:t>
+            </a:r>
+            <a:r>
+              <a:rPr lang="ko-KR" altLang="en-US" b="1"/>
+              <a:t>절 코드 오류</a:t>
+            </a:r>
+          </a:p>
+        </p:txBody>
+      </p:sp>
+      <p:sp>
+        <p:nvSpPr>
+          <p:cNvPr id="3" name="내용 개체 틀 2">
+            <a:extLst>
+              <a:ext uri="{FF2B5EF4-FFF2-40B4-BE49-F238E27FC236}">
+                <a16:creationId xmlns:a16="http://schemas.microsoft.com/office/drawing/2014/main" id="{5F2EA4B3-94D2-F598-4A31-06CE254562FA}"/>
+              </a:ext>
+            </a:extLst>
+          </p:cNvPr>
+          <p:cNvSpPr>
+            <a:spLocks noGrp="1"/>
+          </p:cNvSpPr>
+          <p:nvPr>
+            <p:ph idx="1"/>
+          </p:nvPr>
+        </p:nvSpPr>
+        <p:spPr/>
+        <p:txBody>
+          <a:bodyPr/>
+          <a:lstStyle/>
+          <a:p>
+            <a:pPr marL="514350" indent="-514350">
+              <a:buAutoNum type="arabicPeriod"/>
+            </a:pPr>
+            <a:r>
+              <a:rPr lang="ko-KR" altLang="en-US"/>
+              <a:t>널포인트 역참조</a:t>
+            </a:r>
+            <a:endParaRPr lang="en-US" altLang="ko-KR"/>
+          </a:p>
+          <a:p>
+            <a:pPr marL="514350" indent="-514350">
+              <a:buAutoNum type="arabicPeriod"/>
+            </a:pPr>
+            <a:r>
+              <a:rPr lang="ko-KR" altLang="en-US"/>
+              <a:t>부적절한 자원 해제</a:t>
+            </a:r>
+            <a:endParaRPr lang="en-US" altLang="ko-KR"/>
+          </a:p>
+          <a:p>
+            <a:pPr marL="514350" indent="-514350">
+              <a:buAutoNum type="arabicPeriod"/>
+            </a:pPr>
+            <a:r>
+              <a:rPr lang="ko-KR" altLang="en-US"/>
+              <a:t>무부호 타입</a:t>
+            </a:r>
+            <a:r>
+              <a:rPr lang="en-US" altLang="ko-KR"/>
+              <a:t>(unsigned integer)</a:t>
+            </a:r>
+            <a:r>
+              <a:rPr lang="ko-KR" altLang="en-US"/>
+              <a:t>으로 변환 오류</a:t>
+            </a:r>
+            <a:endParaRPr lang="en-US" altLang="ko-KR"/>
+          </a:p>
+          <a:p>
+            <a:pPr marL="514350" indent="-514350">
+              <a:buAutoNum type="arabicPeriod"/>
+            </a:pPr>
+            <a:r>
+              <a:rPr lang="ko-KR" altLang="en-US"/>
+              <a:t>스택 변수 주소 리턴</a:t>
+            </a:r>
+            <a:endParaRPr lang="en-US" altLang="ko-KR"/>
+          </a:p>
+          <a:p>
+            <a:pPr marL="514350" indent="-514350">
+              <a:buAutoNum type="arabicPeriod"/>
+            </a:pPr>
+            <a:r>
+              <a:rPr lang="ko-KR" altLang="en-US"/>
+              <a:t>매크로의 잘못된 사용</a:t>
+            </a:r>
+            <a:endParaRPr lang="en-US" altLang="ko-KR"/>
+          </a:p>
+          <a:p>
+            <a:pPr marL="514350" indent="-514350">
+              <a:buAutoNum type="arabicPeriod"/>
+            </a:pPr>
+            <a:r>
+              <a:rPr lang="ko-KR" altLang="en-US"/>
+              <a:t>스택 주소 해제</a:t>
+            </a:r>
+            <a:endParaRPr lang="en-US" altLang="ko-KR"/>
+          </a:p>
+          <a:p>
+            <a:pPr marL="514350" indent="-514350">
+              <a:buAutoNum type="arabicPeriod"/>
+            </a:pPr>
+            <a:r>
+              <a:rPr lang="ko-KR" altLang="en-US"/>
+              <a:t>스레드 조기 종료</a:t>
+            </a:r>
+            <a:endParaRPr lang="en-US" altLang="ko-KR"/>
+          </a:p>
+          <a:p>
+            <a:pPr marL="514350" indent="-514350">
+              <a:buAutoNum type="arabicPeriod"/>
+            </a:pPr>
+            <a:r>
+              <a:rPr lang="ko-KR" altLang="en-US"/>
+              <a:t>무한 자원 할당</a:t>
+            </a:r>
+          </a:p>
+        </p:txBody>
+      </p:sp>
+    </p:spTree>
+    <p:extLst>
+      <p:ext uri="{BB962C8B-B14F-4D97-AF65-F5344CB8AC3E}">
+        <p14:creationId xmlns:p14="http://schemas.microsoft.com/office/powerpoint/2010/main" val="536930759"/>
+      </p:ext>
+    </p:extLst>
+  </p:cSld>
+  <p:clrMapOvr>
+    <a:masterClrMapping/>
+  </p:clrMapOvr>
+</p:sld>
+</file>
+
+<file path=ppt/slides/slide9.xml><?xml version="1.0" encoding="utf-8"?>
+<p:sld xmlns:a="http://schemas.openxmlformats.org/drawingml/2006/main" xmlns:r="http://schemas.openxmlformats.org/officeDocument/2006/relationships" xmlns:p="http://schemas.openxmlformats.org/presentationml/2006/main">
+  <p:cSld>
+    <p:spTree>
+      <p:nvGrpSpPr>
+        <p:cNvPr id="1" name=""/>
+        <p:cNvGrpSpPr/>
+        <p:nvPr/>
+      </p:nvGrpSpPr>
+      <p:grpSpPr>
+        <a:xfrm>
+          <a:off x="0" y="0"/>
+          <a:ext cx="0" cy="0"/>
+          <a:chOff x="0" y="0"/>
+          <a:chExt cx="0" cy="0"/>
+        </a:xfrm>
+      </p:grpSpPr>
+      <p:sp>
+        <p:nvSpPr>
+          <p:cNvPr id="2" name="제목 1">
+            <a:extLst>
+              <a:ext uri="{FF2B5EF4-FFF2-40B4-BE49-F238E27FC236}">
+                <a16:creationId xmlns:a16="http://schemas.microsoft.com/office/drawing/2014/main" id="{9C51D5ED-0C81-9A61-464B-CBC11AB0C77C}"/>
+              </a:ext>
+            </a:extLst>
+          </p:cNvPr>
+          <p:cNvSpPr>
+            <a:spLocks noGrp="1"/>
+          </p:cNvSpPr>
+          <p:nvPr>
+            <p:ph type="title"/>
+          </p:nvPr>
+        </p:nvSpPr>
+        <p:spPr/>
+        <p:txBody>
+          <a:bodyPr/>
+          <a:lstStyle/>
+          <a:p>
+            <a:r>
+              <a:rPr lang="en-US" altLang="ko-KR" b="1"/>
+              <a:t>6</a:t>
+            </a:r>
+            <a:r>
+              <a:rPr lang="ko-KR" altLang="en-US" b="1"/>
+              <a:t>절 캡슐화</a:t>
+            </a:r>
+          </a:p>
+        </p:txBody>
+      </p:sp>
+      <p:sp>
+        <p:nvSpPr>
+          <p:cNvPr id="3" name="내용 개체 틀 2">
+            <a:extLst>
+              <a:ext uri="{FF2B5EF4-FFF2-40B4-BE49-F238E27FC236}">
+                <a16:creationId xmlns:a16="http://schemas.microsoft.com/office/drawing/2014/main" id="{EA831A3E-7533-45B0-4190-04F49D5E6408}"/>
+              </a:ext>
+            </a:extLst>
+          </p:cNvPr>
+          <p:cNvSpPr>
+            <a:spLocks noGrp="1"/>
+          </p:cNvSpPr>
+          <p:nvPr>
+            <p:ph idx="1"/>
+          </p:nvPr>
+        </p:nvSpPr>
+        <p:spPr/>
+        <p:txBody>
+          <a:bodyPr/>
+          <a:lstStyle/>
+          <a:p>
+            <a:pPr marL="514350" indent="-514350">
+              <a:buAutoNum type="arabicPeriod"/>
+            </a:pPr>
+            <a:r>
+              <a:rPr lang="ko-KR" altLang="en-US"/>
+              <a:t>제거되지 않은 디버그 코드</a:t>
+            </a:r>
+            <a:endParaRPr lang="en-US" altLang="ko-KR"/>
+          </a:p>
+          <a:p>
+            <a:pPr marL="514350" indent="-514350">
+              <a:buAutoNum type="arabicPeriod"/>
+            </a:pPr>
+            <a:r>
+              <a:rPr lang="ko-KR" altLang="en-US"/>
+              <a:t>시스템 데이터 정보 노출</a:t>
+            </a:r>
+          </a:p>
+        </p:txBody>
+      </p:sp>
+    </p:spTree>
+    <p:extLst>
+      <p:ext uri="{BB962C8B-B14F-4D97-AF65-F5344CB8AC3E}">
+        <p14:creationId xmlns:p14="http://schemas.microsoft.com/office/powerpoint/2010/main" val="611997382"/>
       </p:ext>
     </p:extLst>
   </p:cSld>

--- a/발표자료/Secure Coding 발표자료.pptx
+++ b/발표자료/Secure Coding 발표자료.pptx
@@ -125,9 +125,55 @@
 <file path=ppt/revisionInfo.xml><?xml version="1.0" encoding="utf-8"?>
 <p1510:revInfo xmlns:a="http://schemas.openxmlformats.org/drawingml/2006/main" xmlns:r="http://schemas.openxmlformats.org/officeDocument/2006/relationships" xmlns:p1510="http://schemas.microsoft.com/office/powerpoint/2015/10/main">
   <p1510:revLst>
+    <p1510:client id="{70C8E0C6-2751-40C2-BDD7-9FDB41508BDB}" v="51" dt="2022-08-11T06:13:28.855"/>
     <p1510:client id="{E40C6577-B879-4DCF-B1E5-C50637C2442F}" v="126" dt="2022-08-10T14:05:45.077"/>
   </p1510:revLst>
 </p1510:revInfo>
+</file>
+
+<file path=ppt/changesInfos/changesInfo1.xml><?xml version="1.0" encoding="utf-8"?>
+<pc:chgInfo xmlns:a="http://schemas.openxmlformats.org/drawingml/2006/main" xmlns:r="http://schemas.openxmlformats.org/officeDocument/2006/relationships" xmlns:ac="http://schemas.microsoft.com/office/drawing/2013/main/command" xmlns:pc="http://schemas.microsoft.com/office/powerpoint/2013/main/command">
+  <pc:docChgLst>
+    <pc:chgData name="양 나은" userId="a5807b44723fbc74" providerId="LiveId" clId="{70C8E0C6-2751-40C2-BDD7-9FDB41508BDB}"/>
+    <pc:docChg chg="undo redo custSel modSld">
+      <pc:chgData name="양 나은" userId="a5807b44723fbc74" providerId="LiveId" clId="{70C8E0C6-2751-40C2-BDD7-9FDB41508BDB}" dt="2022-08-11T06:14:52.476" v="725" actId="403"/>
+      <pc:docMkLst>
+        <pc:docMk/>
+      </pc:docMkLst>
+      <pc:sldChg chg="addSp delSp modSp mod">
+        <pc:chgData name="양 나은" userId="a5807b44723fbc74" providerId="LiveId" clId="{70C8E0C6-2751-40C2-BDD7-9FDB41508BDB}" dt="2022-08-11T06:14:52.476" v="725" actId="403"/>
+        <pc:sldMkLst>
+          <pc:docMk/>
+          <pc:sldMk cId="2696821859" sldId="261"/>
+        </pc:sldMkLst>
+        <pc:spChg chg="mod">
+          <ac:chgData name="양 나은" userId="a5807b44723fbc74" providerId="LiveId" clId="{70C8E0C6-2751-40C2-BDD7-9FDB41508BDB}" dt="2022-08-11T06:10:13.643" v="548" actId="1035"/>
+          <ac:spMkLst>
+            <pc:docMk/>
+            <pc:sldMk cId="2696821859" sldId="261"/>
+            <ac:spMk id="2" creationId="{15921F49-7D41-59E5-E27F-21F8AF38ECF5}"/>
+          </ac:spMkLst>
+        </pc:spChg>
+        <pc:spChg chg="mod">
+          <ac:chgData name="양 나은" userId="a5807b44723fbc74" providerId="LiveId" clId="{70C8E0C6-2751-40C2-BDD7-9FDB41508BDB}" dt="2022-08-11T06:14:52.476" v="725" actId="403"/>
+          <ac:spMkLst>
+            <pc:docMk/>
+            <pc:sldMk cId="2696821859" sldId="261"/>
+            <ac:spMk id="3" creationId="{1620EEC6-6476-9C0A-A584-E34C541480BE}"/>
+          </ac:spMkLst>
+        </pc:spChg>
+        <pc:spChg chg="add del mod">
+          <ac:chgData name="양 나은" userId="a5807b44723fbc74" providerId="LiveId" clId="{70C8E0C6-2751-40C2-BDD7-9FDB41508BDB}" dt="2022-08-11T04:46:38.185" v="1"/>
+          <ac:spMkLst>
+            <pc:docMk/>
+            <pc:sldMk cId="2696821859" sldId="261"/>
+            <ac:spMk id="4" creationId="{B25F70FD-260D-0290-C9A7-62700B377F03}"/>
+          </ac:spMkLst>
+        </pc:spChg>
+      </pc:sldChg>
+    </pc:docChg>
+  </pc:docChgLst>
+</pc:chgInfo>
 </file>
 
 <file path=ppt/slideLayouts/slideLayout1.xml><?xml version="1.0" encoding="utf-8"?>
@@ -277,7 +323,7 @@
           <a:p>
             <a:fld id="{2782AC93-F6DD-4622-A5C9-A8B67B2B8CF0}" type="datetimeFigureOut">
               <a:rPr lang="ko-KR" altLang="en-US" smtClean="0"/>
-              <a:t>2022-08-10</a:t>
+              <a:t>2022-08-11</a:t>
             </a:fld>
             <a:endParaRPr lang="ko-KR" altLang="en-US"/>
           </a:p>
@@ -475,7 +521,7 @@
           <a:p>
             <a:fld id="{2782AC93-F6DD-4622-A5C9-A8B67B2B8CF0}" type="datetimeFigureOut">
               <a:rPr lang="ko-KR" altLang="en-US" smtClean="0"/>
-              <a:t>2022-08-10</a:t>
+              <a:t>2022-08-11</a:t>
             </a:fld>
             <a:endParaRPr lang="ko-KR" altLang="en-US"/>
           </a:p>
@@ -683,7 +729,7 @@
           <a:p>
             <a:fld id="{2782AC93-F6DD-4622-A5C9-A8B67B2B8CF0}" type="datetimeFigureOut">
               <a:rPr lang="ko-KR" altLang="en-US" smtClean="0"/>
-              <a:t>2022-08-10</a:t>
+              <a:t>2022-08-11</a:t>
             </a:fld>
             <a:endParaRPr lang="ko-KR" altLang="en-US"/>
           </a:p>
@@ -881,7 +927,7 @@
           <a:p>
             <a:fld id="{2782AC93-F6DD-4622-A5C9-A8B67B2B8CF0}" type="datetimeFigureOut">
               <a:rPr lang="ko-KR" altLang="en-US" smtClean="0"/>
-              <a:t>2022-08-10</a:t>
+              <a:t>2022-08-11</a:t>
             </a:fld>
             <a:endParaRPr lang="ko-KR" altLang="en-US"/>
           </a:p>
@@ -1156,7 +1202,7 @@
           <a:p>
             <a:fld id="{2782AC93-F6DD-4622-A5C9-A8B67B2B8CF0}" type="datetimeFigureOut">
               <a:rPr lang="ko-KR" altLang="en-US" smtClean="0"/>
-              <a:t>2022-08-10</a:t>
+              <a:t>2022-08-11</a:t>
             </a:fld>
             <a:endParaRPr lang="ko-KR" altLang="en-US"/>
           </a:p>
@@ -1421,7 +1467,7 @@
           <a:p>
             <a:fld id="{2782AC93-F6DD-4622-A5C9-A8B67B2B8CF0}" type="datetimeFigureOut">
               <a:rPr lang="ko-KR" altLang="en-US" smtClean="0"/>
-              <a:t>2022-08-10</a:t>
+              <a:t>2022-08-11</a:t>
             </a:fld>
             <a:endParaRPr lang="ko-KR" altLang="en-US"/>
           </a:p>
@@ -1833,7 +1879,7 @@
           <a:p>
             <a:fld id="{2782AC93-F6DD-4622-A5C9-A8B67B2B8CF0}" type="datetimeFigureOut">
               <a:rPr lang="ko-KR" altLang="en-US" smtClean="0"/>
-              <a:t>2022-08-10</a:t>
+              <a:t>2022-08-11</a:t>
             </a:fld>
             <a:endParaRPr lang="ko-KR" altLang="en-US"/>
           </a:p>
@@ -1974,7 +2020,7 @@
           <a:p>
             <a:fld id="{2782AC93-F6DD-4622-A5C9-A8B67B2B8CF0}" type="datetimeFigureOut">
               <a:rPr lang="ko-KR" altLang="en-US" smtClean="0"/>
-              <a:t>2022-08-10</a:t>
+              <a:t>2022-08-11</a:t>
             </a:fld>
             <a:endParaRPr lang="ko-KR" altLang="en-US"/>
           </a:p>
@@ -2087,7 +2133,7 @@
           <a:p>
             <a:fld id="{2782AC93-F6DD-4622-A5C9-A8B67B2B8CF0}" type="datetimeFigureOut">
               <a:rPr lang="ko-KR" altLang="en-US" smtClean="0"/>
-              <a:t>2022-08-10</a:t>
+              <a:t>2022-08-11</a:t>
             </a:fld>
             <a:endParaRPr lang="ko-KR" altLang="en-US"/>
           </a:p>
@@ -2398,7 +2444,7 @@
           <a:p>
             <a:fld id="{2782AC93-F6DD-4622-A5C9-A8B67B2B8CF0}" type="datetimeFigureOut">
               <a:rPr lang="ko-KR" altLang="en-US" smtClean="0"/>
-              <a:t>2022-08-10</a:t>
+              <a:t>2022-08-11</a:t>
             </a:fld>
             <a:endParaRPr lang="ko-KR" altLang="en-US"/>
           </a:p>
@@ -2686,7 +2732,7 @@
           <a:p>
             <a:fld id="{2782AC93-F6DD-4622-A5C9-A8B67B2B8CF0}" type="datetimeFigureOut">
               <a:rPr lang="ko-KR" altLang="en-US" smtClean="0"/>
-              <a:t>2022-08-10</a:t>
+              <a:t>2022-08-11</a:t>
             </a:fld>
             <a:endParaRPr lang="ko-KR" altLang="en-US"/>
           </a:p>
@@ -2927,7 +2973,7 @@
           <a:p>
             <a:fld id="{2782AC93-F6DD-4622-A5C9-A8B67B2B8CF0}" type="datetimeFigureOut">
               <a:rPr lang="ko-KR" altLang="en-US" smtClean="0"/>
-              <a:t>2022-08-10</a:t>
+              <a:t>2022-08-11</a:t>
             </a:fld>
             <a:endParaRPr lang="ko-KR" altLang="en-US"/>
           </a:p>
@@ -4325,49 +4371,161 @@
           <a:lstStyle/>
           <a:p>
             <a:r>
-              <a:rPr lang="ko-KR" altLang="en-US"/>
-              <a:t>요약</a:t>
-            </a:r>
+              <a:rPr lang="en-US" altLang="ko-KR" b="1"/>
+              <a:t>2</a:t>
+            </a:r>
+            <a:r>
+              <a:rPr lang="ko-KR" altLang="en-US" b="1"/>
+              <a:t>절 보안기능</a:t>
+            </a:r>
+            <a:endParaRPr lang="ko-KR" altLang="en-US"/>
+          </a:p>
+        </p:txBody>
+      </p:sp>
+      <p:sp>
+        <p:nvSpPr>
+          <p:cNvPr id="3" name="내용 개체 틀 2">
+            <a:extLst>
+              <a:ext uri="{FF2B5EF4-FFF2-40B4-BE49-F238E27FC236}">
+                <a16:creationId xmlns:a16="http://schemas.microsoft.com/office/drawing/2014/main" id="{1620EEC6-6476-9C0A-A584-E34C541480BE}"/>
+              </a:ext>
+            </a:extLst>
+          </p:cNvPr>
+          <p:cNvSpPr>
+            <a:spLocks noGrp="1"/>
+          </p:cNvSpPr>
+          <p:nvPr>
+            <p:ph idx="1"/>
+          </p:nvPr>
+        </p:nvSpPr>
+        <p:spPr>
+          <a:xfrm>
+            <a:off x="435429" y="1515292"/>
+            <a:ext cx="11303725" cy="4789714"/>
+          </a:xfrm>
+        </p:spPr>
+        <p:txBody>
+          <a:bodyPr/>
+          <a:lstStyle/>
+          <a:p>
+            <a:pPr marL="514350" indent="-514350">
+              <a:buAutoNum type="arabicPeriod"/>
+            </a:pPr>
+            <a:r>
+              <a:rPr lang="ko-KR" altLang="en-US"/>
+              <a:t>패스워드 평문 저장</a:t>
+            </a:r>
+            <a:endParaRPr lang="en-US" altLang="ko-KR"/>
+          </a:p>
+          <a:p>
+            <a:pPr marL="0" indent="0">
+              <a:buNone/>
+            </a:pPr>
+            <a:r>
+              <a:rPr lang="en-US" altLang="ko-KR" sz="3200"/>
+              <a:t>  </a:t>
+            </a:r>
+            <a:r>
+              <a:rPr lang="ko-KR" altLang="en-US" sz="2000">
+                <a:sym typeface="Wingdings" panose="05000000000000000000" pitchFamily="2" charset="2"/>
+              </a:rPr>
+              <a:t> 문제 </a:t>
+            </a:r>
+            <a:r>
+              <a:rPr lang="en-US" altLang="ko-KR" sz="2000">
+                <a:sym typeface="Wingdings" panose="05000000000000000000" pitchFamily="2" charset="2"/>
+              </a:rPr>
+              <a:t>: </a:t>
+            </a:r>
+            <a:r>
+              <a:rPr lang="ko-KR" altLang="en-US" sz="2000">
+                <a:sym typeface="Wingdings" panose="05000000000000000000" pitchFamily="2" charset="2"/>
+              </a:rPr>
+              <a:t>환경설정 파일에 접근할 수 있는 사람 누구나 패스워드를 알아낼 수 있다</a:t>
+            </a:r>
+            <a:r>
+              <a:rPr lang="en-US" altLang="ko-KR" sz="2000">
+                <a:sym typeface="Wingdings" panose="05000000000000000000" pitchFamily="2" charset="2"/>
+              </a:rPr>
+              <a:t>.</a:t>
+            </a:r>
+          </a:p>
+          <a:p>
+            <a:pPr marL="0" indent="0">
+              <a:buNone/>
+            </a:pPr>
+            <a:r>
+              <a:rPr lang="en-US" altLang="ko-KR" sz="2000">
+                <a:sym typeface="Wingdings" panose="05000000000000000000" pitchFamily="2" charset="2"/>
+              </a:rPr>
+              <a:t>   </a:t>
+            </a:r>
+            <a:r>
+              <a:rPr lang="ko-KR" altLang="en-US" sz="2000">
+                <a:sym typeface="Wingdings" panose="05000000000000000000" pitchFamily="2" charset="2"/>
+              </a:rPr>
+              <a:t> 해결방안 </a:t>
+            </a:r>
+            <a:r>
+              <a:rPr lang="en-US" altLang="ko-KR" sz="2000">
+                <a:sym typeface="Wingdings" panose="05000000000000000000" pitchFamily="2" charset="2"/>
+              </a:rPr>
+              <a:t>: </a:t>
+            </a:r>
+            <a:r>
+              <a:rPr lang="ko-KR" altLang="en-US" sz="2000">
+                <a:sym typeface="Wingdings" panose="05000000000000000000" pitchFamily="2" charset="2"/>
+              </a:rPr>
+              <a:t>패스워드는 암호화해서 파일로 저장하도록 설계한다</a:t>
+            </a:r>
+            <a:r>
+              <a:rPr lang="en-US" altLang="ko-KR" sz="2000">
+                <a:sym typeface="Wingdings" panose="05000000000000000000" pitchFamily="2" charset="2"/>
+              </a:rPr>
+              <a:t>.</a:t>
+            </a:r>
+            <a:endParaRPr lang="en-US" altLang="ko-KR" sz="2000"/>
+          </a:p>
+          <a:p>
+            <a:pPr marL="0" indent="0">
+              <a:buNone/>
+            </a:pPr>
             <a:r>
               <a:rPr lang="en-US" altLang="ko-KR"/>
-              <a:t>2 </a:t>
-            </a:r>
-            <a:r>
-              <a:rPr lang="ko-KR" altLang="en-US"/>
-              <a:t>양나은</a:t>
-            </a:r>
-          </a:p>
-        </p:txBody>
-      </p:sp>
-      <p:sp>
-        <p:nvSpPr>
-          <p:cNvPr id="3" name="내용 개체 틀 2">
-            <a:extLst>
-              <a:ext uri="{FF2B5EF4-FFF2-40B4-BE49-F238E27FC236}">
-                <a16:creationId xmlns:a16="http://schemas.microsoft.com/office/drawing/2014/main" id="{1620EEC6-6476-9C0A-A584-E34C541480BE}"/>
-              </a:ext>
-            </a:extLst>
-          </p:cNvPr>
-          <p:cNvSpPr>
-            <a:spLocks noGrp="1"/>
-          </p:cNvSpPr>
-          <p:nvPr>
-            <p:ph idx="1"/>
-          </p:nvPr>
-        </p:nvSpPr>
-        <p:spPr/>
-        <p:txBody>
-          <a:bodyPr/>
-          <a:lstStyle/>
-          <a:p>
-            <a:r>
-              <a:rPr lang="ko-KR" altLang="en-US"/>
-              <a:t>형식은 자유로</a:t>
+              <a:t>2. </a:t>
+            </a:r>
+            <a:r>
+              <a:rPr lang="ko-KR" altLang="en-US"/>
+              <a:t>주석문 안에 포함된 패스워드 등 시스템 주요정보</a:t>
             </a:r>
             <a:endParaRPr lang="en-US" altLang="ko-KR"/>
           </a:p>
           <a:p>
-            <a:endParaRPr lang="ko-KR" altLang="en-US"/>
+            <a:pPr marL="0" indent="0">
+              <a:buNone/>
+            </a:pPr>
+            <a:r>
+              <a:rPr lang="en-US" altLang="ko-KR"/>
+              <a:t>3. </a:t>
+            </a:r>
+            <a:r>
+              <a:rPr lang="ko-KR" altLang="en-US"/>
+              <a:t>하드코드된 사용자 계정</a:t>
+            </a:r>
+            <a:endParaRPr lang="en-US" altLang="ko-KR"/>
+          </a:p>
+          <a:p>
+            <a:pPr marL="0" indent="0">
+              <a:buNone/>
+            </a:pPr>
+            <a:r>
+              <a:rPr lang="en-US" altLang="ko-KR"/>
+              <a:t>4. </a:t>
+            </a:r>
+            <a:r>
+              <a:rPr lang="ko-KR" altLang="en-US"/>
+              <a:t>잘못된 권한 부여</a:t>
+            </a:r>
           </a:p>
         </p:txBody>
       </p:sp>

--- a/발표자료/Secure Coding 발표자료.pptx
+++ b/발표자료/Secure Coding 발표자료.pptx
@@ -9,7 +9,7 @@
     <p:sldId id="257" r:id="rId3"/>
     <p:sldId id="259" r:id="rId4"/>
     <p:sldId id="260" r:id="rId5"/>
-    <p:sldId id="261" r:id="rId6"/>
+    <p:sldId id="270" r:id="rId6"/>
     <p:sldId id="265" r:id="rId7"/>
     <p:sldId id="266" r:id="rId8"/>
     <p:sldId id="267" r:id="rId9"/>
@@ -125,8 +125,7 @@
 <file path=ppt/revisionInfo.xml><?xml version="1.0" encoding="utf-8"?>
 <p1510:revInfo xmlns:a="http://schemas.openxmlformats.org/drawingml/2006/main" xmlns:r="http://schemas.openxmlformats.org/officeDocument/2006/relationships" xmlns:p1510="http://schemas.microsoft.com/office/powerpoint/2015/10/main">
   <p1510:revLst>
-    <p1510:client id="{70C8E0C6-2751-40C2-BDD7-9FDB41508BDB}" v="51" dt="2022-08-11T06:13:28.855"/>
-    <p1510:client id="{E40C6577-B879-4DCF-B1E5-C50637C2442F}" v="126" dt="2022-08-10T14:05:45.077"/>
+    <p1510:client id="{70C8E0C6-2751-40C2-BDD7-9FDB41508BDB}" v="56" dt="2022-08-11T17:25:32.085"/>
   </p1510:revLst>
 </p1510:revInfo>
 </file>
@@ -135,13 +134,13 @@
 <pc:chgInfo xmlns:a="http://schemas.openxmlformats.org/drawingml/2006/main" xmlns:r="http://schemas.openxmlformats.org/officeDocument/2006/relationships" xmlns:ac="http://schemas.microsoft.com/office/drawing/2013/main/command" xmlns:pc="http://schemas.microsoft.com/office/powerpoint/2013/main/command">
   <pc:docChgLst>
     <pc:chgData name="양 나은" userId="a5807b44723fbc74" providerId="LiveId" clId="{70C8E0C6-2751-40C2-BDD7-9FDB41508BDB}"/>
-    <pc:docChg chg="undo redo custSel modSld">
-      <pc:chgData name="양 나은" userId="a5807b44723fbc74" providerId="LiveId" clId="{70C8E0C6-2751-40C2-BDD7-9FDB41508BDB}" dt="2022-08-11T06:14:52.476" v="725" actId="403"/>
+    <pc:docChg chg="undo redo custSel addSld delSld modSld">
+      <pc:chgData name="양 나은" userId="a5807b44723fbc74" providerId="LiveId" clId="{70C8E0C6-2751-40C2-BDD7-9FDB41508BDB}" dt="2022-08-11T17:26:19.073" v="746" actId="47"/>
       <pc:docMkLst>
         <pc:docMk/>
       </pc:docMkLst>
-      <pc:sldChg chg="addSp delSp modSp mod">
-        <pc:chgData name="양 나은" userId="a5807b44723fbc74" providerId="LiveId" clId="{70C8E0C6-2751-40C2-BDD7-9FDB41508BDB}" dt="2022-08-11T06:14:52.476" v="725" actId="403"/>
+      <pc:sldChg chg="addSp delSp modSp del mod">
+        <pc:chgData name="양 나은" userId="a5807b44723fbc74" providerId="LiveId" clId="{70C8E0C6-2751-40C2-BDD7-9FDB41508BDB}" dt="2022-08-11T17:26:19.073" v="746" actId="47"/>
         <pc:sldMkLst>
           <pc:docMk/>
           <pc:sldMk cId="2696821859" sldId="261"/>
@@ -171,6 +170,28 @@
           </ac:spMkLst>
         </pc:spChg>
       </pc:sldChg>
+      <pc:sldChg chg="modSp add mod">
+        <pc:chgData name="양 나은" userId="a5807b44723fbc74" providerId="LiveId" clId="{70C8E0C6-2751-40C2-BDD7-9FDB41508BDB}" dt="2022-08-11T17:25:32.085" v="745"/>
+        <pc:sldMkLst>
+          <pc:docMk/>
+          <pc:sldMk cId="562481392" sldId="270"/>
+        </pc:sldMkLst>
+        <pc:spChg chg="mod">
+          <ac:chgData name="양 나은" userId="a5807b44723fbc74" providerId="LiveId" clId="{70C8E0C6-2751-40C2-BDD7-9FDB41508BDB}" dt="2022-08-11T17:25:32.085" v="745"/>
+          <ac:spMkLst>
+            <pc:docMk/>
+            <pc:sldMk cId="562481392" sldId="270"/>
+            <ac:spMk id="2" creationId="{15921F49-7D41-59E5-E27F-21F8AF38ECF5}"/>
+          </ac:spMkLst>
+        </pc:spChg>
+      </pc:sldChg>
+      <pc:sldChg chg="new del">
+        <pc:chgData name="양 나은" userId="a5807b44723fbc74" providerId="LiveId" clId="{70C8E0C6-2751-40C2-BDD7-9FDB41508BDB}" dt="2022-08-11T17:25:17.935" v="727" actId="47"/>
+        <pc:sldMkLst>
+          <pc:docMk/>
+          <pc:sldMk cId="2252863258" sldId="270"/>
+        </pc:sldMkLst>
+      </pc:sldChg>
     </pc:docChg>
   </pc:docChgLst>
 </pc:chgInfo>
@@ -323,7 +344,7 @@
           <a:p>
             <a:fld id="{2782AC93-F6DD-4622-A5C9-A8B67B2B8CF0}" type="datetimeFigureOut">
               <a:rPr lang="ko-KR" altLang="en-US" smtClean="0"/>
-              <a:t>2022-08-11</a:t>
+              <a:t>2022-08-12</a:t>
             </a:fld>
             <a:endParaRPr lang="ko-KR" altLang="en-US"/>
           </a:p>
@@ -521,7 +542,7 @@
           <a:p>
             <a:fld id="{2782AC93-F6DD-4622-A5C9-A8B67B2B8CF0}" type="datetimeFigureOut">
               <a:rPr lang="ko-KR" altLang="en-US" smtClean="0"/>
-              <a:t>2022-08-11</a:t>
+              <a:t>2022-08-12</a:t>
             </a:fld>
             <a:endParaRPr lang="ko-KR" altLang="en-US"/>
           </a:p>
@@ -729,7 +750,7 @@
           <a:p>
             <a:fld id="{2782AC93-F6DD-4622-A5C9-A8B67B2B8CF0}" type="datetimeFigureOut">
               <a:rPr lang="ko-KR" altLang="en-US" smtClean="0"/>
-              <a:t>2022-08-11</a:t>
+              <a:t>2022-08-12</a:t>
             </a:fld>
             <a:endParaRPr lang="ko-KR" altLang="en-US"/>
           </a:p>
@@ -927,7 +948,7 @@
           <a:p>
             <a:fld id="{2782AC93-F6DD-4622-A5C9-A8B67B2B8CF0}" type="datetimeFigureOut">
               <a:rPr lang="ko-KR" altLang="en-US" smtClean="0"/>
-              <a:t>2022-08-11</a:t>
+              <a:t>2022-08-12</a:t>
             </a:fld>
             <a:endParaRPr lang="ko-KR" altLang="en-US"/>
           </a:p>
@@ -1202,7 +1223,7 @@
           <a:p>
             <a:fld id="{2782AC93-F6DD-4622-A5C9-A8B67B2B8CF0}" type="datetimeFigureOut">
               <a:rPr lang="ko-KR" altLang="en-US" smtClean="0"/>
-              <a:t>2022-08-11</a:t>
+              <a:t>2022-08-12</a:t>
             </a:fld>
             <a:endParaRPr lang="ko-KR" altLang="en-US"/>
           </a:p>
@@ -1467,7 +1488,7 @@
           <a:p>
             <a:fld id="{2782AC93-F6DD-4622-A5C9-A8B67B2B8CF0}" type="datetimeFigureOut">
               <a:rPr lang="ko-KR" altLang="en-US" smtClean="0"/>
-              <a:t>2022-08-11</a:t>
+              <a:t>2022-08-12</a:t>
             </a:fld>
             <a:endParaRPr lang="ko-KR" altLang="en-US"/>
           </a:p>
@@ -1879,7 +1900,7 @@
           <a:p>
             <a:fld id="{2782AC93-F6DD-4622-A5C9-A8B67B2B8CF0}" type="datetimeFigureOut">
               <a:rPr lang="ko-KR" altLang="en-US" smtClean="0"/>
-              <a:t>2022-08-11</a:t>
+              <a:t>2022-08-12</a:t>
             </a:fld>
             <a:endParaRPr lang="ko-KR" altLang="en-US"/>
           </a:p>
@@ -2020,7 +2041,7 @@
           <a:p>
             <a:fld id="{2782AC93-F6DD-4622-A5C9-A8B67B2B8CF0}" type="datetimeFigureOut">
               <a:rPr lang="ko-KR" altLang="en-US" smtClean="0"/>
-              <a:t>2022-08-11</a:t>
+              <a:t>2022-08-12</a:t>
             </a:fld>
             <a:endParaRPr lang="ko-KR" altLang="en-US"/>
           </a:p>
@@ -2133,7 +2154,7 @@
           <a:p>
             <a:fld id="{2782AC93-F6DD-4622-A5C9-A8B67B2B8CF0}" type="datetimeFigureOut">
               <a:rPr lang="ko-KR" altLang="en-US" smtClean="0"/>
-              <a:t>2022-08-11</a:t>
+              <a:t>2022-08-12</a:t>
             </a:fld>
             <a:endParaRPr lang="ko-KR" altLang="en-US"/>
           </a:p>
@@ -2444,7 +2465,7 @@
           <a:p>
             <a:fld id="{2782AC93-F6DD-4622-A5C9-A8B67B2B8CF0}" type="datetimeFigureOut">
               <a:rPr lang="ko-KR" altLang="en-US" smtClean="0"/>
-              <a:t>2022-08-11</a:t>
+              <a:t>2022-08-12</a:t>
             </a:fld>
             <a:endParaRPr lang="ko-KR" altLang="en-US"/>
           </a:p>
@@ -2732,7 +2753,7 @@
           <a:p>
             <a:fld id="{2782AC93-F6DD-4622-A5C9-A8B67B2B8CF0}" type="datetimeFigureOut">
               <a:rPr lang="ko-KR" altLang="en-US" smtClean="0"/>
-              <a:t>2022-08-11</a:t>
+              <a:t>2022-08-12</a:t>
             </a:fld>
             <a:endParaRPr lang="ko-KR" altLang="en-US"/>
           </a:p>
@@ -2973,7 +2994,7 @@
           <a:p>
             <a:fld id="{2782AC93-F6DD-4622-A5C9-A8B67B2B8CF0}" type="datetimeFigureOut">
               <a:rPr lang="ko-KR" altLang="en-US" smtClean="0"/>
-              <a:t>2022-08-11</a:t>
+              <a:t>2022-08-12</a:t>
             </a:fld>
             <a:endParaRPr lang="ko-KR" altLang="en-US"/>
           </a:p>
@@ -4371,168 +4392,59 @@
           <a:lstStyle/>
           <a:p>
             <a:r>
-              <a:rPr lang="en-US" altLang="ko-KR" b="1"/>
-              <a:t>2</a:t>
-            </a:r>
-            <a:r>
-              <a:rPr lang="ko-KR" altLang="en-US" b="1"/>
-              <a:t>절 보안기능</a:t>
-            </a:r>
+              <a:rPr lang="ko-KR" altLang="en-US"/>
+              <a:t>요약</a:t>
+            </a:r>
+            <a:r>
+              <a:rPr lang="en-US" altLang="ko-KR"/>
+              <a:t>2 </a:t>
+            </a:r>
+            <a:r>
+              <a:rPr lang="ko-KR" altLang="en-US"/>
+              <a:t>양나은</a:t>
+            </a:r>
+          </a:p>
+        </p:txBody>
+      </p:sp>
+      <p:sp>
+        <p:nvSpPr>
+          <p:cNvPr id="3" name="내용 개체 틀 2">
+            <a:extLst>
+              <a:ext uri="{FF2B5EF4-FFF2-40B4-BE49-F238E27FC236}">
+                <a16:creationId xmlns:a16="http://schemas.microsoft.com/office/drawing/2014/main" id="{1620EEC6-6476-9C0A-A584-E34C541480BE}"/>
+              </a:ext>
+            </a:extLst>
+          </p:cNvPr>
+          <p:cNvSpPr>
+            <a:spLocks noGrp="1"/>
+          </p:cNvSpPr>
+          <p:nvPr>
+            <p:ph idx="1"/>
+          </p:nvPr>
+        </p:nvSpPr>
+        <p:spPr/>
+        <p:txBody>
+          <a:bodyPr/>
+          <a:lstStyle/>
+          <a:p>
+            <a:r>
+              <a:rPr lang="ko-KR" altLang="en-US"/>
+              <a:t>형식은 자유로</a:t>
+            </a:r>
+            <a:endParaRPr lang="en-US" altLang="ko-KR"/>
+          </a:p>
+          <a:p>
+            <a:pPr marL="0" indent="0">
+              <a:buNone/>
+            </a:pPr>
             <a:endParaRPr lang="ko-KR" altLang="en-US"/>
-          </a:p>
-        </p:txBody>
-      </p:sp>
-      <p:sp>
-        <p:nvSpPr>
-          <p:cNvPr id="3" name="내용 개체 틀 2">
-            <a:extLst>
-              <a:ext uri="{FF2B5EF4-FFF2-40B4-BE49-F238E27FC236}">
-                <a16:creationId xmlns:a16="http://schemas.microsoft.com/office/drawing/2014/main" id="{1620EEC6-6476-9C0A-A584-E34C541480BE}"/>
-              </a:ext>
-            </a:extLst>
-          </p:cNvPr>
-          <p:cNvSpPr>
-            <a:spLocks noGrp="1"/>
-          </p:cNvSpPr>
-          <p:nvPr>
-            <p:ph idx="1"/>
-          </p:nvPr>
-        </p:nvSpPr>
-        <p:spPr>
-          <a:xfrm>
-            <a:off x="435429" y="1515292"/>
-            <a:ext cx="11303725" cy="4789714"/>
-          </a:xfrm>
-        </p:spPr>
-        <p:txBody>
-          <a:bodyPr/>
-          <a:lstStyle/>
-          <a:p>
-            <a:pPr marL="514350" indent="-514350">
-              <a:buAutoNum type="arabicPeriod"/>
-            </a:pPr>
-            <a:r>
-              <a:rPr lang="ko-KR" altLang="en-US"/>
-              <a:t>패스워드 평문 저장</a:t>
-            </a:r>
-            <a:endParaRPr lang="en-US" altLang="ko-KR"/>
-          </a:p>
-          <a:p>
-            <a:pPr marL="0" indent="0">
-              <a:buNone/>
-            </a:pPr>
-            <a:r>
-              <a:rPr lang="en-US" altLang="ko-KR" sz="3200"/>
-              <a:t>  </a:t>
-            </a:r>
-            <a:r>
-              <a:rPr lang="ko-KR" altLang="en-US" sz="2000">
-                <a:sym typeface="Wingdings" panose="05000000000000000000" pitchFamily="2" charset="2"/>
-              </a:rPr>
-              <a:t> 문제 </a:t>
-            </a:r>
-            <a:r>
-              <a:rPr lang="en-US" altLang="ko-KR" sz="2000">
-                <a:sym typeface="Wingdings" panose="05000000000000000000" pitchFamily="2" charset="2"/>
-              </a:rPr>
-              <a:t>: </a:t>
-            </a:r>
-            <a:r>
-              <a:rPr lang="ko-KR" altLang="en-US" sz="2000">
-                <a:sym typeface="Wingdings" panose="05000000000000000000" pitchFamily="2" charset="2"/>
-              </a:rPr>
-              <a:t>환경설정 파일에 접근할 수 있는 사람 누구나 패스워드를 알아낼 수 있다</a:t>
-            </a:r>
-            <a:r>
-              <a:rPr lang="en-US" altLang="ko-KR" sz="2000">
-                <a:sym typeface="Wingdings" panose="05000000000000000000" pitchFamily="2" charset="2"/>
-              </a:rPr>
-              <a:t>.</a:t>
-            </a:r>
-          </a:p>
-          <a:p>
-            <a:pPr marL="0" indent="0">
-              <a:buNone/>
-            </a:pPr>
-            <a:r>
-              <a:rPr lang="en-US" altLang="ko-KR" sz="2000">
-                <a:sym typeface="Wingdings" panose="05000000000000000000" pitchFamily="2" charset="2"/>
-              </a:rPr>
-              <a:t>   </a:t>
-            </a:r>
-            <a:r>
-              <a:rPr lang="ko-KR" altLang="en-US" sz="2000">
-                <a:sym typeface="Wingdings" panose="05000000000000000000" pitchFamily="2" charset="2"/>
-              </a:rPr>
-              <a:t> 해결방안 </a:t>
-            </a:r>
-            <a:r>
-              <a:rPr lang="en-US" altLang="ko-KR" sz="2000">
-                <a:sym typeface="Wingdings" panose="05000000000000000000" pitchFamily="2" charset="2"/>
-              </a:rPr>
-              <a:t>: </a:t>
-            </a:r>
-            <a:r>
-              <a:rPr lang="ko-KR" altLang="en-US" sz="2000">
-                <a:sym typeface="Wingdings" panose="05000000000000000000" pitchFamily="2" charset="2"/>
-              </a:rPr>
-              <a:t>패스워드는 암호화해서 파일로 저장하도록 설계한다</a:t>
-            </a:r>
-            <a:r>
-              <a:rPr lang="en-US" altLang="ko-KR" sz="2000">
-                <a:sym typeface="Wingdings" panose="05000000000000000000" pitchFamily="2" charset="2"/>
-              </a:rPr>
-              <a:t>.</a:t>
-            </a:r>
-            <a:endParaRPr lang="en-US" altLang="ko-KR" sz="2000"/>
-          </a:p>
-          <a:p>
-            <a:pPr marL="0" indent="0">
-              <a:buNone/>
-            </a:pPr>
-            <a:r>
-              <a:rPr lang="en-US" altLang="ko-KR"/>
-              <a:t>2. </a:t>
-            </a:r>
-            <a:r>
-              <a:rPr lang="ko-KR" altLang="en-US"/>
-              <a:t>주석문 안에 포함된 패스워드 등 시스템 주요정보</a:t>
-            </a:r>
-            <a:endParaRPr lang="en-US" altLang="ko-KR"/>
-          </a:p>
-          <a:p>
-            <a:pPr marL="0" indent="0">
-              <a:buNone/>
-            </a:pPr>
-            <a:r>
-              <a:rPr lang="en-US" altLang="ko-KR"/>
-              <a:t>3. </a:t>
-            </a:r>
-            <a:r>
-              <a:rPr lang="ko-KR" altLang="en-US"/>
-              <a:t>하드코드된 사용자 계정</a:t>
-            </a:r>
-            <a:endParaRPr lang="en-US" altLang="ko-KR"/>
-          </a:p>
-          <a:p>
-            <a:pPr marL="0" indent="0">
-              <a:buNone/>
-            </a:pPr>
-            <a:r>
-              <a:rPr lang="en-US" altLang="ko-KR"/>
-              <a:t>4. </a:t>
-            </a:r>
-            <a:r>
-              <a:rPr lang="ko-KR" altLang="en-US"/>
-              <a:t>잘못된 권한 부여</a:t>
-            </a:r>
           </a:p>
         </p:txBody>
       </p:sp>
     </p:spTree>
     <p:extLst>
       <p:ext uri="{BB962C8B-B14F-4D97-AF65-F5344CB8AC3E}">
-        <p14:creationId xmlns:p14="http://schemas.microsoft.com/office/powerpoint/2010/main" val="2696821859"/>
+        <p14:creationId xmlns:p14="http://schemas.microsoft.com/office/powerpoint/2010/main" val="562481392"/>
       </p:ext>
     </p:extLst>
   </p:cSld>

--- a/발표자료/Secure Coding 발표자료.pptx
+++ b/발표자료/Secure Coding 발표자료.pptx
@@ -5,11 +5,11 @@
     <p:sldMasterId id="2147483648" r:id="rId1"/>
   </p:sldMasterIdLst>
   <p:sldIdLst>
-    <p:sldId id="256" r:id="rId2"/>
-    <p:sldId id="257" r:id="rId3"/>
+    <p:sldId id="257" r:id="rId2"/>
+    <p:sldId id="258" r:id="rId3"/>
     <p:sldId id="259" r:id="rId4"/>
     <p:sldId id="260" r:id="rId5"/>
-    <p:sldId id="270" r:id="rId6"/>
+    <p:sldId id="271" r:id="rId6"/>
     <p:sldId id="265" r:id="rId7"/>
     <p:sldId id="266" r:id="rId8"/>
     <p:sldId id="267" r:id="rId9"/>
@@ -116,7 +116,18 @@
   </p:defaultTextStyle>
   <p:extLst>
     <p:ext uri="{EFAFB233-063F-42B5-8137-9DF3F51BA10A}">
-      <p15:sldGuideLst xmlns:p15="http://schemas.microsoft.com/office/powerpoint/2012/main"/>
+      <p15:sldGuideLst xmlns:p15="http://schemas.microsoft.com/office/powerpoint/2012/main">
+        <p15:guide id="1" orient="horz" pos="2160" userDrawn="1">
+          <p15:clr>
+            <a:srgbClr val="A4A3A4"/>
+          </p15:clr>
+        </p15:guide>
+        <p15:guide id="2" pos="3840" userDrawn="1">
+          <p15:clr>
+            <a:srgbClr val="A4A3A4"/>
+          </p15:clr>
+        </p15:guide>
+      </p15:sldGuideLst>
     </p:ext>
   </p:extLst>
 </p:presentation>
@@ -125,7 +136,8 @@
 <file path=ppt/revisionInfo.xml><?xml version="1.0" encoding="utf-8"?>
 <p1510:revInfo xmlns:a="http://schemas.openxmlformats.org/drawingml/2006/main" xmlns:r="http://schemas.openxmlformats.org/officeDocument/2006/relationships" xmlns:p1510="http://schemas.microsoft.com/office/powerpoint/2015/10/main">
   <p1510:revLst>
-    <p1510:client id="{70C8E0C6-2751-40C2-BDD7-9FDB41508BDB}" v="56" dt="2022-08-11T17:25:32.085"/>
+    <p1510:client id="{0FECC9CA-CC5E-4291-BB61-37B8B9ABF2D2}" v="68" dt="2022-08-11T17:09:09.857"/>
+    <p1510:client id="{E818CA95-EDBB-4311-B019-CF4EDEA4713D}" v="3" dt="2022-08-12T00:52:55.869"/>
   </p1510:revLst>
 </p1510:revInfo>
 </file>
@@ -133,64 +145,26 @@
 <file path=ppt/changesInfos/changesInfo1.xml><?xml version="1.0" encoding="utf-8"?>
 <pc:chgInfo xmlns:a="http://schemas.openxmlformats.org/drawingml/2006/main" xmlns:r="http://schemas.openxmlformats.org/officeDocument/2006/relationships" xmlns:ac="http://schemas.microsoft.com/office/drawing/2013/main/command" xmlns:pc="http://schemas.microsoft.com/office/powerpoint/2013/main/command">
   <pc:docChgLst>
-    <pc:chgData name="양 나은" userId="a5807b44723fbc74" providerId="LiveId" clId="{70C8E0C6-2751-40C2-BDD7-9FDB41508BDB}"/>
-    <pc:docChg chg="undo redo custSel addSld delSld modSld">
-      <pc:chgData name="양 나은" userId="a5807b44723fbc74" providerId="LiveId" clId="{70C8E0C6-2751-40C2-BDD7-9FDB41508BDB}" dt="2022-08-11T17:26:19.073" v="746" actId="47"/>
+    <pc:chgData name="양 나은" userId="a5807b44723fbc74" providerId="LiveId" clId="{0FECC9CA-CC5E-4291-BB61-37B8B9ABF2D2}"/>
+    <pc:docChg chg="custSel modSld">
+      <pc:chgData name="양 나은" userId="a5807b44723fbc74" providerId="LiveId" clId="{0FECC9CA-CC5E-4291-BB61-37B8B9ABF2D2}" dt="2022-08-11T17:09:09.852" v="405"/>
       <pc:docMkLst>
         <pc:docMk/>
       </pc:docMkLst>
-      <pc:sldChg chg="addSp delSp modSp del mod">
-        <pc:chgData name="양 나은" userId="a5807b44723fbc74" providerId="LiveId" clId="{70C8E0C6-2751-40C2-BDD7-9FDB41508BDB}" dt="2022-08-11T17:26:19.073" v="746" actId="47"/>
+      <pc:sldChg chg="modSp mod">
+        <pc:chgData name="양 나은" userId="a5807b44723fbc74" providerId="LiveId" clId="{0FECC9CA-CC5E-4291-BB61-37B8B9ABF2D2}" dt="2022-08-11T17:09:09.852" v="405"/>
         <pc:sldMkLst>
           <pc:docMk/>
-          <pc:sldMk cId="2696821859" sldId="261"/>
+          <pc:sldMk cId="2270072957" sldId="263"/>
         </pc:sldMkLst>
         <pc:spChg chg="mod">
-          <ac:chgData name="양 나은" userId="a5807b44723fbc74" providerId="LiveId" clId="{70C8E0C6-2751-40C2-BDD7-9FDB41508BDB}" dt="2022-08-11T06:10:13.643" v="548" actId="1035"/>
+          <ac:chgData name="양 나은" userId="a5807b44723fbc74" providerId="LiveId" clId="{0FECC9CA-CC5E-4291-BB61-37B8B9ABF2D2}" dt="2022-08-11T17:09:09.852" v="405"/>
           <ac:spMkLst>
             <pc:docMk/>
-            <pc:sldMk cId="2696821859" sldId="261"/>
-            <ac:spMk id="2" creationId="{15921F49-7D41-59E5-E27F-21F8AF38ECF5}"/>
-          </ac:spMkLst>
-        </pc:spChg>
-        <pc:spChg chg="mod">
-          <ac:chgData name="양 나은" userId="a5807b44723fbc74" providerId="LiveId" clId="{70C8E0C6-2751-40C2-BDD7-9FDB41508BDB}" dt="2022-08-11T06:14:52.476" v="725" actId="403"/>
-          <ac:spMkLst>
-            <pc:docMk/>
-            <pc:sldMk cId="2696821859" sldId="261"/>
+            <pc:sldMk cId="2270072957" sldId="263"/>
             <ac:spMk id="3" creationId="{1620EEC6-6476-9C0A-A584-E34C541480BE}"/>
           </ac:spMkLst>
         </pc:spChg>
-        <pc:spChg chg="add del mod">
-          <ac:chgData name="양 나은" userId="a5807b44723fbc74" providerId="LiveId" clId="{70C8E0C6-2751-40C2-BDD7-9FDB41508BDB}" dt="2022-08-11T04:46:38.185" v="1"/>
-          <ac:spMkLst>
-            <pc:docMk/>
-            <pc:sldMk cId="2696821859" sldId="261"/>
-            <ac:spMk id="4" creationId="{B25F70FD-260D-0290-C9A7-62700B377F03}"/>
-          </ac:spMkLst>
-        </pc:spChg>
-      </pc:sldChg>
-      <pc:sldChg chg="modSp add mod">
-        <pc:chgData name="양 나은" userId="a5807b44723fbc74" providerId="LiveId" clId="{70C8E0C6-2751-40C2-BDD7-9FDB41508BDB}" dt="2022-08-11T17:25:32.085" v="745"/>
-        <pc:sldMkLst>
-          <pc:docMk/>
-          <pc:sldMk cId="562481392" sldId="270"/>
-        </pc:sldMkLst>
-        <pc:spChg chg="mod">
-          <ac:chgData name="양 나은" userId="a5807b44723fbc74" providerId="LiveId" clId="{70C8E0C6-2751-40C2-BDD7-9FDB41508BDB}" dt="2022-08-11T17:25:32.085" v="745"/>
-          <ac:spMkLst>
-            <pc:docMk/>
-            <pc:sldMk cId="562481392" sldId="270"/>
-            <ac:spMk id="2" creationId="{15921F49-7D41-59E5-E27F-21F8AF38ECF5}"/>
-          </ac:spMkLst>
-        </pc:spChg>
-      </pc:sldChg>
-      <pc:sldChg chg="new del">
-        <pc:chgData name="양 나은" userId="a5807b44723fbc74" providerId="LiveId" clId="{70C8E0C6-2751-40C2-BDD7-9FDB41508BDB}" dt="2022-08-11T17:25:17.935" v="727" actId="47"/>
-        <pc:sldMkLst>
-          <pc:docMk/>
-          <pc:sldMk cId="2252863258" sldId="270"/>
-        </pc:sldMkLst>
       </pc:sldChg>
     </pc:docChg>
   </pc:docChgLst>
@@ -219,7 +193,7 @@
           <p:cNvPr id="2" name="제목 1">
             <a:extLst>
               <a:ext uri="{FF2B5EF4-FFF2-40B4-BE49-F238E27FC236}">
-                <a16:creationId xmlns:a16="http://schemas.microsoft.com/office/drawing/2014/main" id="{46D46843-B67D-5F99-AC6B-71CDA37063B1}"/>
+                <a16:creationId xmlns:a16="http://schemas.microsoft.com/office/drawing/2014/main" id="{C86C5459-A23D-1FF9-3E5E-DC9996B2187C}"/>
               </a:ext>
             </a:extLst>
           </p:cNvPr>
@@ -256,7 +230,7 @@
           <p:cNvPr id="3" name="부제목 2">
             <a:extLst>
               <a:ext uri="{FF2B5EF4-FFF2-40B4-BE49-F238E27FC236}">
-                <a16:creationId xmlns:a16="http://schemas.microsoft.com/office/drawing/2014/main" id="{1330C31D-BC21-8DD3-2B07-09B6E6F8083E}"/>
+                <a16:creationId xmlns:a16="http://schemas.microsoft.com/office/drawing/2014/main" id="{93766EE6-10BF-E188-8448-9CC55F4F21CD}"/>
               </a:ext>
             </a:extLst>
           </p:cNvPr>
@@ -326,7 +300,7 @@
           <p:cNvPr id="4" name="날짜 개체 틀 3">
             <a:extLst>
               <a:ext uri="{FF2B5EF4-FFF2-40B4-BE49-F238E27FC236}">
-                <a16:creationId xmlns:a16="http://schemas.microsoft.com/office/drawing/2014/main" id="{11843397-C62A-4ED9-83E2-6C819EA1DF3E}"/>
+                <a16:creationId xmlns:a16="http://schemas.microsoft.com/office/drawing/2014/main" id="{5A3C8B5F-EFB3-FD27-3558-2202F1A6EB33}"/>
               </a:ext>
             </a:extLst>
           </p:cNvPr>
@@ -342,7 +316,7 @@
           <a:bodyPr/>
           <a:lstStyle/>
           <a:p>
-            <a:fld id="{2782AC93-F6DD-4622-A5C9-A8B67B2B8CF0}" type="datetimeFigureOut">
+            <a:fld id="{81BC6B80-30EB-47B0-81C9-9CAAF1328A66}" type="datetimeFigureOut">
               <a:rPr lang="ko-KR" altLang="en-US" smtClean="0"/>
               <a:t>2022-08-12</a:t>
             </a:fld>
@@ -355,7 +329,7 @@
           <p:cNvPr id="5" name="바닥글 개체 틀 4">
             <a:extLst>
               <a:ext uri="{FF2B5EF4-FFF2-40B4-BE49-F238E27FC236}">
-                <a16:creationId xmlns:a16="http://schemas.microsoft.com/office/drawing/2014/main" id="{683DA94C-A5C1-64EE-F80E-D89DE48C86DE}"/>
+                <a16:creationId xmlns:a16="http://schemas.microsoft.com/office/drawing/2014/main" id="{BE0D8DE4-1810-78B8-4E15-2B7A0CB427C6}"/>
               </a:ext>
             </a:extLst>
           </p:cNvPr>
@@ -380,7 +354,7 @@
           <p:cNvPr id="6" name="슬라이드 번호 개체 틀 5">
             <a:extLst>
               <a:ext uri="{FF2B5EF4-FFF2-40B4-BE49-F238E27FC236}">
-                <a16:creationId xmlns:a16="http://schemas.microsoft.com/office/drawing/2014/main" id="{7B69DB95-22BC-EC5E-7BCF-B2656CBA2BB7}"/>
+                <a16:creationId xmlns:a16="http://schemas.microsoft.com/office/drawing/2014/main" id="{8CE4C7D6-ED9F-6F6D-22FB-3BE470806D47}"/>
               </a:ext>
             </a:extLst>
           </p:cNvPr>
@@ -396,7 +370,7 @@
           <a:bodyPr/>
           <a:lstStyle/>
           <a:p>
-            <a:fld id="{362E0DB6-FE7A-45AA-92ED-AD0364A27C85}" type="slidenum">
+            <a:fld id="{AF6E1C7F-6504-4859-BCE4-2D41C57221C5}" type="slidenum">
               <a:rPr lang="ko-KR" altLang="en-US" smtClean="0"/>
               <a:t>‹#›</a:t>
             </a:fld>
@@ -407,7 +381,7 @@
     </p:spTree>
     <p:extLst>
       <p:ext uri="{BB962C8B-B14F-4D97-AF65-F5344CB8AC3E}">
-        <p14:creationId xmlns:p14="http://schemas.microsoft.com/office/powerpoint/2010/main" val="554016489"/>
+        <p14:creationId xmlns:p14="http://schemas.microsoft.com/office/powerpoint/2010/main" val="4159237931"/>
       </p:ext>
     </p:extLst>
   </p:cSld>
@@ -439,7 +413,7 @@
           <p:cNvPr id="2" name="제목 1">
             <a:extLst>
               <a:ext uri="{FF2B5EF4-FFF2-40B4-BE49-F238E27FC236}">
-                <a16:creationId xmlns:a16="http://schemas.microsoft.com/office/drawing/2014/main" id="{CF82F644-AF0B-0E91-64EF-5426C25F06F9}"/>
+                <a16:creationId xmlns:a16="http://schemas.microsoft.com/office/drawing/2014/main" id="{13BA506C-1558-9957-3369-B3F7C477D060}"/>
               </a:ext>
             </a:extLst>
           </p:cNvPr>
@@ -467,7 +441,7 @@
           <p:cNvPr id="3" name="세로 텍스트 개체 틀 2">
             <a:extLst>
               <a:ext uri="{FF2B5EF4-FFF2-40B4-BE49-F238E27FC236}">
-                <a16:creationId xmlns:a16="http://schemas.microsoft.com/office/drawing/2014/main" id="{554A44C6-FF0B-732B-BC07-4F5F963B1D2B}"/>
+                <a16:creationId xmlns:a16="http://schemas.microsoft.com/office/drawing/2014/main" id="{C6782119-83FC-A3A2-B60A-68DF2B4FBA22}"/>
               </a:ext>
             </a:extLst>
           </p:cNvPr>
@@ -524,7 +498,7 @@
           <p:cNvPr id="4" name="날짜 개체 틀 3">
             <a:extLst>
               <a:ext uri="{FF2B5EF4-FFF2-40B4-BE49-F238E27FC236}">
-                <a16:creationId xmlns:a16="http://schemas.microsoft.com/office/drawing/2014/main" id="{33BEB8B4-9D38-F4F9-112E-89507C7ED57C}"/>
+                <a16:creationId xmlns:a16="http://schemas.microsoft.com/office/drawing/2014/main" id="{B12EA0D8-C4A4-2ADD-05B9-4D9B80D31EA7}"/>
               </a:ext>
             </a:extLst>
           </p:cNvPr>
@@ -540,7 +514,7 @@
           <a:bodyPr/>
           <a:lstStyle/>
           <a:p>
-            <a:fld id="{2782AC93-F6DD-4622-A5C9-A8B67B2B8CF0}" type="datetimeFigureOut">
+            <a:fld id="{81BC6B80-30EB-47B0-81C9-9CAAF1328A66}" type="datetimeFigureOut">
               <a:rPr lang="ko-KR" altLang="en-US" smtClean="0"/>
               <a:t>2022-08-12</a:t>
             </a:fld>
@@ -553,7 +527,7 @@
           <p:cNvPr id="5" name="바닥글 개체 틀 4">
             <a:extLst>
               <a:ext uri="{FF2B5EF4-FFF2-40B4-BE49-F238E27FC236}">
-                <a16:creationId xmlns:a16="http://schemas.microsoft.com/office/drawing/2014/main" id="{24AA64F7-4C07-5DFA-2F00-C8213DFC9696}"/>
+                <a16:creationId xmlns:a16="http://schemas.microsoft.com/office/drawing/2014/main" id="{E279ADF7-DC27-7B71-964B-0CF69B72AED3}"/>
               </a:ext>
             </a:extLst>
           </p:cNvPr>
@@ -578,7 +552,7 @@
           <p:cNvPr id="6" name="슬라이드 번호 개체 틀 5">
             <a:extLst>
               <a:ext uri="{FF2B5EF4-FFF2-40B4-BE49-F238E27FC236}">
-                <a16:creationId xmlns:a16="http://schemas.microsoft.com/office/drawing/2014/main" id="{15F24B1A-8077-4542-B7F6-80B3F02B8A09}"/>
+                <a16:creationId xmlns:a16="http://schemas.microsoft.com/office/drawing/2014/main" id="{126FDFA8-2AD8-9AD8-56D1-6647FECA591D}"/>
               </a:ext>
             </a:extLst>
           </p:cNvPr>
@@ -594,7 +568,7 @@
           <a:bodyPr/>
           <a:lstStyle/>
           <a:p>
-            <a:fld id="{362E0DB6-FE7A-45AA-92ED-AD0364A27C85}" type="slidenum">
+            <a:fld id="{AF6E1C7F-6504-4859-BCE4-2D41C57221C5}" type="slidenum">
               <a:rPr lang="ko-KR" altLang="en-US" smtClean="0"/>
               <a:t>‹#›</a:t>
             </a:fld>
@@ -605,7 +579,7 @@
     </p:spTree>
     <p:extLst>
       <p:ext uri="{BB962C8B-B14F-4D97-AF65-F5344CB8AC3E}">
-        <p14:creationId xmlns:p14="http://schemas.microsoft.com/office/powerpoint/2010/main" val="2216481109"/>
+        <p14:creationId xmlns:p14="http://schemas.microsoft.com/office/powerpoint/2010/main" val="3727113632"/>
       </p:ext>
     </p:extLst>
   </p:cSld>
@@ -637,7 +611,7 @@
           <p:cNvPr id="2" name="세로 제목 1">
             <a:extLst>
               <a:ext uri="{FF2B5EF4-FFF2-40B4-BE49-F238E27FC236}">
-                <a16:creationId xmlns:a16="http://schemas.microsoft.com/office/drawing/2014/main" id="{F51501F6-FFAA-7301-D7A2-E5F20A0FDD6F}"/>
+                <a16:creationId xmlns:a16="http://schemas.microsoft.com/office/drawing/2014/main" id="{FDD3BC00-AF7B-3878-3D14-FCBD6B90FFC7}"/>
               </a:ext>
             </a:extLst>
           </p:cNvPr>
@@ -670,7 +644,7 @@
           <p:cNvPr id="3" name="세로 텍스트 개체 틀 2">
             <a:extLst>
               <a:ext uri="{FF2B5EF4-FFF2-40B4-BE49-F238E27FC236}">
-                <a16:creationId xmlns:a16="http://schemas.microsoft.com/office/drawing/2014/main" id="{239AA39F-D0D8-E264-C575-D43487158386}"/>
+                <a16:creationId xmlns:a16="http://schemas.microsoft.com/office/drawing/2014/main" id="{B1523F4A-C6A9-2259-40C3-D7254472C59C}"/>
               </a:ext>
             </a:extLst>
           </p:cNvPr>
@@ -732,7 +706,7 @@
           <p:cNvPr id="4" name="날짜 개체 틀 3">
             <a:extLst>
               <a:ext uri="{FF2B5EF4-FFF2-40B4-BE49-F238E27FC236}">
-                <a16:creationId xmlns:a16="http://schemas.microsoft.com/office/drawing/2014/main" id="{899F3604-31F1-DA74-B8D9-1A658636E9D2}"/>
+                <a16:creationId xmlns:a16="http://schemas.microsoft.com/office/drawing/2014/main" id="{985B544C-8B6A-3625-B534-711398621678}"/>
               </a:ext>
             </a:extLst>
           </p:cNvPr>
@@ -748,7 +722,7 @@
           <a:bodyPr/>
           <a:lstStyle/>
           <a:p>
-            <a:fld id="{2782AC93-F6DD-4622-A5C9-A8B67B2B8CF0}" type="datetimeFigureOut">
+            <a:fld id="{81BC6B80-30EB-47B0-81C9-9CAAF1328A66}" type="datetimeFigureOut">
               <a:rPr lang="ko-KR" altLang="en-US" smtClean="0"/>
               <a:t>2022-08-12</a:t>
             </a:fld>
@@ -761,7 +735,7 @@
           <p:cNvPr id="5" name="바닥글 개체 틀 4">
             <a:extLst>
               <a:ext uri="{FF2B5EF4-FFF2-40B4-BE49-F238E27FC236}">
-                <a16:creationId xmlns:a16="http://schemas.microsoft.com/office/drawing/2014/main" id="{22378901-EA79-9637-FD2C-78AA0A394E30}"/>
+                <a16:creationId xmlns:a16="http://schemas.microsoft.com/office/drawing/2014/main" id="{77401D69-8107-C8EB-8382-534297224131}"/>
               </a:ext>
             </a:extLst>
           </p:cNvPr>
@@ -786,7 +760,7 @@
           <p:cNvPr id="6" name="슬라이드 번호 개체 틀 5">
             <a:extLst>
               <a:ext uri="{FF2B5EF4-FFF2-40B4-BE49-F238E27FC236}">
-                <a16:creationId xmlns:a16="http://schemas.microsoft.com/office/drawing/2014/main" id="{592720E0-FB9C-9018-3999-A2E7536A9188}"/>
+                <a16:creationId xmlns:a16="http://schemas.microsoft.com/office/drawing/2014/main" id="{28F25BC0-AEAB-B70A-25A4-CF5C8F7FF962}"/>
               </a:ext>
             </a:extLst>
           </p:cNvPr>
@@ -802,7 +776,7 @@
           <a:bodyPr/>
           <a:lstStyle/>
           <a:p>
-            <a:fld id="{362E0DB6-FE7A-45AA-92ED-AD0364A27C85}" type="slidenum">
+            <a:fld id="{AF6E1C7F-6504-4859-BCE4-2D41C57221C5}" type="slidenum">
               <a:rPr lang="ko-KR" altLang="en-US" smtClean="0"/>
               <a:t>‹#›</a:t>
             </a:fld>
@@ -813,7 +787,7 @@
     </p:spTree>
     <p:extLst>
       <p:ext uri="{BB962C8B-B14F-4D97-AF65-F5344CB8AC3E}">
-        <p14:creationId xmlns:p14="http://schemas.microsoft.com/office/powerpoint/2010/main" val="1491713970"/>
+        <p14:creationId xmlns:p14="http://schemas.microsoft.com/office/powerpoint/2010/main" val="3445411429"/>
       </p:ext>
     </p:extLst>
   </p:cSld>
@@ -845,7 +819,7 @@
           <p:cNvPr id="2" name="제목 1">
             <a:extLst>
               <a:ext uri="{FF2B5EF4-FFF2-40B4-BE49-F238E27FC236}">
-                <a16:creationId xmlns:a16="http://schemas.microsoft.com/office/drawing/2014/main" id="{B284470F-32CF-2290-4700-75B08C356D30}"/>
+                <a16:creationId xmlns:a16="http://schemas.microsoft.com/office/drawing/2014/main" id="{64290372-C1FA-9D1D-67AA-BFD423BDC75E}"/>
               </a:ext>
             </a:extLst>
           </p:cNvPr>
@@ -873,7 +847,7 @@
           <p:cNvPr id="3" name="내용 개체 틀 2">
             <a:extLst>
               <a:ext uri="{FF2B5EF4-FFF2-40B4-BE49-F238E27FC236}">
-                <a16:creationId xmlns:a16="http://schemas.microsoft.com/office/drawing/2014/main" id="{4EC861BA-2E1B-4844-E859-994B4ED04E50}"/>
+                <a16:creationId xmlns:a16="http://schemas.microsoft.com/office/drawing/2014/main" id="{9EB3AB71-5975-63EE-3CAB-7E202A36DC2F}"/>
               </a:ext>
             </a:extLst>
           </p:cNvPr>
@@ -930,7 +904,7 @@
           <p:cNvPr id="4" name="날짜 개체 틀 3">
             <a:extLst>
               <a:ext uri="{FF2B5EF4-FFF2-40B4-BE49-F238E27FC236}">
-                <a16:creationId xmlns:a16="http://schemas.microsoft.com/office/drawing/2014/main" id="{68BD4EC4-BF85-FB58-1DD2-57AF66F1D2F0}"/>
+                <a16:creationId xmlns:a16="http://schemas.microsoft.com/office/drawing/2014/main" id="{F14A286C-90D8-797B-CA8E-AC44F868532C}"/>
               </a:ext>
             </a:extLst>
           </p:cNvPr>
@@ -946,7 +920,7 @@
           <a:bodyPr/>
           <a:lstStyle/>
           <a:p>
-            <a:fld id="{2782AC93-F6DD-4622-A5C9-A8B67B2B8CF0}" type="datetimeFigureOut">
+            <a:fld id="{81BC6B80-30EB-47B0-81C9-9CAAF1328A66}" type="datetimeFigureOut">
               <a:rPr lang="ko-KR" altLang="en-US" smtClean="0"/>
               <a:t>2022-08-12</a:t>
             </a:fld>
@@ -959,7 +933,7 @@
           <p:cNvPr id="5" name="바닥글 개체 틀 4">
             <a:extLst>
               <a:ext uri="{FF2B5EF4-FFF2-40B4-BE49-F238E27FC236}">
-                <a16:creationId xmlns:a16="http://schemas.microsoft.com/office/drawing/2014/main" id="{A13EAF3E-6A84-D877-1E69-0DDB4071894C}"/>
+                <a16:creationId xmlns:a16="http://schemas.microsoft.com/office/drawing/2014/main" id="{CAF47C2F-A08D-CEFD-1062-E5D460ED5190}"/>
               </a:ext>
             </a:extLst>
           </p:cNvPr>
@@ -984,7 +958,7 @@
           <p:cNvPr id="6" name="슬라이드 번호 개체 틀 5">
             <a:extLst>
               <a:ext uri="{FF2B5EF4-FFF2-40B4-BE49-F238E27FC236}">
-                <a16:creationId xmlns:a16="http://schemas.microsoft.com/office/drawing/2014/main" id="{CB83863B-A1BE-4C0F-E8BA-6D4382F00D05}"/>
+                <a16:creationId xmlns:a16="http://schemas.microsoft.com/office/drawing/2014/main" id="{9FBC0F62-6001-7D14-B2C8-3BF383649CC1}"/>
               </a:ext>
             </a:extLst>
           </p:cNvPr>
@@ -1000,7 +974,7 @@
           <a:bodyPr/>
           <a:lstStyle/>
           <a:p>
-            <a:fld id="{362E0DB6-FE7A-45AA-92ED-AD0364A27C85}" type="slidenum">
+            <a:fld id="{AF6E1C7F-6504-4859-BCE4-2D41C57221C5}" type="slidenum">
               <a:rPr lang="ko-KR" altLang="en-US" smtClean="0"/>
               <a:t>‹#›</a:t>
             </a:fld>
@@ -1011,7 +985,7 @@
     </p:spTree>
     <p:extLst>
       <p:ext uri="{BB962C8B-B14F-4D97-AF65-F5344CB8AC3E}">
-        <p14:creationId xmlns:p14="http://schemas.microsoft.com/office/powerpoint/2010/main" val="1493994430"/>
+        <p14:creationId xmlns:p14="http://schemas.microsoft.com/office/powerpoint/2010/main" val="1048913178"/>
       </p:ext>
     </p:extLst>
   </p:cSld>
@@ -1043,7 +1017,7 @@
           <p:cNvPr id="2" name="제목 1">
             <a:extLst>
               <a:ext uri="{FF2B5EF4-FFF2-40B4-BE49-F238E27FC236}">
-                <a16:creationId xmlns:a16="http://schemas.microsoft.com/office/drawing/2014/main" id="{DC46A6F2-1F93-1F30-1EFB-E4EA313C2047}"/>
+                <a16:creationId xmlns:a16="http://schemas.microsoft.com/office/drawing/2014/main" id="{38687782-029F-585D-D1CA-0799E28B41BC}"/>
               </a:ext>
             </a:extLst>
           </p:cNvPr>
@@ -1080,7 +1054,7 @@
           <p:cNvPr id="3" name="텍스트 개체 틀 2">
             <a:extLst>
               <a:ext uri="{FF2B5EF4-FFF2-40B4-BE49-F238E27FC236}">
-                <a16:creationId xmlns:a16="http://schemas.microsoft.com/office/drawing/2014/main" id="{43AD6272-362B-BED0-3F73-95A5860C7023}"/>
+                <a16:creationId xmlns:a16="http://schemas.microsoft.com/office/drawing/2014/main" id="{DBE3065F-2C0C-B9F1-2D62-A96098B500C4}"/>
               </a:ext>
             </a:extLst>
           </p:cNvPr>
@@ -1205,7 +1179,7 @@
           <p:cNvPr id="4" name="날짜 개체 틀 3">
             <a:extLst>
               <a:ext uri="{FF2B5EF4-FFF2-40B4-BE49-F238E27FC236}">
-                <a16:creationId xmlns:a16="http://schemas.microsoft.com/office/drawing/2014/main" id="{B773458F-2C49-C097-0698-793136913E02}"/>
+                <a16:creationId xmlns:a16="http://schemas.microsoft.com/office/drawing/2014/main" id="{39F3B551-90F0-A0F5-E48F-9CB16E17C615}"/>
               </a:ext>
             </a:extLst>
           </p:cNvPr>
@@ -1221,7 +1195,7 @@
           <a:bodyPr/>
           <a:lstStyle/>
           <a:p>
-            <a:fld id="{2782AC93-F6DD-4622-A5C9-A8B67B2B8CF0}" type="datetimeFigureOut">
+            <a:fld id="{81BC6B80-30EB-47B0-81C9-9CAAF1328A66}" type="datetimeFigureOut">
               <a:rPr lang="ko-KR" altLang="en-US" smtClean="0"/>
               <a:t>2022-08-12</a:t>
             </a:fld>
@@ -1234,7 +1208,7 @@
           <p:cNvPr id="5" name="바닥글 개체 틀 4">
             <a:extLst>
               <a:ext uri="{FF2B5EF4-FFF2-40B4-BE49-F238E27FC236}">
-                <a16:creationId xmlns:a16="http://schemas.microsoft.com/office/drawing/2014/main" id="{2E84DDBD-A8C9-B217-CF40-3BEE75A780D4}"/>
+                <a16:creationId xmlns:a16="http://schemas.microsoft.com/office/drawing/2014/main" id="{F1FF7C6F-BA80-069F-20EE-14A48A437590}"/>
               </a:ext>
             </a:extLst>
           </p:cNvPr>
@@ -1259,7 +1233,7 @@
           <p:cNvPr id="6" name="슬라이드 번호 개체 틀 5">
             <a:extLst>
               <a:ext uri="{FF2B5EF4-FFF2-40B4-BE49-F238E27FC236}">
-                <a16:creationId xmlns:a16="http://schemas.microsoft.com/office/drawing/2014/main" id="{FDA4DDD8-16FA-8505-28A4-442D9460CF41}"/>
+                <a16:creationId xmlns:a16="http://schemas.microsoft.com/office/drawing/2014/main" id="{D849B034-1265-94D5-D41B-C628CF4301FA}"/>
               </a:ext>
             </a:extLst>
           </p:cNvPr>
@@ -1275,7 +1249,7 @@
           <a:bodyPr/>
           <a:lstStyle/>
           <a:p>
-            <a:fld id="{362E0DB6-FE7A-45AA-92ED-AD0364A27C85}" type="slidenum">
+            <a:fld id="{AF6E1C7F-6504-4859-BCE4-2D41C57221C5}" type="slidenum">
               <a:rPr lang="ko-KR" altLang="en-US" smtClean="0"/>
               <a:t>‹#›</a:t>
             </a:fld>
@@ -1286,7 +1260,7 @@
     </p:spTree>
     <p:extLst>
       <p:ext uri="{BB962C8B-B14F-4D97-AF65-F5344CB8AC3E}">
-        <p14:creationId xmlns:p14="http://schemas.microsoft.com/office/powerpoint/2010/main" val="3946853154"/>
+        <p14:creationId xmlns:p14="http://schemas.microsoft.com/office/powerpoint/2010/main" val="1846683332"/>
       </p:ext>
     </p:extLst>
   </p:cSld>
@@ -1318,7 +1292,7 @@
           <p:cNvPr id="2" name="제목 1">
             <a:extLst>
               <a:ext uri="{FF2B5EF4-FFF2-40B4-BE49-F238E27FC236}">
-                <a16:creationId xmlns:a16="http://schemas.microsoft.com/office/drawing/2014/main" id="{3EDD3F01-AE87-4E5B-C3A0-7F12F63F8830}"/>
+                <a16:creationId xmlns:a16="http://schemas.microsoft.com/office/drawing/2014/main" id="{3329E3F0-B775-4774-170F-014AEE56D4F2}"/>
               </a:ext>
             </a:extLst>
           </p:cNvPr>
@@ -1346,7 +1320,7 @@
           <p:cNvPr id="3" name="내용 개체 틀 2">
             <a:extLst>
               <a:ext uri="{FF2B5EF4-FFF2-40B4-BE49-F238E27FC236}">
-                <a16:creationId xmlns:a16="http://schemas.microsoft.com/office/drawing/2014/main" id="{7E469D3C-6681-1C73-9983-6D17DF689F6A}"/>
+                <a16:creationId xmlns:a16="http://schemas.microsoft.com/office/drawing/2014/main" id="{AEE1C731-0547-C0F6-21FA-11634BE4E1DB}"/>
               </a:ext>
             </a:extLst>
           </p:cNvPr>
@@ -1408,7 +1382,7 @@
           <p:cNvPr id="4" name="내용 개체 틀 3">
             <a:extLst>
               <a:ext uri="{FF2B5EF4-FFF2-40B4-BE49-F238E27FC236}">
-                <a16:creationId xmlns:a16="http://schemas.microsoft.com/office/drawing/2014/main" id="{843F2371-1469-37F7-8E96-AFD4D547075A}"/>
+                <a16:creationId xmlns:a16="http://schemas.microsoft.com/office/drawing/2014/main" id="{1D34E5FD-AF12-1001-E715-7068D34FF887}"/>
               </a:ext>
             </a:extLst>
           </p:cNvPr>
@@ -1470,7 +1444,7 @@
           <p:cNvPr id="5" name="날짜 개체 틀 4">
             <a:extLst>
               <a:ext uri="{FF2B5EF4-FFF2-40B4-BE49-F238E27FC236}">
-                <a16:creationId xmlns:a16="http://schemas.microsoft.com/office/drawing/2014/main" id="{9AA956E1-D40F-813E-15B4-B30F7C8930A9}"/>
+                <a16:creationId xmlns:a16="http://schemas.microsoft.com/office/drawing/2014/main" id="{349E25A0-5D8B-0D7B-82B1-2EDD1A8BFC51}"/>
               </a:ext>
             </a:extLst>
           </p:cNvPr>
@@ -1486,7 +1460,7 @@
           <a:bodyPr/>
           <a:lstStyle/>
           <a:p>
-            <a:fld id="{2782AC93-F6DD-4622-A5C9-A8B67B2B8CF0}" type="datetimeFigureOut">
+            <a:fld id="{81BC6B80-30EB-47B0-81C9-9CAAF1328A66}" type="datetimeFigureOut">
               <a:rPr lang="ko-KR" altLang="en-US" smtClean="0"/>
               <a:t>2022-08-12</a:t>
             </a:fld>
@@ -1499,7 +1473,7 @@
           <p:cNvPr id="6" name="바닥글 개체 틀 5">
             <a:extLst>
               <a:ext uri="{FF2B5EF4-FFF2-40B4-BE49-F238E27FC236}">
-                <a16:creationId xmlns:a16="http://schemas.microsoft.com/office/drawing/2014/main" id="{38A4AC94-4984-E30E-44BE-08157BE206DA}"/>
+                <a16:creationId xmlns:a16="http://schemas.microsoft.com/office/drawing/2014/main" id="{B4E1E84C-E009-CD4F-26BB-9C9224798F57}"/>
               </a:ext>
             </a:extLst>
           </p:cNvPr>
@@ -1524,7 +1498,7 @@
           <p:cNvPr id="7" name="슬라이드 번호 개체 틀 6">
             <a:extLst>
               <a:ext uri="{FF2B5EF4-FFF2-40B4-BE49-F238E27FC236}">
-                <a16:creationId xmlns:a16="http://schemas.microsoft.com/office/drawing/2014/main" id="{B3D8C7D1-2CD9-0E7E-8B45-9A270A20CAB4}"/>
+                <a16:creationId xmlns:a16="http://schemas.microsoft.com/office/drawing/2014/main" id="{AFC20080-FAE0-6A08-39DF-96B77695EA76}"/>
               </a:ext>
             </a:extLst>
           </p:cNvPr>
@@ -1540,7 +1514,7 @@
           <a:bodyPr/>
           <a:lstStyle/>
           <a:p>
-            <a:fld id="{362E0DB6-FE7A-45AA-92ED-AD0364A27C85}" type="slidenum">
+            <a:fld id="{AF6E1C7F-6504-4859-BCE4-2D41C57221C5}" type="slidenum">
               <a:rPr lang="ko-KR" altLang="en-US" smtClean="0"/>
               <a:t>‹#›</a:t>
             </a:fld>
@@ -1551,7 +1525,7 @@
     </p:spTree>
     <p:extLst>
       <p:ext uri="{BB962C8B-B14F-4D97-AF65-F5344CB8AC3E}">
-        <p14:creationId xmlns:p14="http://schemas.microsoft.com/office/powerpoint/2010/main" val="2631499948"/>
+        <p14:creationId xmlns:p14="http://schemas.microsoft.com/office/powerpoint/2010/main" val="848481886"/>
       </p:ext>
     </p:extLst>
   </p:cSld>
@@ -1583,7 +1557,7 @@
           <p:cNvPr id="2" name="제목 1">
             <a:extLst>
               <a:ext uri="{FF2B5EF4-FFF2-40B4-BE49-F238E27FC236}">
-                <a16:creationId xmlns:a16="http://schemas.microsoft.com/office/drawing/2014/main" id="{CAC943C0-C4BB-F88F-8335-467B7D9C34B4}"/>
+                <a16:creationId xmlns:a16="http://schemas.microsoft.com/office/drawing/2014/main" id="{9C595C0C-096E-B61E-FDE3-7E2DE4A5C837}"/>
               </a:ext>
             </a:extLst>
           </p:cNvPr>
@@ -1616,7 +1590,7 @@
           <p:cNvPr id="3" name="텍스트 개체 틀 2">
             <a:extLst>
               <a:ext uri="{FF2B5EF4-FFF2-40B4-BE49-F238E27FC236}">
-                <a16:creationId xmlns:a16="http://schemas.microsoft.com/office/drawing/2014/main" id="{50291C02-8EB6-7802-9778-3CA4A53AAC75}"/>
+                <a16:creationId xmlns:a16="http://schemas.microsoft.com/office/drawing/2014/main" id="{EAA3FA34-9B54-BF45-17A8-981916D4B62C}"/>
               </a:ext>
             </a:extLst>
           </p:cNvPr>
@@ -1687,7 +1661,7 @@
           <p:cNvPr id="4" name="내용 개체 틀 3">
             <a:extLst>
               <a:ext uri="{FF2B5EF4-FFF2-40B4-BE49-F238E27FC236}">
-                <a16:creationId xmlns:a16="http://schemas.microsoft.com/office/drawing/2014/main" id="{121193C7-6817-8F69-5780-5E19C53ABB72}"/>
+                <a16:creationId xmlns:a16="http://schemas.microsoft.com/office/drawing/2014/main" id="{863228B5-2C00-DADF-BA5E-FD3E77959FD7}"/>
               </a:ext>
             </a:extLst>
           </p:cNvPr>
@@ -1749,7 +1723,7 @@
           <p:cNvPr id="5" name="텍스트 개체 틀 4">
             <a:extLst>
               <a:ext uri="{FF2B5EF4-FFF2-40B4-BE49-F238E27FC236}">
-                <a16:creationId xmlns:a16="http://schemas.microsoft.com/office/drawing/2014/main" id="{E6A96471-2CFA-1E9F-C8D7-378BE56260C5}"/>
+                <a16:creationId xmlns:a16="http://schemas.microsoft.com/office/drawing/2014/main" id="{66FE008C-1AB0-CC46-D736-3D7E34A34A50}"/>
               </a:ext>
             </a:extLst>
           </p:cNvPr>
@@ -1820,7 +1794,7 @@
           <p:cNvPr id="6" name="내용 개체 틀 5">
             <a:extLst>
               <a:ext uri="{FF2B5EF4-FFF2-40B4-BE49-F238E27FC236}">
-                <a16:creationId xmlns:a16="http://schemas.microsoft.com/office/drawing/2014/main" id="{C9F5D301-A480-7617-7150-51AA1BAE4102}"/>
+                <a16:creationId xmlns:a16="http://schemas.microsoft.com/office/drawing/2014/main" id="{CA6C379F-5D40-9BCA-4664-3F9E591B6DB7}"/>
               </a:ext>
             </a:extLst>
           </p:cNvPr>
@@ -1882,7 +1856,7 @@
           <p:cNvPr id="7" name="날짜 개체 틀 6">
             <a:extLst>
               <a:ext uri="{FF2B5EF4-FFF2-40B4-BE49-F238E27FC236}">
-                <a16:creationId xmlns:a16="http://schemas.microsoft.com/office/drawing/2014/main" id="{68CEEA76-B93E-59B9-8644-92C77C545955}"/>
+                <a16:creationId xmlns:a16="http://schemas.microsoft.com/office/drawing/2014/main" id="{04DCAD41-4A86-733F-A451-52DC169FD102}"/>
               </a:ext>
             </a:extLst>
           </p:cNvPr>
@@ -1898,7 +1872,7 @@
           <a:bodyPr/>
           <a:lstStyle/>
           <a:p>
-            <a:fld id="{2782AC93-F6DD-4622-A5C9-A8B67B2B8CF0}" type="datetimeFigureOut">
+            <a:fld id="{81BC6B80-30EB-47B0-81C9-9CAAF1328A66}" type="datetimeFigureOut">
               <a:rPr lang="ko-KR" altLang="en-US" smtClean="0"/>
               <a:t>2022-08-12</a:t>
             </a:fld>
@@ -1911,7 +1885,7 @@
           <p:cNvPr id="8" name="바닥글 개체 틀 7">
             <a:extLst>
               <a:ext uri="{FF2B5EF4-FFF2-40B4-BE49-F238E27FC236}">
-                <a16:creationId xmlns:a16="http://schemas.microsoft.com/office/drawing/2014/main" id="{77833772-47B6-ED25-6E51-F5B703222FDC}"/>
+                <a16:creationId xmlns:a16="http://schemas.microsoft.com/office/drawing/2014/main" id="{42201353-BCA7-D0F9-500F-383B534B0F26}"/>
               </a:ext>
             </a:extLst>
           </p:cNvPr>
@@ -1936,7 +1910,7 @@
           <p:cNvPr id="9" name="슬라이드 번호 개체 틀 8">
             <a:extLst>
               <a:ext uri="{FF2B5EF4-FFF2-40B4-BE49-F238E27FC236}">
-                <a16:creationId xmlns:a16="http://schemas.microsoft.com/office/drawing/2014/main" id="{0F16F4EC-46EF-759C-9F42-718F721F9E36}"/>
+                <a16:creationId xmlns:a16="http://schemas.microsoft.com/office/drawing/2014/main" id="{1B99B28D-E6BB-858B-E5B3-E2286B2798FD}"/>
               </a:ext>
             </a:extLst>
           </p:cNvPr>
@@ -1952,7 +1926,7 @@
           <a:bodyPr/>
           <a:lstStyle/>
           <a:p>
-            <a:fld id="{362E0DB6-FE7A-45AA-92ED-AD0364A27C85}" type="slidenum">
+            <a:fld id="{AF6E1C7F-6504-4859-BCE4-2D41C57221C5}" type="slidenum">
               <a:rPr lang="ko-KR" altLang="en-US" smtClean="0"/>
               <a:t>‹#›</a:t>
             </a:fld>
@@ -1963,7 +1937,7 @@
     </p:spTree>
     <p:extLst>
       <p:ext uri="{BB962C8B-B14F-4D97-AF65-F5344CB8AC3E}">
-        <p14:creationId xmlns:p14="http://schemas.microsoft.com/office/powerpoint/2010/main" val="3051891769"/>
+        <p14:creationId xmlns:p14="http://schemas.microsoft.com/office/powerpoint/2010/main" val="1385241358"/>
       </p:ext>
     </p:extLst>
   </p:cSld>
@@ -1995,7 +1969,7 @@
           <p:cNvPr id="2" name="제목 1">
             <a:extLst>
               <a:ext uri="{FF2B5EF4-FFF2-40B4-BE49-F238E27FC236}">
-                <a16:creationId xmlns:a16="http://schemas.microsoft.com/office/drawing/2014/main" id="{F5DEF13B-AACA-A84C-C57F-85BE7264FF10}"/>
+                <a16:creationId xmlns:a16="http://schemas.microsoft.com/office/drawing/2014/main" id="{AC856120-CD7C-F602-75DE-EFE4797E4BEC}"/>
               </a:ext>
             </a:extLst>
           </p:cNvPr>
@@ -2023,7 +1997,7 @@
           <p:cNvPr id="3" name="날짜 개체 틀 2">
             <a:extLst>
               <a:ext uri="{FF2B5EF4-FFF2-40B4-BE49-F238E27FC236}">
-                <a16:creationId xmlns:a16="http://schemas.microsoft.com/office/drawing/2014/main" id="{A29F9CD8-92BF-1C0E-E2C9-710DFEED3BA3}"/>
+                <a16:creationId xmlns:a16="http://schemas.microsoft.com/office/drawing/2014/main" id="{96D0281C-7563-CC78-2CEA-F3652AA06B12}"/>
               </a:ext>
             </a:extLst>
           </p:cNvPr>
@@ -2039,7 +2013,7 @@
           <a:bodyPr/>
           <a:lstStyle/>
           <a:p>
-            <a:fld id="{2782AC93-F6DD-4622-A5C9-A8B67B2B8CF0}" type="datetimeFigureOut">
+            <a:fld id="{81BC6B80-30EB-47B0-81C9-9CAAF1328A66}" type="datetimeFigureOut">
               <a:rPr lang="ko-KR" altLang="en-US" smtClean="0"/>
               <a:t>2022-08-12</a:t>
             </a:fld>
@@ -2052,7 +2026,7 @@
           <p:cNvPr id="4" name="바닥글 개체 틀 3">
             <a:extLst>
               <a:ext uri="{FF2B5EF4-FFF2-40B4-BE49-F238E27FC236}">
-                <a16:creationId xmlns:a16="http://schemas.microsoft.com/office/drawing/2014/main" id="{A1ABC0BB-03CB-26C2-27AE-902E2380CC92}"/>
+                <a16:creationId xmlns:a16="http://schemas.microsoft.com/office/drawing/2014/main" id="{0FD0A213-C7F4-684D-7D27-C9312941F0C7}"/>
               </a:ext>
             </a:extLst>
           </p:cNvPr>
@@ -2077,7 +2051,7 @@
           <p:cNvPr id="5" name="슬라이드 번호 개체 틀 4">
             <a:extLst>
               <a:ext uri="{FF2B5EF4-FFF2-40B4-BE49-F238E27FC236}">
-                <a16:creationId xmlns:a16="http://schemas.microsoft.com/office/drawing/2014/main" id="{F69FCB19-30B9-7967-B058-EC69BE991371}"/>
+                <a16:creationId xmlns:a16="http://schemas.microsoft.com/office/drawing/2014/main" id="{EF43363D-81B6-C6B4-6B88-12634E293B8A}"/>
               </a:ext>
             </a:extLst>
           </p:cNvPr>
@@ -2093,7 +2067,7 @@
           <a:bodyPr/>
           <a:lstStyle/>
           <a:p>
-            <a:fld id="{362E0DB6-FE7A-45AA-92ED-AD0364A27C85}" type="slidenum">
+            <a:fld id="{AF6E1C7F-6504-4859-BCE4-2D41C57221C5}" type="slidenum">
               <a:rPr lang="ko-KR" altLang="en-US" smtClean="0"/>
               <a:t>‹#›</a:t>
             </a:fld>
@@ -2104,7 +2078,7 @@
     </p:spTree>
     <p:extLst>
       <p:ext uri="{BB962C8B-B14F-4D97-AF65-F5344CB8AC3E}">
-        <p14:creationId xmlns:p14="http://schemas.microsoft.com/office/powerpoint/2010/main" val="2839796199"/>
+        <p14:creationId xmlns:p14="http://schemas.microsoft.com/office/powerpoint/2010/main" val="4069596418"/>
       </p:ext>
     </p:extLst>
   </p:cSld>
@@ -2136,7 +2110,7 @@
           <p:cNvPr id="2" name="날짜 개체 틀 1">
             <a:extLst>
               <a:ext uri="{FF2B5EF4-FFF2-40B4-BE49-F238E27FC236}">
-                <a16:creationId xmlns:a16="http://schemas.microsoft.com/office/drawing/2014/main" id="{C625A8DC-1246-C4F4-30C9-DFEFD1D6C551}"/>
+                <a16:creationId xmlns:a16="http://schemas.microsoft.com/office/drawing/2014/main" id="{A97CE058-8877-2EBE-A14C-1840F4EC66E5}"/>
               </a:ext>
             </a:extLst>
           </p:cNvPr>
@@ -2152,7 +2126,7 @@
           <a:bodyPr/>
           <a:lstStyle/>
           <a:p>
-            <a:fld id="{2782AC93-F6DD-4622-A5C9-A8B67B2B8CF0}" type="datetimeFigureOut">
+            <a:fld id="{81BC6B80-30EB-47B0-81C9-9CAAF1328A66}" type="datetimeFigureOut">
               <a:rPr lang="ko-KR" altLang="en-US" smtClean="0"/>
               <a:t>2022-08-12</a:t>
             </a:fld>
@@ -2165,7 +2139,7 @@
           <p:cNvPr id="3" name="바닥글 개체 틀 2">
             <a:extLst>
               <a:ext uri="{FF2B5EF4-FFF2-40B4-BE49-F238E27FC236}">
-                <a16:creationId xmlns:a16="http://schemas.microsoft.com/office/drawing/2014/main" id="{D97E4883-E7C7-3B31-5E57-4204FC529657}"/>
+                <a16:creationId xmlns:a16="http://schemas.microsoft.com/office/drawing/2014/main" id="{087FF26D-FFE4-B214-6944-1198BB7D45FF}"/>
               </a:ext>
             </a:extLst>
           </p:cNvPr>
@@ -2190,7 +2164,7 @@
           <p:cNvPr id="4" name="슬라이드 번호 개체 틀 3">
             <a:extLst>
               <a:ext uri="{FF2B5EF4-FFF2-40B4-BE49-F238E27FC236}">
-                <a16:creationId xmlns:a16="http://schemas.microsoft.com/office/drawing/2014/main" id="{74AB9654-AD41-74B4-07DC-D01550C99AE7}"/>
+                <a16:creationId xmlns:a16="http://schemas.microsoft.com/office/drawing/2014/main" id="{91F0F0B9-A1B9-EE5B-353C-61DC21B96B6E}"/>
               </a:ext>
             </a:extLst>
           </p:cNvPr>
@@ -2206,7 +2180,7 @@
           <a:bodyPr/>
           <a:lstStyle/>
           <a:p>
-            <a:fld id="{362E0DB6-FE7A-45AA-92ED-AD0364A27C85}" type="slidenum">
+            <a:fld id="{AF6E1C7F-6504-4859-BCE4-2D41C57221C5}" type="slidenum">
               <a:rPr lang="ko-KR" altLang="en-US" smtClean="0"/>
               <a:t>‹#›</a:t>
             </a:fld>
@@ -2217,7 +2191,7 @@
     </p:spTree>
     <p:extLst>
       <p:ext uri="{BB962C8B-B14F-4D97-AF65-F5344CB8AC3E}">
-        <p14:creationId xmlns:p14="http://schemas.microsoft.com/office/powerpoint/2010/main" val="1298585768"/>
+        <p14:creationId xmlns:p14="http://schemas.microsoft.com/office/powerpoint/2010/main" val="374521955"/>
       </p:ext>
     </p:extLst>
   </p:cSld>
@@ -2249,7 +2223,7 @@
           <p:cNvPr id="2" name="제목 1">
             <a:extLst>
               <a:ext uri="{FF2B5EF4-FFF2-40B4-BE49-F238E27FC236}">
-                <a16:creationId xmlns:a16="http://schemas.microsoft.com/office/drawing/2014/main" id="{FB6FC9D2-0C7C-48C8-CBD3-C4BA8FB75CD1}"/>
+                <a16:creationId xmlns:a16="http://schemas.microsoft.com/office/drawing/2014/main" id="{72CEB7AF-E92A-185F-41E9-C76B54B87364}"/>
               </a:ext>
             </a:extLst>
           </p:cNvPr>
@@ -2286,7 +2260,7 @@
           <p:cNvPr id="3" name="내용 개체 틀 2">
             <a:extLst>
               <a:ext uri="{FF2B5EF4-FFF2-40B4-BE49-F238E27FC236}">
-                <a16:creationId xmlns:a16="http://schemas.microsoft.com/office/drawing/2014/main" id="{3A545CDE-4746-CC3A-B459-5DC1C876AE68}"/>
+                <a16:creationId xmlns:a16="http://schemas.microsoft.com/office/drawing/2014/main" id="{D40310A0-9F56-28DC-50A0-F6EE4F4D9387}"/>
               </a:ext>
             </a:extLst>
           </p:cNvPr>
@@ -2376,7 +2350,7 @@
           <p:cNvPr id="4" name="텍스트 개체 틀 3">
             <a:extLst>
               <a:ext uri="{FF2B5EF4-FFF2-40B4-BE49-F238E27FC236}">
-                <a16:creationId xmlns:a16="http://schemas.microsoft.com/office/drawing/2014/main" id="{712F9067-F451-099C-E0D0-EB5DBAD558FA}"/>
+                <a16:creationId xmlns:a16="http://schemas.microsoft.com/office/drawing/2014/main" id="{C71A9A43-BE89-5F3B-A359-D7A5B7CAA204}"/>
               </a:ext>
             </a:extLst>
           </p:cNvPr>
@@ -2447,7 +2421,7 @@
           <p:cNvPr id="5" name="날짜 개체 틀 4">
             <a:extLst>
               <a:ext uri="{FF2B5EF4-FFF2-40B4-BE49-F238E27FC236}">
-                <a16:creationId xmlns:a16="http://schemas.microsoft.com/office/drawing/2014/main" id="{4F25A044-D6D0-E61D-0127-64B047CCB862}"/>
+                <a16:creationId xmlns:a16="http://schemas.microsoft.com/office/drawing/2014/main" id="{BF5C9BE2-9CFA-D7BC-0B59-6B53F1D76718}"/>
               </a:ext>
             </a:extLst>
           </p:cNvPr>
@@ -2463,7 +2437,7 @@
           <a:bodyPr/>
           <a:lstStyle/>
           <a:p>
-            <a:fld id="{2782AC93-F6DD-4622-A5C9-A8B67B2B8CF0}" type="datetimeFigureOut">
+            <a:fld id="{81BC6B80-30EB-47B0-81C9-9CAAF1328A66}" type="datetimeFigureOut">
               <a:rPr lang="ko-KR" altLang="en-US" smtClean="0"/>
               <a:t>2022-08-12</a:t>
             </a:fld>
@@ -2476,7 +2450,7 @@
           <p:cNvPr id="6" name="바닥글 개체 틀 5">
             <a:extLst>
               <a:ext uri="{FF2B5EF4-FFF2-40B4-BE49-F238E27FC236}">
-                <a16:creationId xmlns:a16="http://schemas.microsoft.com/office/drawing/2014/main" id="{E2E3D25D-F243-C1BF-32CA-C7BFFBB01017}"/>
+                <a16:creationId xmlns:a16="http://schemas.microsoft.com/office/drawing/2014/main" id="{6778B9E4-21E2-FFF7-D50E-6D6D3B0B91F1}"/>
               </a:ext>
             </a:extLst>
           </p:cNvPr>
@@ -2501,7 +2475,7 @@
           <p:cNvPr id="7" name="슬라이드 번호 개체 틀 6">
             <a:extLst>
               <a:ext uri="{FF2B5EF4-FFF2-40B4-BE49-F238E27FC236}">
-                <a16:creationId xmlns:a16="http://schemas.microsoft.com/office/drawing/2014/main" id="{C66673AC-0B59-0A2D-878B-684968F9BAC2}"/>
+                <a16:creationId xmlns:a16="http://schemas.microsoft.com/office/drawing/2014/main" id="{42F5FB07-C9E9-9A61-9B9A-3CB9440E13C3}"/>
               </a:ext>
             </a:extLst>
           </p:cNvPr>
@@ -2517,7 +2491,7 @@
           <a:bodyPr/>
           <a:lstStyle/>
           <a:p>
-            <a:fld id="{362E0DB6-FE7A-45AA-92ED-AD0364A27C85}" type="slidenum">
+            <a:fld id="{AF6E1C7F-6504-4859-BCE4-2D41C57221C5}" type="slidenum">
               <a:rPr lang="ko-KR" altLang="en-US" smtClean="0"/>
               <a:t>‹#›</a:t>
             </a:fld>
@@ -2528,7 +2502,7 @@
     </p:spTree>
     <p:extLst>
       <p:ext uri="{BB962C8B-B14F-4D97-AF65-F5344CB8AC3E}">
-        <p14:creationId xmlns:p14="http://schemas.microsoft.com/office/powerpoint/2010/main" val="4100547521"/>
+        <p14:creationId xmlns:p14="http://schemas.microsoft.com/office/powerpoint/2010/main" val="4240275453"/>
       </p:ext>
     </p:extLst>
   </p:cSld>
@@ -2560,7 +2534,7 @@
           <p:cNvPr id="2" name="제목 1">
             <a:extLst>
               <a:ext uri="{FF2B5EF4-FFF2-40B4-BE49-F238E27FC236}">
-                <a16:creationId xmlns:a16="http://schemas.microsoft.com/office/drawing/2014/main" id="{C7CE9502-113F-B154-40BD-098B2CFE2594}"/>
+                <a16:creationId xmlns:a16="http://schemas.microsoft.com/office/drawing/2014/main" id="{4F155642-E219-6E96-4A17-4DE01E31A699}"/>
               </a:ext>
             </a:extLst>
           </p:cNvPr>
@@ -2597,7 +2571,7 @@
           <p:cNvPr id="3" name="그림 개체 틀 2">
             <a:extLst>
               <a:ext uri="{FF2B5EF4-FFF2-40B4-BE49-F238E27FC236}">
-                <a16:creationId xmlns:a16="http://schemas.microsoft.com/office/drawing/2014/main" id="{E78EEB76-A415-9A95-EC5D-9560B85FC4BE}"/>
+                <a16:creationId xmlns:a16="http://schemas.microsoft.com/office/drawing/2014/main" id="{101DB0C8-2C41-F4D5-8BAF-19FFDDCDF86D}"/>
               </a:ext>
             </a:extLst>
           </p:cNvPr>
@@ -2664,7 +2638,7 @@
           <p:cNvPr id="4" name="텍스트 개체 틀 3">
             <a:extLst>
               <a:ext uri="{FF2B5EF4-FFF2-40B4-BE49-F238E27FC236}">
-                <a16:creationId xmlns:a16="http://schemas.microsoft.com/office/drawing/2014/main" id="{D505AE0D-413E-2943-BF2B-9523256D0D62}"/>
+                <a16:creationId xmlns:a16="http://schemas.microsoft.com/office/drawing/2014/main" id="{97B67571-2B40-893F-F5E9-C648FB952656}"/>
               </a:ext>
             </a:extLst>
           </p:cNvPr>
@@ -2735,7 +2709,7 @@
           <p:cNvPr id="5" name="날짜 개체 틀 4">
             <a:extLst>
               <a:ext uri="{FF2B5EF4-FFF2-40B4-BE49-F238E27FC236}">
-                <a16:creationId xmlns:a16="http://schemas.microsoft.com/office/drawing/2014/main" id="{CD0EADF5-21D8-038B-0F71-04170AC6E5AB}"/>
+                <a16:creationId xmlns:a16="http://schemas.microsoft.com/office/drawing/2014/main" id="{2C5DC554-B5F9-44CF-55E3-F69CD196877C}"/>
               </a:ext>
             </a:extLst>
           </p:cNvPr>
@@ -2751,7 +2725,7 @@
           <a:bodyPr/>
           <a:lstStyle/>
           <a:p>
-            <a:fld id="{2782AC93-F6DD-4622-A5C9-A8B67B2B8CF0}" type="datetimeFigureOut">
+            <a:fld id="{81BC6B80-30EB-47B0-81C9-9CAAF1328A66}" type="datetimeFigureOut">
               <a:rPr lang="ko-KR" altLang="en-US" smtClean="0"/>
               <a:t>2022-08-12</a:t>
             </a:fld>
@@ -2764,7 +2738,7 @@
           <p:cNvPr id="6" name="바닥글 개체 틀 5">
             <a:extLst>
               <a:ext uri="{FF2B5EF4-FFF2-40B4-BE49-F238E27FC236}">
-                <a16:creationId xmlns:a16="http://schemas.microsoft.com/office/drawing/2014/main" id="{A54EBC88-536F-95AC-D86D-B57EB5D3737F}"/>
+                <a16:creationId xmlns:a16="http://schemas.microsoft.com/office/drawing/2014/main" id="{0749C2DE-1AF1-24E7-249D-D80D97B66D85}"/>
               </a:ext>
             </a:extLst>
           </p:cNvPr>
@@ -2789,7 +2763,7 @@
           <p:cNvPr id="7" name="슬라이드 번호 개체 틀 6">
             <a:extLst>
               <a:ext uri="{FF2B5EF4-FFF2-40B4-BE49-F238E27FC236}">
-                <a16:creationId xmlns:a16="http://schemas.microsoft.com/office/drawing/2014/main" id="{2D866890-0FDA-4A8B-A9F9-B8D3DCD313A3}"/>
+                <a16:creationId xmlns:a16="http://schemas.microsoft.com/office/drawing/2014/main" id="{9DF26392-6D14-186D-E323-F8D099C96FC5}"/>
               </a:ext>
             </a:extLst>
           </p:cNvPr>
@@ -2805,7 +2779,7 @@
           <a:bodyPr/>
           <a:lstStyle/>
           <a:p>
-            <a:fld id="{362E0DB6-FE7A-45AA-92ED-AD0364A27C85}" type="slidenum">
+            <a:fld id="{AF6E1C7F-6504-4859-BCE4-2D41C57221C5}" type="slidenum">
               <a:rPr lang="ko-KR" altLang="en-US" smtClean="0"/>
               <a:t>‹#›</a:t>
             </a:fld>
@@ -2816,7 +2790,7 @@
     </p:spTree>
     <p:extLst>
       <p:ext uri="{BB962C8B-B14F-4D97-AF65-F5344CB8AC3E}">
-        <p14:creationId xmlns:p14="http://schemas.microsoft.com/office/powerpoint/2010/main" val="3715051411"/>
+        <p14:creationId xmlns:p14="http://schemas.microsoft.com/office/powerpoint/2010/main" val="2295798023"/>
       </p:ext>
     </p:extLst>
   </p:cSld>
@@ -2853,7 +2827,7 @@
           <p:cNvPr id="2" name="제목 개체 틀 1">
             <a:extLst>
               <a:ext uri="{FF2B5EF4-FFF2-40B4-BE49-F238E27FC236}">
-                <a16:creationId xmlns:a16="http://schemas.microsoft.com/office/drawing/2014/main" id="{7A7E87B8-EFF1-A5C0-C5D5-DDF454DF0E9B}"/>
+                <a16:creationId xmlns:a16="http://schemas.microsoft.com/office/drawing/2014/main" id="{3131B6DF-C02D-66E9-BEEB-A5B6E0645247}"/>
               </a:ext>
             </a:extLst>
           </p:cNvPr>
@@ -2891,7 +2865,7 @@
           <p:cNvPr id="3" name="텍스트 개체 틀 2">
             <a:extLst>
               <a:ext uri="{FF2B5EF4-FFF2-40B4-BE49-F238E27FC236}">
-                <a16:creationId xmlns:a16="http://schemas.microsoft.com/office/drawing/2014/main" id="{70EEF1C2-F5E3-54AF-6D4E-EAB303FC0216}"/>
+                <a16:creationId xmlns:a16="http://schemas.microsoft.com/office/drawing/2014/main" id="{D3E94D61-FA19-90D6-C8EB-0074C5B72B3B}"/>
               </a:ext>
             </a:extLst>
           </p:cNvPr>
@@ -2958,7 +2932,7 @@
           <p:cNvPr id="4" name="날짜 개체 틀 3">
             <a:extLst>
               <a:ext uri="{FF2B5EF4-FFF2-40B4-BE49-F238E27FC236}">
-                <a16:creationId xmlns:a16="http://schemas.microsoft.com/office/drawing/2014/main" id="{9B6CF6F1-3D8F-1F94-2FAE-C7222C1C89A2}"/>
+                <a16:creationId xmlns:a16="http://schemas.microsoft.com/office/drawing/2014/main" id="{771E7D9A-E54B-4BF4-5DDB-51918F714EBF}"/>
               </a:ext>
             </a:extLst>
           </p:cNvPr>
@@ -2992,7 +2966,7 @@
             </a:lvl1pPr>
           </a:lstStyle>
           <a:p>
-            <a:fld id="{2782AC93-F6DD-4622-A5C9-A8B67B2B8CF0}" type="datetimeFigureOut">
+            <a:fld id="{81BC6B80-30EB-47B0-81C9-9CAAF1328A66}" type="datetimeFigureOut">
               <a:rPr lang="ko-KR" altLang="en-US" smtClean="0"/>
               <a:t>2022-08-12</a:t>
             </a:fld>
@@ -3005,7 +2979,7 @@
           <p:cNvPr id="5" name="바닥글 개체 틀 4">
             <a:extLst>
               <a:ext uri="{FF2B5EF4-FFF2-40B4-BE49-F238E27FC236}">
-                <a16:creationId xmlns:a16="http://schemas.microsoft.com/office/drawing/2014/main" id="{AF045C67-5852-C63C-F66A-162A51C5D660}"/>
+                <a16:creationId xmlns:a16="http://schemas.microsoft.com/office/drawing/2014/main" id="{B53633F7-0D69-4841-C040-C281A67EB0B5}"/>
               </a:ext>
             </a:extLst>
           </p:cNvPr>
@@ -3048,7 +3022,7 @@
           <p:cNvPr id="6" name="슬라이드 번호 개체 틀 5">
             <a:extLst>
               <a:ext uri="{FF2B5EF4-FFF2-40B4-BE49-F238E27FC236}">
-                <a16:creationId xmlns:a16="http://schemas.microsoft.com/office/drawing/2014/main" id="{02E1A7CF-8055-B020-6D43-82E3EC2581AE}"/>
+                <a16:creationId xmlns:a16="http://schemas.microsoft.com/office/drawing/2014/main" id="{FC4A57C6-26E2-11F0-0AA1-2CCB8FA1EDD4}"/>
               </a:ext>
             </a:extLst>
           </p:cNvPr>
@@ -3082,7 +3056,7 @@
             </a:lvl1pPr>
           </a:lstStyle>
           <a:p>
-            <a:fld id="{362E0DB6-FE7A-45AA-92ED-AD0364A27C85}" type="slidenum">
+            <a:fld id="{AF6E1C7F-6504-4859-BCE4-2D41C57221C5}" type="slidenum">
               <a:rPr lang="ko-KR" altLang="en-US" smtClean="0"/>
               <a:t>‹#›</a:t>
             </a:fld>
@@ -3093,7 +3067,7 @@
     </p:spTree>
     <p:extLst>
       <p:ext uri="{BB962C8B-B14F-4D97-AF65-F5344CB8AC3E}">
-        <p14:creationId xmlns:p14="http://schemas.microsoft.com/office/powerpoint/2010/main" val="3335596614"/>
+        <p14:creationId xmlns:p14="http://schemas.microsoft.com/office/powerpoint/2010/main" val="2359068939"/>
       </p:ext>
     </p:extLst>
   </p:cSld>
@@ -3758,82 +3732,217 @@
             <p:ph idx="1"/>
           </p:nvPr>
         </p:nvSpPr>
-        <p:spPr/>
-        <p:txBody>
-          <a:bodyPr/>
-          <a:lstStyle/>
-          <a:p>
+        <p:spPr>
+          <a:xfrm>
+            <a:off x="838200" y="1441938"/>
+            <a:ext cx="10515600" cy="4818185"/>
+          </a:xfrm>
+        </p:spPr>
+        <p:txBody>
+          <a:bodyPr>
+            <a:normAutofit fontScale="92500" lnSpcReduction="20000"/>
+          </a:bodyPr>
+          <a:lstStyle/>
+          <a:p>
+            <a:r>
+              <a:rPr lang="en-US" altLang="ko-KR" dirty="0"/>
+              <a:t> </a:t>
+            </a:r>
+            <a:r>
+              <a:rPr lang="ko-KR" altLang="en-US" dirty="0" err="1"/>
+              <a:t>홍서빈</a:t>
+            </a:r>
+            <a:r>
+              <a:rPr lang="ko-KR" altLang="en-US" dirty="0"/>
+              <a:t> </a:t>
+            </a:r>
+            <a:r>
+              <a:rPr lang="en-US" altLang="ko-KR" dirty="0"/>
+              <a:t>:  </a:t>
+            </a:r>
+            <a:r>
+              <a:rPr lang="ko-KR" altLang="en-US" dirty="0"/>
+              <a:t>보안 취약점이 정말 다방면으로 </a:t>
+            </a:r>
+            <a:r>
+              <a:rPr lang="ko-KR" altLang="en-US"/>
+              <a:t>있어서 안전하게 </a:t>
+            </a:r>
+            <a:endParaRPr lang="en-US" altLang="ko-KR"/>
+          </a:p>
+          <a:p>
+            <a:pPr marL="0" indent="0">
+              <a:buNone/>
+            </a:pPr>
             <a:r>
               <a:rPr lang="en-US" altLang="ko-KR"/>
+              <a:t>	       </a:t>
+            </a:r>
+            <a:r>
+              <a:rPr lang="ko-KR" altLang="en-US"/>
+              <a:t>코딩하는게 </a:t>
+            </a:r>
+            <a:r>
+              <a:rPr lang="ko-KR" altLang="en-US" dirty="0"/>
+              <a:t>쉽지 않을 거 같다고 </a:t>
+            </a:r>
+            <a:r>
+              <a:rPr lang="ko-KR" altLang="en-US"/>
+              <a:t>느꼈다</a:t>
+            </a:r>
+            <a:r>
+              <a:rPr lang="en-US" altLang="ko-KR"/>
+              <a:t>.</a:t>
+            </a:r>
+          </a:p>
+          <a:p>
+            <a:pPr marL="0" indent="0">
+              <a:buNone/>
+            </a:pPr>
+            <a:r>
+              <a:rPr lang="en-US" altLang="ko-KR"/>
+              <a:t>	       </a:t>
+            </a:r>
+            <a:r>
+              <a:rPr lang="ko-KR" altLang="en-US"/>
+              <a:t>초반 코딩습관이 </a:t>
+            </a:r>
+            <a:r>
+              <a:rPr lang="ko-KR" altLang="en-US" dirty="0"/>
+              <a:t>중요할거 같다</a:t>
+            </a:r>
+            <a:endParaRPr lang="en-US" altLang="ko-KR" dirty="0"/>
+          </a:p>
+          <a:p>
+            <a:endParaRPr lang="en-US" altLang="ko-KR" dirty="0"/>
+          </a:p>
+          <a:p>
+            <a:r>
+              <a:rPr lang="ko-KR" altLang="en-US" err="1"/>
+              <a:t>양나은</a:t>
+            </a:r>
+            <a:r>
+              <a:rPr lang="ko-KR" altLang="en-US"/>
               <a:t> </a:t>
-            </a:r>
-            <a:r>
-              <a:rPr lang="ko-KR" altLang="en-US"/>
-              <a:t>홍서빈 </a:t>
             </a:r>
             <a:r>
               <a:rPr lang="en-US" altLang="ko-KR"/>
               <a:t>: </a:t>
             </a:r>
-          </a:p>
-          <a:p>
+            <a:r>
+              <a:rPr lang="ko-KR" altLang="en-US"/>
+              <a:t>생각하지 못한 작은 실수를 통해 공격자들이 다양한 </a:t>
+            </a:r>
             <a:endParaRPr lang="en-US" altLang="ko-KR"/>
           </a:p>
           <a:p>
-            <a:r>
-              <a:rPr lang="ko-KR" altLang="en-US"/>
-              <a:t>양나은 </a:t>
-            </a:r>
+            <a:pPr marL="0" indent="0">
+              <a:buNone/>
+            </a:pPr>
             <a:r>
               <a:rPr lang="en-US" altLang="ko-KR"/>
-              <a:t>:</a:t>
-            </a:r>
-          </a:p>
-          <a:p>
+              <a:t>	     </a:t>
+            </a:r>
+            <a:r>
+              <a:rPr lang="ko-KR" altLang="en-US"/>
+              <a:t>방법으로 침투해올 수 있다는 사실을 알게 됐다</a:t>
+            </a:r>
+            <a:r>
+              <a:rPr lang="en-US" altLang="ko-KR"/>
+              <a:t>. </a:t>
+            </a:r>
+          </a:p>
+          <a:p>
+            <a:pPr marL="0" indent="0">
+              <a:buNone/>
+            </a:pPr>
+            <a:r>
+              <a:rPr lang="en-US" altLang="ko-KR"/>
+              <a:t>	     </a:t>
+            </a:r>
+            <a:r>
+              <a:rPr lang="ko-KR" altLang="en-US"/>
+              <a:t>조금 더 공부하여 안전한 프로그램을 작성할 수 있도록 </a:t>
+            </a:r>
             <a:endParaRPr lang="en-US" altLang="ko-KR"/>
           </a:p>
           <a:p>
-            <a:r>
-              <a:rPr lang="ko-KR" altLang="en-US"/>
-              <a:t>이승현 </a:t>
-            </a:r>
+            <a:pPr marL="0" indent="0">
+              <a:buNone/>
+            </a:pPr>
             <a:r>
               <a:rPr lang="en-US" altLang="ko-KR"/>
-              <a:t>: </a:t>
-            </a:r>
-            <a:r>
-              <a:rPr lang="ko-KR" altLang="en-US"/>
-              <a:t>여러 부분에서 취약점이 발생할 수 있고</a:t>
-            </a:r>
-            <a:r>
-              <a:rPr lang="en-US" altLang="ko-KR"/>
-              <a:t>, </a:t>
-            </a:r>
-            <a:r>
-              <a:rPr lang="ko-KR" altLang="en-US"/>
-              <a:t>조금만 신경</a:t>
-            </a:r>
-            <a:r>
-              <a:rPr lang="en-US" altLang="ko-KR"/>
-              <a:t>		      </a:t>
-            </a:r>
-            <a:r>
-              <a:rPr lang="ko-KR" altLang="en-US"/>
-              <a:t>을 쓴다면 오류을 예방할 수 있다는 걸 느꼈다</a:t>
+              <a:t>	     </a:t>
+            </a:r>
+            <a:r>
+              <a:rPr lang="ko-KR" altLang="en-US"/>
+              <a:t>노력해야겠다</a:t>
             </a:r>
             <a:r>
               <a:rPr lang="en-US" altLang="ko-KR"/>
               <a:t>.</a:t>
             </a:r>
+            <a:endParaRPr lang="en-US" altLang="ko-KR" dirty="0"/>
+          </a:p>
+          <a:p>
+            <a:endParaRPr lang="en-US" altLang="ko-KR" dirty="0"/>
+          </a:p>
+          <a:p>
+            <a:r>
+              <a:rPr lang="ko-KR" altLang="en-US" dirty="0"/>
+              <a:t>이승현 </a:t>
+            </a:r>
+            <a:r>
+              <a:rPr lang="en-US" altLang="ko-KR" dirty="0"/>
+              <a:t>: </a:t>
+            </a:r>
+            <a:r>
+              <a:rPr lang="ko-KR" altLang="en-US" dirty="0"/>
+              <a:t>여러 부분에서 취약점이 발생할 수 있고</a:t>
+            </a:r>
+            <a:r>
+              <a:rPr lang="en-US" altLang="ko-KR" dirty="0"/>
+              <a:t>, </a:t>
+            </a:r>
+            <a:r>
+              <a:rPr lang="ko-KR" altLang="en-US"/>
+              <a:t>조금만 신경을 </a:t>
+            </a:r>
+            <a:endParaRPr lang="en-US" altLang="ko-KR"/>
           </a:p>
           <a:p>
             <a:pPr marL="0" indent="0">
               <a:buNone/>
             </a:pPr>
-            <a:endParaRPr lang="en-US" altLang="ko-KR"/>
-          </a:p>
-          <a:p>
-            <a:endParaRPr lang="en-US" altLang="ko-KR"/>
+            <a:r>
+              <a:rPr lang="en-US" altLang="ko-KR"/>
+              <a:t>	      </a:t>
+            </a:r>
+            <a:r>
+              <a:rPr lang="ko-KR" altLang="en-US"/>
+              <a:t>쓴다면 </a:t>
+            </a:r>
+            <a:r>
+              <a:rPr lang="ko-KR" altLang="en-US" dirty="0" err="1"/>
+              <a:t>오류을</a:t>
+            </a:r>
+            <a:r>
+              <a:rPr lang="ko-KR" altLang="en-US" dirty="0"/>
+              <a:t> 예방할 수 있다는 걸 느꼈다</a:t>
+            </a:r>
+            <a:r>
+              <a:rPr lang="en-US" altLang="ko-KR" dirty="0"/>
+              <a:t>.</a:t>
+            </a:r>
+          </a:p>
+          <a:p>
+            <a:pPr marL="0" indent="0">
+              <a:buNone/>
+            </a:pPr>
+            <a:endParaRPr lang="en-US" altLang="ko-KR" dirty="0"/>
+          </a:p>
+          <a:p>
+            <a:endParaRPr lang="en-US" altLang="ko-KR" dirty="0"/>
           </a:p>
         </p:txBody>
       </p:sp>
@@ -3936,56 +4045,56 @@
           <a:lstStyle/>
           <a:p>
             <a:r>
-              <a:rPr lang="ko-KR" altLang="en-US" sz="3200"/>
+              <a:rPr lang="ko-KR" altLang="en-US" sz="3200" dirty="0"/>
               <a:t>소프트웨어</a:t>
             </a:r>
             <a:r>
-              <a:rPr lang="en-US" altLang="ko-KR" sz="3200"/>
+              <a:rPr lang="en-US" altLang="ko-KR" sz="3200" dirty="0"/>
               <a:t>(SW)</a:t>
             </a:r>
             <a:r>
-              <a:rPr lang="ko-KR" altLang="en-US" sz="3200"/>
+              <a:rPr lang="ko-KR" altLang="en-US" sz="3200" dirty="0"/>
               <a:t>를 개발함에 있어 </a:t>
             </a:r>
-            <a:endParaRPr lang="en-US" altLang="ko-KR" sz="3200"/>
-          </a:p>
-          <a:p>
-            <a:r>
-              <a:rPr lang="ko-KR" altLang="en-US" sz="3200"/>
+            <a:endParaRPr lang="en-US" altLang="ko-KR" sz="3200" dirty="0"/>
+          </a:p>
+          <a:p>
+            <a:r>
+              <a:rPr lang="ko-KR" altLang="en-US" sz="3200" dirty="0"/>
               <a:t>개발자의 실수</a:t>
             </a:r>
             <a:r>
-              <a:rPr lang="en-US" altLang="ko-KR" sz="3200"/>
+              <a:rPr lang="en-US" altLang="ko-KR" sz="3200" dirty="0"/>
               <a:t>, </a:t>
             </a:r>
             <a:r>
-              <a:rPr lang="ko-KR" altLang="en-US" sz="3200"/>
-              <a:t>논리적 오류등으로 인해 </a:t>
-            </a:r>
-            <a:endParaRPr lang="en-US" altLang="ko-KR" sz="3200"/>
-          </a:p>
-          <a:p>
-            <a:r>
-              <a:rPr lang="en-US" altLang="ko-KR" sz="3200"/>
+              <a:rPr lang="ko-KR" altLang="en-US" sz="3200" dirty="0"/>
+              <a:t>논리적 오류 등으로 인해 </a:t>
+            </a:r>
+            <a:endParaRPr lang="en-US" altLang="ko-KR" sz="3200" dirty="0"/>
+          </a:p>
+          <a:p>
+            <a:r>
+              <a:rPr lang="en-US" altLang="ko-KR" sz="3200" dirty="0"/>
               <a:t>SW</a:t>
             </a:r>
             <a:r>
-              <a:rPr lang="ko-KR" altLang="en-US" sz="3200"/>
+              <a:rPr lang="ko-KR" altLang="en-US" sz="3200" dirty="0"/>
               <a:t>에 내포될 수 있는 보안취약점</a:t>
             </a:r>
             <a:r>
-              <a:rPr lang="en-US" altLang="ko-KR" sz="3200"/>
+              <a:rPr lang="en-US" altLang="ko-KR" sz="3200" dirty="0"/>
               <a:t>(vulnerability)</a:t>
             </a:r>
             <a:r>
-              <a:rPr lang="ko-KR" altLang="en-US" sz="3200"/>
+              <a:rPr lang="ko-KR" altLang="en-US" sz="3200" dirty="0"/>
               <a:t>을 </a:t>
             </a:r>
-            <a:endParaRPr lang="en-US" altLang="ko-KR" sz="3200"/>
-          </a:p>
-          <a:p>
-            <a:r>
-              <a:rPr lang="ko-KR" altLang="en-US" sz="3200"/>
+            <a:endParaRPr lang="en-US" altLang="ko-KR" sz="3200" dirty="0"/>
+          </a:p>
+          <a:p>
+            <a:r>
+              <a:rPr lang="ko-KR" altLang="en-US" sz="3200" dirty="0"/>
               <a:t>배제하기 위한 코딩 기법</a:t>
             </a:r>
           </a:p>
@@ -4146,36 +4255,36 @@
           <a:lstStyle/>
           <a:p>
             <a:r>
-              <a:rPr lang="ko-KR" altLang="en-US"/>
+              <a:rPr lang="ko-KR" altLang="en-US" dirty="0"/>
               <a:t>비용효율적</a:t>
             </a:r>
-            <a:endParaRPr lang="en-US" altLang="ko-KR"/>
+            <a:endParaRPr lang="en-US" altLang="ko-KR" dirty="0"/>
           </a:p>
           <a:p>
             <a:pPr marL="0" indent="0">
               <a:buNone/>
             </a:pPr>
             <a:r>
-              <a:rPr lang="en-US" altLang="ko-KR"/>
+              <a:rPr lang="en-US" altLang="ko-KR" dirty="0"/>
               <a:t>	- </a:t>
             </a:r>
             <a:r>
-              <a:rPr lang="ko-KR" altLang="en-US"/>
+              <a:rPr lang="ko-KR" altLang="en-US" dirty="0"/>
               <a:t>서비스 이후에 발생할 수 있는 오류나 취약점을 사전에 </a:t>
             </a:r>
             <a:r>
-              <a:rPr lang="en-US" altLang="ko-KR"/>
+              <a:rPr lang="en-US" altLang="ko-KR" dirty="0"/>
               <a:t>	 	  </a:t>
             </a:r>
             <a:r>
-              <a:rPr lang="ko-KR" altLang="en-US"/>
+              <a:rPr lang="ko-KR" altLang="en-US" dirty="0"/>
               <a:t>발견 및 방지</a:t>
             </a:r>
-            <a:endParaRPr lang="en-US" altLang="ko-KR"/>
-          </a:p>
-          <a:p>
-            <a:r>
-              <a:rPr lang="ko-KR" altLang="en-US"/>
+            <a:endParaRPr lang="en-US" altLang="ko-KR" dirty="0"/>
+          </a:p>
+          <a:p>
+            <a:r>
+              <a:rPr lang="ko-KR" altLang="en-US" dirty="0"/>
               <a:t>다양한 해킹 예방 및 개인정보의 보호</a:t>
             </a:r>
           </a:p>
@@ -4196,7 +4305,7 @@
         <p:spPr>
           <a:xfrm>
             <a:off x="5844746" y="6275817"/>
-            <a:ext cx="7614850" cy="400110"/>
+            <a:ext cx="6347254" cy="400110"/>
           </a:xfrm>
           <a:prstGeom prst="rect">
             <a:avLst/>
@@ -4210,32 +4319,36 @@
           <a:lstStyle/>
           <a:p>
             <a:r>
-              <a:rPr lang="ko-KR" altLang="en-US" sz="1000"/>
+              <a:rPr lang="ko-KR" altLang="en-US" sz="1000" dirty="0" err="1"/>
               <a:t>지에스인포</a:t>
             </a:r>
             <a:r>
-              <a:rPr lang="en-US" altLang="ko-KR" sz="1000"/>
+              <a:rPr lang="en-US" altLang="ko-KR" sz="1000" dirty="0"/>
               <a:t>, “#1. </a:t>
             </a:r>
             <a:r>
-              <a:rPr lang="ko-KR" altLang="en-US" sz="1000"/>
-              <a:t>시큐어코딩에 대해 알아보자</a:t>
-            </a:r>
-            <a:r>
-              <a:rPr lang="en-US" altLang="ko-KR" sz="1000"/>
+              <a:rPr lang="ko-KR" altLang="en-US" sz="1000" dirty="0" err="1"/>
+              <a:t>시큐어코딩에</a:t>
+            </a:r>
+            <a:r>
+              <a:rPr lang="ko-KR" altLang="en-US" sz="1000" dirty="0"/>
+              <a:t> 대해 알아보자</a:t>
+            </a:r>
+            <a:r>
+              <a:rPr lang="en-US" altLang="ko-KR" sz="1000" dirty="0"/>
               <a:t>.,” 2016.05.12 </a:t>
             </a:r>
             <a:r>
-              <a:rPr lang="en-US" altLang="ko-KR" sz="1000">
+              <a:rPr lang="en-US" altLang="ko-KR" sz="1000" dirty="0">
                 <a:hlinkClick r:id="rId2"/>
               </a:rPr>
               <a:t>https://m.blog.naver.com/PostView.naver?isHttpsRedirect=true&amp;blogId=gs_info&amp;logNo=220707616924</a:t>
             </a:r>
             <a:r>
-              <a:rPr lang="en-US" altLang="ko-KR" sz="1000"/>
+              <a:rPr lang="en-US" altLang="ko-KR" sz="1000" dirty="0"/>
               <a:t> </a:t>
             </a:r>
-            <a:endParaRPr lang="ko-KR" altLang="en-US" sz="1000"/>
+            <a:endParaRPr lang="ko-KR" altLang="en-US" sz="1000" dirty="0"/>
           </a:p>
         </p:txBody>
       </p:sp>
@@ -4271,10 +4384,313 @@
       </p:grpSpPr>
       <p:sp>
         <p:nvSpPr>
-          <p:cNvPr id="2" name="제목 1">
-            <a:extLst>
-              <a:ext uri="{FF2B5EF4-FFF2-40B4-BE49-F238E27FC236}">
-                <a16:creationId xmlns:a16="http://schemas.microsoft.com/office/drawing/2014/main" id="{15921F49-7D41-59E5-E27F-21F8AF38ECF5}"/>
+          <p:cNvPr id="3" name="내용 개체 틀 2">
+            <a:extLst>
+              <a:ext uri="{FF2B5EF4-FFF2-40B4-BE49-F238E27FC236}">
+                <a16:creationId xmlns:a16="http://schemas.microsoft.com/office/drawing/2014/main" id="{1620EEC6-6476-9C0A-A584-E34C541480BE}"/>
+              </a:ext>
+            </a:extLst>
+          </p:cNvPr>
+          <p:cNvSpPr>
+            <a:spLocks noGrp="1"/>
+          </p:cNvSpPr>
+          <p:nvPr>
+            <p:ph idx="1"/>
+          </p:nvPr>
+        </p:nvSpPr>
+        <p:spPr>
+          <a:xfrm>
+            <a:off x="628650" y="1863725"/>
+            <a:ext cx="11239500" cy="4351338"/>
+          </a:xfrm>
+        </p:spPr>
+        <p:txBody>
+          <a:bodyPr>
+            <a:normAutofit fontScale="92500" lnSpcReduction="10000"/>
+          </a:bodyPr>
+          <a:lstStyle/>
+          <a:p>
+            <a:r>
+              <a:rPr lang="ko-KR" altLang="en-US" sz="2400" dirty="0"/>
+              <a:t>입력 받은 데이터 </a:t>
+            </a:r>
+            <a:r>
+              <a:rPr lang="ko-KR" altLang="en-US" sz="2400" b="1" dirty="0"/>
+              <a:t>값</a:t>
+            </a:r>
+            <a:r>
+              <a:rPr lang="ko-KR" altLang="en-US" sz="2400" dirty="0"/>
+              <a:t> 또는 데이터의 </a:t>
+            </a:r>
+            <a:r>
+              <a:rPr lang="ko-KR" altLang="en-US" sz="2400" b="1" dirty="0"/>
+              <a:t>출처</a:t>
+            </a:r>
+            <a:r>
+              <a:rPr lang="ko-KR" altLang="en-US" sz="2400" dirty="0"/>
+              <a:t> 등이 제대로 검증하지 않은 경우</a:t>
+            </a:r>
+            <a:endParaRPr lang="en-US" altLang="ko-KR" sz="2400" dirty="0"/>
+          </a:p>
+          <a:p>
+            <a:pPr marL="0" indent="0">
+              <a:buNone/>
+            </a:pPr>
+            <a:r>
+              <a:rPr lang="en-US" altLang="ko-KR" sz="2400" dirty="0"/>
+              <a:t>    </a:t>
+            </a:r>
+            <a:r>
+              <a:rPr lang="en-US" altLang="ko-KR" sz="1800" dirty="0"/>
+              <a:t>-SQL</a:t>
+            </a:r>
+            <a:r>
+              <a:rPr lang="ko-KR" altLang="en-US" sz="1800" dirty="0"/>
+              <a:t>문 삽입</a:t>
+            </a:r>
+            <a:r>
+              <a:rPr lang="en-US" altLang="ko-KR" sz="1800" dirty="0"/>
+              <a:t>,  </a:t>
+            </a:r>
+            <a:r>
+              <a:rPr lang="ko-KR" altLang="en-US" sz="1800" dirty="0"/>
+              <a:t>자원 삽입</a:t>
+            </a:r>
+            <a:r>
+              <a:rPr lang="en-US" altLang="ko-KR" sz="1800" dirty="0"/>
+              <a:t>,  </a:t>
+            </a:r>
+            <a:r>
+              <a:rPr lang="ko-KR" altLang="en-US" sz="1800" dirty="0"/>
+              <a:t>운영체제 명령어 삽입 등</a:t>
+            </a:r>
+            <a:endParaRPr lang="en-US" altLang="ko-KR" sz="1800" dirty="0"/>
+          </a:p>
+          <a:p>
+            <a:pPr marL="0" indent="0">
+              <a:buNone/>
+            </a:pPr>
+            <a:endParaRPr lang="en-US" altLang="ko-KR" sz="1800" dirty="0"/>
+          </a:p>
+          <a:p>
+            <a:r>
+              <a:rPr lang="ko-KR" altLang="en-US" sz="2400" dirty="0"/>
+              <a:t>입력 받은</a:t>
+            </a:r>
+            <a:r>
+              <a:rPr lang="en-US" altLang="ko-KR" sz="2400" dirty="0"/>
+              <a:t> </a:t>
+            </a:r>
+            <a:r>
+              <a:rPr lang="ko-KR" altLang="en-US" sz="2400" dirty="0" err="1"/>
+              <a:t>데이터값이</a:t>
+            </a:r>
+            <a:r>
+              <a:rPr lang="ko-KR" altLang="en-US" sz="2400" dirty="0"/>
+              <a:t> 조작되는 경우</a:t>
+            </a:r>
+            <a:endParaRPr lang="en-US" altLang="ko-KR" sz="2400" dirty="0"/>
+          </a:p>
+          <a:p>
+            <a:pPr marL="0" indent="0">
+              <a:buNone/>
+            </a:pPr>
+            <a:r>
+              <a:rPr lang="en-US" altLang="ko-KR" sz="2400" dirty="0"/>
+              <a:t>     -</a:t>
+            </a:r>
+            <a:r>
+              <a:rPr lang="ko-KR" altLang="en-US" sz="1800" dirty="0"/>
+              <a:t>보호 </a:t>
+            </a:r>
+            <a:r>
+              <a:rPr lang="ko-KR" altLang="en-US" sz="1800" dirty="0" err="1"/>
+              <a:t>매커니즘을</a:t>
+            </a:r>
+            <a:r>
+              <a:rPr lang="ko-KR" altLang="en-US" sz="1800" dirty="0"/>
+              <a:t> 우회할 수 있는 </a:t>
+            </a:r>
+            <a:r>
+              <a:rPr lang="ko-KR" altLang="en-US" sz="1800" dirty="0" err="1"/>
+              <a:t>입력값</a:t>
+            </a:r>
+            <a:r>
+              <a:rPr lang="ko-KR" altLang="en-US" sz="1800" dirty="0"/>
+              <a:t> 변조</a:t>
+            </a:r>
+            <a:r>
+              <a:rPr lang="en-US" altLang="ko-KR" sz="1800" dirty="0"/>
+              <a:t>(</a:t>
+            </a:r>
+            <a:r>
+              <a:rPr lang="ko-KR" altLang="en-US" sz="1800" dirty="0"/>
+              <a:t>쿠키</a:t>
+            </a:r>
+            <a:r>
+              <a:rPr lang="en-US" altLang="ko-KR" sz="1800" dirty="0"/>
+              <a:t>, </a:t>
+            </a:r>
+            <a:r>
+              <a:rPr lang="ko-KR" altLang="en-US" sz="1800" dirty="0" err="1"/>
+              <a:t>환경변수등의</a:t>
+            </a:r>
+            <a:r>
+              <a:rPr lang="ko-KR" altLang="en-US" sz="1800" dirty="0"/>
+              <a:t> </a:t>
+            </a:r>
+            <a:r>
+              <a:rPr lang="ko-KR" altLang="en-US" sz="1800" dirty="0" err="1"/>
+              <a:t>입력값</a:t>
+            </a:r>
+            <a:r>
+              <a:rPr lang="ko-KR" altLang="en-US" sz="1800" dirty="0"/>
+              <a:t> 변조</a:t>
+            </a:r>
+            <a:r>
+              <a:rPr lang="en-US" altLang="ko-KR" sz="1800" dirty="0"/>
+              <a:t>), </a:t>
+            </a:r>
+            <a:r>
+              <a:rPr lang="ko-KR" altLang="en-US" sz="1800" dirty="0"/>
+              <a:t>디렉터리 경로 조작</a:t>
+            </a:r>
+            <a:endParaRPr lang="en-US" altLang="ko-KR" sz="1800" dirty="0"/>
+          </a:p>
+          <a:p>
+            <a:pPr marL="0" indent="0">
+              <a:buNone/>
+            </a:pPr>
+            <a:endParaRPr lang="en-US" altLang="ko-KR" sz="1800" dirty="0"/>
+          </a:p>
+          <a:p>
+            <a:r>
+              <a:rPr lang="ko-KR" altLang="en-US" sz="2400" dirty="0" err="1"/>
+              <a:t>입력받은</a:t>
+            </a:r>
+            <a:r>
+              <a:rPr lang="ko-KR" altLang="en-US" sz="2400" dirty="0"/>
+              <a:t> 데이터의 </a:t>
+            </a:r>
+            <a:r>
+              <a:rPr lang="ko-KR" altLang="en-US" sz="2400" b="1" dirty="0"/>
+              <a:t>데이터 타입</a:t>
+            </a:r>
+            <a:r>
+              <a:rPr lang="ko-KR" altLang="en-US" sz="2400" dirty="0"/>
+              <a:t>이 잘못 할당된 경우</a:t>
+            </a:r>
+            <a:endParaRPr lang="en-US" altLang="ko-KR" sz="2400" dirty="0"/>
+          </a:p>
+          <a:p>
+            <a:pPr marL="0" indent="0">
+              <a:buNone/>
+            </a:pPr>
+            <a:r>
+              <a:rPr lang="en-US" altLang="ko-KR" sz="1800" dirty="0"/>
+              <a:t>     -</a:t>
+            </a:r>
+            <a:r>
+              <a:rPr lang="ko-KR" altLang="en-US" sz="1800" dirty="0"/>
+              <a:t>정수 </a:t>
+            </a:r>
+            <a:r>
+              <a:rPr lang="ko-KR" altLang="en-US" sz="1800" dirty="0" err="1"/>
+              <a:t>오버플로우</a:t>
+            </a:r>
+            <a:r>
+              <a:rPr lang="en-US" altLang="ko-KR" sz="1800" dirty="0"/>
+              <a:t>, (un)signed(</a:t>
+            </a:r>
+            <a:r>
+              <a:rPr lang="ko-KR" altLang="en-US" sz="1800" dirty="0" err="1"/>
+              <a:t>부호없음</a:t>
+            </a:r>
+            <a:r>
+              <a:rPr lang="en-US" altLang="ko-KR" sz="1800" dirty="0"/>
+              <a:t>/</a:t>
+            </a:r>
+            <a:r>
+              <a:rPr lang="ko-KR" altLang="en-US" sz="1800" dirty="0"/>
+              <a:t>있음</a:t>
+            </a:r>
+            <a:r>
+              <a:rPr lang="en-US" altLang="ko-KR" sz="1800" dirty="0"/>
+              <a:t>)</a:t>
+            </a:r>
+            <a:r>
+              <a:rPr lang="ko-KR" altLang="en-US" sz="1800" dirty="0"/>
+              <a:t>타입변환 오류</a:t>
+            </a:r>
+            <a:r>
+              <a:rPr lang="en-US" altLang="ko-KR" sz="1800" dirty="0"/>
+              <a:t>, </a:t>
+            </a:r>
+            <a:r>
+              <a:rPr lang="ko-KR" altLang="en-US" sz="1800" dirty="0"/>
+              <a:t>의도하지 않은 부호확장 등</a:t>
+            </a:r>
+            <a:endParaRPr lang="en-US" altLang="ko-KR" sz="1800" dirty="0"/>
+          </a:p>
+          <a:p>
+            <a:pPr marL="0" indent="0">
+              <a:buNone/>
+            </a:pPr>
+            <a:endParaRPr lang="en-US" altLang="ko-KR" sz="2400" dirty="0"/>
+          </a:p>
+          <a:p>
+            <a:r>
+              <a:rPr lang="ko-KR" altLang="en-US" sz="2400" dirty="0"/>
+              <a:t>배열</a:t>
+            </a:r>
+            <a:r>
+              <a:rPr lang="en-US" altLang="ko-KR" sz="2400" dirty="0"/>
+              <a:t>- </a:t>
+            </a:r>
+            <a:r>
+              <a:rPr lang="ko-KR" altLang="en-US" sz="2400" b="1" dirty="0"/>
+              <a:t>인덱스 지정</a:t>
+            </a:r>
+            <a:r>
+              <a:rPr lang="ko-KR" altLang="en-US" sz="2400" dirty="0"/>
+              <a:t>이 잘못 된 경우</a:t>
+            </a:r>
+            <a:endParaRPr lang="en-US" altLang="ko-KR" sz="2400" dirty="0"/>
+          </a:p>
+          <a:p>
+            <a:pPr marL="0" indent="0">
+              <a:buNone/>
+            </a:pPr>
+            <a:r>
+              <a:rPr lang="en-US" altLang="ko-KR" sz="1900" dirty="0"/>
+              <a:t>    - </a:t>
+            </a:r>
+            <a:r>
+              <a:rPr lang="ko-KR" altLang="en-US" sz="1900" dirty="0"/>
+              <a:t>널 종료 문제</a:t>
+            </a:r>
+            <a:r>
+              <a:rPr lang="en-US" altLang="ko-KR" sz="1900" dirty="0"/>
+              <a:t>, </a:t>
+            </a:r>
+            <a:r>
+              <a:rPr lang="ko-KR" altLang="en-US" sz="1900" dirty="0"/>
+              <a:t>검사되지 않은 배열 인덱싱 등</a:t>
+            </a:r>
+            <a:r>
+              <a:rPr lang="en-US" altLang="ko-KR" sz="2400" dirty="0"/>
+              <a:t> </a:t>
+            </a:r>
+            <a:endParaRPr lang="ko-KR" altLang="en-US" sz="2400" dirty="0"/>
+          </a:p>
+        </p:txBody>
+      </p:sp>
+      <p:sp>
+        <p:nvSpPr>
+          <p:cNvPr id="11" name="제목 1">
+            <a:extLst>
+              <a:ext uri="{FF2B5EF4-FFF2-40B4-BE49-F238E27FC236}">
+                <a16:creationId xmlns:a16="http://schemas.microsoft.com/office/drawing/2014/main" id="{DE17DE96-682A-47DD-89B4-44A556F2782B}"/>
               </a:ext>
             </a:extLst>
           </p:cNvPr>
@@ -4285,58 +4701,25 @@
             <p:ph type="title"/>
           </p:nvPr>
         </p:nvSpPr>
-        <p:spPr/>
-        <p:txBody>
-          <a:bodyPr/>
-          <a:lstStyle/>
-          <a:p>
-            <a:r>
-              <a:rPr lang="ko-KR" altLang="en-US"/>
-              <a:t>요약</a:t>
-            </a:r>
-            <a:r>
-              <a:rPr lang="en-US" altLang="ko-KR"/>
-              <a:t>1 </a:t>
-            </a:r>
-            <a:r>
-              <a:rPr lang="ko-KR" altLang="en-US"/>
-              <a:t>홍서빈</a:t>
-            </a:r>
-          </a:p>
-        </p:txBody>
-      </p:sp>
-      <p:sp>
-        <p:nvSpPr>
-          <p:cNvPr id="3" name="내용 개체 틀 2">
-            <a:extLst>
-              <a:ext uri="{FF2B5EF4-FFF2-40B4-BE49-F238E27FC236}">
-                <a16:creationId xmlns:a16="http://schemas.microsoft.com/office/drawing/2014/main" id="{1620EEC6-6476-9C0A-A584-E34C541480BE}"/>
-              </a:ext>
-            </a:extLst>
-          </p:cNvPr>
-          <p:cNvSpPr>
-            <a:spLocks noGrp="1"/>
-          </p:cNvSpPr>
-          <p:nvPr>
-            <p:ph idx="1"/>
-          </p:nvPr>
-        </p:nvSpPr>
-        <p:spPr/>
-        <p:txBody>
-          <a:bodyPr/>
-          <a:lstStyle/>
-          <a:p>
-            <a:r>
-              <a:rPr lang="ko-KR" altLang="en-US"/>
-              <a:t>형식은 자유로</a:t>
-            </a:r>
-            <a:endParaRPr lang="en-US" altLang="ko-KR"/>
-          </a:p>
-          <a:p>
-            <a:pPr marL="0" indent="0">
-              <a:buNone/>
-            </a:pPr>
-            <a:endParaRPr lang="ko-KR" altLang="en-US"/>
+        <p:spPr>
+          <a:xfrm>
+            <a:off x="838200" y="365125"/>
+            <a:ext cx="10515600" cy="1325563"/>
+          </a:xfrm>
+        </p:spPr>
+        <p:txBody>
+          <a:bodyPr/>
+          <a:lstStyle/>
+          <a:p>
+            <a:r>
+              <a:rPr lang="en-US" altLang="ko-KR" b="1" dirty="0"/>
+              <a:t>1</a:t>
+            </a:r>
+            <a:r>
+              <a:rPr lang="ko-KR" altLang="en-US" b="1" dirty="0"/>
+              <a:t>절 입력데이터 검증 및 표현</a:t>
+            </a:r>
+            <a:endParaRPr lang="ko-KR" altLang="en-US" dirty="0"/>
           </a:p>
         </p:txBody>
       </p:sp>
@@ -4386,65 +4769,710 @@
             <p:ph type="title"/>
           </p:nvPr>
         </p:nvSpPr>
-        <p:spPr/>
-        <p:txBody>
-          <a:bodyPr/>
-          <a:lstStyle/>
-          <a:p>
-            <a:r>
-              <a:rPr lang="ko-KR" altLang="en-US"/>
-              <a:t>요약</a:t>
-            </a:r>
-            <a:r>
-              <a:rPr lang="en-US" altLang="ko-KR"/>
-              <a:t>2 </a:t>
-            </a:r>
-            <a:r>
-              <a:rPr lang="ko-KR" altLang="en-US"/>
-              <a:t>양나은</a:t>
-            </a:r>
-          </a:p>
-        </p:txBody>
-      </p:sp>
-      <p:sp>
-        <p:nvSpPr>
-          <p:cNvPr id="3" name="내용 개체 틀 2">
-            <a:extLst>
-              <a:ext uri="{FF2B5EF4-FFF2-40B4-BE49-F238E27FC236}">
-                <a16:creationId xmlns:a16="http://schemas.microsoft.com/office/drawing/2014/main" id="{1620EEC6-6476-9C0A-A584-E34C541480BE}"/>
-              </a:ext>
-            </a:extLst>
-          </p:cNvPr>
-          <p:cNvSpPr>
-            <a:spLocks noGrp="1"/>
-          </p:cNvSpPr>
-          <p:nvPr>
-            <p:ph idx="1"/>
-          </p:nvPr>
-        </p:nvSpPr>
-        <p:spPr/>
-        <p:txBody>
-          <a:bodyPr/>
-          <a:lstStyle/>
-          <a:p>
-            <a:r>
-              <a:rPr lang="ko-KR" altLang="en-US"/>
-              <a:t>형식은 자유로</a:t>
-            </a:r>
-            <a:endParaRPr lang="en-US" altLang="ko-KR"/>
-          </a:p>
+        <p:spPr>
+          <a:xfrm>
+            <a:off x="404567" y="-21371"/>
+            <a:ext cx="10515600" cy="1325563"/>
+          </a:xfrm>
+        </p:spPr>
+        <p:txBody>
+          <a:bodyPr/>
+          <a:lstStyle/>
+          <a:p>
+            <a:r>
+              <a:rPr lang="en-US" altLang="ko-KR" b="1"/>
+              <a:t>2</a:t>
+            </a:r>
+            <a:r>
+              <a:rPr lang="ko-KR" altLang="en-US" b="1"/>
+              <a:t>절 보안기능</a:t>
+            </a:r>
+            <a:endParaRPr lang="ko-KR" altLang="en-US"/>
+          </a:p>
+        </p:txBody>
+      </p:sp>
+      <p:sp>
+        <p:nvSpPr>
+          <p:cNvPr id="6" name="내용 개체 틀 2">
+            <a:extLst>
+              <a:ext uri="{FF2B5EF4-FFF2-40B4-BE49-F238E27FC236}">
+                <a16:creationId xmlns:a16="http://schemas.microsoft.com/office/drawing/2014/main" id="{609BAE97-2A2D-34BC-A29A-B867A3525096}"/>
+              </a:ext>
+            </a:extLst>
+          </p:cNvPr>
+          <p:cNvSpPr txBox="1">
+            <a:spLocks/>
+          </p:cNvSpPr>
+          <p:nvPr/>
+        </p:nvSpPr>
+        <p:spPr>
+          <a:xfrm>
+            <a:off x="444137" y="1152494"/>
+            <a:ext cx="11303725" cy="5424496"/>
+          </a:xfrm>
+          <a:prstGeom prst="rect">
+            <a:avLst/>
+          </a:prstGeom>
+        </p:spPr>
+        <p:txBody>
+          <a:bodyPr vert="horz" lIns="91440" tIns="45720" rIns="91440" bIns="45720" rtlCol="0">
+            <a:normAutofit/>
+          </a:bodyPr>
+          <a:lstStyle>
+            <a:lvl1pPr marL="228600" indent="-228600" algn="l" defTabSz="914400" rtl="0" eaLnBrk="1" latinLnBrk="1" hangingPunct="1">
+              <a:lnSpc>
+                <a:spcPct val="90000"/>
+              </a:lnSpc>
+              <a:spcBef>
+                <a:spcPts val="1000"/>
+              </a:spcBef>
+              <a:buFont typeface="Arial" panose="020B0604020202020204" pitchFamily="34" charset="0"/>
+              <a:buChar char="•"/>
+              <a:defRPr sz="2800" kern="1200">
+                <a:solidFill>
+                  <a:schemeClr val="tx1"/>
+                </a:solidFill>
+                <a:latin typeface="+mn-lt"/>
+                <a:ea typeface="+mn-ea"/>
+                <a:cs typeface="+mn-cs"/>
+              </a:defRPr>
+            </a:lvl1pPr>
+            <a:lvl2pPr marL="685800" indent="-228600" algn="l" defTabSz="914400" rtl="0" eaLnBrk="1" latinLnBrk="1" hangingPunct="1">
+              <a:lnSpc>
+                <a:spcPct val="90000"/>
+              </a:lnSpc>
+              <a:spcBef>
+                <a:spcPts val="500"/>
+              </a:spcBef>
+              <a:buFont typeface="Arial" panose="020B0604020202020204" pitchFamily="34" charset="0"/>
+              <a:buChar char="•"/>
+              <a:defRPr sz="2400" kern="1200">
+                <a:solidFill>
+                  <a:schemeClr val="tx1"/>
+                </a:solidFill>
+                <a:latin typeface="+mn-lt"/>
+                <a:ea typeface="+mn-ea"/>
+                <a:cs typeface="+mn-cs"/>
+              </a:defRPr>
+            </a:lvl2pPr>
+            <a:lvl3pPr marL="1143000" indent="-228600" algn="l" defTabSz="914400" rtl="0" eaLnBrk="1" latinLnBrk="1" hangingPunct="1">
+              <a:lnSpc>
+                <a:spcPct val="90000"/>
+              </a:lnSpc>
+              <a:spcBef>
+                <a:spcPts val="500"/>
+              </a:spcBef>
+              <a:buFont typeface="Arial" panose="020B0604020202020204" pitchFamily="34" charset="0"/>
+              <a:buChar char="•"/>
+              <a:defRPr sz="2000" kern="1200">
+                <a:solidFill>
+                  <a:schemeClr val="tx1"/>
+                </a:solidFill>
+                <a:latin typeface="+mn-lt"/>
+                <a:ea typeface="+mn-ea"/>
+                <a:cs typeface="+mn-cs"/>
+              </a:defRPr>
+            </a:lvl3pPr>
+            <a:lvl4pPr marL="1600200" indent="-228600" algn="l" defTabSz="914400" rtl="0" eaLnBrk="1" latinLnBrk="1" hangingPunct="1">
+              <a:lnSpc>
+                <a:spcPct val="90000"/>
+              </a:lnSpc>
+              <a:spcBef>
+                <a:spcPts val="500"/>
+              </a:spcBef>
+              <a:buFont typeface="Arial" panose="020B0604020202020204" pitchFamily="34" charset="0"/>
+              <a:buChar char="•"/>
+              <a:defRPr sz="1800" kern="1200">
+                <a:solidFill>
+                  <a:schemeClr val="tx1"/>
+                </a:solidFill>
+                <a:latin typeface="+mn-lt"/>
+                <a:ea typeface="+mn-ea"/>
+                <a:cs typeface="+mn-cs"/>
+              </a:defRPr>
+            </a:lvl4pPr>
+            <a:lvl5pPr marL="2057400" indent="-228600" algn="l" defTabSz="914400" rtl="0" eaLnBrk="1" latinLnBrk="1" hangingPunct="1">
+              <a:lnSpc>
+                <a:spcPct val="90000"/>
+              </a:lnSpc>
+              <a:spcBef>
+                <a:spcPts val="500"/>
+              </a:spcBef>
+              <a:buFont typeface="Arial" panose="020B0604020202020204" pitchFamily="34" charset="0"/>
+              <a:buChar char="•"/>
+              <a:defRPr sz="1800" kern="1200">
+                <a:solidFill>
+                  <a:schemeClr val="tx1"/>
+                </a:solidFill>
+                <a:latin typeface="+mn-lt"/>
+                <a:ea typeface="+mn-ea"/>
+                <a:cs typeface="+mn-cs"/>
+              </a:defRPr>
+            </a:lvl5pPr>
+            <a:lvl6pPr marL="2514600" indent="-228600" algn="l" defTabSz="914400" rtl="0" eaLnBrk="1" latinLnBrk="1" hangingPunct="1">
+              <a:lnSpc>
+                <a:spcPct val="90000"/>
+              </a:lnSpc>
+              <a:spcBef>
+                <a:spcPts val="500"/>
+              </a:spcBef>
+              <a:buFont typeface="Arial" panose="020B0604020202020204" pitchFamily="34" charset="0"/>
+              <a:buChar char="•"/>
+              <a:defRPr sz="1800" kern="1200">
+                <a:solidFill>
+                  <a:schemeClr val="tx1"/>
+                </a:solidFill>
+                <a:latin typeface="+mn-lt"/>
+                <a:ea typeface="+mn-ea"/>
+                <a:cs typeface="+mn-cs"/>
+              </a:defRPr>
+            </a:lvl6pPr>
+            <a:lvl7pPr marL="2971800" indent="-228600" algn="l" defTabSz="914400" rtl="0" eaLnBrk="1" latinLnBrk="1" hangingPunct="1">
+              <a:lnSpc>
+                <a:spcPct val="90000"/>
+              </a:lnSpc>
+              <a:spcBef>
+                <a:spcPts val="500"/>
+              </a:spcBef>
+              <a:buFont typeface="Arial" panose="020B0604020202020204" pitchFamily="34" charset="0"/>
+              <a:buChar char="•"/>
+              <a:defRPr sz="1800" kern="1200">
+                <a:solidFill>
+                  <a:schemeClr val="tx1"/>
+                </a:solidFill>
+                <a:latin typeface="+mn-lt"/>
+                <a:ea typeface="+mn-ea"/>
+                <a:cs typeface="+mn-cs"/>
+              </a:defRPr>
+            </a:lvl7pPr>
+            <a:lvl8pPr marL="3429000" indent="-228600" algn="l" defTabSz="914400" rtl="0" eaLnBrk="1" latinLnBrk="1" hangingPunct="1">
+              <a:lnSpc>
+                <a:spcPct val="90000"/>
+              </a:lnSpc>
+              <a:spcBef>
+                <a:spcPts val="500"/>
+              </a:spcBef>
+              <a:buFont typeface="Arial" panose="020B0604020202020204" pitchFamily="34" charset="0"/>
+              <a:buChar char="•"/>
+              <a:defRPr sz="1800" kern="1200">
+                <a:solidFill>
+                  <a:schemeClr val="tx1"/>
+                </a:solidFill>
+                <a:latin typeface="+mn-lt"/>
+                <a:ea typeface="+mn-ea"/>
+                <a:cs typeface="+mn-cs"/>
+              </a:defRPr>
+            </a:lvl8pPr>
+            <a:lvl9pPr marL="3886200" indent="-228600" algn="l" defTabSz="914400" rtl="0" eaLnBrk="1" latinLnBrk="1" hangingPunct="1">
+              <a:lnSpc>
+                <a:spcPct val="90000"/>
+              </a:lnSpc>
+              <a:spcBef>
+                <a:spcPts val="500"/>
+              </a:spcBef>
+              <a:buFont typeface="Arial" panose="020B0604020202020204" pitchFamily="34" charset="0"/>
+              <a:buChar char="•"/>
+              <a:defRPr sz="1800" kern="1200">
+                <a:solidFill>
+                  <a:schemeClr val="tx1"/>
+                </a:solidFill>
+                <a:latin typeface="+mn-lt"/>
+                <a:ea typeface="+mn-ea"/>
+                <a:cs typeface="+mn-cs"/>
+              </a:defRPr>
+            </a:lvl9pPr>
+          </a:lstStyle>
           <a:p>
             <a:pPr marL="0" indent="0">
+              <a:buFont typeface="Arial" panose="020B0604020202020204" pitchFamily="34" charset="0"/>
               <a:buNone/>
             </a:pPr>
-            <a:endParaRPr lang="ko-KR" altLang="en-US"/>
+            <a:r>
+              <a:rPr lang="en-US" altLang="ko-KR" sz="2000"/>
+              <a:t>1. </a:t>
+            </a:r>
+            <a:r>
+              <a:rPr lang="ko-KR" altLang="en-US" sz="2000"/>
+              <a:t>패스워드등의 중요정보를 평문으로 저장 및 전송</a:t>
+            </a:r>
+            <a:endParaRPr lang="en-US" altLang="ko-KR" sz="2000"/>
+          </a:p>
+          <a:p>
+            <a:pPr marL="0" indent="0">
+              <a:buFont typeface="Arial" panose="020B0604020202020204" pitchFamily="34" charset="0"/>
+              <a:buNone/>
+            </a:pPr>
+            <a:r>
+              <a:rPr lang="en-US" altLang="ko-KR" sz="1200"/>
+              <a:t>    </a:t>
+            </a:r>
+            <a:r>
+              <a:rPr lang="ko-KR" altLang="en-US" sz="1200">
+                <a:sym typeface="Wingdings" panose="05000000000000000000" pitchFamily="2" charset="2"/>
+              </a:rPr>
+              <a:t> 문제 </a:t>
+            </a:r>
+            <a:r>
+              <a:rPr lang="en-US" altLang="ko-KR" sz="1200">
+                <a:sym typeface="Wingdings" panose="05000000000000000000" pitchFamily="2" charset="2"/>
+              </a:rPr>
+              <a:t>: </a:t>
+            </a:r>
+            <a:r>
+              <a:rPr lang="ko-KR" altLang="en-US" sz="1200">
+                <a:sym typeface="Wingdings" panose="05000000000000000000" pitchFamily="2" charset="2"/>
+              </a:rPr>
+              <a:t>①환경설정 파일에 접근할 수 있는 사람 누구나 패스워드를 알아낼 수 있다</a:t>
+            </a:r>
+            <a:r>
+              <a:rPr lang="en-US" altLang="ko-KR" sz="1200">
+                <a:sym typeface="Wingdings" panose="05000000000000000000" pitchFamily="2" charset="2"/>
+              </a:rPr>
+              <a:t>. </a:t>
+            </a:r>
+          </a:p>
+          <a:p>
+            <a:pPr marL="0" indent="0">
+              <a:buFont typeface="Arial" panose="020B0604020202020204" pitchFamily="34" charset="0"/>
+              <a:buNone/>
+            </a:pPr>
+            <a:r>
+              <a:rPr lang="en-US" altLang="ko-KR" sz="1200">
+                <a:sym typeface="Wingdings" panose="05000000000000000000" pitchFamily="2" charset="2"/>
+              </a:rPr>
+              <a:t>              </a:t>
+            </a:r>
+            <a:r>
+              <a:rPr lang="ko-KR" altLang="en-US" sz="1200">
+                <a:sym typeface="Wingdings" panose="05000000000000000000" pitchFamily="2" charset="2"/>
+              </a:rPr>
+              <a:t>②통신채널를 통해 정보를 송수신하는</a:t>
+            </a:r>
+            <a:r>
+              <a:rPr lang="en-US" altLang="ko-KR" sz="1200">
+                <a:sym typeface="Wingdings" panose="05000000000000000000" pitchFamily="2" charset="2"/>
+              </a:rPr>
+              <a:t> </a:t>
+            </a:r>
+            <a:r>
+              <a:rPr lang="ko-KR" altLang="en-US" sz="1200">
+                <a:sym typeface="Wingdings" panose="05000000000000000000" pitchFamily="2" charset="2"/>
+              </a:rPr>
+              <a:t>경우 통신채널 스니핑을 통해 민감한 정보가 유출될 수 있다</a:t>
+            </a:r>
+            <a:r>
+              <a:rPr lang="en-US" altLang="ko-KR" sz="1200">
+                <a:sym typeface="Wingdings" panose="05000000000000000000" pitchFamily="2" charset="2"/>
+              </a:rPr>
+              <a:t>.</a:t>
+            </a:r>
+            <a:r>
+              <a:rPr lang="ko-KR" altLang="en-US" sz="1200">
+                <a:sym typeface="Wingdings" panose="05000000000000000000" pitchFamily="2" charset="2"/>
+              </a:rPr>
+              <a:t> </a:t>
+            </a:r>
+            <a:endParaRPr lang="en-US" altLang="ko-KR" sz="1200">
+              <a:sym typeface="Wingdings" panose="05000000000000000000" pitchFamily="2" charset="2"/>
+            </a:endParaRPr>
+          </a:p>
+          <a:p>
+            <a:pPr marL="0" indent="0">
+              <a:buFont typeface="Arial" panose="020B0604020202020204" pitchFamily="34" charset="0"/>
+              <a:buNone/>
+            </a:pPr>
+            <a:r>
+              <a:rPr lang="en-US" altLang="ko-KR" sz="1200">
+                <a:sym typeface="Wingdings" panose="05000000000000000000" pitchFamily="2" charset="2"/>
+              </a:rPr>
+              <a:t>    </a:t>
+            </a:r>
+            <a:r>
+              <a:rPr lang="ko-KR" altLang="en-US" sz="1200">
+                <a:sym typeface="Wingdings" panose="05000000000000000000" pitchFamily="2" charset="2"/>
+              </a:rPr>
+              <a:t> 해결 방안 </a:t>
+            </a:r>
+            <a:r>
+              <a:rPr lang="en-US" altLang="ko-KR" sz="1200">
+                <a:sym typeface="Wingdings" panose="05000000000000000000" pitchFamily="2" charset="2"/>
+              </a:rPr>
+              <a:t>: </a:t>
+            </a:r>
+            <a:r>
+              <a:rPr lang="ko-KR" altLang="en-US" sz="1200">
+                <a:sym typeface="Wingdings" panose="05000000000000000000" pitchFamily="2" charset="2"/>
+              </a:rPr>
+              <a:t>중요한 정보는 암호화해서 파일로 저장하도록 설계한다</a:t>
+            </a:r>
+            <a:r>
+              <a:rPr lang="en-US" altLang="ko-KR" sz="1200">
+                <a:sym typeface="Wingdings" panose="05000000000000000000" pitchFamily="2" charset="2"/>
+              </a:rPr>
+              <a:t>. </a:t>
+            </a:r>
+            <a:r>
+              <a:rPr lang="ko-KR" altLang="en-US" sz="1200">
+                <a:sym typeface="Wingdings" panose="05000000000000000000" pitchFamily="2" charset="2"/>
+              </a:rPr>
+              <a:t>패스워드 암호화→해시 함수 알고리즘</a:t>
+            </a:r>
+            <a:endParaRPr lang="en-US" altLang="ko-KR" sz="1200">
+              <a:sym typeface="Wingdings" panose="05000000000000000000" pitchFamily="2" charset="2"/>
+            </a:endParaRPr>
+          </a:p>
+          <a:p>
+            <a:pPr marL="0" indent="0">
+              <a:buFont typeface="Arial" panose="020B0604020202020204" pitchFamily="34" charset="0"/>
+              <a:buNone/>
+            </a:pPr>
+            <a:endParaRPr lang="en-US" altLang="ko-KR" sz="1200"/>
+          </a:p>
+          <a:p>
+            <a:pPr marL="0" indent="0">
+              <a:buFont typeface="Arial" panose="020B0604020202020204" pitchFamily="34" charset="0"/>
+              <a:buNone/>
+            </a:pPr>
+            <a:r>
+              <a:rPr lang="en-US" altLang="ko-KR" sz="2000"/>
+              <a:t>2. </a:t>
+            </a:r>
+            <a:r>
+              <a:rPr lang="ko-KR" altLang="en-US" sz="2000"/>
+              <a:t>주석문 안에 포함된 패스워드 등 시스템 주요정보</a:t>
+            </a:r>
+            <a:endParaRPr lang="en-US" altLang="ko-KR" sz="2000"/>
+          </a:p>
+          <a:p>
+            <a:pPr marL="0" indent="0">
+              <a:buFont typeface="Arial" panose="020B0604020202020204" pitchFamily="34" charset="0"/>
+              <a:buNone/>
+            </a:pPr>
+            <a:r>
+              <a:rPr lang="en-US" altLang="ko-KR" sz="1200"/>
+              <a:t>   </a:t>
+            </a:r>
+            <a:r>
+              <a:rPr lang="ko-KR" altLang="en-US" sz="1200">
+                <a:sym typeface="Wingdings" panose="05000000000000000000" pitchFamily="2" charset="2"/>
+              </a:rPr>
+              <a:t> 문제 </a:t>
+            </a:r>
+            <a:r>
+              <a:rPr lang="en-US" altLang="ko-KR" sz="1200">
+                <a:sym typeface="Wingdings" panose="05000000000000000000" pitchFamily="2" charset="2"/>
+              </a:rPr>
+              <a:t>: </a:t>
+            </a:r>
+            <a:r>
+              <a:rPr lang="ko-KR" altLang="en-US" sz="1200">
+                <a:sym typeface="Wingdings" panose="05000000000000000000" pitchFamily="2" charset="2"/>
+              </a:rPr>
+              <a:t>공격자가 소스코드에 접근하면 시스템의 패스워드를 쉽게 확인할 수 있으며</a:t>
+            </a:r>
+            <a:r>
+              <a:rPr lang="en-US" altLang="ko-KR" sz="1200">
+                <a:sym typeface="Wingdings" panose="05000000000000000000" pitchFamily="2" charset="2"/>
+              </a:rPr>
+              <a:t>,</a:t>
+            </a:r>
+            <a:r>
+              <a:rPr lang="ko-KR" altLang="en-US" sz="1200">
+                <a:sym typeface="Wingdings" panose="05000000000000000000" pitchFamily="2" charset="2"/>
+              </a:rPr>
+              <a:t> </a:t>
+            </a:r>
+            <a:r>
+              <a:rPr lang="en-US" altLang="ko-KR" sz="1200">
+                <a:sym typeface="Wingdings" panose="05000000000000000000" pitchFamily="2" charset="2"/>
+              </a:rPr>
+              <a:t> SW</a:t>
+            </a:r>
+            <a:r>
+              <a:rPr lang="ko-KR" altLang="en-US" sz="1200">
+                <a:sym typeface="Wingdings" panose="05000000000000000000" pitchFamily="2" charset="2"/>
+              </a:rPr>
+              <a:t>가 완성된 후에 주석을 제거하는 것이 매우 어렵다</a:t>
+            </a:r>
+            <a:r>
+              <a:rPr lang="en-US" altLang="ko-KR" sz="1200">
+                <a:sym typeface="Wingdings" panose="05000000000000000000" pitchFamily="2" charset="2"/>
+              </a:rPr>
+              <a:t>.   </a:t>
+            </a:r>
+          </a:p>
+          <a:p>
+            <a:pPr marL="0" indent="0">
+              <a:buFont typeface="Arial" panose="020B0604020202020204" pitchFamily="34" charset="0"/>
+              <a:buNone/>
+            </a:pPr>
+            <a:r>
+              <a:rPr lang="en-US" altLang="ko-KR" sz="1200">
+                <a:sym typeface="Wingdings" panose="05000000000000000000" pitchFamily="2" charset="2"/>
+              </a:rPr>
+              <a:t>   </a:t>
+            </a:r>
+            <a:r>
+              <a:rPr lang="ko-KR" altLang="en-US" sz="1200">
+                <a:sym typeface="Wingdings" panose="05000000000000000000" pitchFamily="2" charset="2"/>
+              </a:rPr>
+              <a:t> 해결 방안 </a:t>
+            </a:r>
+            <a:r>
+              <a:rPr lang="en-US" altLang="ko-KR" sz="1200">
+                <a:sym typeface="Wingdings" panose="05000000000000000000" pitchFamily="2" charset="2"/>
+              </a:rPr>
+              <a:t>: </a:t>
+            </a:r>
+            <a:r>
+              <a:rPr lang="ko-KR" altLang="en-US" sz="1200">
+                <a:sym typeface="Wingdings" panose="05000000000000000000" pitchFamily="2" charset="2"/>
+              </a:rPr>
+              <a:t>개발 시 주석으로 남겨놓은 주요정보는 개발이 끝난 후에 반드시 제거해야한다</a:t>
+            </a:r>
+            <a:r>
+              <a:rPr lang="en-US" altLang="ko-KR" sz="1200">
+                <a:sym typeface="Wingdings" panose="05000000000000000000" pitchFamily="2" charset="2"/>
+              </a:rPr>
+              <a:t>.</a:t>
+            </a:r>
+          </a:p>
+          <a:p>
+            <a:pPr marL="0" indent="0">
+              <a:buFont typeface="Arial" panose="020B0604020202020204" pitchFamily="34" charset="0"/>
+              <a:buNone/>
+            </a:pPr>
+            <a:endParaRPr lang="en-US" altLang="ko-KR" sz="1200"/>
+          </a:p>
+          <a:p>
+            <a:pPr marL="0" indent="0">
+              <a:buFont typeface="Arial" panose="020B0604020202020204" pitchFamily="34" charset="0"/>
+              <a:buNone/>
+            </a:pPr>
+            <a:r>
+              <a:rPr lang="en-US" altLang="ko-KR" sz="2000"/>
+              <a:t>3. </a:t>
+            </a:r>
+            <a:r>
+              <a:rPr lang="ko-KR" altLang="en-US" sz="2000"/>
+              <a:t>하드코드된 사용자 계정 및 패스워드</a:t>
+            </a:r>
+            <a:endParaRPr lang="en-US" altLang="ko-KR" sz="2000"/>
+          </a:p>
+          <a:p>
+            <a:pPr marL="0" indent="0">
+              <a:buFont typeface="Arial" panose="020B0604020202020204" pitchFamily="34" charset="0"/>
+              <a:buNone/>
+            </a:pPr>
+            <a:r>
+              <a:rPr lang="en-US" altLang="ko-KR" sz="1200"/>
+              <a:t>   </a:t>
+            </a:r>
+            <a:r>
+              <a:rPr lang="ko-KR" altLang="en-US" sz="1200">
+                <a:sym typeface="Wingdings" panose="05000000000000000000" pitchFamily="2" charset="2"/>
+              </a:rPr>
+              <a:t> 문제 </a:t>
+            </a:r>
+            <a:r>
+              <a:rPr lang="en-US" altLang="ko-KR" sz="1200">
+                <a:sym typeface="Wingdings" panose="05000000000000000000" pitchFamily="2" charset="2"/>
+              </a:rPr>
+              <a:t>: </a:t>
+            </a:r>
+            <a:r>
+              <a:rPr lang="ko-KR" altLang="en-US" sz="1200">
+                <a:sym typeface="Wingdings" panose="05000000000000000000" pitchFamily="2" charset="2"/>
+              </a:rPr>
+              <a:t>공격에 쉽게 노출되고</a:t>
+            </a:r>
+            <a:r>
+              <a:rPr lang="en-US" altLang="ko-KR" sz="1200">
+                <a:sym typeface="Wingdings" panose="05000000000000000000" pitchFamily="2" charset="2"/>
+              </a:rPr>
+              <a:t>, </a:t>
+            </a:r>
+            <a:r>
+              <a:rPr lang="ko-KR" altLang="en-US" sz="1200">
+                <a:sym typeface="Wingdings" panose="05000000000000000000" pitchFamily="2" charset="2"/>
+              </a:rPr>
+              <a:t>코드 내부에 하드코드된 사용자 계정이 인증 실패를 야기하게 되면 원인을 찾아내기가 매우 힘들다</a:t>
+            </a:r>
+            <a:r>
+              <a:rPr lang="en-US" altLang="ko-KR" sz="1200">
+                <a:sym typeface="Wingdings" panose="05000000000000000000" pitchFamily="2" charset="2"/>
+              </a:rPr>
+              <a:t>.   </a:t>
+            </a:r>
+          </a:p>
+          <a:p>
+            <a:pPr marL="0" indent="0">
+              <a:buFont typeface="Arial" panose="020B0604020202020204" pitchFamily="34" charset="0"/>
+              <a:buNone/>
+            </a:pPr>
+            <a:r>
+              <a:rPr lang="en-US" altLang="ko-KR" sz="1200">
+                <a:sym typeface="Wingdings" panose="05000000000000000000" pitchFamily="2" charset="2"/>
+              </a:rPr>
+              <a:t>   </a:t>
+            </a:r>
+            <a:r>
+              <a:rPr lang="ko-KR" altLang="en-US" sz="1200">
+                <a:sym typeface="Wingdings" panose="05000000000000000000" pitchFamily="2" charset="2"/>
+              </a:rPr>
+              <a:t> 해결 방안 </a:t>
+            </a:r>
+            <a:r>
+              <a:rPr lang="en-US" altLang="ko-KR" sz="1200">
+                <a:sym typeface="Wingdings" panose="05000000000000000000" pitchFamily="2" charset="2"/>
+              </a:rPr>
+              <a:t>: </a:t>
+            </a:r>
+            <a:r>
+              <a:rPr lang="ko-KR" altLang="en-US" sz="1200">
+                <a:sym typeface="Wingdings" panose="05000000000000000000" pitchFamily="2" charset="2"/>
+              </a:rPr>
+              <a:t>① 사용자 계정이나 패스워드를 코드 내부에 하드코드하여 사용하지 않고 검증과정을 거쳐 얻은 값을</a:t>
+            </a:r>
+            <a:r>
+              <a:rPr lang="en-US" altLang="ko-KR" sz="1200">
+                <a:sym typeface="Wingdings" panose="05000000000000000000" pitchFamily="2" charset="2"/>
+              </a:rPr>
+              <a:t> </a:t>
+            </a:r>
+            <a:r>
+              <a:rPr lang="ko-KR" altLang="en-US" sz="1200">
+                <a:sym typeface="Wingdings" panose="05000000000000000000" pitchFamily="2" charset="2"/>
+              </a:rPr>
+              <a:t>사용해야 한다</a:t>
+            </a:r>
+            <a:r>
+              <a:rPr lang="en-US" altLang="ko-KR" sz="1200">
+                <a:sym typeface="Wingdings" panose="05000000000000000000" pitchFamily="2" charset="2"/>
+              </a:rPr>
+              <a:t>. </a:t>
+            </a:r>
+          </a:p>
+          <a:p>
+            <a:pPr marL="0" indent="0">
+              <a:buFont typeface="Arial" panose="020B0604020202020204" pitchFamily="34" charset="0"/>
+              <a:buNone/>
+            </a:pPr>
+            <a:r>
+              <a:rPr lang="en-US" altLang="ko-KR" sz="1200">
+                <a:sym typeface="Wingdings" panose="05000000000000000000" pitchFamily="2" charset="2"/>
+              </a:rPr>
+              <a:t>                    </a:t>
+            </a:r>
+            <a:r>
+              <a:rPr lang="ko-KR" altLang="en-US" sz="1200">
+                <a:sym typeface="Wingdings" panose="05000000000000000000" pitchFamily="2" charset="2"/>
+              </a:rPr>
+              <a:t>② 서버에서 관리자를 인증할 때 일방향 함수로 암호화되어 저장된 패스워드를 사용</a:t>
+            </a:r>
+            <a:endParaRPr lang="en-US" altLang="ko-KR" sz="1200">
+              <a:sym typeface="Wingdings" panose="05000000000000000000" pitchFamily="2" charset="2"/>
+            </a:endParaRPr>
+          </a:p>
+          <a:p>
+            <a:pPr marL="0" indent="0">
+              <a:buFont typeface="Arial" panose="020B0604020202020204" pitchFamily="34" charset="0"/>
+              <a:buNone/>
+            </a:pPr>
+            <a:endParaRPr lang="en-US" altLang="ko-KR" sz="1200"/>
+          </a:p>
+          <a:p>
+            <a:pPr marL="0" indent="0">
+              <a:buFont typeface="Arial" panose="020B0604020202020204" pitchFamily="34" charset="0"/>
+              <a:buNone/>
+            </a:pPr>
+            <a:r>
+              <a:rPr lang="en-US" altLang="ko-KR" sz="2000"/>
+              <a:t>4. </a:t>
+            </a:r>
+            <a:r>
+              <a:rPr lang="ko-KR" altLang="en-US" sz="2000"/>
+              <a:t>잘못된 권한부여</a:t>
+            </a:r>
+            <a:endParaRPr lang="en-US" altLang="ko-KR" sz="2000"/>
+          </a:p>
+          <a:p>
+            <a:pPr marL="0" indent="0">
+              <a:buFont typeface="Arial" panose="020B0604020202020204" pitchFamily="34" charset="0"/>
+              <a:buNone/>
+            </a:pPr>
+            <a:r>
+              <a:rPr lang="en-US" altLang="ko-KR" sz="1200"/>
+              <a:t>   </a:t>
+            </a:r>
+            <a:r>
+              <a:rPr lang="ko-KR" altLang="en-US" sz="1200">
+                <a:sym typeface="Wingdings" panose="05000000000000000000" pitchFamily="2" charset="2"/>
+              </a:rPr>
+              <a:t> 문제 </a:t>
+            </a:r>
+            <a:r>
+              <a:rPr lang="en-US" altLang="ko-KR" sz="1200">
+                <a:sym typeface="Wingdings" panose="05000000000000000000" pitchFamily="2" charset="2"/>
+              </a:rPr>
+              <a:t>: </a:t>
+            </a:r>
+            <a:r>
+              <a:rPr lang="ko-KR" altLang="en-US" sz="1200">
+                <a:sym typeface="Wingdings" panose="05000000000000000000" pitchFamily="2" charset="2"/>
+              </a:rPr>
+              <a:t>권한이 없는 사용자가 중요한 자원을 사용할 수 있게 된다</a:t>
+            </a:r>
+            <a:r>
+              <a:rPr lang="en-US" altLang="ko-KR" sz="1200">
+                <a:sym typeface="Wingdings" panose="05000000000000000000" pitchFamily="2" charset="2"/>
+              </a:rPr>
+              <a:t>.</a:t>
+            </a:r>
+          </a:p>
+          <a:p>
+            <a:pPr marL="0" indent="0">
+              <a:buFont typeface="Arial" panose="020B0604020202020204" pitchFamily="34" charset="0"/>
+              <a:buNone/>
+            </a:pPr>
+            <a:r>
+              <a:rPr lang="en-US" altLang="ko-KR" sz="1200">
+                <a:sym typeface="Wingdings" panose="05000000000000000000" pitchFamily="2" charset="2"/>
+              </a:rPr>
+              <a:t>   </a:t>
+            </a:r>
+            <a:r>
+              <a:rPr lang="ko-KR" altLang="en-US" sz="1200">
+                <a:sym typeface="Wingdings" panose="05000000000000000000" pitchFamily="2" charset="2"/>
+              </a:rPr>
+              <a:t> 해결 방안 </a:t>
+            </a:r>
+            <a:r>
+              <a:rPr lang="en-US" altLang="ko-KR" sz="1200">
+                <a:sym typeface="Wingdings" panose="05000000000000000000" pitchFamily="2" charset="2"/>
+              </a:rPr>
+              <a:t>: </a:t>
+            </a:r>
+            <a:r>
+              <a:rPr lang="ko-KR" altLang="en-US" sz="1200">
+                <a:sym typeface="Wingdings" panose="05000000000000000000" pitchFamily="2" charset="2"/>
+              </a:rPr>
+              <a:t>각 유저의 권한을 미리 정의해두고 각 권한에 따른 작업만을 허용한다</a:t>
+            </a:r>
+            <a:r>
+              <a:rPr lang="en-US" altLang="ko-KR" sz="1200">
+                <a:sym typeface="Wingdings" panose="05000000000000000000" pitchFamily="2" charset="2"/>
+              </a:rPr>
+              <a:t>.</a:t>
+            </a:r>
+            <a:endParaRPr lang="ko-KR" altLang="en-US" sz="1200"/>
           </a:p>
         </p:txBody>
       </p:sp>
     </p:spTree>
     <p:extLst>
       <p:ext uri="{BB962C8B-B14F-4D97-AF65-F5344CB8AC3E}">
-        <p14:creationId xmlns:p14="http://schemas.microsoft.com/office/powerpoint/2010/main" val="562481392"/>
+        <p14:creationId xmlns:p14="http://schemas.microsoft.com/office/powerpoint/2010/main" val="2077967628"/>
       </p:ext>
     </p:extLst>
   </p:cSld>
@@ -4493,14 +5521,14 @@
           <a:lstStyle/>
           <a:p>
             <a:r>
-              <a:rPr lang="en-US" altLang="ko-KR" b="1"/>
+              <a:rPr lang="en-US" altLang="ko-KR" b="1" dirty="0"/>
               <a:t>3</a:t>
             </a:r>
             <a:r>
-              <a:rPr lang="ko-KR" altLang="en-US" b="1"/>
+              <a:rPr lang="ko-KR" altLang="en-US" b="1" dirty="0"/>
               <a:t>절 시간 및 상태</a:t>
             </a:r>
-            <a:endParaRPr lang="ko-KR" altLang="en-US"/>
+            <a:endParaRPr lang="ko-KR" altLang="en-US" dirty="0"/>
           </a:p>
         </p:txBody>
       </p:sp>

--- a/발표자료/Secure Coding 발표자료.pptx
+++ b/발표자료/Secure Coding 발표자료.pptx
@@ -3553,19 +3553,19 @@
           <a:lstStyle/>
           <a:p>
             <a:r>
-              <a:rPr lang="en-US" altLang="ko-KR"/>
+              <a:rPr lang="en-US" altLang="ko-KR" b="1"/>
               <a:t>7</a:t>
             </a:r>
             <a:r>
-              <a:rPr lang="ko-KR" altLang="en-US"/>
+              <a:rPr lang="ko-KR" altLang="en-US" b="1"/>
               <a:t>절 </a:t>
             </a:r>
             <a:r>
-              <a:rPr lang="en-US" altLang="ko-KR"/>
+              <a:rPr lang="en-US" altLang="ko-KR" b="1"/>
               <a:t>API </a:t>
             </a:r>
             <a:r>
-              <a:rPr lang="ko-KR" altLang="en-US"/>
+              <a:rPr lang="ko-KR" altLang="en-US" b="1"/>
               <a:t>오용</a:t>
             </a:r>
           </a:p>
@@ -3704,13 +3704,18 @@
             <p:ph type="title"/>
           </p:nvPr>
         </p:nvSpPr>
-        <p:spPr/>
-        <p:txBody>
-          <a:bodyPr/>
-          <a:lstStyle/>
-          <a:p>
-            <a:r>
-              <a:rPr lang="ko-KR" altLang="en-US"/>
+        <p:spPr>
+          <a:xfrm>
+            <a:off x="674077" y="48602"/>
+            <a:ext cx="10515600" cy="1325563"/>
+          </a:xfrm>
+        </p:spPr>
+        <p:txBody>
+          <a:bodyPr/>
+          <a:lstStyle/>
+          <a:p>
+            <a:r>
+              <a:rPr lang="ko-KR" altLang="en-US" b="1"/>
               <a:t>소감</a:t>
             </a:r>
           </a:p>

--- a/발표자료/Secure Coding 발표자료.pptx
+++ b/발표자료/Secure Coding 발표자료.pptx
@@ -131,44 +131,6 @@
     </p:ext>
   </p:extLst>
 </p:presentation>
-</file>
-
-<file path=ppt/revisionInfo.xml><?xml version="1.0" encoding="utf-8"?>
-<p1510:revInfo xmlns:a="http://schemas.openxmlformats.org/drawingml/2006/main" xmlns:r="http://schemas.openxmlformats.org/officeDocument/2006/relationships" xmlns:p1510="http://schemas.microsoft.com/office/powerpoint/2015/10/main">
-  <p1510:revLst>
-    <p1510:client id="{0FECC9CA-CC5E-4291-BB61-37B8B9ABF2D2}" v="68" dt="2022-08-11T17:09:09.857"/>
-    <p1510:client id="{E818CA95-EDBB-4311-B019-CF4EDEA4713D}" v="3" dt="2022-08-12T00:52:55.869"/>
-  </p1510:revLst>
-</p1510:revInfo>
-</file>
-
-<file path=ppt/changesInfos/changesInfo1.xml><?xml version="1.0" encoding="utf-8"?>
-<pc:chgInfo xmlns:a="http://schemas.openxmlformats.org/drawingml/2006/main" xmlns:r="http://schemas.openxmlformats.org/officeDocument/2006/relationships" xmlns:ac="http://schemas.microsoft.com/office/drawing/2013/main/command" xmlns:pc="http://schemas.microsoft.com/office/powerpoint/2013/main/command">
-  <pc:docChgLst>
-    <pc:chgData name="양 나은" userId="a5807b44723fbc74" providerId="LiveId" clId="{0FECC9CA-CC5E-4291-BB61-37B8B9ABF2D2}"/>
-    <pc:docChg chg="custSel modSld">
-      <pc:chgData name="양 나은" userId="a5807b44723fbc74" providerId="LiveId" clId="{0FECC9CA-CC5E-4291-BB61-37B8B9ABF2D2}" dt="2022-08-11T17:09:09.852" v="405"/>
-      <pc:docMkLst>
-        <pc:docMk/>
-      </pc:docMkLst>
-      <pc:sldChg chg="modSp mod">
-        <pc:chgData name="양 나은" userId="a5807b44723fbc74" providerId="LiveId" clId="{0FECC9CA-CC5E-4291-BB61-37B8B9ABF2D2}" dt="2022-08-11T17:09:09.852" v="405"/>
-        <pc:sldMkLst>
-          <pc:docMk/>
-          <pc:sldMk cId="2270072957" sldId="263"/>
-        </pc:sldMkLst>
-        <pc:spChg chg="mod">
-          <ac:chgData name="양 나은" userId="a5807b44723fbc74" providerId="LiveId" clId="{0FECC9CA-CC5E-4291-BB61-37B8B9ABF2D2}" dt="2022-08-11T17:09:09.852" v="405"/>
-          <ac:spMkLst>
-            <pc:docMk/>
-            <pc:sldMk cId="2270072957" sldId="263"/>
-            <ac:spMk id="3" creationId="{1620EEC6-6476-9C0A-A584-E34C541480BE}"/>
-          </ac:spMkLst>
-        </pc:spChg>
-      </pc:sldChg>
-    </pc:docChg>
-  </pc:docChgLst>
-</pc:chgInfo>
 </file>
 
 <file path=ppt/slideLayouts/slideLayout1.xml><?xml version="1.0" encoding="utf-8"?>
@@ -3412,10 +3374,10 @@
           <a:lstStyle/>
           <a:p>
             <a:r>
-              <a:rPr lang="en-US" altLang="ko-KR"/>
+              <a:rPr lang="en-US" altLang="ko-KR" dirty="0"/>
               <a:t>Secure Coding</a:t>
             </a:r>
-            <a:endParaRPr lang="ko-KR" altLang="en-US"/>
+            <a:endParaRPr lang="ko-KR" altLang="en-US" dirty="0"/>
           </a:p>
         </p:txBody>
       </p:sp>
@@ -3553,19 +3515,19 @@
           <a:lstStyle/>
           <a:p>
             <a:r>
-              <a:rPr lang="en-US" altLang="ko-KR" b="1"/>
+              <a:rPr lang="en-US" altLang="ko-KR"/>
               <a:t>7</a:t>
             </a:r>
             <a:r>
-              <a:rPr lang="ko-KR" altLang="en-US" b="1"/>
+              <a:rPr lang="ko-KR" altLang="en-US"/>
               <a:t>절 </a:t>
             </a:r>
             <a:r>
-              <a:rPr lang="en-US" altLang="ko-KR" b="1"/>
+              <a:rPr lang="en-US" altLang="ko-KR"/>
               <a:t>API </a:t>
             </a:r>
             <a:r>
-              <a:rPr lang="ko-KR" altLang="en-US" b="1"/>
+              <a:rPr lang="ko-KR" altLang="en-US"/>
               <a:t>오용</a:t>
             </a:r>
           </a:p>
@@ -3704,18 +3666,13 @@
             <p:ph type="title"/>
           </p:nvPr>
         </p:nvSpPr>
-        <p:spPr>
-          <a:xfrm>
-            <a:off x="674077" y="48602"/>
-            <a:ext cx="10515600" cy="1325563"/>
-          </a:xfrm>
-        </p:spPr>
+        <p:spPr/>
         <p:txBody>
           <a:bodyPr/>
           <a:lstStyle/>
           <a:p>
             <a:r>
-              <a:rPr lang="ko-KR" altLang="en-US" b="1"/>
+              <a:rPr lang="ko-KR" altLang="en-US"/>
               <a:t>소감</a:t>
             </a:r>
           </a:p>
@@ -3767,36 +3724,24 @@
             </a:r>
             <a:r>
               <a:rPr lang="ko-KR" altLang="en-US" dirty="0"/>
-              <a:t>보안 취약점이 정말 다방면으로 </a:t>
-            </a:r>
-            <a:r>
-              <a:rPr lang="ko-KR" altLang="en-US"/>
-              <a:t>있어서 안전하게 </a:t>
-            </a:r>
-            <a:endParaRPr lang="en-US" altLang="ko-KR"/>
+              <a:t>보안 취약점이 정말 다방면으로 있어서 안전하게 </a:t>
+            </a:r>
+            <a:endParaRPr lang="en-US" altLang="ko-KR" dirty="0"/>
           </a:p>
           <a:p>
             <a:pPr marL="0" indent="0">
               <a:buNone/>
             </a:pPr>
             <a:r>
-              <a:rPr lang="en-US" altLang="ko-KR"/>
+              <a:rPr lang="en-US" altLang="ko-KR" dirty="0"/>
               <a:t>	       </a:t>
             </a:r>
             <a:r>
-              <a:rPr lang="ko-KR" altLang="en-US"/>
-              <a:t>코딩하는게 </a:t>
-            </a:r>
-            <a:r>
               <a:rPr lang="ko-KR" altLang="en-US" dirty="0"/>
-              <a:t>쉽지 않을 거 같다고 </a:t>
-            </a:r>
-            <a:r>
-              <a:rPr lang="ko-KR" altLang="en-US"/>
-              <a:t>느꼈다</a:t>
-            </a:r>
-            <a:r>
-              <a:rPr lang="en-US" altLang="ko-KR"/>
+              <a:t>코딩하는게 쉽지 않을 거 같다고 느꼈다</a:t>
+            </a:r>
+            <a:r>
+              <a:rPr lang="en-US" altLang="ko-KR" dirty="0"/>
               <a:t>.</a:t>
             </a:r>
           </a:p>
@@ -3805,16 +3750,12 @@
               <a:buNone/>
             </a:pPr>
             <a:r>
-              <a:rPr lang="en-US" altLang="ko-KR"/>
+              <a:rPr lang="en-US" altLang="ko-KR" dirty="0"/>
               <a:t>	       </a:t>
             </a:r>
             <a:r>
-              <a:rPr lang="ko-KR" altLang="en-US"/>
-              <a:t>초반 코딩습관이 </a:t>
-            </a:r>
-            <a:r>
               <a:rPr lang="ko-KR" altLang="en-US" dirty="0"/>
-              <a:t>중요할거 같다</a:t>
+              <a:t>초반 코딩습관이 중요할거 같다</a:t>
             </a:r>
             <a:endParaRPr lang="en-US" altLang="ko-KR" dirty="0"/>
           </a:p>
@@ -3823,37 +3764,37 @@
           </a:p>
           <a:p>
             <a:r>
-              <a:rPr lang="ko-KR" altLang="en-US" err="1"/>
+              <a:rPr lang="ko-KR" altLang="en-US" dirty="0" err="1"/>
               <a:t>양나은</a:t>
             </a:r>
             <a:r>
-              <a:rPr lang="ko-KR" altLang="en-US"/>
+              <a:rPr lang="ko-KR" altLang="en-US" dirty="0"/>
               <a:t> </a:t>
             </a:r>
             <a:r>
-              <a:rPr lang="en-US" altLang="ko-KR"/>
+              <a:rPr lang="en-US" altLang="ko-KR" dirty="0"/>
               <a:t>: </a:t>
             </a:r>
             <a:r>
-              <a:rPr lang="ko-KR" altLang="en-US"/>
+              <a:rPr lang="ko-KR" altLang="en-US" dirty="0"/>
               <a:t>생각하지 못한 작은 실수를 통해 공격자들이 다양한 </a:t>
             </a:r>
-            <a:endParaRPr lang="en-US" altLang="ko-KR"/>
+            <a:endParaRPr lang="en-US" altLang="ko-KR" dirty="0"/>
           </a:p>
           <a:p>
             <a:pPr marL="0" indent="0">
               <a:buNone/>
             </a:pPr>
             <a:r>
-              <a:rPr lang="en-US" altLang="ko-KR"/>
+              <a:rPr lang="en-US" altLang="ko-KR" dirty="0"/>
               <a:t>	     </a:t>
             </a:r>
             <a:r>
-              <a:rPr lang="ko-KR" altLang="en-US"/>
+              <a:rPr lang="ko-KR" altLang="en-US" dirty="0"/>
               <a:t>방법으로 침투해올 수 있다는 사실을 알게 됐다</a:t>
             </a:r>
             <a:r>
-              <a:rPr lang="en-US" altLang="ko-KR"/>
+              <a:rPr lang="en-US" altLang="ko-KR" dirty="0"/>
               <a:t>. </a:t>
             </a:r>
           </a:p>
@@ -3862,32 +3803,35 @@
               <a:buNone/>
             </a:pPr>
             <a:r>
-              <a:rPr lang="en-US" altLang="ko-KR"/>
+              <a:rPr lang="en-US" altLang="ko-KR" dirty="0"/>
               <a:t>	     </a:t>
             </a:r>
             <a:r>
-              <a:rPr lang="ko-KR" altLang="en-US"/>
+              <a:rPr lang="ko-KR" altLang="en-US" dirty="0"/>
               <a:t>조금 더 공부하여 안전한 프로그램을 작성할 수 있도록 </a:t>
             </a:r>
-            <a:endParaRPr lang="en-US" altLang="ko-KR"/>
+            <a:endParaRPr lang="en-US" altLang="ko-KR" dirty="0"/>
           </a:p>
           <a:p>
             <a:pPr marL="0" indent="0">
               <a:buNone/>
             </a:pPr>
             <a:r>
-              <a:rPr lang="en-US" altLang="ko-KR"/>
+              <a:rPr lang="en-US" altLang="ko-KR" dirty="0"/>
               <a:t>	     </a:t>
             </a:r>
             <a:r>
-              <a:rPr lang="ko-KR" altLang="en-US"/>
-              <a:t>노력해야겠다</a:t>
-            </a:r>
-            <a:r>
-              <a:rPr lang="en-US" altLang="ko-KR"/>
+              <a:rPr lang="ko-KR" altLang="en-US" dirty="0"/>
+              <a:t>노력 </a:t>
+            </a:r>
+            <a:r>
+              <a:rPr lang="ko-KR" altLang="en-US" dirty="0" err="1"/>
+              <a:t>해야겠다</a:t>
+            </a:r>
+            <a:r>
+              <a:rPr lang="en-US" altLang="ko-KR" dirty="0"/>
               <a:t>.</a:t>
             </a:r>
-            <a:endParaRPr lang="en-US" altLang="ko-KR" dirty="0"/>
           </a:p>
           <a:p>
             <a:endParaRPr lang="en-US" altLang="ko-KR" dirty="0"/>
@@ -3910,30 +3854,22 @@
               <a:t>, </a:t>
             </a:r>
             <a:r>
-              <a:rPr lang="ko-KR" altLang="en-US"/>
+              <a:rPr lang="ko-KR" altLang="en-US" dirty="0"/>
               <a:t>조금만 신경을 </a:t>
             </a:r>
-            <a:endParaRPr lang="en-US" altLang="ko-KR"/>
+            <a:endParaRPr lang="en-US" altLang="ko-KR" dirty="0"/>
           </a:p>
           <a:p>
             <a:pPr marL="0" indent="0">
               <a:buNone/>
             </a:pPr>
             <a:r>
-              <a:rPr lang="en-US" altLang="ko-KR"/>
+              <a:rPr lang="en-US" altLang="ko-KR" dirty="0"/>
               <a:t>	      </a:t>
             </a:r>
             <a:r>
-              <a:rPr lang="ko-KR" altLang="en-US"/>
-              <a:t>쓴다면 </a:t>
-            </a:r>
-            <a:r>
-              <a:rPr lang="ko-KR" altLang="en-US" dirty="0" err="1"/>
-              <a:t>오류을</a:t>
-            </a:r>
-            <a:r>
               <a:rPr lang="ko-KR" altLang="en-US" dirty="0"/>
-              <a:t> 예방할 수 있다는 걸 느꼈다</a:t>
+              <a:t>쓴다면 오류를 예방할 수 있다는 걸 느꼈다</a:t>
             </a:r>
             <a:r>
               <a:rPr lang="en-US" altLang="ko-KR" dirty="0"/>
@@ -4405,288 +4341,386 @@
         </p:nvSpPr>
         <p:spPr>
           <a:xfrm>
-            <a:off x="628650" y="1863725"/>
-            <a:ext cx="11239500" cy="4351338"/>
+            <a:off x="619125" y="1593850"/>
+            <a:ext cx="11239500" cy="5102225"/>
           </a:xfrm>
         </p:spPr>
         <p:txBody>
           <a:bodyPr>
-            <a:normAutofit fontScale="92500" lnSpcReduction="10000"/>
+            <a:noAutofit/>
           </a:bodyPr>
           <a:lstStyle/>
           <a:p>
             <a:r>
-              <a:rPr lang="ko-KR" altLang="en-US" sz="2400" dirty="0"/>
+              <a:rPr lang="ko-KR" altLang="en-US" sz="1700" dirty="0"/>
               <a:t>입력 받은 데이터 </a:t>
             </a:r>
             <a:r>
-              <a:rPr lang="ko-KR" altLang="en-US" sz="2400" b="1" dirty="0"/>
+              <a:rPr lang="ko-KR" altLang="en-US" sz="1700" b="1" dirty="0"/>
               <a:t>값</a:t>
             </a:r>
             <a:r>
-              <a:rPr lang="ko-KR" altLang="en-US" sz="2400" dirty="0"/>
+              <a:rPr lang="ko-KR" altLang="en-US" sz="1700" dirty="0"/>
               <a:t> 또는 데이터의 </a:t>
             </a:r>
             <a:r>
-              <a:rPr lang="ko-KR" altLang="en-US" sz="2400" b="1" dirty="0"/>
+              <a:rPr lang="ko-KR" altLang="en-US" sz="1700" b="1" dirty="0"/>
               <a:t>출처</a:t>
             </a:r>
             <a:r>
-              <a:rPr lang="ko-KR" altLang="en-US" sz="2400" dirty="0"/>
+              <a:rPr lang="ko-KR" altLang="en-US" sz="1700" dirty="0"/>
               <a:t> 등이 제대로 검증하지 않은 경우</a:t>
             </a:r>
-            <a:endParaRPr lang="en-US" altLang="ko-KR" sz="2400" dirty="0"/>
+            <a:endParaRPr lang="en-US" altLang="ko-KR" sz="1700" dirty="0"/>
           </a:p>
           <a:p>
             <a:pPr marL="0" indent="0">
               <a:buNone/>
             </a:pPr>
             <a:r>
-              <a:rPr lang="en-US" altLang="ko-KR" sz="2400" dirty="0"/>
+              <a:rPr lang="en-US" altLang="ko-KR" sz="1300" dirty="0"/>
+              <a:t>    ex) SQL</a:t>
+            </a:r>
+            <a:r>
+              <a:rPr lang="ko-KR" altLang="en-US" sz="1300" dirty="0"/>
+              <a:t>문 삽입</a:t>
+            </a:r>
+            <a:r>
+              <a:rPr lang="en-US" altLang="ko-KR" sz="1300" dirty="0"/>
+              <a:t>,  </a:t>
+            </a:r>
+            <a:r>
+              <a:rPr lang="ko-KR" altLang="en-US" sz="1300" dirty="0"/>
+              <a:t>자원 삽입</a:t>
+            </a:r>
+            <a:r>
+              <a:rPr lang="en-US" altLang="ko-KR" sz="1300" dirty="0"/>
+              <a:t>,  </a:t>
+            </a:r>
+            <a:r>
+              <a:rPr lang="ko-KR" altLang="en-US" sz="1300" dirty="0"/>
+              <a:t>운영체제 명령어 삽입 등</a:t>
+            </a:r>
+            <a:endParaRPr lang="en-US" altLang="ko-KR" sz="1300" dirty="0"/>
+          </a:p>
+          <a:p>
+            <a:pPr marL="0" indent="0">
+              <a:buNone/>
+            </a:pPr>
+            <a:r>
+              <a:rPr lang="en-US" altLang="ko-KR" sz="1300" dirty="0"/>
+              <a:t>      </a:t>
+            </a:r>
+            <a:r>
+              <a:rPr lang="ko-KR" altLang="en-US" sz="1300" dirty="0"/>
+              <a:t>해결방안</a:t>
+            </a:r>
+            <a:r>
+              <a:rPr lang="en-US" altLang="ko-KR" sz="1300" dirty="0"/>
+              <a:t>: </a:t>
+            </a:r>
+            <a:r>
+              <a:rPr lang="ko-KR" altLang="en-US" sz="1300" dirty="0">
+                <a:sym typeface="Wingdings" panose="05000000000000000000" pitchFamily="2" charset="2"/>
+              </a:rPr>
+              <a:t>① </a:t>
+            </a:r>
+            <a:r>
+              <a:rPr lang="ko-KR" altLang="en-US" sz="1300" dirty="0"/>
+              <a:t>입력 받은 값을 필터링을 통해 처리 후 사용</a:t>
+            </a:r>
+            <a:endParaRPr lang="en-US" altLang="ko-KR" sz="1300" dirty="0"/>
+          </a:p>
+          <a:p>
+            <a:pPr marL="0" indent="0">
+              <a:buNone/>
+            </a:pPr>
+            <a:r>
+              <a:rPr lang="ko-KR" altLang="en-US" sz="1300" dirty="0">
+                <a:sym typeface="Wingdings" panose="05000000000000000000" pitchFamily="2" charset="2"/>
+              </a:rPr>
+              <a:t>                   ② </a:t>
+            </a:r>
+            <a:r>
+              <a:rPr lang="ko-KR" altLang="en-US" sz="1300" dirty="0"/>
+              <a:t>신뢰성 있는 내용을 리스트로 작성 혹은 사전에 정의한 후 사용</a:t>
+            </a:r>
+            <a:endParaRPr lang="en-US" altLang="ko-KR" sz="1300" dirty="0"/>
+          </a:p>
+          <a:p>
+            <a:endParaRPr lang="en-US" altLang="ko-KR" sz="1700" dirty="0"/>
+          </a:p>
+          <a:p>
+            <a:r>
+              <a:rPr lang="ko-KR" altLang="en-US" sz="1700" dirty="0"/>
+              <a:t>입력 받은</a:t>
+            </a:r>
+            <a:r>
+              <a:rPr lang="en-US" altLang="ko-KR" sz="1700" dirty="0"/>
+              <a:t> </a:t>
+            </a:r>
+            <a:r>
+              <a:rPr lang="ko-KR" altLang="en-US" sz="1700" dirty="0"/>
+              <a:t>데이터 값이 조작되는 경우</a:t>
+            </a:r>
+            <a:endParaRPr lang="en-US" altLang="ko-KR" sz="1700" dirty="0"/>
+          </a:p>
+          <a:p>
+            <a:pPr marL="0" indent="0">
+              <a:buNone/>
+            </a:pPr>
+            <a:r>
+              <a:rPr lang="en-US" altLang="ko-KR" sz="1300" dirty="0"/>
+              <a:t>    ex) </a:t>
+            </a:r>
+            <a:r>
+              <a:rPr lang="ko-KR" altLang="en-US" sz="1300" dirty="0"/>
+              <a:t>보호 </a:t>
+            </a:r>
+            <a:r>
+              <a:rPr lang="ko-KR" altLang="en-US" sz="1300" dirty="0" err="1"/>
+              <a:t>매커니즘을</a:t>
+            </a:r>
+            <a:r>
+              <a:rPr lang="ko-KR" altLang="en-US" sz="1300" dirty="0"/>
+              <a:t> 우회할 수 있는 입력 값 변조</a:t>
+            </a:r>
+            <a:r>
+              <a:rPr lang="en-US" altLang="ko-KR" sz="1300" dirty="0"/>
+              <a:t>(</a:t>
+            </a:r>
+            <a:r>
+              <a:rPr lang="ko-KR" altLang="en-US" sz="1300" dirty="0"/>
+              <a:t>쿠키</a:t>
+            </a:r>
+            <a:r>
+              <a:rPr lang="en-US" altLang="ko-KR" sz="1300" dirty="0"/>
+              <a:t>, </a:t>
+            </a:r>
+            <a:r>
+              <a:rPr lang="ko-KR" altLang="en-US" sz="1300" dirty="0"/>
+              <a:t>환경 변수 등의 입력 값 변조</a:t>
+            </a:r>
+            <a:r>
+              <a:rPr lang="en-US" altLang="ko-KR" sz="1300" dirty="0"/>
+              <a:t>), </a:t>
+            </a:r>
+            <a:r>
+              <a:rPr lang="ko-KR" altLang="en-US" sz="1300" dirty="0"/>
+              <a:t>디렉터리 경로 조작</a:t>
+            </a:r>
+            <a:endParaRPr lang="en-US" altLang="ko-KR" sz="1300" dirty="0"/>
+          </a:p>
+          <a:p>
+            <a:pPr marL="0" indent="0">
+              <a:buNone/>
+            </a:pPr>
+            <a:r>
+              <a:rPr lang="ko-KR" altLang="en-US" sz="1300" dirty="0"/>
+              <a:t>     해결</a:t>
+            </a:r>
+            <a:r>
+              <a:rPr lang="en-US" altLang="ko-KR" sz="1300" dirty="0"/>
+              <a:t>: </a:t>
+            </a:r>
+            <a:r>
+              <a:rPr lang="ko-KR" altLang="en-US" sz="1300" dirty="0">
+                <a:sym typeface="Wingdings" panose="05000000000000000000" pitchFamily="2" charset="2"/>
+              </a:rPr>
+              <a:t>① </a:t>
+            </a:r>
+            <a:r>
+              <a:rPr lang="ko-KR" altLang="en-US" sz="1300" dirty="0"/>
+              <a:t>민감한 데이터나 중요데이터는 서버에 저장</a:t>
+            </a:r>
+            <a:r>
+              <a:rPr lang="en-US" altLang="ko-KR" sz="1300" dirty="0"/>
+              <a:t>,  </a:t>
+            </a:r>
+          </a:p>
+          <a:p>
+            <a:pPr marL="0" indent="0">
+              <a:buNone/>
+            </a:pPr>
+            <a:r>
+              <a:rPr lang="ko-KR" altLang="en-US" sz="1300" dirty="0">
+                <a:sym typeface="Wingdings" panose="05000000000000000000" pitchFamily="2" charset="2"/>
+              </a:rPr>
+              <a:t>            ② </a:t>
+            </a:r>
+            <a:r>
+              <a:rPr lang="ko-KR" altLang="en-US" sz="1300" dirty="0"/>
+              <a:t>외부에서 입력된 값에 의존하지 않는 구조로 설계</a:t>
+            </a:r>
+            <a:endParaRPr lang="en-US" altLang="ko-KR" sz="1300" dirty="0"/>
+          </a:p>
+          <a:p>
+            <a:pPr marL="0" indent="0">
+              <a:buNone/>
+            </a:pPr>
+            <a:endParaRPr lang="en-US" altLang="ko-KR" sz="1300" dirty="0"/>
+          </a:p>
+          <a:p>
+            <a:r>
+              <a:rPr lang="ko-KR" altLang="en-US" sz="1700" dirty="0" err="1"/>
+              <a:t>오버플로우</a:t>
+            </a:r>
+            <a:r>
+              <a:rPr lang="ko-KR" altLang="en-US" sz="1700" dirty="0"/>
+              <a:t> 발생</a:t>
+            </a:r>
+            <a:endParaRPr lang="en-US" altLang="ko-KR" sz="1700" dirty="0"/>
+          </a:p>
+          <a:p>
+            <a:pPr marL="0" indent="0">
+              <a:buNone/>
+            </a:pPr>
+            <a:r>
+              <a:rPr lang="en-US" altLang="ko-KR" sz="1300" dirty="0"/>
+              <a:t> </a:t>
+            </a:r>
+            <a:r>
+              <a:rPr lang="ko-KR" altLang="en-US" sz="1300" dirty="0"/>
               <a:t>    </a:t>
             </a:r>
             <a:r>
-              <a:rPr lang="en-US" altLang="ko-KR" sz="1800" dirty="0"/>
-              <a:t>-SQL</a:t>
-            </a:r>
-            <a:r>
-              <a:rPr lang="ko-KR" altLang="en-US" sz="1800" dirty="0"/>
-              <a:t>문 삽입</a:t>
-            </a:r>
-            <a:r>
-              <a:rPr lang="en-US" altLang="ko-KR" sz="1800" dirty="0"/>
+              <a:rPr lang="en-US" altLang="ko-KR" sz="1300" dirty="0"/>
+              <a:t>ex) </a:t>
+            </a:r>
+            <a:r>
+              <a:rPr lang="ko-KR" altLang="en-US" sz="1300" dirty="0"/>
+              <a:t>스택에 할당된 버퍼 </a:t>
+            </a:r>
+            <a:r>
+              <a:rPr lang="ko-KR" altLang="en-US" sz="1300" dirty="0" err="1"/>
+              <a:t>오버플로우</a:t>
+            </a:r>
+            <a:r>
+              <a:rPr lang="en-US" altLang="ko-KR" sz="1300" dirty="0"/>
               <a:t>,  </a:t>
             </a:r>
             <a:r>
-              <a:rPr lang="ko-KR" altLang="en-US" sz="1800" dirty="0"/>
-              <a:t>자원 삽입</a:t>
-            </a:r>
-            <a:r>
-              <a:rPr lang="en-US" altLang="ko-KR" sz="1800" dirty="0"/>
-              <a:t>,  </a:t>
-            </a:r>
-            <a:r>
-              <a:rPr lang="ko-KR" altLang="en-US" sz="1800" dirty="0"/>
-              <a:t>운영체제 명령어 삽입 등</a:t>
-            </a:r>
-            <a:endParaRPr lang="en-US" altLang="ko-KR" sz="1800" dirty="0"/>
+              <a:rPr lang="ko-KR" altLang="en-US" sz="1300" dirty="0" err="1"/>
+              <a:t>힙에</a:t>
+            </a:r>
+            <a:r>
+              <a:rPr lang="ko-KR" altLang="en-US" sz="1300" dirty="0"/>
+              <a:t> 할당된 버퍼 </a:t>
+            </a:r>
+            <a:r>
+              <a:rPr lang="ko-KR" altLang="en-US" sz="1300" dirty="0" err="1"/>
+              <a:t>오버플로우</a:t>
+            </a:r>
+            <a:endParaRPr lang="en-US" altLang="ko-KR" sz="1300" dirty="0"/>
           </a:p>
           <a:p>
             <a:pPr marL="0" indent="0">
               <a:buNone/>
             </a:pPr>
-            <a:endParaRPr lang="en-US" altLang="ko-KR" sz="1800" dirty="0"/>
-          </a:p>
-          <a:p>
-            <a:r>
-              <a:rPr lang="ko-KR" altLang="en-US" sz="2400" dirty="0"/>
-              <a:t>입력 받은</a:t>
-            </a:r>
-            <a:r>
-              <a:rPr lang="en-US" altLang="ko-KR" sz="2400" dirty="0"/>
+            <a:r>
+              <a:rPr lang="en-US" altLang="ko-KR" sz="1300" dirty="0"/>
+              <a:t>      </a:t>
+            </a:r>
+            <a:r>
+              <a:rPr lang="ko-KR" altLang="en-US" sz="1300" dirty="0"/>
+              <a:t>해결</a:t>
+            </a:r>
+            <a:r>
+              <a:rPr lang="en-US" altLang="ko-KR" sz="1300" dirty="0"/>
+              <a:t>:</a:t>
+            </a:r>
+            <a:r>
+              <a:rPr lang="ko-KR" altLang="en-US" sz="1300" dirty="0">
+                <a:sym typeface="Wingdings" panose="05000000000000000000" pitchFamily="2" charset="2"/>
+              </a:rPr>
+              <a:t> ①</a:t>
+            </a:r>
+            <a:r>
+              <a:rPr lang="en-US" altLang="ko-KR" sz="1300" dirty="0"/>
               <a:t> </a:t>
             </a:r>
             <a:r>
-              <a:rPr lang="ko-KR" altLang="en-US" sz="2400" dirty="0" err="1"/>
-              <a:t>데이터값이</a:t>
-            </a:r>
-            <a:r>
-              <a:rPr lang="ko-KR" altLang="en-US" sz="2400" dirty="0"/>
-              <a:t> 조작되는 경우</a:t>
-            </a:r>
-            <a:endParaRPr lang="en-US" altLang="ko-KR" sz="2400" dirty="0"/>
+              <a:rPr lang="ko-KR" altLang="en-US" sz="1300" dirty="0"/>
+              <a:t>버퍼가 저장 할 수 있는 것 보다 많은 데이터를 입력하지 않는다</a:t>
+            </a:r>
+            <a:r>
+              <a:rPr lang="en-US" altLang="ko-KR" sz="1300" dirty="0"/>
+              <a:t>,</a:t>
+            </a:r>
           </a:p>
           <a:p>
             <a:pPr marL="0" indent="0">
               <a:buNone/>
             </a:pPr>
             <a:r>
-              <a:rPr lang="en-US" altLang="ko-KR" sz="2400" dirty="0"/>
-              <a:t>     -</a:t>
-            </a:r>
-            <a:r>
-              <a:rPr lang="ko-KR" altLang="en-US" sz="1800" dirty="0"/>
-              <a:t>보호 </a:t>
-            </a:r>
-            <a:r>
-              <a:rPr lang="ko-KR" altLang="en-US" sz="1800" dirty="0" err="1"/>
-              <a:t>매커니즘을</a:t>
-            </a:r>
-            <a:r>
-              <a:rPr lang="ko-KR" altLang="en-US" sz="1800" dirty="0"/>
-              <a:t> 우회할 수 있는 </a:t>
-            </a:r>
-            <a:r>
-              <a:rPr lang="ko-KR" altLang="en-US" sz="1800" dirty="0" err="1"/>
-              <a:t>입력값</a:t>
-            </a:r>
-            <a:r>
-              <a:rPr lang="ko-KR" altLang="en-US" sz="1800" dirty="0"/>
-              <a:t> 변조</a:t>
-            </a:r>
-            <a:r>
-              <a:rPr lang="en-US" altLang="ko-KR" sz="1800" dirty="0"/>
-              <a:t>(</a:t>
-            </a:r>
-            <a:r>
-              <a:rPr lang="ko-KR" altLang="en-US" sz="1800" dirty="0"/>
-              <a:t>쿠키</a:t>
-            </a:r>
-            <a:r>
-              <a:rPr lang="en-US" altLang="ko-KR" sz="1800" dirty="0"/>
-              <a:t>, </a:t>
-            </a:r>
-            <a:r>
-              <a:rPr lang="ko-KR" altLang="en-US" sz="1800" dirty="0" err="1"/>
-              <a:t>환경변수등의</a:t>
-            </a:r>
-            <a:r>
-              <a:rPr lang="ko-KR" altLang="en-US" sz="1800" dirty="0"/>
+              <a:rPr lang="en-US" altLang="ko-KR" sz="1300" dirty="0"/>
+              <a:t>             </a:t>
+            </a:r>
+            <a:r>
+              <a:rPr lang="ko-KR" altLang="en-US" sz="1300" dirty="0">
+                <a:sym typeface="Wingdings" panose="05000000000000000000" pitchFamily="2" charset="2"/>
+              </a:rPr>
+              <a:t>② </a:t>
+            </a:r>
+            <a:r>
+              <a:rPr lang="ko-KR" altLang="en-US" sz="1300" dirty="0"/>
+              <a:t>적절한 메모리 계산으로 로직 에러를 예방한다</a:t>
+            </a:r>
+            <a:r>
+              <a:rPr lang="en-US" altLang="ko-KR" sz="1300" dirty="0"/>
+              <a:t>,</a:t>
+            </a:r>
+          </a:p>
+          <a:p>
+            <a:pPr marL="0" indent="0">
+              <a:buNone/>
+            </a:pPr>
+            <a:r>
+              <a:rPr lang="en-US" altLang="ko-KR" sz="1300" dirty="0"/>
+              <a:t>             ③ </a:t>
+            </a:r>
+            <a:r>
+              <a:rPr lang="ko-KR" altLang="en-US" sz="1300" dirty="0"/>
+              <a:t>버퍼 경계 밖 메모리영역을 참조하지 않는다</a:t>
+            </a:r>
+            <a:endParaRPr lang="en-US" altLang="ko-KR" sz="1300" dirty="0"/>
+          </a:p>
+          <a:p>
+            <a:pPr marL="0" indent="0">
+              <a:buNone/>
+            </a:pPr>
+            <a:r>
+              <a:rPr lang="en-US" altLang="ko-KR" sz="1300" dirty="0"/>
+              <a:t>             ④ </a:t>
+            </a:r>
+            <a:r>
+              <a:rPr lang="en-US" altLang="ko-KR" sz="1300" dirty="0" err="1"/>
+              <a:t>strcpy</a:t>
+            </a:r>
+            <a:r>
+              <a:rPr lang="en-US" altLang="ko-KR" sz="1300" dirty="0"/>
+              <a:t>( )</a:t>
+            </a:r>
+            <a:r>
+              <a:rPr lang="ko-KR" altLang="en-US" sz="1300" dirty="0"/>
+              <a:t> 등</a:t>
+            </a:r>
+            <a:r>
+              <a:rPr lang="en-US" altLang="ko-KR" sz="1300" dirty="0"/>
               <a:t> </a:t>
             </a:r>
             <a:r>
-              <a:rPr lang="ko-KR" altLang="en-US" sz="1800" dirty="0" err="1"/>
-              <a:t>입력값</a:t>
-            </a:r>
-            <a:r>
-              <a:rPr lang="ko-KR" altLang="en-US" sz="1800" dirty="0"/>
-              <a:t> 변조</a:t>
-            </a:r>
-            <a:r>
-              <a:rPr lang="en-US" altLang="ko-KR" sz="1800" dirty="0"/>
-              <a:t>), </a:t>
-            </a:r>
-            <a:r>
-              <a:rPr lang="ko-KR" altLang="en-US" sz="1800" dirty="0"/>
-              <a:t>디렉터리 경로 조작</a:t>
-            </a:r>
-            <a:endParaRPr lang="en-US" altLang="ko-KR" sz="1800" dirty="0"/>
-          </a:p>
-          <a:p>
-            <a:pPr marL="0" indent="0">
-              <a:buNone/>
-            </a:pPr>
-            <a:endParaRPr lang="en-US" altLang="ko-KR" sz="1800" dirty="0"/>
-          </a:p>
-          <a:p>
-            <a:r>
-              <a:rPr lang="ko-KR" altLang="en-US" sz="2400" dirty="0" err="1"/>
-              <a:t>입력받은</a:t>
-            </a:r>
-            <a:r>
-              <a:rPr lang="ko-KR" altLang="en-US" sz="2400" dirty="0"/>
-              <a:t> 데이터의 </a:t>
-            </a:r>
-            <a:r>
-              <a:rPr lang="ko-KR" altLang="en-US" sz="2400" b="1" dirty="0"/>
-              <a:t>데이터 타입</a:t>
-            </a:r>
-            <a:r>
-              <a:rPr lang="ko-KR" altLang="en-US" sz="2400" dirty="0"/>
-              <a:t>이 잘못 할당된 경우</a:t>
-            </a:r>
-            <a:endParaRPr lang="en-US" altLang="ko-KR" sz="2400" dirty="0"/>
-          </a:p>
-          <a:p>
-            <a:pPr marL="0" indent="0">
-              <a:buNone/>
-            </a:pPr>
-            <a:r>
-              <a:rPr lang="en-US" altLang="ko-KR" sz="1800" dirty="0"/>
-              <a:t>     -</a:t>
-            </a:r>
-            <a:r>
-              <a:rPr lang="ko-KR" altLang="en-US" sz="1800" dirty="0"/>
-              <a:t>정수 </a:t>
-            </a:r>
-            <a:r>
-              <a:rPr lang="ko-KR" altLang="en-US" sz="1800" dirty="0" err="1"/>
-              <a:t>오버플로우</a:t>
-            </a:r>
-            <a:r>
-              <a:rPr lang="en-US" altLang="ko-KR" sz="1800" dirty="0"/>
-              <a:t>, (un)signed(</a:t>
-            </a:r>
-            <a:r>
-              <a:rPr lang="ko-KR" altLang="en-US" sz="1800" dirty="0" err="1"/>
-              <a:t>부호없음</a:t>
-            </a:r>
-            <a:r>
-              <a:rPr lang="en-US" altLang="ko-KR" sz="1800" dirty="0"/>
-              <a:t>/</a:t>
-            </a:r>
-            <a:r>
-              <a:rPr lang="ko-KR" altLang="en-US" sz="1800" dirty="0"/>
-              <a:t>있음</a:t>
-            </a:r>
-            <a:r>
-              <a:rPr lang="en-US" altLang="ko-KR" sz="1800" dirty="0"/>
-              <a:t>)</a:t>
-            </a:r>
-            <a:r>
-              <a:rPr lang="ko-KR" altLang="en-US" sz="1800" dirty="0"/>
-              <a:t>타입변환 오류</a:t>
-            </a:r>
-            <a:r>
-              <a:rPr lang="en-US" altLang="ko-KR" sz="1800" dirty="0"/>
-              <a:t>, </a:t>
-            </a:r>
-            <a:r>
-              <a:rPr lang="ko-KR" altLang="en-US" sz="1800" dirty="0"/>
-              <a:t>의도하지 않은 부호확장 등</a:t>
-            </a:r>
-            <a:endParaRPr lang="en-US" altLang="ko-KR" sz="1800" dirty="0"/>
-          </a:p>
-          <a:p>
-            <a:pPr marL="0" indent="0">
-              <a:buNone/>
-            </a:pPr>
-            <a:endParaRPr lang="en-US" altLang="ko-KR" sz="2400" dirty="0"/>
-          </a:p>
-          <a:p>
-            <a:r>
-              <a:rPr lang="ko-KR" altLang="en-US" sz="2400" dirty="0"/>
-              <a:t>배열</a:t>
-            </a:r>
-            <a:r>
-              <a:rPr lang="en-US" altLang="ko-KR" sz="2400" dirty="0"/>
-              <a:t>- </a:t>
-            </a:r>
-            <a:r>
-              <a:rPr lang="ko-KR" altLang="en-US" sz="2400" b="1" dirty="0"/>
-              <a:t>인덱스 지정</a:t>
-            </a:r>
-            <a:r>
-              <a:rPr lang="ko-KR" altLang="en-US" sz="2400" dirty="0"/>
-              <a:t>이 잘못 된 경우</a:t>
-            </a:r>
-            <a:endParaRPr lang="en-US" altLang="ko-KR" sz="2400" dirty="0"/>
-          </a:p>
-          <a:p>
-            <a:pPr marL="0" indent="0">
-              <a:buNone/>
-            </a:pPr>
-            <a:r>
-              <a:rPr lang="en-US" altLang="ko-KR" sz="1900" dirty="0"/>
-              <a:t>    - </a:t>
-            </a:r>
-            <a:r>
-              <a:rPr lang="ko-KR" altLang="en-US" sz="1900" dirty="0"/>
-              <a:t>널 종료 문제</a:t>
-            </a:r>
-            <a:r>
-              <a:rPr lang="en-US" altLang="ko-KR" sz="1900" dirty="0"/>
-              <a:t>, </a:t>
-            </a:r>
-            <a:r>
-              <a:rPr lang="ko-KR" altLang="en-US" sz="1900" dirty="0"/>
-              <a:t>검사되지 않은 배열 인덱싱 등</a:t>
-            </a:r>
-            <a:r>
-              <a:rPr lang="en-US" altLang="ko-KR" sz="2400" dirty="0"/>
-              <a:t> </a:t>
-            </a:r>
-            <a:endParaRPr lang="ko-KR" altLang="en-US" sz="2400" dirty="0"/>
+              <a:rPr lang="ko-KR" altLang="en-US" sz="1300" dirty="0"/>
+              <a:t>같이 버퍼 </a:t>
+            </a:r>
+            <a:r>
+              <a:rPr lang="ko-KR" altLang="en-US" sz="1300" dirty="0" err="1"/>
+              <a:t>오버플로우에</a:t>
+            </a:r>
+            <a:r>
+              <a:rPr lang="ko-KR" altLang="en-US" sz="1300" dirty="0"/>
+              <a:t> 취약한 함수를 사용하지 않는다</a:t>
+            </a:r>
           </a:p>
         </p:txBody>
       </p:sp>
@@ -4708,23 +4742,25 @@
         </p:nvSpPr>
         <p:spPr>
           <a:xfrm>
-            <a:off x="838200" y="365125"/>
+            <a:off x="752475" y="268287"/>
             <a:ext cx="10515600" cy="1325563"/>
           </a:xfrm>
         </p:spPr>
         <p:txBody>
-          <a:bodyPr/>
-          <a:lstStyle/>
-          <a:p>
-            <a:r>
-              <a:rPr lang="en-US" altLang="ko-KR" b="1" dirty="0"/>
+          <a:bodyPr>
+            <a:normAutofit/>
+          </a:bodyPr>
+          <a:lstStyle/>
+          <a:p>
+            <a:r>
+              <a:rPr lang="en-US" altLang="ko-KR" sz="3800" b="1" dirty="0"/>
               <a:t>1</a:t>
             </a:r>
             <a:r>
-              <a:rPr lang="ko-KR" altLang="en-US" b="1" dirty="0"/>
+              <a:rPr lang="ko-KR" altLang="en-US" sz="3800" b="1" dirty="0"/>
               <a:t>절 입력데이터 검증 및 표현</a:t>
             </a:r>
-            <a:endParaRPr lang="ko-KR" altLang="en-US" dirty="0"/>
+            <a:endParaRPr lang="ko-KR" altLang="en-US" sz="3800" dirty="0"/>
           </a:p>
         </p:txBody>
       </p:sp>
@@ -4781,18 +4817,20 @@
           </a:xfrm>
         </p:spPr>
         <p:txBody>
-          <a:bodyPr/>
-          <a:lstStyle/>
-          <a:p>
-            <a:r>
-              <a:rPr lang="en-US" altLang="ko-KR" b="1"/>
+          <a:bodyPr>
+            <a:normAutofit/>
+          </a:bodyPr>
+          <a:lstStyle/>
+          <a:p>
+            <a:r>
+              <a:rPr lang="en-US" altLang="ko-KR" sz="3800" b="1" dirty="0"/>
               <a:t>2</a:t>
             </a:r>
             <a:r>
-              <a:rPr lang="ko-KR" altLang="en-US" b="1"/>
+              <a:rPr lang="ko-KR" altLang="en-US" sz="3800" b="1" dirty="0"/>
               <a:t>절 보안기능</a:t>
             </a:r>
-            <a:endParaRPr lang="ko-KR" altLang="en-US"/>
+            <a:endParaRPr lang="ko-KR" altLang="en-US" sz="3800" dirty="0"/>
           </a:p>
         </p:txBody>
       </p:sp>
@@ -4993,14 +5031,14 @@
               <a:buNone/>
             </a:pPr>
             <a:r>
-              <a:rPr lang="en-US" altLang="ko-KR" sz="2000"/>
+              <a:rPr lang="en-US" altLang="ko-KR" sz="2000" dirty="0"/>
               <a:t>1. </a:t>
             </a:r>
             <a:r>
-              <a:rPr lang="ko-KR" altLang="en-US" sz="2000"/>
-              <a:t>패스워드등의 중요정보를 평문으로 저장 및 전송</a:t>
-            </a:r>
-            <a:endParaRPr lang="en-US" altLang="ko-KR" sz="2000"/>
+              <a:rPr lang="ko-KR" altLang="en-US" sz="2000" dirty="0"/>
+              <a:t>패스워드 등의 중요정보를 평문으로 저장 및 전송</a:t>
+            </a:r>
+            <a:endParaRPr lang="en-US" altLang="ko-KR" sz="2000" dirty="0"/>
           </a:p>
           <a:p>
             <a:pPr marL="0" indent="0">
@@ -5008,29 +5046,29 @@
               <a:buNone/>
             </a:pPr>
             <a:r>
-              <a:rPr lang="en-US" altLang="ko-KR" sz="1200"/>
+              <a:rPr lang="en-US" altLang="ko-KR" sz="1200" dirty="0"/>
               <a:t>    </a:t>
             </a:r>
             <a:r>
-              <a:rPr lang="ko-KR" altLang="en-US" sz="1200">
+              <a:rPr lang="ko-KR" altLang="en-US" sz="1200" dirty="0">
                 <a:sym typeface="Wingdings" panose="05000000000000000000" pitchFamily="2" charset="2"/>
               </a:rPr>
               <a:t> 문제 </a:t>
             </a:r>
             <a:r>
-              <a:rPr lang="en-US" altLang="ko-KR" sz="1200">
+              <a:rPr lang="en-US" altLang="ko-KR" sz="1200" dirty="0">
                 <a:sym typeface="Wingdings" panose="05000000000000000000" pitchFamily="2" charset="2"/>
               </a:rPr>
               <a:t>: </a:t>
             </a:r>
             <a:r>
-              <a:rPr lang="ko-KR" altLang="en-US" sz="1200">
+              <a:rPr lang="ko-KR" altLang="en-US" sz="1200" dirty="0">
                 <a:sym typeface="Wingdings" panose="05000000000000000000" pitchFamily="2" charset="2"/>
               </a:rPr>
               <a:t>①환경설정 파일에 접근할 수 있는 사람 누구나 패스워드를 알아낼 수 있다</a:t>
             </a:r>
             <a:r>
-              <a:rPr lang="en-US" altLang="ko-KR" sz="1200">
+              <a:rPr lang="en-US" altLang="ko-KR" sz="1200" dirty="0">
                 <a:sym typeface="Wingdings" panose="05000000000000000000" pitchFamily="2" charset="2"/>
               </a:rPr>
               <a:t>. </a:t>
@@ -5042,42 +5080,66 @@
               <a:buNone/>
             </a:pPr>
             <a:r>
-              <a:rPr lang="en-US" altLang="ko-KR" sz="1200">
+              <a:rPr lang="en-US" altLang="ko-KR" sz="1200" dirty="0">
                 <a:sym typeface="Wingdings" panose="05000000000000000000" pitchFamily="2" charset="2"/>
               </a:rPr>
               <a:t>              </a:t>
             </a:r>
             <a:r>
-              <a:rPr lang="ko-KR" altLang="en-US" sz="1200">
-                <a:sym typeface="Wingdings" panose="05000000000000000000" pitchFamily="2" charset="2"/>
-              </a:rPr>
-              <a:t>②통신채널를 통해 정보를 송수신하는</a:t>
-            </a:r>
-            <a:r>
-              <a:rPr lang="en-US" altLang="ko-KR" sz="1200">
+              <a:rPr lang="ko-KR" altLang="en-US" sz="1200" dirty="0">
+                <a:sym typeface="Wingdings" panose="05000000000000000000" pitchFamily="2" charset="2"/>
+              </a:rPr>
+              <a:t>②</a:t>
+            </a:r>
+            <a:r>
+              <a:rPr lang="ko-KR" altLang="en-US" sz="1200" dirty="0" err="1">
+                <a:sym typeface="Wingdings" panose="05000000000000000000" pitchFamily="2" charset="2"/>
+              </a:rPr>
+              <a:t>통신채널를</a:t>
+            </a:r>
+            <a:r>
+              <a:rPr lang="ko-KR" altLang="en-US" sz="1200" dirty="0">
+                <a:sym typeface="Wingdings" panose="05000000000000000000" pitchFamily="2" charset="2"/>
+              </a:rPr>
+              <a:t> 통해 정보를 송수신하는</a:t>
+            </a:r>
+            <a:r>
+              <a:rPr lang="en-US" altLang="ko-KR" sz="1200" dirty="0">
                 <a:sym typeface="Wingdings" panose="05000000000000000000" pitchFamily="2" charset="2"/>
               </a:rPr>
               <a:t> </a:t>
             </a:r>
             <a:r>
-              <a:rPr lang="ko-KR" altLang="en-US" sz="1200">
-                <a:sym typeface="Wingdings" panose="05000000000000000000" pitchFamily="2" charset="2"/>
-              </a:rPr>
-              <a:t>경우 통신채널 스니핑을 통해 민감한 정보가 유출될 수 있다</a:t>
-            </a:r>
-            <a:r>
-              <a:rPr lang="en-US" altLang="ko-KR" sz="1200">
+              <a:rPr lang="ko-KR" altLang="en-US" sz="1200" dirty="0">
+                <a:sym typeface="Wingdings" panose="05000000000000000000" pitchFamily="2" charset="2"/>
+              </a:rPr>
+              <a:t>경우 통신채널 </a:t>
+            </a:r>
+            <a:r>
+              <a:rPr lang="ko-KR" altLang="en-US" sz="1200" dirty="0" err="1">
+                <a:sym typeface="Wingdings" panose="05000000000000000000" pitchFamily="2" charset="2"/>
+              </a:rPr>
+              <a:t>스니핑을</a:t>
+            </a:r>
+            <a:r>
+              <a:rPr lang="ko-KR" altLang="en-US" sz="1200" dirty="0">
+                <a:sym typeface="Wingdings" panose="05000000000000000000" pitchFamily="2" charset="2"/>
+              </a:rPr>
+              <a:t> 통해 민감한 정보가 유출될 수 있다</a:t>
+            </a:r>
+            <a:r>
+              <a:rPr lang="en-US" altLang="ko-KR" sz="1200" dirty="0">
                 <a:sym typeface="Wingdings" panose="05000000000000000000" pitchFamily="2" charset="2"/>
               </a:rPr>
               <a:t>.</a:t>
             </a:r>
             <a:r>
-              <a:rPr lang="ko-KR" altLang="en-US" sz="1200">
+              <a:rPr lang="ko-KR" altLang="en-US" sz="1200" dirty="0">
                 <a:sym typeface="Wingdings" panose="05000000000000000000" pitchFamily="2" charset="2"/>
               </a:rPr>
               <a:t> </a:t>
             </a:r>
-            <a:endParaRPr lang="en-US" altLang="ko-KR" sz="1200">
+            <a:endParaRPr lang="en-US" altLang="ko-KR" sz="1200" dirty="0">
               <a:sym typeface="Wingdings" panose="05000000000000000000" pitchFamily="2" charset="2"/>
             </a:endParaRPr>
           </a:p>
@@ -5087,42 +5149,54 @@
               <a:buNone/>
             </a:pPr>
             <a:r>
-              <a:rPr lang="en-US" altLang="ko-KR" sz="1200">
+              <a:rPr lang="en-US" altLang="ko-KR" sz="1200" dirty="0">
                 <a:sym typeface="Wingdings" panose="05000000000000000000" pitchFamily="2" charset="2"/>
               </a:rPr>
               <a:t>    </a:t>
             </a:r>
             <a:r>
-              <a:rPr lang="ko-KR" altLang="en-US" sz="1200">
+              <a:rPr lang="ko-KR" altLang="en-US" sz="1200" dirty="0">
                 <a:sym typeface="Wingdings" panose="05000000000000000000" pitchFamily="2" charset="2"/>
               </a:rPr>
               <a:t> 해결 방안 </a:t>
             </a:r>
             <a:r>
-              <a:rPr lang="en-US" altLang="ko-KR" sz="1200">
+              <a:rPr lang="en-US" altLang="ko-KR" sz="1200" dirty="0">
                 <a:sym typeface="Wingdings" panose="05000000000000000000" pitchFamily="2" charset="2"/>
               </a:rPr>
               <a:t>: </a:t>
             </a:r>
             <a:r>
-              <a:rPr lang="ko-KR" altLang="en-US" sz="1200">
+              <a:rPr lang="ko-KR" altLang="en-US" sz="1200" dirty="0">
                 <a:sym typeface="Wingdings" panose="05000000000000000000" pitchFamily="2" charset="2"/>
               </a:rPr>
               <a:t>중요한 정보는 암호화해서 파일로 저장하도록 설계한다</a:t>
             </a:r>
             <a:r>
-              <a:rPr lang="en-US" altLang="ko-KR" sz="1200">
+              <a:rPr lang="en-US" altLang="ko-KR" sz="1200" dirty="0">
                 <a:sym typeface="Wingdings" panose="05000000000000000000" pitchFamily="2" charset="2"/>
               </a:rPr>
               <a:t>. </a:t>
             </a:r>
             <a:r>
-              <a:rPr lang="ko-KR" altLang="en-US" sz="1200">
-                <a:sym typeface="Wingdings" panose="05000000000000000000" pitchFamily="2" charset="2"/>
-              </a:rPr>
-              <a:t>패스워드 암호화→해시 함수 알고리즘</a:t>
-            </a:r>
-            <a:endParaRPr lang="en-US" altLang="ko-KR" sz="1200">
+              <a:rPr lang="ko-KR" altLang="en-US" sz="1200" dirty="0">
+                <a:sym typeface="Wingdings" panose="05000000000000000000" pitchFamily="2" charset="2"/>
+              </a:rPr>
+              <a:t>패스워드 </a:t>
+            </a:r>
+            <a:r>
+              <a:rPr lang="ko-KR" altLang="en-US" sz="1200" dirty="0" err="1">
+                <a:sym typeface="Wingdings" panose="05000000000000000000" pitchFamily="2" charset="2"/>
+              </a:rPr>
+              <a:t>암호화→해시</a:t>
+            </a:r>
+            <a:r>
+              <a:rPr lang="ko-KR" altLang="en-US" sz="1200" dirty="0">
+                <a:sym typeface="Wingdings" panose="05000000000000000000" pitchFamily="2" charset="2"/>
+              </a:rPr>
+              <a:t> 함수 알고리즘</a:t>
+            </a:r>
+            <a:endParaRPr lang="en-US" altLang="ko-KR" sz="1200" dirty="0">
               <a:sym typeface="Wingdings" panose="05000000000000000000" pitchFamily="2" charset="2"/>
             </a:endParaRPr>
           </a:p>
@@ -5131,7 +5205,7 @@
               <a:buFont typeface="Arial" panose="020B0604020202020204" pitchFamily="34" charset="0"/>
               <a:buNone/>
             </a:pPr>
-            <a:endParaRPr lang="en-US" altLang="ko-KR" sz="1200"/>
+            <a:endParaRPr lang="en-US" altLang="ko-KR" sz="1200" dirty="0"/>
           </a:p>
           <a:p>
             <a:pPr marL="0" indent="0">
@@ -5139,14 +5213,18 @@
               <a:buNone/>
             </a:pPr>
             <a:r>
-              <a:rPr lang="en-US" altLang="ko-KR" sz="2000"/>
+              <a:rPr lang="en-US" altLang="ko-KR" sz="2000" dirty="0"/>
               <a:t>2. </a:t>
             </a:r>
             <a:r>
-              <a:rPr lang="ko-KR" altLang="en-US" sz="2000"/>
-              <a:t>주석문 안에 포함된 패스워드 등 시스템 주요정보</a:t>
-            </a:r>
-            <a:endParaRPr lang="en-US" altLang="ko-KR" sz="2000"/>
+              <a:rPr lang="ko-KR" altLang="en-US" sz="2000" dirty="0" err="1"/>
+              <a:t>주석문</a:t>
+            </a:r>
+            <a:r>
+              <a:rPr lang="ko-KR" altLang="en-US" sz="2000" dirty="0"/>
+              <a:t> 안에 포함된 패스워드 등 시스템 주요정보</a:t>
+            </a:r>
+            <a:endParaRPr lang="en-US" altLang="ko-KR" sz="2000" dirty="0"/>
           </a:p>
           <a:p>
             <a:pPr marL="0" indent="0">
@@ -5154,53 +5232,53 @@
               <a:buNone/>
             </a:pPr>
             <a:r>
-              <a:rPr lang="en-US" altLang="ko-KR" sz="1200"/>
+              <a:rPr lang="en-US" altLang="ko-KR" sz="1200" dirty="0"/>
               <a:t>   </a:t>
             </a:r>
             <a:r>
-              <a:rPr lang="ko-KR" altLang="en-US" sz="1200">
+              <a:rPr lang="ko-KR" altLang="en-US" sz="1200" dirty="0">
                 <a:sym typeface="Wingdings" panose="05000000000000000000" pitchFamily="2" charset="2"/>
               </a:rPr>
               <a:t> 문제 </a:t>
             </a:r>
             <a:r>
-              <a:rPr lang="en-US" altLang="ko-KR" sz="1200">
+              <a:rPr lang="en-US" altLang="ko-KR" sz="1200" dirty="0">
                 <a:sym typeface="Wingdings" panose="05000000000000000000" pitchFamily="2" charset="2"/>
               </a:rPr>
               <a:t>: </a:t>
             </a:r>
             <a:r>
-              <a:rPr lang="ko-KR" altLang="en-US" sz="1200">
+              <a:rPr lang="ko-KR" altLang="en-US" sz="1200" dirty="0">
                 <a:sym typeface="Wingdings" panose="05000000000000000000" pitchFamily="2" charset="2"/>
               </a:rPr>
               <a:t>공격자가 소스코드에 접근하면 시스템의 패스워드를 쉽게 확인할 수 있으며</a:t>
             </a:r>
             <a:r>
-              <a:rPr lang="en-US" altLang="ko-KR" sz="1200">
+              <a:rPr lang="en-US" altLang="ko-KR" sz="1200" dirty="0">
                 <a:sym typeface="Wingdings" panose="05000000000000000000" pitchFamily="2" charset="2"/>
               </a:rPr>
               <a:t>,</a:t>
             </a:r>
             <a:r>
-              <a:rPr lang="ko-KR" altLang="en-US" sz="1200">
+              <a:rPr lang="ko-KR" altLang="en-US" sz="1200" dirty="0">
                 <a:sym typeface="Wingdings" panose="05000000000000000000" pitchFamily="2" charset="2"/>
               </a:rPr>
               <a:t> </a:t>
             </a:r>
             <a:r>
-              <a:rPr lang="en-US" altLang="ko-KR" sz="1200">
+              <a:rPr lang="en-US" altLang="ko-KR" sz="1200" dirty="0">
                 <a:sym typeface="Wingdings" panose="05000000000000000000" pitchFamily="2" charset="2"/>
               </a:rPr>
               <a:t> SW</a:t>
             </a:r>
             <a:r>
-              <a:rPr lang="ko-KR" altLang="en-US" sz="1200">
+              <a:rPr lang="ko-KR" altLang="en-US" sz="1200" dirty="0">
                 <a:sym typeface="Wingdings" panose="05000000000000000000" pitchFamily="2" charset="2"/>
               </a:rPr>
               <a:t>가 완성된 후에 주석을 제거하는 것이 매우 어렵다</a:t>
             </a:r>
             <a:r>
-              <a:rPr lang="en-US" altLang="ko-KR" sz="1200">
+              <a:rPr lang="en-US" altLang="ko-KR" sz="1200" dirty="0">
                 <a:sym typeface="Wingdings" panose="05000000000000000000" pitchFamily="2" charset="2"/>
               </a:rPr>
               <a:t>.   </a:t>
@@ -5212,31 +5290,37 @@
               <a:buNone/>
             </a:pPr>
             <a:r>
-              <a:rPr lang="en-US" altLang="ko-KR" sz="1200">
+              <a:rPr lang="en-US" altLang="ko-KR" sz="1200" dirty="0">
                 <a:sym typeface="Wingdings" panose="05000000000000000000" pitchFamily="2" charset="2"/>
               </a:rPr>
               <a:t>   </a:t>
             </a:r>
             <a:r>
-              <a:rPr lang="ko-KR" altLang="en-US" sz="1200">
+              <a:rPr lang="ko-KR" altLang="en-US" sz="1200" dirty="0">
                 <a:sym typeface="Wingdings" panose="05000000000000000000" pitchFamily="2" charset="2"/>
               </a:rPr>
               <a:t> 해결 방안 </a:t>
             </a:r>
             <a:r>
-              <a:rPr lang="en-US" altLang="ko-KR" sz="1200">
+              <a:rPr lang="en-US" altLang="ko-KR" sz="1200" dirty="0">
                 <a:sym typeface="Wingdings" panose="05000000000000000000" pitchFamily="2" charset="2"/>
               </a:rPr>
               <a:t>: </a:t>
             </a:r>
             <a:r>
-              <a:rPr lang="ko-KR" altLang="en-US" sz="1200">
-                <a:sym typeface="Wingdings" panose="05000000000000000000" pitchFamily="2" charset="2"/>
-              </a:rPr>
-              <a:t>개발 시 주석으로 남겨놓은 주요정보는 개발이 끝난 후에 반드시 제거해야한다</a:t>
-            </a:r>
-            <a:r>
-              <a:rPr lang="en-US" altLang="ko-KR" sz="1200">
+              <a:rPr lang="ko-KR" altLang="en-US" sz="1200" dirty="0">
+                <a:sym typeface="Wingdings" panose="05000000000000000000" pitchFamily="2" charset="2"/>
+              </a:rPr>
+              <a:t>개발 시 주석으로 남겨놓은 주요정보는 개발이 끝난 후에 반드시 </a:t>
+            </a:r>
+            <a:r>
+              <a:rPr lang="ko-KR" altLang="en-US" sz="1200" dirty="0" err="1">
+                <a:sym typeface="Wingdings" panose="05000000000000000000" pitchFamily="2" charset="2"/>
+              </a:rPr>
+              <a:t>제거해야한다</a:t>
+            </a:r>
+            <a:r>
+              <a:rPr lang="en-US" altLang="ko-KR" sz="1200" dirty="0">
                 <a:sym typeface="Wingdings" panose="05000000000000000000" pitchFamily="2" charset="2"/>
               </a:rPr>
               <a:t>.</a:t>
@@ -5247,7 +5331,7 @@
               <a:buFont typeface="Arial" panose="020B0604020202020204" pitchFamily="34" charset="0"/>
               <a:buNone/>
             </a:pPr>
-            <a:endParaRPr lang="en-US" altLang="ko-KR" sz="1200"/>
+            <a:endParaRPr lang="en-US" altLang="ko-KR" sz="1200" dirty="0"/>
           </a:p>
           <a:p>
             <a:pPr marL="0" indent="0">
@@ -5255,14 +5339,18 @@
               <a:buNone/>
             </a:pPr>
             <a:r>
-              <a:rPr lang="en-US" altLang="ko-KR" sz="2000"/>
+              <a:rPr lang="en-US" altLang="ko-KR" sz="2000" dirty="0"/>
               <a:t>3. </a:t>
             </a:r>
             <a:r>
-              <a:rPr lang="ko-KR" altLang="en-US" sz="2000"/>
-              <a:t>하드코드된 사용자 계정 및 패스워드</a:t>
-            </a:r>
-            <a:endParaRPr lang="en-US" altLang="ko-KR" sz="2000"/>
+              <a:rPr lang="ko-KR" altLang="en-US" sz="2000" dirty="0" err="1"/>
+              <a:t>하드코드된</a:t>
+            </a:r>
+            <a:r>
+              <a:rPr lang="ko-KR" altLang="en-US" sz="2000" dirty="0"/>
+              <a:t> 사용자 계정 및 패스워드</a:t>
+            </a:r>
+            <a:endParaRPr lang="en-US" altLang="ko-KR" sz="2000" dirty="0"/>
           </a:p>
           <a:p>
             <a:pPr marL="0" indent="0">
@@ -5270,41 +5358,53 @@
               <a:buNone/>
             </a:pPr>
             <a:r>
-              <a:rPr lang="en-US" altLang="ko-KR" sz="1200"/>
+              <a:rPr lang="en-US" altLang="ko-KR" sz="1200" dirty="0"/>
               <a:t>   </a:t>
             </a:r>
             <a:r>
-              <a:rPr lang="ko-KR" altLang="en-US" sz="1200">
+              <a:rPr lang="ko-KR" altLang="en-US" sz="1200" dirty="0">
                 <a:sym typeface="Wingdings" panose="05000000000000000000" pitchFamily="2" charset="2"/>
               </a:rPr>
               <a:t> 문제 </a:t>
             </a:r>
             <a:r>
-              <a:rPr lang="en-US" altLang="ko-KR" sz="1200">
+              <a:rPr lang="en-US" altLang="ko-KR" sz="1200" dirty="0">
                 <a:sym typeface="Wingdings" panose="05000000000000000000" pitchFamily="2" charset="2"/>
               </a:rPr>
               <a:t>: </a:t>
             </a:r>
             <a:r>
-              <a:rPr lang="ko-KR" altLang="en-US" sz="1200">
+              <a:rPr lang="ko-KR" altLang="en-US" sz="1200" dirty="0">
                 <a:sym typeface="Wingdings" panose="05000000000000000000" pitchFamily="2" charset="2"/>
               </a:rPr>
               <a:t>공격에 쉽게 노출되고</a:t>
             </a:r>
             <a:r>
-              <a:rPr lang="en-US" altLang="ko-KR" sz="1200">
+              <a:rPr lang="en-US" altLang="ko-KR" sz="1200" dirty="0">
                 <a:sym typeface="Wingdings" panose="05000000000000000000" pitchFamily="2" charset="2"/>
               </a:rPr>
               <a:t>, </a:t>
             </a:r>
             <a:r>
-              <a:rPr lang="ko-KR" altLang="en-US" sz="1200">
-                <a:sym typeface="Wingdings" panose="05000000000000000000" pitchFamily="2" charset="2"/>
-              </a:rPr>
-              <a:t>코드 내부에 하드코드된 사용자 계정이 인증 실패를 야기하게 되면 원인을 찾아내기가 매우 힘들다</a:t>
-            </a:r>
-            <a:r>
-              <a:rPr lang="en-US" altLang="ko-KR" sz="1200">
+              <a:rPr lang="ko-KR" altLang="en-US" sz="1200" dirty="0">
+                <a:sym typeface="Wingdings" panose="05000000000000000000" pitchFamily="2" charset="2"/>
+              </a:rPr>
+              <a:t>코드 내부에 </a:t>
+            </a:r>
+            <a:r>
+              <a:rPr lang="ko-KR" altLang="en-US" sz="1200" dirty="0" err="1">
+                <a:sym typeface="Wingdings" panose="05000000000000000000" pitchFamily="2" charset="2"/>
+              </a:rPr>
+              <a:t>하드코드된</a:t>
+            </a:r>
+            <a:r>
+              <a:rPr lang="ko-KR" altLang="en-US" sz="1200" dirty="0">
+                <a:sym typeface="Wingdings" panose="05000000000000000000" pitchFamily="2" charset="2"/>
+              </a:rPr>
+              <a:t> 사용자 계정이 인증 실패를 야기하게 되면 원인을 찾아내기가 매우 힘들다</a:t>
+            </a:r>
+            <a:r>
+              <a:rPr lang="en-US" altLang="ko-KR" sz="1200" dirty="0">
                 <a:sym typeface="Wingdings" panose="05000000000000000000" pitchFamily="2" charset="2"/>
               </a:rPr>
               <a:t>.   </a:t>
@@ -5316,43 +5416,55 @@
               <a:buNone/>
             </a:pPr>
             <a:r>
-              <a:rPr lang="en-US" altLang="ko-KR" sz="1200">
+              <a:rPr lang="en-US" altLang="ko-KR" sz="1200" dirty="0">
                 <a:sym typeface="Wingdings" panose="05000000000000000000" pitchFamily="2" charset="2"/>
               </a:rPr>
               <a:t>   </a:t>
             </a:r>
             <a:r>
-              <a:rPr lang="ko-KR" altLang="en-US" sz="1200">
+              <a:rPr lang="ko-KR" altLang="en-US" sz="1200" dirty="0">
                 <a:sym typeface="Wingdings" panose="05000000000000000000" pitchFamily="2" charset="2"/>
               </a:rPr>
               <a:t> 해결 방안 </a:t>
             </a:r>
             <a:r>
-              <a:rPr lang="en-US" altLang="ko-KR" sz="1200">
+              <a:rPr lang="en-US" altLang="ko-KR" sz="1200" dirty="0">
                 <a:sym typeface="Wingdings" panose="05000000000000000000" pitchFamily="2" charset="2"/>
               </a:rPr>
               <a:t>: </a:t>
             </a:r>
             <a:r>
-              <a:rPr lang="ko-KR" altLang="en-US" sz="1200">
-                <a:sym typeface="Wingdings" panose="05000000000000000000" pitchFamily="2" charset="2"/>
-              </a:rPr>
-              <a:t>① 사용자 계정이나 패스워드를 코드 내부에 하드코드하여 사용하지 않고 검증과정을 거쳐 얻은 값을</a:t>
-            </a:r>
-            <a:r>
-              <a:rPr lang="en-US" altLang="ko-KR" sz="1200">
+              <a:rPr lang="ko-KR" altLang="en-US" sz="1200" dirty="0">
+                <a:sym typeface="Wingdings" panose="05000000000000000000" pitchFamily="2" charset="2"/>
+              </a:rPr>
+              <a:t>① 사용자 계정이나 패스워드를 코드 내부에 </a:t>
+            </a:r>
+            <a:r>
+              <a:rPr lang="ko-KR" altLang="en-US" sz="1200" dirty="0" err="1">
+                <a:sym typeface="Wingdings" panose="05000000000000000000" pitchFamily="2" charset="2"/>
+              </a:rPr>
+              <a:t>하드코드하여</a:t>
+            </a:r>
+            <a:r>
+              <a:rPr lang="ko-KR" altLang="en-US" sz="1200" dirty="0">
+                <a:sym typeface="Wingdings" panose="05000000000000000000" pitchFamily="2" charset="2"/>
+              </a:rPr>
+              <a:t> 사용하지 않고 검증과정을 거쳐 얻은 값을</a:t>
+            </a:r>
+            <a:r>
+              <a:rPr lang="en-US" altLang="ko-KR" sz="1200" dirty="0">
                 <a:sym typeface="Wingdings" panose="05000000000000000000" pitchFamily="2" charset="2"/>
               </a:rPr>
               <a:t> </a:t>
             </a:r>
             <a:r>
-              <a:rPr lang="ko-KR" altLang="en-US" sz="1200">
+              <a:rPr lang="ko-KR" altLang="en-US" sz="1200" dirty="0">
                 <a:sym typeface="Wingdings" panose="05000000000000000000" pitchFamily="2" charset="2"/>
               </a:rPr>
               <a:t>사용해야 한다</a:t>
             </a:r>
             <a:r>
-              <a:rPr lang="en-US" altLang="ko-KR" sz="1200">
+              <a:rPr lang="en-US" altLang="ko-KR" sz="1200" dirty="0">
                 <a:sym typeface="Wingdings" panose="05000000000000000000" pitchFamily="2" charset="2"/>
               </a:rPr>
               <a:t>. </a:t>
@@ -5364,18 +5476,30 @@
               <a:buNone/>
             </a:pPr>
             <a:r>
-              <a:rPr lang="en-US" altLang="ko-KR" sz="1200">
+              <a:rPr lang="en-US" altLang="ko-KR" sz="1200" dirty="0">
                 <a:sym typeface="Wingdings" panose="05000000000000000000" pitchFamily="2" charset="2"/>
               </a:rPr>
               <a:t>                    </a:t>
             </a:r>
             <a:r>
-              <a:rPr lang="ko-KR" altLang="en-US" sz="1200">
-                <a:sym typeface="Wingdings" panose="05000000000000000000" pitchFamily="2" charset="2"/>
-              </a:rPr>
-              <a:t>② 서버에서 관리자를 인증할 때 일방향 함수로 암호화되어 저장된 패스워드를 사용</a:t>
-            </a:r>
-            <a:endParaRPr lang="en-US" altLang="ko-KR" sz="1200">
+              <a:rPr lang="ko-KR" altLang="en-US" sz="1200" dirty="0">
+                <a:sym typeface="Wingdings" panose="05000000000000000000" pitchFamily="2" charset="2"/>
+              </a:rPr>
+              <a:t>② 서버에서 관리자를 인증할 때 </a:t>
+            </a:r>
+            <a:r>
+              <a:rPr lang="ko-KR" altLang="en-US" sz="1200" dirty="0" err="1">
+                <a:sym typeface="Wingdings" panose="05000000000000000000" pitchFamily="2" charset="2"/>
+              </a:rPr>
+              <a:t>일방향</a:t>
+            </a:r>
+            <a:r>
+              <a:rPr lang="ko-KR" altLang="en-US" sz="1200" dirty="0">
+                <a:sym typeface="Wingdings" panose="05000000000000000000" pitchFamily="2" charset="2"/>
+              </a:rPr>
+              <a:t> 함수로 암호화되어 저장된 패스워드를 사용</a:t>
+            </a:r>
+            <a:endParaRPr lang="en-US" altLang="ko-KR" sz="1200" dirty="0">
               <a:sym typeface="Wingdings" panose="05000000000000000000" pitchFamily="2" charset="2"/>
             </a:endParaRPr>
           </a:p>
@@ -5384,7 +5508,7 @@
               <a:buFont typeface="Arial" panose="020B0604020202020204" pitchFamily="34" charset="0"/>
               <a:buNone/>
             </a:pPr>
-            <a:endParaRPr lang="en-US" altLang="ko-KR" sz="1200"/>
+            <a:endParaRPr lang="en-US" altLang="ko-KR" sz="1200" dirty="0"/>
           </a:p>
           <a:p>
             <a:pPr marL="0" indent="0">
@@ -5392,14 +5516,14 @@
               <a:buNone/>
             </a:pPr>
             <a:r>
-              <a:rPr lang="en-US" altLang="ko-KR" sz="2000"/>
+              <a:rPr lang="en-US" altLang="ko-KR" sz="2000" dirty="0"/>
               <a:t>4. </a:t>
             </a:r>
             <a:r>
-              <a:rPr lang="ko-KR" altLang="en-US" sz="2000"/>
+              <a:rPr lang="ko-KR" altLang="en-US" sz="2000" dirty="0"/>
               <a:t>잘못된 권한부여</a:t>
             </a:r>
-            <a:endParaRPr lang="en-US" altLang="ko-KR" sz="2000"/>
+            <a:endParaRPr lang="en-US" altLang="ko-KR" sz="2000" dirty="0"/>
           </a:p>
           <a:p>
             <a:pPr marL="0" indent="0">
@@ -5407,29 +5531,29 @@
               <a:buNone/>
             </a:pPr>
             <a:r>
-              <a:rPr lang="en-US" altLang="ko-KR" sz="1200"/>
+              <a:rPr lang="en-US" altLang="ko-KR" sz="1200" dirty="0"/>
               <a:t>   </a:t>
             </a:r>
             <a:r>
-              <a:rPr lang="ko-KR" altLang="en-US" sz="1200">
+              <a:rPr lang="ko-KR" altLang="en-US" sz="1200" dirty="0">
                 <a:sym typeface="Wingdings" panose="05000000000000000000" pitchFamily="2" charset="2"/>
               </a:rPr>
               <a:t> 문제 </a:t>
             </a:r>
             <a:r>
-              <a:rPr lang="en-US" altLang="ko-KR" sz="1200">
+              <a:rPr lang="en-US" altLang="ko-KR" sz="1200" dirty="0">
                 <a:sym typeface="Wingdings" panose="05000000000000000000" pitchFamily="2" charset="2"/>
               </a:rPr>
               <a:t>: </a:t>
             </a:r>
             <a:r>
-              <a:rPr lang="ko-KR" altLang="en-US" sz="1200">
+              <a:rPr lang="ko-KR" altLang="en-US" sz="1200" dirty="0">
                 <a:sym typeface="Wingdings" panose="05000000000000000000" pitchFamily="2" charset="2"/>
               </a:rPr>
               <a:t>권한이 없는 사용자가 중요한 자원을 사용할 수 있게 된다</a:t>
             </a:r>
             <a:r>
-              <a:rPr lang="en-US" altLang="ko-KR" sz="1200">
+              <a:rPr lang="en-US" altLang="ko-KR" sz="1200" dirty="0">
                 <a:sym typeface="Wingdings" panose="05000000000000000000" pitchFamily="2" charset="2"/>
               </a:rPr>
               <a:t>.</a:t>
@@ -5441,36 +5565,36 @@
               <a:buNone/>
             </a:pPr>
             <a:r>
-              <a:rPr lang="en-US" altLang="ko-KR" sz="1200">
+              <a:rPr lang="en-US" altLang="ko-KR" sz="1200" dirty="0">
                 <a:sym typeface="Wingdings" panose="05000000000000000000" pitchFamily="2" charset="2"/>
               </a:rPr>
               <a:t>   </a:t>
             </a:r>
             <a:r>
-              <a:rPr lang="ko-KR" altLang="en-US" sz="1200">
+              <a:rPr lang="ko-KR" altLang="en-US" sz="1200" dirty="0">
                 <a:sym typeface="Wingdings" panose="05000000000000000000" pitchFamily="2" charset="2"/>
               </a:rPr>
               <a:t> 해결 방안 </a:t>
             </a:r>
             <a:r>
-              <a:rPr lang="en-US" altLang="ko-KR" sz="1200">
+              <a:rPr lang="en-US" altLang="ko-KR" sz="1200" dirty="0">
                 <a:sym typeface="Wingdings" panose="05000000000000000000" pitchFamily="2" charset="2"/>
               </a:rPr>
               <a:t>: </a:t>
             </a:r>
             <a:r>
-              <a:rPr lang="ko-KR" altLang="en-US" sz="1200">
+              <a:rPr lang="ko-KR" altLang="en-US" sz="1200" dirty="0">
                 <a:sym typeface="Wingdings" panose="05000000000000000000" pitchFamily="2" charset="2"/>
               </a:rPr>
               <a:t>각 유저의 권한을 미리 정의해두고 각 권한에 따른 작업만을 허용한다</a:t>
             </a:r>
             <a:r>
-              <a:rPr lang="en-US" altLang="ko-KR" sz="1200">
+              <a:rPr lang="en-US" altLang="ko-KR" sz="1200" dirty="0">
                 <a:sym typeface="Wingdings" panose="05000000000000000000" pitchFamily="2" charset="2"/>
               </a:rPr>
               <a:t>.</a:t>
             </a:r>
-            <a:endParaRPr lang="ko-KR" altLang="en-US" sz="1200"/>
+            <a:endParaRPr lang="ko-KR" altLang="en-US" sz="1200" dirty="0"/>
           </a:p>
         </p:txBody>
       </p:sp>

--- a/발표자료/Secure Coding 발표자료.pptx
+++ b/발표자료/Secure Coding 발표자료.pptx
@@ -131,6 +131,44 @@
     </p:ext>
   </p:extLst>
 </p:presentation>
+</file>
+
+<file path=ppt/revisionInfo.xml><?xml version="1.0" encoding="utf-8"?>
+<p1510:revInfo xmlns:a="http://schemas.openxmlformats.org/drawingml/2006/main" xmlns:r="http://schemas.openxmlformats.org/officeDocument/2006/relationships" xmlns:p1510="http://schemas.microsoft.com/office/powerpoint/2015/10/main">
+  <p1510:revLst>
+    <p1510:client id="{0FECC9CA-CC5E-4291-BB61-37B8B9ABF2D2}" v="68" dt="2022-08-11T17:09:09.857"/>
+    <p1510:client id="{E818CA95-EDBB-4311-B019-CF4EDEA4713D}" v="3" dt="2022-08-12T00:52:55.869"/>
+  </p1510:revLst>
+</p1510:revInfo>
+</file>
+
+<file path=ppt/changesInfos/changesInfo1.xml><?xml version="1.0" encoding="utf-8"?>
+<pc:chgInfo xmlns:a="http://schemas.openxmlformats.org/drawingml/2006/main" xmlns:r="http://schemas.openxmlformats.org/officeDocument/2006/relationships" xmlns:ac="http://schemas.microsoft.com/office/drawing/2013/main/command" xmlns:pc="http://schemas.microsoft.com/office/powerpoint/2013/main/command">
+  <pc:docChgLst>
+    <pc:chgData name="양 나은" userId="a5807b44723fbc74" providerId="LiveId" clId="{0FECC9CA-CC5E-4291-BB61-37B8B9ABF2D2}"/>
+    <pc:docChg chg="custSel modSld">
+      <pc:chgData name="양 나은" userId="a5807b44723fbc74" providerId="LiveId" clId="{0FECC9CA-CC5E-4291-BB61-37B8B9ABF2D2}" dt="2022-08-11T17:09:09.852" v="405"/>
+      <pc:docMkLst>
+        <pc:docMk/>
+      </pc:docMkLst>
+      <pc:sldChg chg="modSp mod">
+        <pc:chgData name="양 나은" userId="a5807b44723fbc74" providerId="LiveId" clId="{0FECC9CA-CC5E-4291-BB61-37B8B9ABF2D2}" dt="2022-08-11T17:09:09.852" v="405"/>
+        <pc:sldMkLst>
+          <pc:docMk/>
+          <pc:sldMk cId="2270072957" sldId="263"/>
+        </pc:sldMkLst>
+        <pc:spChg chg="mod">
+          <ac:chgData name="양 나은" userId="a5807b44723fbc74" providerId="LiveId" clId="{0FECC9CA-CC5E-4291-BB61-37B8B9ABF2D2}" dt="2022-08-11T17:09:09.852" v="405"/>
+          <ac:spMkLst>
+            <pc:docMk/>
+            <pc:sldMk cId="2270072957" sldId="263"/>
+            <ac:spMk id="3" creationId="{1620EEC6-6476-9C0A-A584-E34C541480BE}"/>
+          </ac:spMkLst>
+        </pc:spChg>
+      </pc:sldChg>
+    </pc:docChg>
+  </pc:docChgLst>
+</pc:chgInfo>
 </file>
 
 <file path=ppt/slideLayouts/slideLayout1.xml><?xml version="1.0" encoding="utf-8"?>
@@ -3374,10 +3412,10 @@
           <a:lstStyle/>
           <a:p>
             <a:r>
-              <a:rPr lang="en-US" altLang="ko-KR" dirty="0"/>
+              <a:rPr lang="en-US" altLang="ko-KR"/>
               <a:t>Secure Coding</a:t>
             </a:r>
-            <a:endParaRPr lang="ko-KR" altLang="en-US" dirty="0"/>
+            <a:endParaRPr lang="ko-KR" altLang="en-US"/>
           </a:p>
         </p:txBody>
       </p:sp>
@@ -3515,19 +3553,19 @@
           <a:lstStyle/>
           <a:p>
             <a:r>
-              <a:rPr lang="en-US" altLang="ko-KR"/>
+              <a:rPr lang="en-US" altLang="ko-KR" b="1"/>
               <a:t>7</a:t>
             </a:r>
             <a:r>
-              <a:rPr lang="ko-KR" altLang="en-US"/>
+              <a:rPr lang="ko-KR" altLang="en-US" b="1"/>
               <a:t>절 </a:t>
             </a:r>
             <a:r>
-              <a:rPr lang="en-US" altLang="ko-KR"/>
+              <a:rPr lang="en-US" altLang="ko-KR" b="1"/>
               <a:t>API </a:t>
             </a:r>
             <a:r>
-              <a:rPr lang="ko-KR" altLang="en-US"/>
+              <a:rPr lang="ko-KR" altLang="en-US" b="1"/>
               <a:t>오용</a:t>
             </a:r>
           </a:p>
@@ -3666,13 +3704,18 @@
             <p:ph type="title"/>
           </p:nvPr>
         </p:nvSpPr>
-        <p:spPr/>
-        <p:txBody>
-          <a:bodyPr/>
-          <a:lstStyle/>
-          <a:p>
-            <a:r>
-              <a:rPr lang="ko-KR" altLang="en-US"/>
+        <p:spPr>
+          <a:xfrm>
+            <a:off x="674077" y="48602"/>
+            <a:ext cx="10515600" cy="1325563"/>
+          </a:xfrm>
+        </p:spPr>
+        <p:txBody>
+          <a:bodyPr/>
+          <a:lstStyle/>
+          <a:p>
+            <a:r>
+              <a:rPr lang="ko-KR" altLang="en-US" b="1"/>
               <a:t>소감</a:t>
             </a:r>
           </a:p>
@@ -3724,52 +3767,135 @@
             </a:r>
             <a:r>
               <a:rPr lang="ko-KR" altLang="en-US" dirty="0"/>
-              <a:t>보안 취약점이 정말 다방면으로 있어서 안전하게 </a:t>
+              <a:t>보안 취약점이 정말 다방면으로 </a:t>
+            </a:r>
+            <a:r>
+              <a:rPr lang="ko-KR" altLang="en-US"/>
+              <a:t>있어서 안전하게 </a:t>
+            </a:r>
+            <a:endParaRPr lang="en-US" altLang="ko-KR"/>
+          </a:p>
+          <a:p>
+            <a:pPr marL="0" indent="0">
+              <a:buNone/>
+            </a:pPr>
+            <a:r>
+              <a:rPr lang="en-US" altLang="ko-KR"/>
+              <a:t>	       </a:t>
+            </a:r>
+            <a:r>
+              <a:rPr lang="ko-KR" altLang="en-US"/>
+              <a:t>코딩하는게 </a:t>
+            </a:r>
+            <a:r>
+              <a:rPr lang="ko-KR" altLang="en-US" dirty="0"/>
+              <a:t>쉽지 않을 거 같다고 </a:t>
+            </a:r>
+            <a:r>
+              <a:rPr lang="ko-KR" altLang="en-US"/>
+              <a:t>느꼈다</a:t>
+            </a:r>
+            <a:r>
+              <a:rPr lang="en-US" altLang="ko-KR"/>
+              <a:t>.</a:t>
+            </a:r>
+          </a:p>
+          <a:p>
+            <a:pPr marL="0" indent="0">
+              <a:buNone/>
+            </a:pPr>
+            <a:r>
+              <a:rPr lang="en-US" altLang="ko-KR"/>
+              <a:t>	       </a:t>
+            </a:r>
+            <a:r>
+              <a:rPr lang="ko-KR" altLang="en-US"/>
+              <a:t>초반 코딩습관이 </a:t>
+            </a:r>
+            <a:r>
+              <a:rPr lang="ko-KR" altLang="en-US" dirty="0"/>
+              <a:t>중요할거 같다</a:t>
             </a:r>
             <a:endParaRPr lang="en-US" altLang="ko-KR" dirty="0"/>
           </a:p>
           <a:p>
+            <a:endParaRPr lang="en-US" altLang="ko-KR" dirty="0"/>
+          </a:p>
+          <a:p>
+            <a:r>
+              <a:rPr lang="ko-KR" altLang="en-US" err="1"/>
+              <a:t>양나은</a:t>
+            </a:r>
+            <a:r>
+              <a:rPr lang="ko-KR" altLang="en-US"/>
+              <a:t> </a:t>
+            </a:r>
+            <a:r>
+              <a:rPr lang="en-US" altLang="ko-KR"/>
+              <a:t>: </a:t>
+            </a:r>
+            <a:r>
+              <a:rPr lang="ko-KR" altLang="en-US"/>
+              <a:t>생각하지 못한 작은 실수를 통해 공격자들이 다양한 </a:t>
+            </a:r>
+            <a:endParaRPr lang="en-US" altLang="ko-KR"/>
+          </a:p>
+          <a:p>
             <a:pPr marL="0" indent="0">
               <a:buNone/>
             </a:pPr>
             <a:r>
-              <a:rPr lang="en-US" altLang="ko-KR" dirty="0"/>
-              <a:t>	       </a:t>
-            </a:r>
+              <a:rPr lang="en-US" altLang="ko-KR"/>
+              <a:t>	     </a:t>
+            </a:r>
+            <a:r>
+              <a:rPr lang="ko-KR" altLang="en-US"/>
+              <a:t>방법으로 침투해올 수 있다는 사실을 알게 됐다</a:t>
+            </a:r>
+            <a:r>
+              <a:rPr lang="en-US" altLang="ko-KR"/>
+              <a:t>. </a:t>
+            </a:r>
+          </a:p>
+          <a:p>
+            <a:pPr marL="0" indent="0">
+              <a:buNone/>
+            </a:pPr>
+            <a:r>
+              <a:rPr lang="en-US" altLang="ko-KR"/>
+              <a:t>	     </a:t>
+            </a:r>
+            <a:r>
+              <a:rPr lang="ko-KR" altLang="en-US"/>
+              <a:t>조금 더 공부하여 안전한 프로그램을 작성할 수 있도록 </a:t>
+            </a:r>
+            <a:endParaRPr lang="en-US" altLang="ko-KR"/>
+          </a:p>
+          <a:p>
+            <a:pPr marL="0" indent="0">
+              <a:buNone/>
+            </a:pPr>
+            <a:r>
+              <a:rPr lang="en-US" altLang="ko-KR"/>
+              <a:t>	     </a:t>
+            </a:r>
+            <a:r>
+              <a:rPr lang="ko-KR" altLang="en-US"/>
+              <a:t>노력해야겠다</a:t>
+            </a:r>
+            <a:r>
+              <a:rPr lang="en-US" altLang="ko-KR"/>
+              <a:t>.</a:t>
+            </a:r>
+            <a:endParaRPr lang="en-US" altLang="ko-KR" dirty="0"/>
+          </a:p>
+          <a:p>
+            <a:endParaRPr lang="en-US" altLang="ko-KR" dirty="0"/>
+          </a:p>
+          <a:p>
             <a:r>
               <a:rPr lang="ko-KR" altLang="en-US" dirty="0"/>
-              <a:t>코딩하는게 쉽지 않을 거 같다고 느꼈다</a:t>
-            </a:r>
-            <a:r>
-              <a:rPr lang="en-US" altLang="ko-KR" dirty="0"/>
-              <a:t>.</a:t>
-            </a:r>
-          </a:p>
-          <a:p>
-            <a:pPr marL="0" indent="0">
-              <a:buNone/>
-            </a:pPr>
-            <a:r>
-              <a:rPr lang="en-US" altLang="ko-KR" dirty="0"/>
-              <a:t>	       </a:t>
-            </a:r>
-            <a:r>
-              <a:rPr lang="ko-KR" altLang="en-US" dirty="0"/>
-              <a:t>초반 코딩습관이 중요할거 같다</a:t>
-            </a:r>
-            <a:endParaRPr lang="en-US" altLang="ko-KR" dirty="0"/>
-          </a:p>
-          <a:p>
-            <a:endParaRPr lang="en-US" altLang="ko-KR" dirty="0"/>
-          </a:p>
-          <a:p>
-            <a:r>
-              <a:rPr lang="ko-KR" altLang="en-US" dirty="0" err="1"/>
-              <a:t>양나은</a:t>
-            </a:r>
-            <a:r>
-              <a:rPr lang="ko-KR" altLang="en-US" dirty="0"/>
-              <a:t> </a:t>
+              <a:t>이승현 </a:t>
             </a:r>
             <a:r>
               <a:rPr lang="en-US" altLang="ko-KR" dirty="0"/>
@@ -3777,76 +3903,6 @@
             </a:r>
             <a:r>
               <a:rPr lang="ko-KR" altLang="en-US" dirty="0"/>
-              <a:t>생각하지 못한 작은 실수를 통해 공격자들이 다양한 </a:t>
-            </a:r>
-            <a:endParaRPr lang="en-US" altLang="ko-KR" dirty="0"/>
-          </a:p>
-          <a:p>
-            <a:pPr marL="0" indent="0">
-              <a:buNone/>
-            </a:pPr>
-            <a:r>
-              <a:rPr lang="en-US" altLang="ko-KR" dirty="0"/>
-              <a:t>	     </a:t>
-            </a:r>
-            <a:r>
-              <a:rPr lang="ko-KR" altLang="en-US" dirty="0"/>
-              <a:t>방법으로 침투해올 수 있다는 사실을 알게 됐다</a:t>
-            </a:r>
-            <a:r>
-              <a:rPr lang="en-US" altLang="ko-KR" dirty="0"/>
-              <a:t>. </a:t>
-            </a:r>
-          </a:p>
-          <a:p>
-            <a:pPr marL="0" indent="0">
-              <a:buNone/>
-            </a:pPr>
-            <a:r>
-              <a:rPr lang="en-US" altLang="ko-KR" dirty="0"/>
-              <a:t>	     </a:t>
-            </a:r>
-            <a:r>
-              <a:rPr lang="ko-KR" altLang="en-US" dirty="0"/>
-              <a:t>조금 더 공부하여 안전한 프로그램을 작성할 수 있도록 </a:t>
-            </a:r>
-            <a:endParaRPr lang="en-US" altLang="ko-KR" dirty="0"/>
-          </a:p>
-          <a:p>
-            <a:pPr marL="0" indent="0">
-              <a:buNone/>
-            </a:pPr>
-            <a:r>
-              <a:rPr lang="en-US" altLang="ko-KR" dirty="0"/>
-              <a:t>	     </a:t>
-            </a:r>
-            <a:r>
-              <a:rPr lang="ko-KR" altLang="en-US" dirty="0"/>
-              <a:t>노력 </a:t>
-            </a:r>
-            <a:r>
-              <a:rPr lang="ko-KR" altLang="en-US" dirty="0" err="1"/>
-              <a:t>해야겠다</a:t>
-            </a:r>
-            <a:r>
-              <a:rPr lang="en-US" altLang="ko-KR" dirty="0"/>
-              <a:t>.</a:t>
-            </a:r>
-          </a:p>
-          <a:p>
-            <a:endParaRPr lang="en-US" altLang="ko-KR" dirty="0"/>
-          </a:p>
-          <a:p>
-            <a:r>
-              <a:rPr lang="ko-KR" altLang="en-US" dirty="0"/>
-              <a:t>이승현 </a:t>
-            </a:r>
-            <a:r>
-              <a:rPr lang="en-US" altLang="ko-KR" dirty="0"/>
-              <a:t>: </a:t>
-            </a:r>
-            <a:r>
-              <a:rPr lang="ko-KR" altLang="en-US" dirty="0"/>
               <a:t>여러 부분에서 취약점이 발생할 수 있고</a:t>
             </a:r>
             <a:r>
@@ -3854,22 +3910,30 @@
               <a:t>, </a:t>
             </a:r>
             <a:r>
+              <a:rPr lang="ko-KR" altLang="en-US"/>
+              <a:t>조금만 신경을 </a:t>
+            </a:r>
+            <a:endParaRPr lang="en-US" altLang="ko-KR"/>
+          </a:p>
+          <a:p>
+            <a:pPr marL="0" indent="0">
+              <a:buNone/>
+            </a:pPr>
+            <a:r>
+              <a:rPr lang="en-US" altLang="ko-KR"/>
+              <a:t>	      </a:t>
+            </a:r>
+            <a:r>
+              <a:rPr lang="ko-KR" altLang="en-US"/>
+              <a:t>쓴다면 </a:t>
+            </a:r>
+            <a:r>
+              <a:rPr lang="ko-KR" altLang="en-US" dirty="0" err="1"/>
+              <a:t>오류을</a:t>
+            </a:r>
+            <a:r>
               <a:rPr lang="ko-KR" altLang="en-US" dirty="0"/>
-              <a:t>조금만 신경을 </a:t>
-            </a:r>
-            <a:endParaRPr lang="en-US" altLang="ko-KR" dirty="0"/>
-          </a:p>
-          <a:p>
-            <a:pPr marL="0" indent="0">
-              <a:buNone/>
-            </a:pPr>
-            <a:r>
-              <a:rPr lang="en-US" altLang="ko-KR" dirty="0"/>
-              <a:t>	      </a:t>
-            </a:r>
-            <a:r>
-              <a:rPr lang="ko-KR" altLang="en-US" dirty="0"/>
-              <a:t>쓴다면 오류를 예방할 수 있다는 걸 느꼈다</a:t>
+              <a:t> 예방할 수 있다는 걸 느꼈다</a:t>
             </a:r>
             <a:r>
               <a:rPr lang="en-US" altLang="ko-KR" dirty="0"/>
@@ -4341,386 +4405,288 @@
         </p:nvSpPr>
         <p:spPr>
           <a:xfrm>
-            <a:off x="619125" y="1593850"/>
-            <a:ext cx="11239500" cy="5102225"/>
+            <a:off x="628650" y="1863725"/>
+            <a:ext cx="11239500" cy="4351338"/>
           </a:xfrm>
         </p:spPr>
         <p:txBody>
           <a:bodyPr>
-            <a:noAutofit/>
+            <a:normAutofit fontScale="92500" lnSpcReduction="10000"/>
           </a:bodyPr>
           <a:lstStyle/>
           <a:p>
             <a:r>
-              <a:rPr lang="ko-KR" altLang="en-US" sz="1700" dirty="0"/>
+              <a:rPr lang="ko-KR" altLang="en-US" sz="2400" dirty="0"/>
               <a:t>입력 받은 데이터 </a:t>
             </a:r>
             <a:r>
-              <a:rPr lang="ko-KR" altLang="en-US" sz="1700" b="1" dirty="0"/>
+              <a:rPr lang="ko-KR" altLang="en-US" sz="2400" b="1" dirty="0"/>
               <a:t>값</a:t>
             </a:r>
             <a:r>
-              <a:rPr lang="ko-KR" altLang="en-US" sz="1700" dirty="0"/>
+              <a:rPr lang="ko-KR" altLang="en-US" sz="2400" dirty="0"/>
               <a:t> 또는 데이터의 </a:t>
             </a:r>
             <a:r>
-              <a:rPr lang="ko-KR" altLang="en-US" sz="1700" b="1" dirty="0"/>
+              <a:rPr lang="ko-KR" altLang="en-US" sz="2400" b="1" dirty="0"/>
               <a:t>출처</a:t>
             </a:r>
             <a:r>
-              <a:rPr lang="ko-KR" altLang="en-US" sz="1700" dirty="0"/>
+              <a:rPr lang="ko-KR" altLang="en-US" sz="2400" dirty="0"/>
               <a:t> 등이 제대로 검증하지 않은 경우</a:t>
             </a:r>
-            <a:endParaRPr lang="en-US" altLang="ko-KR" sz="1700" dirty="0"/>
+            <a:endParaRPr lang="en-US" altLang="ko-KR" sz="2400" dirty="0"/>
           </a:p>
           <a:p>
             <a:pPr marL="0" indent="0">
               <a:buNone/>
             </a:pPr>
             <a:r>
-              <a:rPr lang="en-US" altLang="ko-KR" sz="1300" dirty="0"/>
-              <a:t>    ex) SQL</a:t>
-            </a:r>
-            <a:r>
-              <a:rPr lang="ko-KR" altLang="en-US" sz="1300" dirty="0"/>
+              <a:rPr lang="en-US" altLang="ko-KR" sz="2400" dirty="0"/>
+              <a:t>    </a:t>
+            </a:r>
+            <a:r>
+              <a:rPr lang="en-US" altLang="ko-KR" sz="1800" dirty="0"/>
+              <a:t>-SQL</a:t>
+            </a:r>
+            <a:r>
+              <a:rPr lang="ko-KR" altLang="en-US" sz="1800" dirty="0"/>
               <a:t>문 삽입</a:t>
             </a:r>
             <a:r>
-              <a:rPr lang="en-US" altLang="ko-KR" sz="1300" dirty="0"/>
+              <a:rPr lang="en-US" altLang="ko-KR" sz="1800" dirty="0"/>
               <a:t>,  </a:t>
             </a:r>
             <a:r>
-              <a:rPr lang="ko-KR" altLang="en-US" sz="1300" dirty="0"/>
+              <a:rPr lang="ko-KR" altLang="en-US" sz="1800" dirty="0"/>
               <a:t>자원 삽입</a:t>
             </a:r>
             <a:r>
-              <a:rPr lang="en-US" altLang="ko-KR" sz="1300" dirty="0"/>
+              <a:rPr lang="en-US" altLang="ko-KR" sz="1800" dirty="0"/>
               <a:t>,  </a:t>
             </a:r>
             <a:r>
-              <a:rPr lang="ko-KR" altLang="en-US" sz="1300" dirty="0"/>
+              <a:rPr lang="ko-KR" altLang="en-US" sz="1800" dirty="0"/>
               <a:t>운영체제 명령어 삽입 등</a:t>
             </a:r>
-            <a:endParaRPr lang="en-US" altLang="ko-KR" sz="1300" dirty="0"/>
+            <a:endParaRPr lang="en-US" altLang="ko-KR" sz="1800" dirty="0"/>
           </a:p>
           <a:p>
             <a:pPr marL="0" indent="0">
               <a:buNone/>
             </a:pPr>
-            <a:r>
-              <a:rPr lang="en-US" altLang="ko-KR" sz="1300" dirty="0"/>
-              <a:t>      </a:t>
-            </a:r>
-            <a:r>
-              <a:rPr lang="ko-KR" altLang="en-US" sz="1300" dirty="0"/>
-              <a:t>해결방안</a:t>
-            </a:r>
-            <a:r>
-              <a:rPr lang="en-US" altLang="ko-KR" sz="1300" dirty="0"/>
-              <a:t>: </a:t>
-            </a:r>
-            <a:r>
-              <a:rPr lang="ko-KR" altLang="en-US" sz="1300" dirty="0">
-                <a:sym typeface="Wingdings" panose="05000000000000000000" pitchFamily="2" charset="2"/>
-              </a:rPr>
-              <a:t>① </a:t>
-            </a:r>
-            <a:r>
-              <a:rPr lang="ko-KR" altLang="en-US" sz="1300" dirty="0"/>
-              <a:t>입력 받은 값을 필터링을 통해 처리 후 사용</a:t>
-            </a:r>
-            <a:endParaRPr lang="en-US" altLang="ko-KR" sz="1300" dirty="0"/>
+            <a:endParaRPr lang="en-US" altLang="ko-KR" sz="1800" dirty="0"/>
+          </a:p>
+          <a:p>
+            <a:r>
+              <a:rPr lang="ko-KR" altLang="en-US" sz="2400" dirty="0"/>
+              <a:t>입력 받은</a:t>
+            </a:r>
+            <a:r>
+              <a:rPr lang="en-US" altLang="ko-KR" sz="2400" dirty="0"/>
+              <a:t> </a:t>
+            </a:r>
+            <a:r>
+              <a:rPr lang="ko-KR" altLang="en-US" sz="2400" dirty="0" err="1"/>
+              <a:t>데이터값이</a:t>
+            </a:r>
+            <a:r>
+              <a:rPr lang="ko-KR" altLang="en-US" sz="2400" dirty="0"/>
+              <a:t> 조작되는 경우</a:t>
+            </a:r>
+            <a:endParaRPr lang="en-US" altLang="ko-KR" sz="2400" dirty="0"/>
           </a:p>
           <a:p>
             <a:pPr marL="0" indent="0">
               <a:buNone/>
             </a:pPr>
             <a:r>
-              <a:rPr lang="ko-KR" altLang="en-US" sz="1300" dirty="0">
-                <a:sym typeface="Wingdings" panose="05000000000000000000" pitchFamily="2" charset="2"/>
-              </a:rPr>
-              <a:t>                   ② </a:t>
-            </a:r>
-            <a:r>
-              <a:rPr lang="ko-KR" altLang="en-US" sz="1300" dirty="0"/>
-              <a:t>신뢰성 있는 내용을 리스트로 작성 혹은 사전에 정의한 후 사용</a:t>
-            </a:r>
-            <a:endParaRPr lang="en-US" altLang="ko-KR" sz="1300" dirty="0"/>
-          </a:p>
-          <a:p>
-            <a:endParaRPr lang="en-US" altLang="ko-KR" sz="1700" dirty="0"/>
-          </a:p>
-          <a:p>
-            <a:r>
-              <a:rPr lang="ko-KR" altLang="en-US" sz="1700" dirty="0"/>
-              <a:t>입력 받은</a:t>
-            </a:r>
-            <a:r>
-              <a:rPr lang="en-US" altLang="ko-KR" sz="1700" dirty="0"/>
+              <a:rPr lang="en-US" altLang="ko-KR" sz="2400" dirty="0"/>
+              <a:t>     -</a:t>
+            </a:r>
+            <a:r>
+              <a:rPr lang="ko-KR" altLang="en-US" sz="1800" dirty="0"/>
+              <a:t>보호 </a:t>
+            </a:r>
+            <a:r>
+              <a:rPr lang="ko-KR" altLang="en-US" sz="1800" dirty="0" err="1"/>
+              <a:t>매커니즘을</a:t>
+            </a:r>
+            <a:r>
+              <a:rPr lang="ko-KR" altLang="en-US" sz="1800" dirty="0"/>
+              <a:t> 우회할 수 있는 </a:t>
+            </a:r>
+            <a:r>
+              <a:rPr lang="ko-KR" altLang="en-US" sz="1800" dirty="0" err="1"/>
+              <a:t>입력값</a:t>
+            </a:r>
+            <a:r>
+              <a:rPr lang="ko-KR" altLang="en-US" sz="1800" dirty="0"/>
+              <a:t> 변조</a:t>
+            </a:r>
+            <a:r>
+              <a:rPr lang="en-US" altLang="ko-KR" sz="1800" dirty="0"/>
+              <a:t>(</a:t>
+            </a:r>
+            <a:r>
+              <a:rPr lang="ko-KR" altLang="en-US" sz="1800" dirty="0"/>
+              <a:t>쿠키</a:t>
+            </a:r>
+            <a:r>
+              <a:rPr lang="en-US" altLang="ko-KR" sz="1800" dirty="0"/>
+              <a:t>, </a:t>
+            </a:r>
+            <a:r>
+              <a:rPr lang="ko-KR" altLang="en-US" sz="1800" dirty="0" err="1"/>
+              <a:t>환경변수등의</a:t>
+            </a:r>
+            <a:r>
+              <a:rPr lang="ko-KR" altLang="en-US" sz="1800" dirty="0"/>
               <a:t> </a:t>
             </a:r>
             <a:r>
-              <a:rPr lang="ko-KR" altLang="en-US" sz="1700" dirty="0"/>
-              <a:t>데이터 값이 조작되는 경우</a:t>
-            </a:r>
-            <a:endParaRPr lang="en-US" altLang="ko-KR" sz="1700" dirty="0"/>
+              <a:rPr lang="ko-KR" altLang="en-US" sz="1800" dirty="0" err="1"/>
+              <a:t>입력값</a:t>
+            </a:r>
+            <a:r>
+              <a:rPr lang="ko-KR" altLang="en-US" sz="1800" dirty="0"/>
+              <a:t> 변조</a:t>
+            </a:r>
+            <a:r>
+              <a:rPr lang="en-US" altLang="ko-KR" sz="1800" dirty="0"/>
+              <a:t>), </a:t>
+            </a:r>
+            <a:r>
+              <a:rPr lang="ko-KR" altLang="en-US" sz="1800" dirty="0"/>
+              <a:t>디렉터리 경로 조작</a:t>
+            </a:r>
+            <a:endParaRPr lang="en-US" altLang="ko-KR" sz="1800" dirty="0"/>
           </a:p>
           <a:p>
             <a:pPr marL="0" indent="0">
               <a:buNone/>
             </a:pPr>
-            <a:r>
-              <a:rPr lang="en-US" altLang="ko-KR" sz="1300" dirty="0"/>
-              <a:t>    ex) </a:t>
-            </a:r>
-            <a:r>
-              <a:rPr lang="ko-KR" altLang="en-US" sz="1300" dirty="0"/>
-              <a:t>보호 </a:t>
-            </a:r>
-            <a:r>
-              <a:rPr lang="ko-KR" altLang="en-US" sz="1300" dirty="0" err="1"/>
-              <a:t>매커니즘을</a:t>
-            </a:r>
-            <a:r>
-              <a:rPr lang="ko-KR" altLang="en-US" sz="1300" dirty="0"/>
-              <a:t> 우회할 수 있는 입력 값 변조</a:t>
-            </a:r>
-            <a:r>
-              <a:rPr lang="en-US" altLang="ko-KR" sz="1300" dirty="0"/>
-              <a:t>(</a:t>
-            </a:r>
-            <a:r>
-              <a:rPr lang="ko-KR" altLang="en-US" sz="1300" dirty="0"/>
-              <a:t>쿠키</a:t>
-            </a:r>
-            <a:r>
-              <a:rPr lang="en-US" altLang="ko-KR" sz="1300" dirty="0"/>
+            <a:endParaRPr lang="en-US" altLang="ko-KR" sz="1800" dirty="0"/>
+          </a:p>
+          <a:p>
+            <a:r>
+              <a:rPr lang="ko-KR" altLang="en-US" sz="2400" dirty="0" err="1"/>
+              <a:t>입력받은</a:t>
+            </a:r>
+            <a:r>
+              <a:rPr lang="ko-KR" altLang="en-US" sz="2400" dirty="0"/>
+              <a:t> 데이터의 </a:t>
+            </a:r>
+            <a:r>
+              <a:rPr lang="ko-KR" altLang="en-US" sz="2400" b="1" dirty="0"/>
+              <a:t>데이터 타입</a:t>
+            </a:r>
+            <a:r>
+              <a:rPr lang="ko-KR" altLang="en-US" sz="2400" dirty="0"/>
+              <a:t>이 잘못 할당된 경우</a:t>
+            </a:r>
+            <a:endParaRPr lang="en-US" altLang="ko-KR" sz="2400" dirty="0"/>
+          </a:p>
+          <a:p>
+            <a:pPr marL="0" indent="0">
+              <a:buNone/>
+            </a:pPr>
+            <a:r>
+              <a:rPr lang="en-US" altLang="ko-KR" sz="1800" dirty="0"/>
+              <a:t>     -</a:t>
+            </a:r>
+            <a:r>
+              <a:rPr lang="ko-KR" altLang="en-US" sz="1800" dirty="0"/>
+              <a:t>정수 </a:t>
+            </a:r>
+            <a:r>
+              <a:rPr lang="ko-KR" altLang="en-US" sz="1800" dirty="0" err="1"/>
+              <a:t>오버플로우</a:t>
+            </a:r>
+            <a:r>
+              <a:rPr lang="en-US" altLang="ko-KR" sz="1800" dirty="0"/>
+              <a:t>, (un)signed(</a:t>
+            </a:r>
+            <a:r>
+              <a:rPr lang="ko-KR" altLang="en-US" sz="1800" dirty="0" err="1"/>
+              <a:t>부호없음</a:t>
+            </a:r>
+            <a:r>
+              <a:rPr lang="en-US" altLang="ko-KR" sz="1800" dirty="0"/>
+              <a:t>/</a:t>
+            </a:r>
+            <a:r>
+              <a:rPr lang="ko-KR" altLang="en-US" sz="1800" dirty="0"/>
+              <a:t>있음</a:t>
+            </a:r>
+            <a:r>
+              <a:rPr lang="en-US" altLang="ko-KR" sz="1800" dirty="0"/>
+              <a:t>)</a:t>
+            </a:r>
+            <a:r>
+              <a:rPr lang="ko-KR" altLang="en-US" sz="1800" dirty="0"/>
+              <a:t>타입변환 오류</a:t>
+            </a:r>
+            <a:r>
+              <a:rPr lang="en-US" altLang="ko-KR" sz="1800" dirty="0"/>
               <a:t>, </a:t>
             </a:r>
             <a:r>
-              <a:rPr lang="ko-KR" altLang="en-US" sz="1300" dirty="0"/>
-              <a:t>환경 변수 등의 입력 값 변조</a:t>
-            </a:r>
-            <a:r>
-              <a:rPr lang="en-US" altLang="ko-KR" sz="1300" dirty="0"/>
-              <a:t>), </a:t>
-            </a:r>
-            <a:r>
-              <a:rPr lang="ko-KR" altLang="en-US" sz="1300" dirty="0"/>
-              <a:t>디렉터리 경로 조작</a:t>
-            </a:r>
-            <a:endParaRPr lang="en-US" altLang="ko-KR" sz="1300" dirty="0"/>
+              <a:rPr lang="ko-KR" altLang="en-US" sz="1800" dirty="0"/>
+              <a:t>의도하지 않은 부호확장 등</a:t>
+            </a:r>
+            <a:endParaRPr lang="en-US" altLang="ko-KR" sz="1800" dirty="0"/>
           </a:p>
           <a:p>
             <a:pPr marL="0" indent="0">
               <a:buNone/>
             </a:pPr>
-            <a:r>
-              <a:rPr lang="ko-KR" altLang="en-US" sz="1300" dirty="0"/>
-              <a:t>     해결</a:t>
-            </a:r>
-            <a:r>
-              <a:rPr lang="en-US" altLang="ko-KR" sz="1300" dirty="0"/>
-              <a:t>: </a:t>
-            </a:r>
-            <a:r>
-              <a:rPr lang="ko-KR" altLang="en-US" sz="1300" dirty="0">
-                <a:sym typeface="Wingdings" panose="05000000000000000000" pitchFamily="2" charset="2"/>
-              </a:rPr>
-              <a:t>① </a:t>
-            </a:r>
-            <a:r>
-              <a:rPr lang="ko-KR" altLang="en-US" sz="1300" dirty="0"/>
-              <a:t>민감한 데이터나 중요데이터는 서버에 저장</a:t>
-            </a:r>
-            <a:r>
-              <a:rPr lang="en-US" altLang="ko-KR" sz="1300" dirty="0"/>
-              <a:t>,  </a:t>
-            </a:r>
+            <a:endParaRPr lang="en-US" altLang="ko-KR" sz="2400" dirty="0"/>
+          </a:p>
+          <a:p>
+            <a:r>
+              <a:rPr lang="ko-KR" altLang="en-US" sz="2400" dirty="0"/>
+              <a:t>배열</a:t>
+            </a:r>
+            <a:r>
+              <a:rPr lang="en-US" altLang="ko-KR" sz="2400" dirty="0"/>
+              <a:t>- </a:t>
+            </a:r>
+            <a:r>
+              <a:rPr lang="ko-KR" altLang="en-US" sz="2400" b="1" dirty="0"/>
+              <a:t>인덱스 지정</a:t>
+            </a:r>
+            <a:r>
+              <a:rPr lang="ko-KR" altLang="en-US" sz="2400" dirty="0"/>
+              <a:t>이 잘못 된 경우</a:t>
+            </a:r>
+            <a:endParaRPr lang="en-US" altLang="ko-KR" sz="2400" dirty="0"/>
           </a:p>
           <a:p>
             <a:pPr marL="0" indent="0">
               <a:buNone/>
             </a:pPr>
             <a:r>
-              <a:rPr lang="ko-KR" altLang="en-US" sz="1300" dirty="0">
-                <a:sym typeface="Wingdings" panose="05000000000000000000" pitchFamily="2" charset="2"/>
-              </a:rPr>
-              <a:t>            ② </a:t>
-            </a:r>
-            <a:r>
-              <a:rPr lang="ko-KR" altLang="en-US" sz="1300" dirty="0"/>
-              <a:t>외부에서 입력된 값에 의존하지 않는 구조로 설계</a:t>
-            </a:r>
-            <a:endParaRPr lang="en-US" altLang="ko-KR" sz="1300" dirty="0"/>
-          </a:p>
-          <a:p>
-            <a:pPr marL="0" indent="0">
-              <a:buNone/>
-            </a:pPr>
-            <a:endParaRPr lang="en-US" altLang="ko-KR" sz="1300" dirty="0"/>
-          </a:p>
-          <a:p>
-            <a:r>
-              <a:rPr lang="ko-KR" altLang="en-US" sz="1700" dirty="0" err="1"/>
-              <a:t>오버플로우</a:t>
-            </a:r>
-            <a:r>
-              <a:rPr lang="ko-KR" altLang="en-US" sz="1700" dirty="0"/>
-              <a:t> 발생</a:t>
-            </a:r>
-            <a:endParaRPr lang="en-US" altLang="ko-KR" sz="1700" dirty="0"/>
-          </a:p>
-          <a:p>
-            <a:pPr marL="0" indent="0">
-              <a:buNone/>
-            </a:pPr>
-            <a:r>
-              <a:rPr lang="en-US" altLang="ko-KR" sz="1300" dirty="0"/>
+              <a:rPr lang="en-US" altLang="ko-KR" sz="1900" dirty="0"/>
+              <a:t>    - </a:t>
+            </a:r>
+            <a:r>
+              <a:rPr lang="ko-KR" altLang="en-US" sz="1900" dirty="0"/>
+              <a:t>널 종료 문제</a:t>
+            </a:r>
+            <a:r>
+              <a:rPr lang="en-US" altLang="ko-KR" sz="1900" dirty="0"/>
+              <a:t>, </a:t>
+            </a:r>
+            <a:r>
+              <a:rPr lang="ko-KR" altLang="en-US" sz="1900" dirty="0"/>
+              <a:t>검사되지 않은 배열 인덱싱 등</a:t>
+            </a:r>
+            <a:r>
+              <a:rPr lang="en-US" altLang="ko-KR" sz="2400" dirty="0"/>
               <a:t> </a:t>
             </a:r>
-            <a:r>
-              <a:rPr lang="ko-KR" altLang="en-US" sz="1300" dirty="0"/>
-              <a:t>    </a:t>
-            </a:r>
-            <a:r>
-              <a:rPr lang="en-US" altLang="ko-KR" sz="1300" dirty="0"/>
-              <a:t>ex) </a:t>
-            </a:r>
-            <a:r>
-              <a:rPr lang="ko-KR" altLang="en-US" sz="1300" dirty="0"/>
-              <a:t>스택에 할당된 버퍼 </a:t>
-            </a:r>
-            <a:r>
-              <a:rPr lang="ko-KR" altLang="en-US" sz="1300" dirty="0" err="1"/>
-              <a:t>오버플로우</a:t>
-            </a:r>
-            <a:r>
-              <a:rPr lang="en-US" altLang="ko-KR" sz="1300" dirty="0"/>
-              <a:t>,  </a:t>
-            </a:r>
-            <a:r>
-              <a:rPr lang="ko-KR" altLang="en-US" sz="1300" dirty="0" err="1"/>
-              <a:t>힙에</a:t>
-            </a:r>
-            <a:r>
-              <a:rPr lang="ko-KR" altLang="en-US" sz="1300" dirty="0"/>
-              <a:t> 할당된 버퍼 </a:t>
-            </a:r>
-            <a:r>
-              <a:rPr lang="ko-KR" altLang="en-US" sz="1300" dirty="0" err="1"/>
-              <a:t>오버플로우</a:t>
-            </a:r>
-            <a:endParaRPr lang="en-US" altLang="ko-KR" sz="1300" dirty="0"/>
-          </a:p>
-          <a:p>
-            <a:pPr marL="0" indent="0">
-              <a:buNone/>
-            </a:pPr>
-            <a:r>
-              <a:rPr lang="en-US" altLang="ko-KR" sz="1300" dirty="0"/>
-              <a:t>      </a:t>
-            </a:r>
-            <a:r>
-              <a:rPr lang="ko-KR" altLang="en-US" sz="1300" dirty="0"/>
-              <a:t>해결</a:t>
-            </a:r>
-            <a:r>
-              <a:rPr lang="en-US" altLang="ko-KR" sz="1300" dirty="0"/>
-              <a:t>:</a:t>
-            </a:r>
-            <a:r>
-              <a:rPr lang="ko-KR" altLang="en-US" sz="1300" dirty="0">
-                <a:sym typeface="Wingdings" panose="05000000000000000000" pitchFamily="2" charset="2"/>
-              </a:rPr>
-              <a:t> ①</a:t>
-            </a:r>
-            <a:r>
-              <a:rPr lang="en-US" altLang="ko-KR" sz="1300" dirty="0"/>
-              <a:t> </a:t>
-            </a:r>
-            <a:r>
-              <a:rPr lang="ko-KR" altLang="en-US" sz="1300" dirty="0"/>
-              <a:t>버퍼가 저장 할 수 있는 것 보다 많은 데이터를 입력하지 않는다</a:t>
-            </a:r>
-            <a:r>
-              <a:rPr lang="en-US" altLang="ko-KR" sz="1300" dirty="0"/>
-              <a:t>,</a:t>
-            </a:r>
-          </a:p>
-          <a:p>
-            <a:pPr marL="0" indent="0">
-              <a:buNone/>
-            </a:pPr>
-            <a:r>
-              <a:rPr lang="en-US" altLang="ko-KR" sz="1300" dirty="0"/>
-              <a:t>             </a:t>
-            </a:r>
-            <a:r>
-              <a:rPr lang="ko-KR" altLang="en-US" sz="1300" dirty="0">
-                <a:sym typeface="Wingdings" panose="05000000000000000000" pitchFamily="2" charset="2"/>
-              </a:rPr>
-              <a:t>② </a:t>
-            </a:r>
-            <a:r>
-              <a:rPr lang="ko-KR" altLang="en-US" sz="1300" dirty="0"/>
-              <a:t>적절한 메모리 계산으로 로직 에러를 예방한다</a:t>
-            </a:r>
-            <a:r>
-              <a:rPr lang="en-US" altLang="ko-KR" sz="1300" dirty="0"/>
-              <a:t>,</a:t>
-            </a:r>
-          </a:p>
-          <a:p>
-            <a:pPr marL="0" indent="0">
-              <a:buNone/>
-            </a:pPr>
-            <a:r>
-              <a:rPr lang="en-US" altLang="ko-KR" sz="1300" dirty="0"/>
-              <a:t>             ③ </a:t>
-            </a:r>
-            <a:r>
-              <a:rPr lang="ko-KR" altLang="en-US" sz="1300" dirty="0"/>
-              <a:t>버퍼 경계 밖 메모리영역을 참조하지 않는다</a:t>
-            </a:r>
-            <a:endParaRPr lang="en-US" altLang="ko-KR" sz="1300" dirty="0"/>
-          </a:p>
-          <a:p>
-            <a:pPr marL="0" indent="0">
-              <a:buNone/>
-            </a:pPr>
-            <a:r>
-              <a:rPr lang="en-US" altLang="ko-KR" sz="1300" dirty="0"/>
-              <a:t>             ④ </a:t>
-            </a:r>
-            <a:r>
-              <a:rPr lang="en-US" altLang="ko-KR" sz="1300" dirty="0" err="1"/>
-              <a:t>strcpy</a:t>
-            </a:r>
-            <a:r>
-              <a:rPr lang="en-US" altLang="ko-KR" sz="1300" dirty="0"/>
-              <a:t>( )</a:t>
-            </a:r>
-            <a:r>
-              <a:rPr lang="ko-KR" altLang="en-US" sz="1300" dirty="0"/>
-              <a:t> 등</a:t>
-            </a:r>
-            <a:r>
-              <a:rPr lang="en-US" altLang="ko-KR" sz="1300" dirty="0"/>
-              <a:t> </a:t>
-            </a:r>
-            <a:r>
-              <a:rPr lang="ko-KR" altLang="en-US" sz="1300" dirty="0"/>
-              <a:t>같이 버퍼 </a:t>
-            </a:r>
-            <a:r>
-              <a:rPr lang="ko-KR" altLang="en-US" sz="1300" dirty="0" err="1"/>
-              <a:t>오버플로우에</a:t>
-            </a:r>
-            <a:r>
-              <a:rPr lang="ko-KR" altLang="en-US" sz="1300" dirty="0"/>
-              <a:t> 취약한 함수를 사용하지 않는다</a:t>
-            </a:r>
+            <a:endParaRPr lang="ko-KR" altLang="en-US" sz="2400" dirty="0"/>
           </a:p>
         </p:txBody>
       </p:sp>
@@ -4742,25 +4708,23 @@
         </p:nvSpPr>
         <p:spPr>
           <a:xfrm>
-            <a:off x="752475" y="268287"/>
+            <a:off x="838200" y="365125"/>
             <a:ext cx="10515600" cy="1325563"/>
           </a:xfrm>
         </p:spPr>
         <p:txBody>
-          <a:bodyPr>
-            <a:normAutofit/>
-          </a:bodyPr>
-          <a:lstStyle/>
-          <a:p>
-            <a:r>
-              <a:rPr lang="en-US" altLang="ko-KR" sz="3800" b="1" dirty="0"/>
+          <a:bodyPr/>
+          <a:lstStyle/>
+          <a:p>
+            <a:r>
+              <a:rPr lang="en-US" altLang="ko-KR" b="1" dirty="0"/>
               <a:t>1</a:t>
             </a:r>
             <a:r>
-              <a:rPr lang="ko-KR" altLang="en-US" sz="3800" b="1" dirty="0"/>
+              <a:rPr lang="ko-KR" altLang="en-US" b="1" dirty="0"/>
               <a:t>절 입력데이터 검증 및 표현</a:t>
             </a:r>
-            <a:endParaRPr lang="ko-KR" altLang="en-US" sz="3800" dirty="0"/>
+            <a:endParaRPr lang="ko-KR" altLang="en-US" dirty="0"/>
           </a:p>
         </p:txBody>
       </p:sp>
@@ -4817,20 +4781,18 @@
           </a:xfrm>
         </p:spPr>
         <p:txBody>
-          <a:bodyPr>
-            <a:normAutofit/>
-          </a:bodyPr>
-          <a:lstStyle/>
-          <a:p>
-            <a:r>
-              <a:rPr lang="en-US" altLang="ko-KR" sz="3800" b="1" dirty="0"/>
+          <a:bodyPr/>
+          <a:lstStyle/>
+          <a:p>
+            <a:r>
+              <a:rPr lang="en-US" altLang="ko-KR" b="1"/>
               <a:t>2</a:t>
             </a:r>
             <a:r>
-              <a:rPr lang="ko-KR" altLang="en-US" sz="3800" b="1" dirty="0"/>
+              <a:rPr lang="ko-KR" altLang="en-US" b="1"/>
               <a:t>절 보안기능</a:t>
             </a:r>
-            <a:endParaRPr lang="ko-KR" altLang="en-US" sz="3800" dirty="0"/>
+            <a:endParaRPr lang="ko-KR" altLang="en-US"/>
           </a:p>
         </p:txBody>
       </p:sp>
@@ -5031,14 +4993,14 @@
               <a:buNone/>
             </a:pPr>
             <a:r>
-              <a:rPr lang="en-US" altLang="ko-KR" sz="2000" dirty="0"/>
+              <a:rPr lang="en-US" altLang="ko-KR" sz="2000"/>
               <a:t>1. </a:t>
             </a:r>
             <a:r>
-              <a:rPr lang="ko-KR" altLang="en-US" sz="2000" dirty="0"/>
-              <a:t>패스워드 등의 중요정보를 평문으로 저장 및 전송</a:t>
-            </a:r>
-            <a:endParaRPr lang="en-US" altLang="ko-KR" sz="2000" dirty="0"/>
+              <a:rPr lang="ko-KR" altLang="en-US" sz="2000"/>
+              <a:t>패스워드등의 중요정보를 평문으로 저장 및 전송</a:t>
+            </a:r>
+            <a:endParaRPr lang="en-US" altLang="ko-KR" sz="2000"/>
           </a:p>
           <a:p>
             <a:pPr marL="0" indent="0">
@@ -5046,29 +5008,29 @@
               <a:buNone/>
             </a:pPr>
             <a:r>
-              <a:rPr lang="en-US" altLang="ko-KR" sz="1200" dirty="0"/>
+              <a:rPr lang="en-US" altLang="ko-KR" sz="1200"/>
               <a:t>    </a:t>
             </a:r>
             <a:r>
-              <a:rPr lang="ko-KR" altLang="en-US" sz="1200" dirty="0">
+              <a:rPr lang="ko-KR" altLang="en-US" sz="1200">
                 <a:sym typeface="Wingdings" panose="05000000000000000000" pitchFamily="2" charset="2"/>
               </a:rPr>
               <a:t> 문제 </a:t>
             </a:r>
             <a:r>
-              <a:rPr lang="en-US" altLang="ko-KR" sz="1200" dirty="0">
+              <a:rPr lang="en-US" altLang="ko-KR" sz="1200">
                 <a:sym typeface="Wingdings" panose="05000000000000000000" pitchFamily="2" charset="2"/>
               </a:rPr>
               <a:t>: </a:t>
             </a:r>
             <a:r>
-              <a:rPr lang="ko-KR" altLang="en-US" sz="1200" dirty="0">
+              <a:rPr lang="ko-KR" altLang="en-US" sz="1200">
                 <a:sym typeface="Wingdings" panose="05000000000000000000" pitchFamily="2" charset="2"/>
               </a:rPr>
               <a:t>①환경설정 파일에 접근할 수 있는 사람 누구나 패스워드를 알아낼 수 있다</a:t>
             </a:r>
             <a:r>
-              <a:rPr lang="en-US" altLang="ko-KR" sz="1200" dirty="0">
+              <a:rPr lang="en-US" altLang="ko-KR" sz="1200">
                 <a:sym typeface="Wingdings" panose="05000000000000000000" pitchFamily="2" charset="2"/>
               </a:rPr>
               <a:t>. </a:t>
@@ -5080,66 +5042,42 @@
               <a:buNone/>
             </a:pPr>
             <a:r>
-              <a:rPr lang="en-US" altLang="ko-KR" sz="1200" dirty="0">
+              <a:rPr lang="en-US" altLang="ko-KR" sz="1200">
                 <a:sym typeface="Wingdings" panose="05000000000000000000" pitchFamily="2" charset="2"/>
               </a:rPr>
               <a:t>              </a:t>
             </a:r>
             <a:r>
-              <a:rPr lang="ko-KR" altLang="en-US" sz="1200" dirty="0">
+              <a:rPr lang="ko-KR" altLang="en-US" sz="1200">
                 <a:sym typeface="Wingdings" panose="05000000000000000000" pitchFamily="2" charset="2"/>
               </a:rPr>
-              <a:t>②</a:t>
-            </a:r>
-            <a:r>
-              <a:rPr lang="ko-KR" altLang="en-US" sz="1200" dirty="0" err="1">
-                <a:sym typeface="Wingdings" panose="05000000000000000000" pitchFamily="2" charset="2"/>
-              </a:rPr>
-              <a:t>통신채널를</a:t>
-            </a:r>
-            <a:r>
-              <a:rPr lang="ko-KR" altLang="en-US" sz="1200" dirty="0">
-                <a:sym typeface="Wingdings" panose="05000000000000000000" pitchFamily="2" charset="2"/>
-              </a:rPr>
-              <a:t> 통해 정보를 송수신하는</a:t>
-            </a:r>
-            <a:r>
-              <a:rPr lang="en-US" altLang="ko-KR" sz="1200" dirty="0">
+              <a:t>②통신채널를 통해 정보를 송수신하는</a:t>
+            </a:r>
+            <a:r>
+              <a:rPr lang="en-US" altLang="ko-KR" sz="1200">
                 <a:sym typeface="Wingdings" panose="05000000000000000000" pitchFamily="2" charset="2"/>
               </a:rPr>
               <a:t> </a:t>
             </a:r>
             <a:r>
-              <a:rPr lang="ko-KR" altLang="en-US" sz="1200" dirty="0">
+              <a:rPr lang="ko-KR" altLang="en-US" sz="1200">
                 <a:sym typeface="Wingdings" panose="05000000000000000000" pitchFamily="2" charset="2"/>
               </a:rPr>
-              <a:t>경우 통신채널 </a:t>
-            </a:r>
-            <a:r>
-              <a:rPr lang="ko-KR" altLang="en-US" sz="1200" dirty="0" err="1">
-                <a:sym typeface="Wingdings" panose="05000000000000000000" pitchFamily="2" charset="2"/>
-              </a:rPr>
-              <a:t>스니핑을</a:t>
-            </a:r>
-            <a:r>
-              <a:rPr lang="ko-KR" altLang="en-US" sz="1200" dirty="0">
-                <a:sym typeface="Wingdings" panose="05000000000000000000" pitchFamily="2" charset="2"/>
-              </a:rPr>
-              <a:t> 통해 민감한 정보가 유출될 수 있다</a:t>
-            </a:r>
-            <a:r>
-              <a:rPr lang="en-US" altLang="ko-KR" sz="1200" dirty="0">
+              <a:t>경우 통신채널 스니핑을 통해 민감한 정보가 유출될 수 있다</a:t>
+            </a:r>
+            <a:r>
+              <a:rPr lang="en-US" altLang="ko-KR" sz="1200">
                 <a:sym typeface="Wingdings" panose="05000000000000000000" pitchFamily="2" charset="2"/>
               </a:rPr>
               <a:t>.</a:t>
             </a:r>
             <a:r>
-              <a:rPr lang="ko-KR" altLang="en-US" sz="1200" dirty="0">
+              <a:rPr lang="ko-KR" altLang="en-US" sz="1200">
                 <a:sym typeface="Wingdings" panose="05000000000000000000" pitchFamily="2" charset="2"/>
               </a:rPr>
               <a:t> </a:t>
             </a:r>
-            <a:endParaRPr lang="en-US" altLang="ko-KR" sz="1200" dirty="0">
+            <a:endParaRPr lang="en-US" altLang="ko-KR" sz="1200">
               <a:sym typeface="Wingdings" panose="05000000000000000000" pitchFamily="2" charset="2"/>
             </a:endParaRPr>
           </a:p>
@@ -5149,54 +5087,42 @@
               <a:buNone/>
             </a:pPr>
             <a:r>
-              <a:rPr lang="en-US" altLang="ko-KR" sz="1200" dirty="0">
+              <a:rPr lang="en-US" altLang="ko-KR" sz="1200">
                 <a:sym typeface="Wingdings" panose="05000000000000000000" pitchFamily="2" charset="2"/>
               </a:rPr>
               <a:t>    </a:t>
             </a:r>
             <a:r>
-              <a:rPr lang="ko-KR" altLang="en-US" sz="1200" dirty="0">
+              <a:rPr lang="ko-KR" altLang="en-US" sz="1200">
                 <a:sym typeface="Wingdings" panose="05000000000000000000" pitchFamily="2" charset="2"/>
               </a:rPr>
               <a:t> 해결 방안 </a:t>
             </a:r>
             <a:r>
-              <a:rPr lang="en-US" altLang="ko-KR" sz="1200" dirty="0">
+              <a:rPr lang="en-US" altLang="ko-KR" sz="1200">
                 <a:sym typeface="Wingdings" panose="05000000000000000000" pitchFamily="2" charset="2"/>
               </a:rPr>
               <a:t>: </a:t>
             </a:r>
             <a:r>
-              <a:rPr lang="ko-KR" altLang="en-US" sz="1200" dirty="0">
+              <a:rPr lang="ko-KR" altLang="en-US" sz="1200">
                 <a:sym typeface="Wingdings" panose="05000000000000000000" pitchFamily="2" charset="2"/>
               </a:rPr>
               <a:t>중요한 정보는 암호화해서 파일로 저장하도록 설계한다</a:t>
             </a:r>
             <a:r>
-              <a:rPr lang="en-US" altLang="ko-KR" sz="1200" dirty="0">
+              <a:rPr lang="en-US" altLang="ko-KR" sz="1200">
                 <a:sym typeface="Wingdings" panose="05000000000000000000" pitchFamily="2" charset="2"/>
               </a:rPr>
               <a:t>. </a:t>
             </a:r>
             <a:r>
-              <a:rPr lang="ko-KR" altLang="en-US" sz="1200" dirty="0">
+              <a:rPr lang="ko-KR" altLang="en-US" sz="1200">
                 <a:sym typeface="Wingdings" panose="05000000000000000000" pitchFamily="2" charset="2"/>
               </a:rPr>
-              <a:t>패스워드 </a:t>
-            </a:r>
-            <a:r>
-              <a:rPr lang="ko-KR" altLang="en-US" sz="1200" dirty="0" err="1">
-                <a:sym typeface="Wingdings" panose="05000000000000000000" pitchFamily="2" charset="2"/>
-              </a:rPr>
-              <a:t>암호화→해시</a:t>
-            </a:r>
-            <a:r>
-              <a:rPr lang="ko-KR" altLang="en-US" sz="1200" dirty="0">
-                <a:sym typeface="Wingdings" panose="05000000000000000000" pitchFamily="2" charset="2"/>
-              </a:rPr>
-              <a:t> 함수 알고리즘</a:t>
-            </a:r>
-            <a:endParaRPr lang="en-US" altLang="ko-KR" sz="1200" dirty="0">
+              <a:t>패스워드 암호화→해시 함수 알고리즘</a:t>
+            </a:r>
+            <a:endParaRPr lang="en-US" altLang="ko-KR" sz="1200">
               <a:sym typeface="Wingdings" panose="05000000000000000000" pitchFamily="2" charset="2"/>
             </a:endParaRPr>
           </a:p>
@@ -5205,7 +5131,7 @@
               <a:buFont typeface="Arial" panose="020B0604020202020204" pitchFamily="34" charset="0"/>
               <a:buNone/>
             </a:pPr>
-            <a:endParaRPr lang="en-US" altLang="ko-KR" sz="1200" dirty="0"/>
+            <a:endParaRPr lang="en-US" altLang="ko-KR" sz="1200"/>
           </a:p>
           <a:p>
             <a:pPr marL="0" indent="0">
@@ -5213,18 +5139,14 @@
               <a:buNone/>
             </a:pPr>
             <a:r>
-              <a:rPr lang="en-US" altLang="ko-KR" sz="2000" dirty="0"/>
+              <a:rPr lang="en-US" altLang="ko-KR" sz="2000"/>
               <a:t>2. </a:t>
             </a:r>
             <a:r>
-              <a:rPr lang="ko-KR" altLang="en-US" sz="2000" dirty="0" err="1"/>
-              <a:t>주석문</a:t>
-            </a:r>
-            <a:r>
-              <a:rPr lang="ko-KR" altLang="en-US" sz="2000" dirty="0"/>
-              <a:t> 안에 포함된 패스워드 등 시스템 주요정보</a:t>
-            </a:r>
-            <a:endParaRPr lang="en-US" altLang="ko-KR" sz="2000" dirty="0"/>
+              <a:rPr lang="ko-KR" altLang="en-US" sz="2000"/>
+              <a:t>주석문 안에 포함된 패스워드 등 시스템 주요정보</a:t>
+            </a:r>
+            <a:endParaRPr lang="en-US" altLang="ko-KR" sz="2000"/>
           </a:p>
           <a:p>
             <a:pPr marL="0" indent="0">
@@ -5232,53 +5154,53 @@
               <a:buNone/>
             </a:pPr>
             <a:r>
-              <a:rPr lang="en-US" altLang="ko-KR" sz="1200" dirty="0"/>
+              <a:rPr lang="en-US" altLang="ko-KR" sz="1200"/>
               <a:t>   </a:t>
             </a:r>
             <a:r>
-              <a:rPr lang="ko-KR" altLang="en-US" sz="1200" dirty="0">
+              <a:rPr lang="ko-KR" altLang="en-US" sz="1200">
                 <a:sym typeface="Wingdings" panose="05000000000000000000" pitchFamily="2" charset="2"/>
               </a:rPr>
               <a:t> 문제 </a:t>
             </a:r>
             <a:r>
-              <a:rPr lang="en-US" altLang="ko-KR" sz="1200" dirty="0">
+              <a:rPr lang="en-US" altLang="ko-KR" sz="1200">
                 <a:sym typeface="Wingdings" panose="05000000000000000000" pitchFamily="2" charset="2"/>
               </a:rPr>
               <a:t>: </a:t>
             </a:r>
             <a:r>
-              <a:rPr lang="ko-KR" altLang="en-US" sz="1200" dirty="0">
+              <a:rPr lang="ko-KR" altLang="en-US" sz="1200">
                 <a:sym typeface="Wingdings" panose="05000000000000000000" pitchFamily="2" charset="2"/>
               </a:rPr>
               <a:t>공격자가 소스코드에 접근하면 시스템의 패스워드를 쉽게 확인할 수 있으며</a:t>
             </a:r>
             <a:r>
-              <a:rPr lang="en-US" altLang="ko-KR" sz="1200" dirty="0">
+              <a:rPr lang="en-US" altLang="ko-KR" sz="1200">
                 <a:sym typeface="Wingdings" panose="05000000000000000000" pitchFamily="2" charset="2"/>
               </a:rPr>
               <a:t>,</a:t>
             </a:r>
             <a:r>
-              <a:rPr lang="ko-KR" altLang="en-US" sz="1200" dirty="0">
+              <a:rPr lang="ko-KR" altLang="en-US" sz="1200">
                 <a:sym typeface="Wingdings" panose="05000000000000000000" pitchFamily="2" charset="2"/>
               </a:rPr>
               <a:t> </a:t>
             </a:r>
             <a:r>
-              <a:rPr lang="en-US" altLang="ko-KR" sz="1200" dirty="0">
+              <a:rPr lang="en-US" altLang="ko-KR" sz="1200">
                 <a:sym typeface="Wingdings" panose="05000000000000000000" pitchFamily="2" charset="2"/>
               </a:rPr>
               <a:t> SW</a:t>
             </a:r>
             <a:r>
-              <a:rPr lang="ko-KR" altLang="en-US" sz="1200" dirty="0">
+              <a:rPr lang="ko-KR" altLang="en-US" sz="1200">
                 <a:sym typeface="Wingdings" panose="05000000000000000000" pitchFamily="2" charset="2"/>
               </a:rPr>
               <a:t>가 완성된 후에 주석을 제거하는 것이 매우 어렵다</a:t>
             </a:r>
             <a:r>
-              <a:rPr lang="en-US" altLang="ko-KR" sz="1200" dirty="0">
+              <a:rPr lang="en-US" altLang="ko-KR" sz="1200">
                 <a:sym typeface="Wingdings" panose="05000000000000000000" pitchFamily="2" charset="2"/>
               </a:rPr>
               <a:t>.   </a:t>
@@ -5290,37 +5212,31 @@
               <a:buNone/>
             </a:pPr>
             <a:r>
-              <a:rPr lang="en-US" altLang="ko-KR" sz="1200" dirty="0">
+              <a:rPr lang="en-US" altLang="ko-KR" sz="1200">
                 <a:sym typeface="Wingdings" panose="05000000000000000000" pitchFamily="2" charset="2"/>
               </a:rPr>
               <a:t>   </a:t>
             </a:r>
             <a:r>
-              <a:rPr lang="ko-KR" altLang="en-US" sz="1200" dirty="0">
+              <a:rPr lang="ko-KR" altLang="en-US" sz="1200">
                 <a:sym typeface="Wingdings" panose="05000000000000000000" pitchFamily="2" charset="2"/>
               </a:rPr>
               <a:t> 해결 방안 </a:t>
             </a:r>
             <a:r>
-              <a:rPr lang="en-US" altLang="ko-KR" sz="1200" dirty="0">
+              <a:rPr lang="en-US" altLang="ko-KR" sz="1200">
                 <a:sym typeface="Wingdings" panose="05000000000000000000" pitchFamily="2" charset="2"/>
               </a:rPr>
               <a:t>: </a:t>
             </a:r>
             <a:r>
-              <a:rPr lang="ko-KR" altLang="en-US" sz="1200" dirty="0">
+              <a:rPr lang="ko-KR" altLang="en-US" sz="1200">
                 <a:sym typeface="Wingdings" panose="05000000000000000000" pitchFamily="2" charset="2"/>
               </a:rPr>
-              <a:t>개발 시 주석으로 남겨놓은 주요정보는 개발이 끝난 후에 반드시 </a:t>
-            </a:r>
-            <a:r>
-              <a:rPr lang="ko-KR" altLang="en-US" sz="1200" dirty="0" err="1">
-                <a:sym typeface="Wingdings" panose="05000000000000000000" pitchFamily="2" charset="2"/>
-              </a:rPr>
-              <a:t>제거해야한다</a:t>
-            </a:r>
-            <a:r>
-              <a:rPr lang="en-US" altLang="ko-KR" sz="1200" dirty="0">
+              <a:t>개발 시 주석으로 남겨놓은 주요정보는 개발이 끝난 후에 반드시 제거해야한다</a:t>
+            </a:r>
+            <a:r>
+              <a:rPr lang="en-US" altLang="ko-KR" sz="1200">
                 <a:sym typeface="Wingdings" panose="05000000000000000000" pitchFamily="2" charset="2"/>
               </a:rPr>
               <a:t>.</a:t>
@@ -5331,7 +5247,7 @@
               <a:buFont typeface="Arial" panose="020B0604020202020204" pitchFamily="34" charset="0"/>
               <a:buNone/>
             </a:pPr>
-            <a:endParaRPr lang="en-US" altLang="ko-KR" sz="1200" dirty="0"/>
+            <a:endParaRPr lang="en-US" altLang="ko-KR" sz="1200"/>
           </a:p>
           <a:p>
             <a:pPr marL="0" indent="0">
@@ -5339,18 +5255,14 @@
               <a:buNone/>
             </a:pPr>
             <a:r>
-              <a:rPr lang="en-US" altLang="ko-KR" sz="2000" dirty="0"/>
+              <a:rPr lang="en-US" altLang="ko-KR" sz="2000"/>
               <a:t>3. </a:t>
             </a:r>
             <a:r>
-              <a:rPr lang="ko-KR" altLang="en-US" sz="2000" dirty="0" err="1"/>
-              <a:t>하드코드된</a:t>
-            </a:r>
-            <a:r>
-              <a:rPr lang="ko-KR" altLang="en-US" sz="2000" dirty="0"/>
-              <a:t> 사용자 계정 및 패스워드</a:t>
-            </a:r>
-            <a:endParaRPr lang="en-US" altLang="ko-KR" sz="2000" dirty="0"/>
+              <a:rPr lang="ko-KR" altLang="en-US" sz="2000"/>
+              <a:t>하드코드된 사용자 계정 및 패스워드</a:t>
+            </a:r>
+            <a:endParaRPr lang="en-US" altLang="ko-KR" sz="2000"/>
           </a:p>
           <a:p>
             <a:pPr marL="0" indent="0">
@@ -5358,53 +5270,41 @@
               <a:buNone/>
             </a:pPr>
             <a:r>
-              <a:rPr lang="en-US" altLang="ko-KR" sz="1200" dirty="0"/>
+              <a:rPr lang="en-US" altLang="ko-KR" sz="1200"/>
               <a:t>   </a:t>
             </a:r>
             <a:r>
-              <a:rPr lang="ko-KR" altLang="en-US" sz="1200" dirty="0">
+              <a:rPr lang="ko-KR" altLang="en-US" sz="1200">
                 <a:sym typeface="Wingdings" panose="05000000000000000000" pitchFamily="2" charset="2"/>
               </a:rPr>
               <a:t> 문제 </a:t>
             </a:r>
             <a:r>
-              <a:rPr lang="en-US" altLang="ko-KR" sz="1200" dirty="0">
+              <a:rPr lang="en-US" altLang="ko-KR" sz="1200">
                 <a:sym typeface="Wingdings" panose="05000000000000000000" pitchFamily="2" charset="2"/>
               </a:rPr>
               <a:t>: </a:t>
             </a:r>
             <a:r>
-              <a:rPr lang="ko-KR" altLang="en-US" sz="1200" dirty="0">
+              <a:rPr lang="ko-KR" altLang="en-US" sz="1200">
                 <a:sym typeface="Wingdings" panose="05000000000000000000" pitchFamily="2" charset="2"/>
               </a:rPr>
               <a:t>공격에 쉽게 노출되고</a:t>
             </a:r>
             <a:r>
-              <a:rPr lang="en-US" altLang="ko-KR" sz="1200" dirty="0">
+              <a:rPr lang="en-US" altLang="ko-KR" sz="1200">
                 <a:sym typeface="Wingdings" panose="05000000000000000000" pitchFamily="2" charset="2"/>
               </a:rPr>
               <a:t>, </a:t>
             </a:r>
             <a:r>
-              <a:rPr lang="ko-KR" altLang="en-US" sz="1200" dirty="0">
+              <a:rPr lang="ko-KR" altLang="en-US" sz="1200">
                 <a:sym typeface="Wingdings" panose="05000000000000000000" pitchFamily="2" charset="2"/>
               </a:rPr>
-              <a:t>코드 내부에 </a:t>
-            </a:r>
-            <a:r>
-              <a:rPr lang="ko-KR" altLang="en-US" sz="1200" dirty="0" err="1">
-                <a:sym typeface="Wingdings" panose="05000000000000000000" pitchFamily="2" charset="2"/>
-              </a:rPr>
-              <a:t>하드코드된</a:t>
-            </a:r>
-            <a:r>
-              <a:rPr lang="ko-KR" altLang="en-US" sz="1200" dirty="0">
-                <a:sym typeface="Wingdings" panose="05000000000000000000" pitchFamily="2" charset="2"/>
-              </a:rPr>
-              <a:t> 사용자 계정이 인증 실패를 야기하게 되면 원인을 찾아내기가 매우 힘들다</a:t>
-            </a:r>
-            <a:r>
-              <a:rPr lang="en-US" altLang="ko-KR" sz="1200" dirty="0">
+              <a:t>코드 내부에 하드코드된 사용자 계정이 인증 실패를 야기하게 되면 원인을 찾아내기가 매우 힘들다</a:t>
+            </a:r>
+            <a:r>
+              <a:rPr lang="en-US" altLang="ko-KR" sz="1200">
                 <a:sym typeface="Wingdings" panose="05000000000000000000" pitchFamily="2" charset="2"/>
               </a:rPr>
               <a:t>.   </a:t>
@@ -5416,55 +5316,43 @@
               <a:buNone/>
             </a:pPr>
             <a:r>
-              <a:rPr lang="en-US" altLang="ko-KR" sz="1200" dirty="0">
+              <a:rPr lang="en-US" altLang="ko-KR" sz="1200">
                 <a:sym typeface="Wingdings" panose="05000000000000000000" pitchFamily="2" charset="2"/>
               </a:rPr>
               <a:t>   </a:t>
             </a:r>
             <a:r>
-              <a:rPr lang="ko-KR" altLang="en-US" sz="1200" dirty="0">
+              <a:rPr lang="ko-KR" altLang="en-US" sz="1200">
                 <a:sym typeface="Wingdings" panose="05000000000000000000" pitchFamily="2" charset="2"/>
               </a:rPr>
               <a:t> 해결 방안 </a:t>
             </a:r>
             <a:r>
-              <a:rPr lang="en-US" altLang="ko-KR" sz="1200" dirty="0">
+              <a:rPr lang="en-US" altLang="ko-KR" sz="1200">
                 <a:sym typeface="Wingdings" panose="05000000000000000000" pitchFamily="2" charset="2"/>
               </a:rPr>
               <a:t>: </a:t>
             </a:r>
             <a:r>
-              <a:rPr lang="ko-KR" altLang="en-US" sz="1200" dirty="0">
+              <a:rPr lang="ko-KR" altLang="en-US" sz="1200">
                 <a:sym typeface="Wingdings" panose="05000000000000000000" pitchFamily="2" charset="2"/>
               </a:rPr>
-              <a:t>① 사용자 계정이나 패스워드를 코드 내부에 </a:t>
-            </a:r>
-            <a:r>
-              <a:rPr lang="ko-KR" altLang="en-US" sz="1200" dirty="0" err="1">
-                <a:sym typeface="Wingdings" panose="05000000000000000000" pitchFamily="2" charset="2"/>
-              </a:rPr>
-              <a:t>하드코드하여</a:t>
-            </a:r>
-            <a:r>
-              <a:rPr lang="ko-KR" altLang="en-US" sz="1200" dirty="0">
-                <a:sym typeface="Wingdings" panose="05000000000000000000" pitchFamily="2" charset="2"/>
-              </a:rPr>
-              <a:t> 사용하지 않고 검증과정을 거쳐 얻은 값을</a:t>
-            </a:r>
-            <a:r>
-              <a:rPr lang="en-US" altLang="ko-KR" sz="1200" dirty="0">
+              <a:t>① 사용자 계정이나 패스워드를 코드 내부에 하드코드하여 사용하지 않고 검증과정을 거쳐 얻은 값을</a:t>
+            </a:r>
+            <a:r>
+              <a:rPr lang="en-US" altLang="ko-KR" sz="1200">
                 <a:sym typeface="Wingdings" panose="05000000000000000000" pitchFamily="2" charset="2"/>
               </a:rPr>
               <a:t> </a:t>
             </a:r>
             <a:r>
-              <a:rPr lang="ko-KR" altLang="en-US" sz="1200" dirty="0">
+              <a:rPr lang="ko-KR" altLang="en-US" sz="1200">
                 <a:sym typeface="Wingdings" panose="05000000000000000000" pitchFamily="2" charset="2"/>
               </a:rPr>
               <a:t>사용해야 한다</a:t>
             </a:r>
             <a:r>
-              <a:rPr lang="en-US" altLang="ko-KR" sz="1200" dirty="0">
+              <a:rPr lang="en-US" altLang="ko-KR" sz="1200">
                 <a:sym typeface="Wingdings" panose="05000000000000000000" pitchFamily="2" charset="2"/>
               </a:rPr>
               <a:t>. </a:t>
@@ -5476,30 +5364,18 @@
               <a:buNone/>
             </a:pPr>
             <a:r>
-              <a:rPr lang="en-US" altLang="ko-KR" sz="1200" dirty="0">
+              <a:rPr lang="en-US" altLang="ko-KR" sz="1200">
                 <a:sym typeface="Wingdings" panose="05000000000000000000" pitchFamily="2" charset="2"/>
               </a:rPr>
               <a:t>                    </a:t>
             </a:r>
             <a:r>
-              <a:rPr lang="ko-KR" altLang="en-US" sz="1200" dirty="0">
+              <a:rPr lang="ko-KR" altLang="en-US" sz="1200">
                 <a:sym typeface="Wingdings" panose="05000000000000000000" pitchFamily="2" charset="2"/>
               </a:rPr>
-              <a:t>② 서버에서 관리자를 인증할 때 </a:t>
-            </a:r>
-            <a:r>
-              <a:rPr lang="ko-KR" altLang="en-US" sz="1200" dirty="0" err="1">
-                <a:sym typeface="Wingdings" panose="05000000000000000000" pitchFamily="2" charset="2"/>
-              </a:rPr>
-              <a:t>일방향</a:t>
-            </a:r>
-            <a:r>
-              <a:rPr lang="ko-KR" altLang="en-US" sz="1200" dirty="0">
-                <a:sym typeface="Wingdings" panose="05000000000000000000" pitchFamily="2" charset="2"/>
-              </a:rPr>
-              <a:t> 함수로 암호화되어 저장된 패스워드를 사용</a:t>
-            </a:r>
-            <a:endParaRPr lang="en-US" altLang="ko-KR" sz="1200" dirty="0">
+              <a:t>② 서버에서 관리자를 인증할 때 일방향 함수로 암호화되어 저장된 패스워드를 사용</a:t>
+            </a:r>
+            <a:endParaRPr lang="en-US" altLang="ko-KR" sz="1200">
               <a:sym typeface="Wingdings" panose="05000000000000000000" pitchFamily="2" charset="2"/>
             </a:endParaRPr>
           </a:p>
@@ -5508,7 +5384,7 @@
               <a:buFont typeface="Arial" panose="020B0604020202020204" pitchFamily="34" charset="0"/>
               <a:buNone/>
             </a:pPr>
-            <a:endParaRPr lang="en-US" altLang="ko-KR" sz="1200" dirty="0"/>
+            <a:endParaRPr lang="en-US" altLang="ko-KR" sz="1200"/>
           </a:p>
           <a:p>
             <a:pPr marL="0" indent="0">
@@ -5516,14 +5392,14 @@
               <a:buNone/>
             </a:pPr>
             <a:r>
-              <a:rPr lang="en-US" altLang="ko-KR" sz="2000" dirty="0"/>
+              <a:rPr lang="en-US" altLang="ko-KR" sz="2000"/>
               <a:t>4. </a:t>
             </a:r>
             <a:r>
-              <a:rPr lang="ko-KR" altLang="en-US" sz="2000" dirty="0"/>
+              <a:rPr lang="ko-KR" altLang="en-US" sz="2000"/>
               <a:t>잘못된 권한부여</a:t>
             </a:r>
-            <a:endParaRPr lang="en-US" altLang="ko-KR" sz="2000" dirty="0"/>
+            <a:endParaRPr lang="en-US" altLang="ko-KR" sz="2000"/>
           </a:p>
           <a:p>
             <a:pPr marL="0" indent="0">
@@ -5531,29 +5407,29 @@
               <a:buNone/>
             </a:pPr>
             <a:r>
-              <a:rPr lang="en-US" altLang="ko-KR" sz="1200" dirty="0"/>
+              <a:rPr lang="en-US" altLang="ko-KR" sz="1200"/>
               <a:t>   </a:t>
             </a:r>
             <a:r>
-              <a:rPr lang="ko-KR" altLang="en-US" sz="1200" dirty="0">
+              <a:rPr lang="ko-KR" altLang="en-US" sz="1200">
                 <a:sym typeface="Wingdings" panose="05000000000000000000" pitchFamily="2" charset="2"/>
               </a:rPr>
               <a:t> 문제 </a:t>
             </a:r>
             <a:r>
-              <a:rPr lang="en-US" altLang="ko-KR" sz="1200" dirty="0">
+              <a:rPr lang="en-US" altLang="ko-KR" sz="1200">
                 <a:sym typeface="Wingdings" panose="05000000000000000000" pitchFamily="2" charset="2"/>
               </a:rPr>
               <a:t>: </a:t>
             </a:r>
             <a:r>
-              <a:rPr lang="ko-KR" altLang="en-US" sz="1200" dirty="0">
+              <a:rPr lang="ko-KR" altLang="en-US" sz="1200">
                 <a:sym typeface="Wingdings" panose="05000000000000000000" pitchFamily="2" charset="2"/>
               </a:rPr>
               <a:t>권한이 없는 사용자가 중요한 자원을 사용할 수 있게 된다</a:t>
             </a:r>
             <a:r>
-              <a:rPr lang="en-US" altLang="ko-KR" sz="1200" dirty="0">
+              <a:rPr lang="en-US" altLang="ko-KR" sz="1200">
                 <a:sym typeface="Wingdings" panose="05000000000000000000" pitchFamily="2" charset="2"/>
               </a:rPr>
               <a:t>.</a:t>
@@ -5565,36 +5441,36 @@
               <a:buNone/>
             </a:pPr>
             <a:r>
-              <a:rPr lang="en-US" altLang="ko-KR" sz="1200" dirty="0">
+              <a:rPr lang="en-US" altLang="ko-KR" sz="1200">
                 <a:sym typeface="Wingdings" panose="05000000000000000000" pitchFamily="2" charset="2"/>
               </a:rPr>
               <a:t>   </a:t>
             </a:r>
             <a:r>
-              <a:rPr lang="ko-KR" altLang="en-US" sz="1200" dirty="0">
+              <a:rPr lang="ko-KR" altLang="en-US" sz="1200">
                 <a:sym typeface="Wingdings" panose="05000000000000000000" pitchFamily="2" charset="2"/>
               </a:rPr>
               <a:t> 해결 방안 </a:t>
             </a:r>
             <a:r>
-              <a:rPr lang="en-US" altLang="ko-KR" sz="1200" dirty="0">
+              <a:rPr lang="en-US" altLang="ko-KR" sz="1200">
                 <a:sym typeface="Wingdings" panose="05000000000000000000" pitchFamily="2" charset="2"/>
               </a:rPr>
               <a:t>: </a:t>
             </a:r>
             <a:r>
-              <a:rPr lang="ko-KR" altLang="en-US" sz="1200" dirty="0">
+              <a:rPr lang="ko-KR" altLang="en-US" sz="1200">
                 <a:sym typeface="Wingdings" panose="05000000000000000000" pitchFamily="2" charset="2"/>
               </a:rPr>
               <a:t>각 유저의 권한을 미리 정의해두고 각 권한에 따른 작업만을 허용한다</a:t>
             </a:r>
             <a:r>
-              <a:rPr lang="en-US" altLang="ko-KR" sz="1200" dirty="0">
+              <a:rPr lang="en-US" altLang="ko-KR" sz="1200">
                 <a:sym typeface="Wingdings" panose="05000000000000000000" pitchFamily="2" charset="2"/>
               </a:rPr>
               <a:t>.</a:t>
             </a:r>
-            <a:endParaRPr lang="ko-KR" altLang="en-US" sz="1200" dirty="0"/>
+            <a:endParaRPr lang="ko-KR" altLang="en-US" sz="1200"/>
           </a:p>
         </p:txBody>
       </p:sp>

--- a/발표자료/Secure Coding 발표자료.pptx
+++ b/발표자료/Secure Coding 발표자료.pptx
@@ -12,10 +12,12 @@
     <p:sldId id="271" r:id="rId6"/>
     <p:sldId id="265" r:id="rId7"/>
     <p:sldId id="266" r:id="rId8"/>
-    <p:sldId id="267" r:id="rId9"/>
-    <p:sldId id="268" r:id="rId10"/>
-    <p:sldId id="269" r:id="rId11"/>
-    <p:sldId id="263" r:id="rId12"/>
+    <p:sldId id="272" r:id="rId9"/>
+    <p:sldId id="267" r:id="rId10"/>
+    <p:sldId id="268" r:id="rId11"/>
+    <p:sldId id="273" r:id="rId12"/>
+    <p:sldId id="269" r:id="rId13"/>
+    <p:sldId id="263" r:id="rId14"/>
   </p:sldIdLst>
   <p:sldSz cx="12192000" cy="6858000"/>
   <p:notesSz cx="6858000" cy="9144000"/>
@@ -318,7 +320,7 @@
           <a:p>
             <a:fld id="{81BC6B80-30EB-47B0-81C9-9CAAF1328A66}" type="datetimeFigureOut">
               <a:rPr lang="ko-KR" altLang="en-US" smtClean="0"/>
-              <a:t>2022-08-12</a:t>
+              <a:t>2022-08-16</a:t>
             </a:fld>
             <a:endParaRPr lang="ko-KR" altLang="en-US"/>
           </a:p>
@@ -516,7 +518,7 @@
           <a:p>
             <a:fld id="{81BC6B80-30EB-47B0-81C9-9CAAF1328A66}" type="datetimeFigureOut">
               <a:rPr lang="ko-KR" altLang="en-US" smtClean="0"/>
-              <a:t>2022-08-12</a:t>
+              <a:t>2022-08-16</a:t>
             </a:fld>
             <a:endParaRPr lang="ko-KR" altLang="en-US"/>
           </a:p>
@@ -724,7 +726,7 @@
           <a:p>
             <a:fld id="{81BC6B80-30EB-47B0-81C9-9CAAF1328A66}" type="datetimeFigureOut">
               <a:rPr lang="ko-KR" altLang="en-US" smtClean="0"/>
-              <a:t>2022-08-12</a:t>
+              <a:t>2022-08-16</a:t>
             </a:fld>
             <a:endParaRPr lang="ko-KR" altLang="en-US"/>
           </a:p>
@@ -922,7 +924,7 @@
           <a:p>
             <a:fld id="{81BC6B80-30EB-47B0-81C9-9CAAF1328A66}" type="datetimeFigureOut">
               <a:rPr lang="ko-KR" altLang="en-US" smtClean="0"/>
-              <a:t>2022-08-12</a:t>
+              <a:t>2022-08-16</a:t>
             </a:fld>
             <a:endParaRPr lang="ko-KR" altLang="en-US"/>
           </a:p>
@@ -1197,7 +1199,7 @@
           <a:p>
             <a:fld id="{81BC6B80-30EB-47B0-81C9-9CAAF1328A66}" type="datetimeFigureOut">
               <a:rPr lang="ko-KR" altLang="en-US" smtClean="0"/>
-              <a:t>2022-08-12</a:t>
+              <a:t>2022-08-16</a:t>
             </a:fld>
             <a:endParaRPr lang="ko-KR" altLang="en-US"/>
           </a:p>
@@ -1462,7 +1464,7 @@
           <a:p>
             <a:fld id="{81BC6B80-30EB-47B0-81C9-9CAAF1328A66}" type="datetimeFigureOut">
               <a:rPr lang="ko-KR" altLang="en-US" smtClean="0"/>
-              <a:t>2022-08-12</a:t>
+              <a:t>2022-08-16</a:t>
             </a:fld>
             <a:endParaRPr lang="ko-KR" altLang="en-US"/>
           </a:p>
@@ -1874,7 +1876,7 @@
           <a:p>
             <a:fld id="{81BC6B80-30EB-47B0-81C9-9CAAF1328A66}" type="datetimeFigureOut">
               <a:rPr lang="ko-KR" altLang="en-US" smtClean="0"/>
-              <a:t>2022-08-12</a:t>
+              <a:t>2022-08-16</a:t>
             </a:fld>
             <a:endParaRPr lang="ko-KR" altLang="en-US"/>
           </a:p>
@@ -2015,7 +2017,7 @@
           <a:p>
             <a:fld id="{81BC6B80-30EB-47B0-81C9-9CAAF1328A66}" type="datetimeFigureOut">
               <a:rPr lang="ko-KR" altLang="en-US" smtClean="0"/>
-              <a:t>2022-08-12</a:t>
+              <a:t>2022-08-16</a:t>
             </a:fld>
             <a:endParaRPr lang="ko-KR" altLang="en-US"/>
           </a:p>
@@ -2128,7 +2130,7 @@
           <a:p>
             <a:fld id="{81BC6B80-30EB-47B0-81C9-9CAAF1328A66}" type="datetimeFigureOut">
               <a:rPr lang="ko-KR" altLang="en-US" smtClean="0"/>
-              <a:t>2022-08-12</a:t>
+              <a:t>2022-08-16</a:t>
             </a:fld>
             <a:endParaRPr lang="ko-KR" altLang="en-US"/>
           </a:p>
@@ -2439,7 +2441,7 @@
           <a:p>
             <a:fld id="{81BC6B80-30EB-47B0-81C9-9CAAF1328A66}" type="datetimeFigureOut">
               <a:rPr lang="ko-KR" altLang="en-US" smtClean="0"/>
-              <a:t>2022-08-12</a:t>
+              <a:t>2022-08-16</a:t>
             </a:fld>
             <a:endParaRPr lang="ko-KR" altLang="en-US"/>
           </a:p>
@@ -2727,7 +2729,7 @@
           <a:p>
             <a:fld id="{81BC6B80-30EB-47B0-81C9-9CAAF1328A66}" type="datetimeFigureOut">
               <a:rPr lang="ko-KR" altLang="en-US" smtClean="0"/>
-              <a:t>2022-08-12</a:t>
+              <a:t>2022-08-16</a:t>
             </a:fld>
             <a:endParaRPr lang="ko-KR" altLang="en-US"/>
           </a:p>
@@ -2968,7 +2970,7 @@
           <a:p>
             <a:fld id="{81BC6B80-30EB-47B0-81C9-9CAAF1328A66}" type="datetimeFigureOut">
               <a:rPr lang="ko-KR" altLang="en-US" smtClean="0"/>
-              <a:t>2022-08-12</a:t>
+              <a:t>2022-08-16</a:t>
             </a:fld>
             <a:endParaRPr lang="ko-KR" altLang="en-US"/>
           </a:p>
@@ -3536,6 +3538,203 @@
           <p:cNvPr id="2" name="제목 1">
             <a:extLst>
               <a:ext uri="{FF2B5EF4-FFF2-40B4-BE49-F238E27FC236}">
+                <a16:creationId xmlns:a16="http://schemas.microsoft.com/office/drawing/2014/main" id="{9C51D5ED-0C81-9A61-464B-CBC11AB0C77C}"/>
+              </a:ext>
+            </a:extLst>
+          </p:cNvPr>
+          <p:cNvSpPr>
+            <a:spLocks noGrp="1"/>
+          </p:cNvSpPr>
+          <p:nvPr>
+            <p:ph type="title"/>
+          </p:nvPr>
+        </p:nvSpPr>
+        <p:spPr/>
+        <p:txBody>
+          <a:bodyPr/>
+          <a:lstStyle/>
+          <a:p>
+            <a:r>
+              <a:rPr lang="en-US" altLang="ko-KR" b="1"/>
+              <a:t>6</a:t>
+            </a:r>
+            <a:r>
+              <a:rPr lang="ko-KR" altLang="en-US" b="1"/>
+              <a:t>절 캡슐화</a:t>
+            </a:r>
+          </a:p>
+        </p:txBody>
+      </p:sp>
+      <p:sp>
+        <p:nvSpPr>
+          <p:cNvPr id="3" name="내용 개체 틀 2">
+            <a:extLst>
+              <a:ext uri="{FF2B5EF4-FFF2-40B4-BE49-F238E27FC236}">
+                <a16:creationId xmlns:a16="http://schemas.microsoft.com/office/drawing/2014/main" id="{EA831A3E-7533-45B0-4190-04F49D5E6408}"/>
+              </a:ext>
+            </a:extLst>
+          </p:cNvPr>
+          <p:cNvSpPr>
+            <a:spLocks noGrp="1"/>
+          </p:cNvSpPr>
+          <p:nvPr>
+            <p:ph idx="1"/>
+          </p:nvPr>
+        </p:nvSpPr>
+        <p:spPr/>
+        <p:txBody>
+          <a:bodyPr/>
+          <a:lstStyle/>
+          <a:p>
+            <a:r>
+              <a:rPr lang="ko-KR" altLang="en-US"/>
+              <a:t>제거되지 않은 디버그 코드</a:t>
+            </a:r>
+            <a:endParaRPr lang="en-US" altLang="ko-KR"/>
+          </a:p>
+          <a:p>
+            <a:endParaRPr lang="en-US" altLang="ko-KR"/>
+          </a:p>
+          <a:p>
+            <a:endParaRPr lang="en-US" altLang="ko-KR"/>
+          </a:p>
+          <a:p>
+            <a:r>
+              <a:rPr lang="ko-KR" altLang="en-US"/>
+              <a:t>시스템 데이터 정보 노출</a:t>
+            </a:r>
+          </a:p>
+        </p:txBody>
+      </p:sp>
+      <p:sp>
+        <p:nvSpPr>
+          <p:cNvPr id="4" name="TextBox 3">
+            <a:extLst>
+              <a:ext uri="{FF2B5EF4-FFF2-40B4-BE49-F238E27FC236}">
+                <a16:creationId xmlns:a16="http://schemas.microsoft.com/office/drawing/2014/main" id="{EB0E372C-9F06-7F92-C12B-8C8532E2D980}"/>
+              </a:ext>
+            </a:extLst>
+          </p:cNvPr>
+          <p:cNvSpPr txBox="1"/>
+          <p:nvPr/>
+        </p:nvSpPr>
+        <p:spPr>
+          <a:xfrm>
+            <a:off x="1253304" y="2370236"/>
+            <a:ext cx="5147563" cy="369332"/>
+          </a:xfrm>
+          <a:prstGeom prst="rect">
+            <a:avLst/>
+          </a:prstGeom>
+          <a:noFill/>
+        </p:spPr>
+        <p:txBody>
+          <a:bodyPr wrap="none" rtlCol="0">
+            <a:spAutoFit/>
+          </a:bodyPr>
+          <a:lstStyle/>
+          <a:p>
+            <a:pPr marL="285750" indent="-285750">
+              <a:buFontTx/>
+              <a:buChar char="-"/>
+            </a:pPr>
+            <a:r>
+              <a:rPr lang="ko-KR" altLang="en-US"/>
+              <a:t>디버깅 목적으로 사용되는 </a:t>
+            </a:r>
+            <a:r>
+              <a:rPr lang="en-US" altLang="ko-KR"/>
+              <a:t>main()</a:t>
+            </a:r>
+            <a:r>
+              <a:rPr lang="ko-KR" altLang="en-US"/>
+              <a:t>의 출력함수</a:t>
+            </a:r>
+          </a:p>
+        </p:txBody>
+      </p:sp>
+      <p:sp>
+        <p:nvSpPr>
+          <p:cNvPr id="5" name="TextBox 4">
+            <a:extLst>
+              <a:ext uri="{FF2B5EF4-FFF2-40B4-BE49-F238E27FC236}">
+                <a16:creationId xmlns:a16="http://schemas.microsoft.com/office/drawing/2014/main" id="{6A53EBCE-2C04-B297-9DC0-682F6D4CEC82}"/>
+              </a:ext>
+            </a:extLst>
+          </p:cNvPr>
+          <p:cNvSpPr txBox="1"/>
+          <p:nvPr/>
+        </p:nvSpPr>
+        <p:spPr>
+          <a:xfrm>
+            <a:off x="1253304" y="3904267"/>
+            <a:ext cx="5876930" cy="369332"/>
+          </a:xfrm>
+          <a:prstGeom prst="rect">
+            <a:avLst/>
+          </a:prstGeom>
+          <a:noFill/>
+        </p:spPr>
+        <p:txBody>
+          <a:bodyPr wrap="none" rtlCol="0">
+            <a:spAutoFit/>
+          </a:bodyPr>
+          <a:lstStyle/>
+          <a:p>
+            <a:pPr marL="285750" indent="-285750">
+              <a:buFontTx/>
+              <a:buChar char="-"/>
+            </a:pPr>
+            <a:r>
+              <a:rPr lang="ko-KR" altLang="en-US"/>
+              <a:t>에러 발생 시</a:t>
+            </a:r>
+            <a:r>
+              <a:rPr lang="en-US" altLang="ko-KR"/>
+              <a:t>, </a:t>
+            </a:r>
+            <a:r>
+              <a:rPr lang="ko-KR" altLang="en-US"/>
+              <a:t> 시스템의 내부 데이터가 공개 될 경우</a:t>
+            </a:r>
+          </a:p>
+        </p:txBody>
+      </p:sp>
+    </p:spTree>
+    <p:extLst>
+      <p:ext uri="{BB962C8B-B14F-4D97-AF65-F5344CB8AC3E}">
+        <p14:creationId xmlns:p14="http://schemas.microsoft.com/office/powerpoint/2010/main" val="611997382"/>
+      </p:ext>
+    </p:extLst>
+  </p:cSld>
+  <p:clrMapOvr>
+    <a:masterClrMapping/>
+  </p:clrMapOvr>
+</p:sld>
+</file>
+
+<file path=ppt/slides/slide11.xml><?xml version="1.0" encoding="utf-8"?>
+<p:sld xmlns:a="http://schemas.openxmlformats.org/drawingml/2006/main" xmlns:r="http://schemas.openxmlformats.org/officeDocument/2006/relationships" xmlns:p="http://schemas.openxmlformats.org/presentationml/2006/main">
+  <p:cSld>
+    <p:spTree>
+      <p:nvGrpSpPr>
+        <p:cNvPr id="1" name=""/>
+        <p:cNvGrpSpPr/>
+        <p:nvPr/>
+      </p:nvGrpSpPr>
+      <p:grpSpPr>
+        <a:xfrm>
+          <a:off x="0" y="0"/>
+          <a:ext cx="0" cy="0"/>
+          <a:chOff x="0" y="0"/>
+          <a:chExt cx="0" cy="0"/>
+        </a:xfrm>
+      </p:grpSpPr>
+      <p:sp>
+        <p:nvSpPr>
+          <p:cNvPr id="2" name="제목 1">
+            <a:extLst>
+              <a:ext uri="{FF2B5EF4-FFF2-40B4-BE49-F238E27FC236}">
                 <a16:creationId xmlns:a16="http://schemas.microsoft.com/office/drawing/2014/main" id="{34BA6AF7-3BA7-B9D7-4B9A-8008EFBA9B91}"/>
               </a:ext>
             </a:extLst>
@@ -3589,12 +3788,11 @@
         </p:nvSpPr>
         <p:spPr/>
         <p:txBody>
-          <a:bodyPr/>
-          <a:lstStyle/>
-          <a:p>
-            <a:pPr marL="514350" indent="-514350">
-              <a:buAutoNum type="arabicPeriod"/>
-            </a:pPr>
+          <a:bodyPr>
+            <a:normAutofit/>
+          </a:bodyPr>
+          <a:lstStyle/>
+          <a:p>
             <a:r>
               <a:rPr lang="ko-KR" altLang="en-US"/>
               <a:t>도메인명에 의존한 보안 결정</a:t>
@@ -3602,9 +3800,12 @@
             <a:endParaRPr lang="en-US" altLang="ko-KR"/>
           </a:p>
           <a:p>
-            <a:pPr marL="514350" indent="-514350">
-              <a:buAutoNum type="arabicPeriod"/>
-            </a:pPr>
+            <a:endParaRPr lang="en-US" altLang="ko-KR"/>
+          </a:p>
+          <a:p>
+            <a:endParaRPr lang="en-US" altLang="ko-KR"/>
+          </a:p>
+          <a:p>
             <a:r>
               <a:rPr lang="ko-KR" altLang="en-US"/>
               <a:t>위험한 함수 사용</a:t>
@@ -3612,9 +3813,12 @@
             <a:endParaRPr lang="en-US" altLang="ko-KR"/>
           </a:p>
           <a:p>
-            <a:pPr marL="514350" indent="-514350">
-              <a:buAutoNum type="arabicPeriod"/>
-            </a:pPr>
+            <a:endParaRPr lang="en-US" altLang="ko-KR"/>
+          </a:p>
+          <a:p>
+            <a:endParaRPr lang="en-US" altLang="ko-KR"/>
+          </a:p>
+          <a:p>
             <a:r>
               <a:rPr lang="ko-KR" altLang="en-US"/>
               <a:t>작업 디렉터리 변경 없는 </a:t>
@@ -3629,10 +3833,226 @@
             </a:r>
             <a:endParaRPr lang="en-US" altLang="ko-KR"/>
           </a:p>
-          <a:p>
-            <a:pPr marL="514350" indent="-514350">
-              <a:buAutoNum type="arabicPeriod"/>
-            </a:pPr>
+        </p:txBody>
+      </p:sp>
+      <p:sp>
+        <p:nvSpPr>
+          <p:cNvPr id="4" name="TextBox 3">
+            <a:extLst>
+              <a:ext uri="{FF2B5EF4-FFF2-40B4-BE49-F238E27FC236}">
+                <a16:creationId xmlns:a16="http://schemas.microsoft.com/office/drawing/2014/main" id="{0AF99DF7-BA30-C9AA-611A-DDB5A2B4CC10}"/>
+              </a:ext>
+            </a:extLst>
+          </p:cNvPr>
+          <p:cNvSpPr txBox="1"/>
+          <p:nvPr/>
+        </p:nvSpPr>
+        <p:spPr>
+          <a:xfrm>
+            <a:off x="1211179" y="2339862"/>
+            <a:ext cx="6093335" cy="369332"/>
+          </a:xfrm>
+          <a:prstGeom prst="rect">
+            <a:avLst/>
+          </a:prstGeom>
+          <a:noFill/>
+        </p:spPr>
+        <p:txBody>
+          <a:bodyPr wrap="none" rtlCol="0">
+            <a:spAutoFit/>
+          </a:bodyPr>
+          <a:lstStyle/>
+          <a:p>
+            <a:r>
+              <a:rPr lang="en-US" altLang="ko-KR"/>
+              <a:t>-</a:t>
+            </a:r>
+            <a:r>
+              <a:rPr lang="ko-KR" altLang="en-US"/>
+              <a:t> 도메인명에 의존하여 인증 및 접근 통제 등을 하는 경우</a:t>
+            </a:r>
+          </a:p>
+        </p:txBody>
+      </p:sp>
+      <p:sp>
+        <p:nvSpPr>
+          <p:cNvPr id="5" name="TextBox 4">
+            <a:extLst>
+              <a:ext uri="{FF2B5EF4-FFF2-40B4-BE49-F238E27FC236}">
+                <a16:creationId xmlns:a16="http://schemas.microsoft.com/office/drawing/2014/main" id="{4771371F-5FF8-21BD-3C52-6F0E88DF1376}"/>
+              </a:ext>
+            </a:extLst>
+          </p:cNvPr>
+          <p:cNvSpPr txBox="1"/>
+          <p:nvPr/>
+        </p:nvSpPr>
+        <p:spPr>
+          <a:xfrm>
+            <a:off x="1211177" y="3871808"/>
+            <a:ext cx="3190297" cy="369332"/>
+          </a:xfrm>
+          <a:prstGeom prst="rect">
+            <a:avLst/>
+          </a:prstGeom>
+          <a:noFill/>
+        </p:spPr>
+        <p:txBody>
+          <a:bodyPr wrap="none" rtlCol="0">
+            <a:spAutoFit/>
+          </a:bodyPr>
+          <a:lstStyle/>
+          <a:p>
+            <a:r>
+              <a:rPr lang="en-US" altLang="ko-KR"/>
+              <a:t>- get() </a:t>
+            </a:r>
+            <a:r>
+              <a:rPr lang="ko-KR" altLang="en-US"/>
+              <a:t>함수</a:t>
+            </a:r>
+            <a:r>
+              <a:rPr lang="en-US" altLang="ko-KR"/>
+              <a:t>, vfork()</a:t>
+            </a:r>
+            <a:r>
+              <a:rPr lang="ko-KR" altLang="en-US"/>
+              <a:t>함수 사용</a:t>
+            </a:r>
+          </a:p>
+        </p:txBody>
+      </p:sp>
+      <p:sp>
+        <p:nvSpPr>
+          <p:cNvPr id="6" name="TextBox 5">
+            <a:extLst>
+              <a:ext uri="{FF2B5EF4-FFF2-40B4-BE49-F238E27FC236}">
+                <a16:creationId xmlns:a16="http://schemas.microsoft.com/office/drawing/2014/main" id="{27DFEBA1-B4F8-FEAB-4B57-A484F25D0D7F}"/>
+              </a:ext>
+            </a:extLst>
+          </p:cNvPr>
+          <p:cNvSpPr txBox="1"/>
+          <p:nvPr/>
+        </p:nvSpPr>
+        <p:spPr>
+          <a:xfrm>
+            <a:off x="1211177" y="5403754"/>
+            <a:ext cx="10283521" cy="369332"/>
+          </a:xfrm>
+          <a:prstGeom prst="rect">
+            <a:avLst/>
+          </a:prstGeom>
+          <a:noFill/>
+        </p:spPr>
+        <p:txBody>
+          <a:bodyPr wrap="none" rtlCol="0">
+            <a:spAutoFit/>
+          </a:bodyPr>
+          <a:lstStyle/>
+          <a:p>
+            <a:r>
+              <a:rPr lang="en-US" altLang="ko-KR"/>
+              <a:t>- Chroot</a:t>
+            </a:r>
+            <a:r>
+              <a:rPr lang="ko-KR" altLang="en-US"/>
+              <a:t>함수를 사용하여 접근 가능한 디렉터리를 제한할 때 작업 디렉터리를 변경하지 않는 경우</a:t>
+            </a:r>
+          </a:p>
+        </p:txBody>
+      </p:sp>
+    </p:spTree>
+    <p:extLst>
+      <p:ext uri="{BB962C8B-B14F-4D97-AF65-F5344CB8AC3E}">
+        <p14:creationId xmlns:p14="http://schemas.microsoft.com/office/powerpoint/2010/main" val="2175700646"/>
+      </p:ext>
+    </p:extLst>
+  </p:cSld>
+  <p:clrMapOvr>
+    <a:masterClrMapping/>
+  </p:clrMapOvr>
+</p:sld>
+</file>
+
+<file path=ppt/slides/slide12.xml><?xml version="1.0" encoding="utf-8"?>
+<p:sld xmlns:a="http://schemas.openxmlformats.org/drawingml/2006/main" xmlns:r="http://schemas.openxmlformats.org/officeDocument/2006/relationships" xmlns:p="http://schemas.openxmlformats.org/presentationml/2006/main">
+  <p:cSld>
+    <p:spTree>
+      <p:nvGrpSpPr>
+        <p:cNvPr id="1" name=""/>
+        <p:cNvGrpSpPr/>
+        <p:nvPr/>
+      </p:nvGrpSpPr>
+      <p:grpSpPr>
+        <a:xfrm>
+          <a:off x="0" y="0"/>
+          <a:ext cx="0" cy="0"/>
+          <a:chOff x="0" y="0"/>
+          <a:chExt cx="0" cy="0"/>
+        </a:xfrm>
+      </p:grpSpPr>
+      <p:sp>
+        <p:nvSpPr>
+          <p:cNvPr id="2" name="제목 1">
+            <a:extLst>
+              <a:ext uri="{FF2B5EF4-FFF2-40B4-BE49-F238E27FC236}">
+                <a16:creationId xmlns:a16="http://schemas.microsoft.com/office/drawing/2014/main" id="{34BA6AF7-3BA7-B9D7-4B9A-8008EFBA9B91}"/>
+              </a:ext>
+            </a:extLst>
+          </p:cNvPr>
+          <p:cNvSpPr>
+            <a:spLocks noGrp="1"/>
+          </p:cNvSpPr>
+          <p:nvPr>
+            <p:ph type="title"/>
+          </p:nvPr>
+        </p:nvSpPr>
+        <p:spPr/>
+        <p:txBody>
+          <a:bodyPr/>
+          <a:lstStyle/>
+          <a:p>
+            <a:r>
+              <a:rPr lang="en-US" altLang="ko-KR" b="1"/>
+              <a:t>7</a:t>
+            </a:r>
+            <a:r>
+              <a:rPr lang="ko-KR" altLang="en-US" b="1"/>
+              <a:t>절 </a:t>
+            </a:r>
+            <a:r>
+              <a:rPr lang="en-US" altLang="ko-KR" b="1"/>
+              <a:t>API </a:t>
+            </a:r>
+            <a:r>
+              <a:rPr lang="ko-KR" altLang="en-US" b="1"/>
+              <a:t>오용</a:t>
+            </a:r>
+          </a:p>
+        </p:txBody>
+      </p:sp>
+      <p:sp>
+        <p:nvSpPr>
+          <p:cNvPr id="3" name="내용 개체 틀 2">
+            <a:extLst>
+              <a:ext uri="{FF2B5EF4-FFF2-40B4-BE49-F238E27FC236}">
+                <a16:creationId xmlns:a16="http://schemas.microsoft.com/office/drawing/2014/main" id="{54294108-B9FD-B03A-434B-5E51C863B1BF}"/>
+              </a:ext>
+            </a:extLst>
+          </p:cNvPr>
+          <p:cNvSpPr>
+            <a:spLocks noGrp="1"/>
+          </p:cNvSpPr>
+          <p:nvPr>
+            <p:ph idx="1"/>
+          </p:nvPr>
+        </p:nvSpPr>
+        <p:spPr/>
+        <p:txBody>
+          <a:bodyPr>
+            <a:normAutofit/>
+          </a:bodyPr>
+          <a:lstStyle/>
+          <a:p>
             <a:r>
               <a:rPr lang="ko-KR" altLang="en-US"/>
               <a:t>버퍼 오버 플로우가 발생할 수 있는 문자열 연산 함수 호출</a:t>
@@ -3640,9 +4060,12 @@
             <a:endParaRPr lang="en-US" altLang="ko-KR"/>
           </a:p>
           <a:p>
-            <a:pPr marL="514350" indent="-514350">
-              <a:buAutoNum type="arabicPeriod"/>
-            </a:pPr>
+            <a:endParaRPr lang="en-US" altLang="ko-KR"/>
+          </a:p>
+          <a:p>
+            <a:endParaRPr lang="en-US" altLang="ko-KR"/>
+          </a:p>
+          <a:p>
             <a:r>
               <a:rPr lang="ko-KR" altLang="en-US"/>
               <a:t>다중 스레드 프로그램에서 </a:t>
@@ -3654,6 +4077,92 @@
             <a:r>
               <a:rPr lang="ko-KR" altLang="en-US"/>
               <a:t> 사용</a:t>
+            </a:r>
+          </a:p>
+        </p:txBody>
+      </p:sp>
+      <p:sp>
+        <p:nvSpPr>
+          <p:cNvPr id="4" name="TextBox 3">
+            <a:extLst>
+              <a:ext uri="{FF2B5EF4-FFF2-40B4-BE49-F238E27FC236}">
+                <a16:creationId xmlns:a16="http://schemas.microsoft.com/office/drawing/2014/main" id="{D2950032-2EC9-9780-5846-E6C273FC28AB}"/>
+              </a:ext>
+            </a:extLst>
+          </p:cNvPr>
+          <p:cNvSpPr txBox="1"/>
+          <p:nvPr/>
+        </p:nvSpPr>
+        <p:spPr>
+          <a:xfrm>
+            <a:off x="1295400" y="2340885"/>
+            <a:ext cx="5267789" cy="369332"/>
+          </a:xfrm>
+          <a:prstGeom prst="rect">
+            <a:avLst/>
+          </a:prstGeom>
+          <a:noFill/>
+        </p:spPr>
+        <p:txBody>
+          <a:bodyPr wrap="none" rtlCol="0">
+            <a:spAutoFit/>
+          </a:bodyPr>
+          <a:lstStyle/>
+          <a:p>
+            <a:pPr marL="285750" indent="-285750">
+              <a:buFontTx/>
+              <a:buChar char="-"/>
+            </a:pPr>
+            <a:r>
+              <a:rPr lang="ko-KR" altLang="en-US"/>
+              <a:t>윈도우에서 제공하는 멀티 바이트 문자열 함수</a:t>
+            </a:r>
+          </a:p>
+        </p:txBody>
+      </p:sp>
+      <p:sp>
+        <p:nvSpPr>
+          <p:cNvPr id="5" name="TextBox 4">
+            <a:extLst>
+              <a:ext uri="{FF2B5EF4-FFF2-40B4-BE49-F238E27FC236}">
+                <a16:creationId xmlns:a16="http://schemas.microsoft.com/office/drawing/2014/main" id="{1FCE2126-3124-5277-2B85-EED1C04E873A}"/>
+              </a:ext>
+            </a:extLst>
+          </p:cNvPr>
+          <p:cNvSpPr txBox="1"/>
+          <p:nvPr/>
+        </p:nvSpPr>
+        <p:spPr>
+          <a:xfrm>
+            <a:off x="1295400" y="3964141"/>
+            <a:ext cx="5894562" cy="369332"/>
+          </a:xfrm>
+          <a:prstGeom prst="rect">
+            <a:avLst/>
+          </a:prstGeom>
+          <a:noFill/>
+        </p:spPr>
+        <p:txBody>
+          <a:bodyPr wrap="none" rtlCol="0">
+            <a:spAutoFit/>
+          </a:bodyPr>
+          <a:lstStyle/>
+          <a:p>
+            <a:pPr marL="285750" indent="-285750">
+              <a:buFontTx/>
+              <a:buChar char="-"/>
+            </a:pPr>
+            <a:r>
+              <a:rPr lang="ko-KR" altLang="en-US"/>
+              <a:t>다중 스레드 환경에서 </a:t>
+            </a:r>
+            <a:r>
+              <a:rPr lang="en-US" altLang="ko-KR"/>
+              <a:t>getlogin() </a:t>
+            </a:r>
+            <a:r>
+              <a:rPr lang="ko-KR" altLang="en-US"/>
+              <a:t>함수를 사용할 경우</a:t>
             </a:r>
           </a:p>
         </p:txBody>
@@ -3671,7 +4180,7 @@
 </p:sld>
 </file>
 
-<file path=ppt/slides/slide11.xml><?xml version="1.0" encoding="utf-8"?>
+<file path=ppt/slides/slide13.xml><?xml version="1.0" encoding="utf-8"?>
 <p:sld xmlns:a="http://schemas.openxmlformats.org/drawingml/2006/main" xmlns:r="http://schemas.openxmlformats.org/officeDocument/2006/relationships" xmlns:p="http://schemas.openxmlformats.org/presentationml/2006/main">
   <p:cSld>
     <p:spTree>
@@ -5563,9 +6072,6 @@
           <a:bodyPr/>
           <a:lstStyle/>
           <a:p>
-            <a:pPr marL="514350" indent="-514350">
-              <a:buAutoNum type="arabicPeriod"/>
-            </a:pPr>
             <a:r>
               <a:rPr lang="ko-KR" altLang="en-US"/>
               <a:t>경쟁 조건</a:t>
@@ -5601,19 +6107,15 @@
             <a:endParaRPr lang="en-US" altLang="ko-KR"/>
           </a:p>
           <a:p>
-            <a:pPr marL="0" indent="0">
-              <a:buNone/>
-            </a:pPr>
             <a:endParaRPr lang="en-US" altLang="ko-KR"/>
           </a:p>
           <a:p>
-            <a:pPr marL="0" indent="0">
-              <a:buNone/>
-            </a:pPr>
-            <a:r>
-              <a:rPr lang="en-US" altLang="ko-KR"/>
-              <a:t>2. </a:t>
-            </a:r>
+            <a:endParaRPr lang="en-US" altLang="ko-KR"/>
+          </a:p>
+          <a:p>
+            <a:endParaRPr lang="en-US" altLang="ko-KR"/>
+          </a:p>
+          <a:p>
             <a:r>
               <a:rPr lang="ko-KR" altLang="en-US"/>
               <a:t>제어되지 않은 재귀</a:t>
@@ -5621,9 +6123,6 @@
             <a:endParaRPr lang="en-US" altLang="ko-KR"/>
           </a:p>
           <a:p>
-            <a:pPr marL="0" indent="0">
-              <a:buNone/>
-            </a:pPr>
             <a:endParaRPr lang="ko-KR" altLang="en-US"/>
           </a:p>
         </p:txBody>
@@ -5663,6 +6162,98 @@
           <a:effectLst/>
         </p:spPr>
       </p:pic>
+      <p:sp>
+        <p:nvSpPr>
+          <p:cNvPr id="5" name="TextBox 4">
+            <a:extLst>
+              <a:ext uri="{FF2B5EF4-FFF2-40B4-BE49-F238E27FC236}">
+                <a16:creationId xmlns:a16="http://schemas.microsoft.com/office/drawing/2014/main" id="{FF049EB7-57AE-9C2D-0561-03171487B8DF}"/>
+              </a:ext>
+            </a:extLst>
+          </p:cNvPr>
+          <p:cNvSpPr txBox="1"/>
+          <p:nvPr/>
+        </p:nvSpPr>
+        <p:spPr>
+          <a:xfrm>
+            <a:off x="705852" y="3429000"/>
+            <a:ext cx="5662127" cy="646331"/>
+          </a:xfrm>
+          <a:prstGeom prst="rect">
+            <a:avLst/>
+          </a:prstGeom>
+          <a:noFill/>
+        </p:spPr>
+        <p:txBody>
+          <a:bodyPr wrap="none" rtlCol="0">
+            <a:spAutoFit/>
+          </a:bodyPr>
+          <a:lstStyle/>
+          <a:p>
+            <a:pPr marL="285750" indent="-285750">
+              <a:buFontTx/>
+              <a:buChar char="-"/>
+            </a:pPr>
+            <a:r>
+              <a:rPr lang="ko-KR" altLang="en-US"/>
+              <a:t>존재 확인과 파일 오픈의 시간차가 발생하는 경우</a:t>
+            </a:r>
+            <a:r>
+              <a:rPr lang="en-US" altLang="ko-KR"/>
+              <a:t> </a:t>
+            </a:r>
+          </a:p>
+          <a:p>
+            <a:pPr marL="285750" indent="-285750">
+              <a:buFontTx/>
+              <a:buChar char="-"/>
+            </a:pPr>
+            <a:r>
+              <a:rPr lang="ko-KR" altLang="en-US"/>
+              <a:t>반환값에 대한 에러검사를 실시 하지 않을 경우</a:t>
+            </a:r>
+          </a:p>
+        </p:txBody>
+      </p:sp>
+      <p:sp>
+        <p:nvSpPr>
+          <p:cNvPr id="6" name="TextBox 5">
+            <a:extLst>
+              <a:ext uri="{FF2B5EF4-FFF2-40B4-BE49-F238E27FC236}">
+                <a16:creationId xmlns:a16="http://schemas.microsoft.com/office/drawing/2014/main" id="{6E11392A-0E67-B2F5-1908-ED5CF8AE2578}"/>
+              </a:ext>
+            </a:extLst>
+          </p:cNvPr>
+          <p:cNvSpPr txBox="1"/>
+          <p:nvPr/>
+        </p:nvSpPr>
+        <p:spPr>
+          <a:xfrm>
+            <a:off x="1078832" y="5433767"/>
+            <a:ext cx="2252540" cy="369332"/>
+          </a:xfrm>
+          <a:prstGeom prst="rect">
+            <a:avLst/>
+          </a:prstGeom>
+          <a:noFill/>
+        </p:spPr>
+        <p:txBody>
+          <a:bodyPr wrap="none" rtlCol="0">
+            <a:spAutoFit/>
+          </a:bodyPr>
+          <a:lstStyle/>
+          <a:p>
+            <a:pPr marL="285750" indent="-285750">
+              <a:buFontTx/>
+              <a:buChar char="-"/>
+            </a:pPr>
+            <a:r>
+              <a:rPr lang="ko-KR" altLang="en-US"/>
+              <a:t>무한 재귀의 경우</a:t>
+            </a:r>
+          </a:p>
+        </p:txBody>
+      </p:sp>
     </p:spTree>
     <p:extLst>
       <p:ext uri="{BB962C8B-B14F-4D97-AF65-F5344CB8AC3E}">
@@ -5746,32 +6337,160 @@
           <a:bodyPr/>
           <a:lstStyle/>
           <a:p>
-            <a:pPr marL="514350" indent="-514350">
-              <a:buAutoNum type="arabicPeriod"/>
+            <a:r>
+              <a:rPr lang="ko-KR" altLang="en-US"/>
+              <a:t>오류 메시지를 통한 정보 노출</a:t>
+            </a:r>
+            <a:endParaRPr lang="en-US" altLang="ko-KR"/>
+          </a:p>
+          <a:p>
+            <a:endParaRPr lang="en-US" altLang="ko-KR"/>
+          </a:p>
+          <a:p>
+            <a:endParaRPr lang="en-US" altLang="ko-KR"/>
+          </a:p>
+          <a:p>
+            <a:r>
+              <a:rPr lang="ko-KR" altLang="en-US"/>
+              <a:t>오류 상황 대응 부재</a:t>
+            </a:r>
+            <a:endParaRPr lang="en-US" altLang="ko-KR"/>
+          </a:p>
+          <a:p>
+            <a:endParaRPr lang="en-US" altLang="ko-KR"/>
+          </a:p>
+          <a:p>
+            <a:endParaRPr lang="en-US" altLang="ko-KR"/>
+          </a:p>
+          <a:p>
+            <a:r>
+              <a:rPr lang="ko-KR" altLang="en-US"/>
+              <a:t>적절하지 않은 예외처리</a:t>
+            </a:r>
+          </a:p>
+        </p:txBody>
+      </p:sp>
+      <p:sp>
+        <p:nvSpPr>
+          <p:cNvPr id="4" name="TextBox 3">
+            <a:extLst>
+              <a:ext uri="{FF2B5EF4-FFF2-40B4-BE49-F238E27FC236}">
+                <a16:creationId xmlns:a16="http://schemas.microsoft.com/office/drawing/2014/main" id="{3448EBE4-1FEC-389D-4E71-8030ECD0896F}"/>
+              </a:ext>
+            </a:extLst>
+          </p:cNvPr>
+          <p:cNvSpPr txBox="1"/>
+          <p:nvPr/>
+        </p:nvSpPr>
+        <p:spPr>
+          <a:xfrm>
+            <a:off x="1295401" y="2389777"/>
+            <a:ext cx="7194598" cy="369332"/>
+          </a:xfrm>
+          <a:prstGeom prst="rect">
+            <a:avLst/>
+          </a:prstGeom>
+          <a:noFill/>
+        </p:spPr>
+        <p:txBody>
+          <a:bodyPr wrap="none" rtlCol="0">
+            <a:spAutoFit/>
+          </a:bodyPr>
+          <a:lstStyle/>
+          <a:p>
+            <a:pPr marL="285750" indent="-285750">
+              <a:buFontTx/>
+              <a:buChar char="-"/>
             </a:pPr>
             <a:r>
               <a:rPr lang="ko-KR" altLang="en-US"/>
-              <a:t>오류 메시지를 통한 정보 노출</a:t>
-            </a:r>
-            <a:endParaRPr lang="en-US" altLang="ko-KR"/>
-          </a:p>
-          <a:p>
-            <a:pPr marL="514350" indent="-514350">
-              <a:buAutoNum type="arabicPeriod"/>
+              <a:t>환경변수 출력</a:t>
+            </a:r>
+            <a:r>
+              <a:rPr lang="en-US" altLang="ko-KR"/>
+              <a:t>,  </a:t>
+            </a:r>
+            <a:r>
+              <a:rPr lang="ko-KR" altLang="en-US"/>
+              <a:t>에러 발생 위치에 대한 정보와 세부내용 출력 등 </a:t>
+            </a:r>
+          </a:p>
+        </p:txBody>
+      </p:sp>
+      <p:sp>
+        <p:nvSpPr>
+          <p:cNvPr id="5" name="TextBox 4">
+            <a:extLst>
+              <a:ext uri="{FF2B5EF4-FFF2-40B4-BE49-F238E27FC236}">
+                <a16:creationId xmlns:a16="http://schemas.microsoft.com/office/drawing/2014/main" id="{AD1D160E-C577-A396-68CC-3716D74A61DA}"/>
+              </a:ext>
+            </a:extLst>
+          </p:cNvPr>
+          <p:cNvSpPr txBox="1"/>
+          <p:nvPr/>
+        </p:nvSpPr>
+        <p:spPr>
+          <a:xfrm>
+            <a:off x="1295401" y="3914038"/>
+            <a:ext cx="6042039" cy="369332"/>
+          </a:xfrm>
+          <a:prstGeom prst="rect">
+            <a:avLst/>
+          </a:prstGeom>
+          <a:noFill/>
+        </p:spPr>
+        <p:txBody>
+          <a:bodyPr wrap="none" rtlCol="0">
+            <a:spAutoFit/>
+          </a:bodyPr>
+          <a:lstStyle/>
+          <a:p>
+            <a:pPr marL="285750" indent="-285750">
+              <a:buFontTx/>
+              <a:buChar char="-"/>
             </a:pPr>
             <a:r>
               <a:rPr lang="ko-KR" altLang="en-US"/>
-              <a:t>오류 상황 대응 부재</a:t>
-            </a:r>
-            <a:endParaRPr lang="en-US" altLang="ko-KR"/>
-          </a:p>
-          <a:p>
-            <a:pPr marL="514350" indent="-514350">
-              <a:buAutoNum type="arabicPeriod"/>
+              <a:t>각각의 예외상황에 대하여 적절히 처리되지 않은 경우</a:t>
+            </a:r>
+          </a:p>
+        </p:txBody>
+      </p:sp>
+      <p:sp>
+        <p:nvSpPr>
+          <p:cNvPr id="6" name="TextBox 5">
+            <a:extLst>
+              <a:ext uri="{FF2B5EF4-FFF2-40B4-BE49-F238E27FC236}">
+                <a16:creationId xmlns:a16="http://schemas.microsoft.com/office/drawing/2014/main" id="{53443C19-20F5-7CC6-60A4-2FBA4BDB6C2E}"/>
+              </a:ext>
+            </a:extLst>
+          </p:cNvPr>
+          <p:cNvSpPr txBox="1"/>
+          <p:nvPr/>
+        </p:nvSpPr>
+        <p:spPr>
+          <a:xfrm>
+            <a:off x="1295401" y="5438299"/>
+            <a:ext cx="5974713" cy="369332"/>
+          </a:xfrm>
+          <a:prstGeom prst="rect">
+            <a:avLst/>
+          </a:prstGeom>
+          <a:noFill/>
+        </p:spPr>
+        <p:txBody>
+          <a:bodyPr wrap="none" rtlCol="0">
+            <a:spAutoFit/>
+          </a:bodyPr>
+          <a:lstStyle/>
+          <a:p>
+            <a:pPr marL="285750" indent="-285750">
+              <a:buFontTx/>
+              <a:buChar char="-"/>
             </a:pPr>
             <a:r>
               <a:rPr lang="ko-KR" altLang="en-US"/>
-              <a:t>적절하지 않은 예외처리</a:t>
+              <a:t>함수의 결과 값에 대한 적절한 처리를 하지 않은 경우</a:t>
             </a:r>
           </a:p>
         </p:txBody>
@@ -5822,7 +6541,12 @@
             <p:ph type="title"/>
           </p:nvPr>
         </p:nvSpPr>
-        <p:spPr/>
+        <p:spPr>
+          <a:xfrm>
+            <a:off x="838200" y="177579"/>
+            <a:ext cx="10515600" cy="1325563"/>
+          </a:xfrm>
+        </p:spPr>
         <p:txBody>
           <a:bodyPr/>
           <a:lstStyle/>
@@ -5854,14 +6578,18 @@
             <p:ph idx="1"/>
           </p:nvPr>
         </p:nvSpPr>
-        <p:spPr/>
-        <p:txBody>
-          <a:bodyPr/>
-          <a:lstStyle/>
-          <a:p>
-            <a:pPr marL="514350" indent="-514350">
-              <a:buAutoNum type="arabicPeriod"/>
-            </a:pPr>
+        <p:spPr>
+          <a:xfrm>
+            <a:off x="838200" y="1479884"/>
+            <a:ext cx="10515600" cy="4829426"/>
+          </a:xfrm>
+        </p:spPr>
+        <p:txBody>
+          <a:bodyPr>
+            <a:normAutofit lnSpcReduction="10000"/>
+          </a:bodyPr>
+          <a:lstStyle/>
+          <a:p>
             <a:r>
               <a:rPr lang="ko-KR" altLang="en-US"/>
               <a:t>널포인트 역참조</a:t>
@@ -5869,9 +6597,12 @@
             <a:endParaRPr lang="en-US" altLang="ko-KR"/>
           </a:p>
           <a:p>
-            <a:pPr marL="514350" indent="-514350">
-              <a:buAutoNum type="arabicPeriod"/>
-            </a:pPr>
+            <a:endParaRPr lang="en-US" altLang="ko-KR"/>
+          </a:p>
+          <a:p>
+            <a:endParaRPr lang="en-US" altLang="ko-KR"/>
+          </a:p>
+          <a:p>
             <a:r>
               <a:rPr lang="ko-KR" altLang="en-US"/>
               <a:t>부적절한 자원 해제</a:t>
@@ -5879,9 +6610,12 @@
             <a:endParaRPr lang="en-US" altLang="ko-KR"/>
           </a:p>
           <a:p>
-            <a:pPr marL="514350" indent="-514350">
-              <a:buAutoNum type="arabicPeriod"/>
-            </a:pPr>
+            <a:endParaRPr lang="en-US" altLang="ko-KR"/>
+          </a:p>
+          <a:p>
+            <a:endParaRPr lang="en-US" altLang="ko-KR"/>
+          </a:p>
+          <a:p>
             <a:r>
               <a:rPr lang="ko-KR" altLang="en-US"/>
               <a:t>무부호 타입</a:t>
@@ -5897,52 +6631,196 @@
             <a:endParaRPr lang="en-US" altLang="ko-KR"/>
           </a:p>
           <a:p>
-            <a:pPr marL="514350" indent="-514350">
-              <a:buAutoNum type="arabicPeriod"/>
+            <a:endParaRPr lang="en-US" altLang="ko-KR"/>
+          </a:p>
+          <a:p>
+            <a:endParaRPr lang="en-US" altLang="ko-KR"/>
+          </a:p>
+          <a:p>
+            <a:r>
+              <a:rPr lang="ko-KR" altLang="en-US"/>
+              <a:t>스택 변수 주소 리턴</a:t>
+            </a:r>
+            <a:endParaRPr lang="en-US" altLang="ko-KR"/>
+          </a:p>
+        </p:txBody>
+      </p:sp>
+      <p:sp>
+        <p:nvSpPr>
+          <p:cNvPr id="4" name="TextBox 3">
+            <a:extLst>
+              <a:ext uri="{FF2B5EF4-FFF2-40B4-BE49-F238E27FC236}">
+                <a16:creationId xmlns:a16="http://schemas.microsoft.com/office/drawing/2014/main" id="{E1FBB781-6993-9837-3F21-D3CDF9841E1F}"/>
+              </a:ext>
+            </a:extLst>
+          </p:cNvPr>
+          <p:cNvSpPr txBox="1"/>
+          <p:nvPr/>
+        </p:nvSpPr>
+        <p:spPr>
+          <a:xfrm>
+            <a:off x="1307432" y="3429000"/>
+            <a:ext cx="4262705" cy="369332"/>
+          </a:xfrm>
+          <a:prstGeom prst="rect">
+            <a:avLst/>
+          </a:prstGeom>
+          <a:noFill/>
+        </p:spPr>
+        <p:txBody>
+          <a:bodyPr wrap="none" rtlCol="0">
+            <a:spAutoFit/>
+          </a:bodyPr>
+          <a:lstStyle/>
+          <a:p>
+            <a:pPr marL="285750" indent="-285750">
+              <a:buFontTx/>
+              <a:buChar char="-"/>
             </a:pPr>
             <a:r>
               <a:rPr lang="ko-KR" altLang="en-US"/>
-              <a:t>스택 변수 주소 리턴</a:t>
-            </a:r>
-            <a:endParaRPr lang="en-US" altLang="ko-KR"/>
-          </a:p>
-          <a:p>
-            <a:pPr marL="514350" indent="-514350">
-              <a:buAutoNum type="arabicPeriod"/>
+              <a:t>자원을 할당받고 반환하지 않은 경우</a:t>
+            </a:r>
+          </a:p>
+        </p:txBody>
+      </p:sp>
+      <p:sp>
+        <p:nvSpPr>
+          <p:cNvPr id="5" name="TextBox 4">
+            <a:extLst>
+              <a:ext uri="{FF2B5EF4-FFF2-40B4-BE49-F238E27FC236}">
+                <a16:creationId xmlns:a16="http://schemas.microsoft.com/office/drawing/2014/main" id="{729BD00A-1715-11A8-B5A5-17D16A143258}"/>
+              </a:ext>
+            </a:extLst>
+          </p:cNvPr>
+          <p:cNvSpPr txBox="1"/>
+          <p:nvPr/>
+        </p:nvSpPr>
+        <p:spPr>
+          <a:xfrm>
+            <a:off x="1307432" y="1973670"/>
+            <a:ext cx="6139822" cy="369332"/>
+          </a:xfrm>
+          <a:prstGeom prst="rect">
+            <a:avLst/>
+          </a:prstGeom>
+          <a:noFill/>
+        </p:spPr>
+        <p:txBody>
+          <a:bodyPr wrap="none" rtlCol="0">
+            <a:spAutoFit/>
+          </a:bodyPr>
+          <a:lstStyle/>
+          <a:p>
+            <a:pPr marL="285750" indent="-285750">
+              <a:buFontTx/>
+              <a:buChar char="-"/>
             </a:pPr>
             <a:r>
               <a:rPr lang="ko-KR" altLang="en-US"/>
-              <a:t>매크로의 잘못된 사용</a:t>
-            </a:r>
-            <a:endParaRPr lang="en-US" altLang="ko-KR"/>
-          </a:p>
-          <a:p>
-            <a:pPr marL="514350" indent="-514350">
-              <a:buAutoNum type="arabicPeriod"/>
+              <a:t>함수의 반환값이 </a:t>
+            </a:r>
+            <a:r>
+              <a:rPr lang="en-US" altLang="ko-KR"/>
+              <a:t>NULL</a:t>
+            </a:r>
+            <a:r>
+              <a:rPr lang="ko-KR" altLang="en-US"/>
+              <a:t>인지 확인하지 않고 사용할 경우</a:t>
+            </a:r>
+          </a:p>
+        </p:txBody>
+      </p:sp>
+      <p:sp>
+        <p:nvSpPr>
+          <p:cNvPr id="6" name="TextBox 5">
+            <a:extLst>
+              <a:ext uri="{FF2B5EF4-FFF2-40B4-BE49-F238E27FC236}">
+                <a16:creationId xmlns:a16="http://schemas.microsoft.com/office/drawing/2014/main" id="{AA7A9576-3146-32D4-E16B-F8CA64791C3E}"/>
+              </a:ext>
+            </a:extLst>
+          </p:cNvPr>
+          <p:cNvSpPr txBox="1"/>
+          <p:nvPr/>
+        </p:nvSpPr>
+        <p:spPr>
+          <a:xfrm>
+            <a:off x="1307432" y="4869155"/>
+            <a:ext cx="7827143" cy="369332"/>
+          </a:xfrm>
+          <a:prstGeom prst="rect">
+            <a:avLst/>
+          </a:prstGeom>
+          <a:noFill/>
+        </p:spPr>
+        <p:txBody>
+          <a:bodyPr wrap="none" rtlCol="0">
+            <a:spAutoFit/>
+          </a:bodyPr>
+          <a:lstStyle/>
+          <a:p>
+            <a:pPr marL="285750" indent="-285750">
+              <a:buFontTx/>
+              <a:buChar char="-"/>
             </a:pPr>
             <a:r>
               <a:rPr lang="ko-KR" altLang="en-US"/>
-              <a:t>스택 주소 해제</a:t>
-            </a:r>
-            <a:endParaRPr lang="en-US" altLang="ko-KR"/>
-          </a:p>
-          <a:p>
-            <a:pPr marL="514350" indent="-514350">
-              <a:buAutoNum type="arabicPeriod"/>
+              <a:t>부호정수</a:t>
+            </a:r>
+            <a:r>
+              <a:rPr lang="en-US" altLang="ko-KR"/>
+              <a:t>(signed integer)</a:t>
+            </a:r>
+            <a:r>
+              <a:rPr lang="ko-KR" altLang="en-US"/>
+              <a:t>를 무부호 정수</a:t>
+            </a:r>
+            <a:r>
+              <a:rPr lang="en-US" altLang="ko-KR"/>
+              <a:t>(unsigned integer)</a:t>
+            </a:r>
+            <a:r>
+              <a:rPr lang="ko-KR" altLang="en-US"/>
+              <a:t>로 변할 경우</a:t>
+            </a:r>
+          </a:p>
+        </p:txBody>
+      </p:sp>
+      <p:sp>
+        <p:nvSpPr>
+          <p:cNvPr id="8" name="TextBox 7">
+            <a:extLst>
+              <a:ext uri="{FF2B5EF4-FFF2-40B4-BE49-F238E27FC236}">
+                <a16:creationId xmlns:a16="http://schemas.microsoft.com/office/drawing/2014/main" id="{7D0F6F6D-6B40-E1A8-FB07-50A1069ED9A9}"/>
+              </a:ext>
+            </a:extLst>
+          </p:cNvPr>
+          <p:cNvSpPr txBox="1"/>
+          <p:nvPr/>
+        </p:nvSpPr>
+        <p:spPr>
+          <a:xfrm>
+            <a:off x="1307432" y="6139819"/>
+            <a:ext cx="4262705" cy="369332"/>
+          </a:xfrm>
+          <a:prstGeom prst="rect">
+            <a:avLst/>
+          </a:prstGeom>
+          <a:noFill/>
+        </p:spPr>
+        <p:txBody>
+          <a:bodyPr wrap="none" rtlCol="0">
+            <a:spAutoFit/>
+          </a:bodyPr>
+          <a:lstStyle/>
+          <a:p>
+            <a:pPr marL="285750" indent="-285750">
+              <a:buFontTx/>
+              <a:buChar char="-"/>
             </a:pPr>
             <a:r>
               <a:rPr lang="ko-KR" altLang="en-US"/>
-              <a:t>스레드 조기 종료</a:t>
-            </a:r>
-            <a:endParaRPr lang="en-US" altLang="ko-KR"/>
-          </a:p>
-          <a:p>
-            <a:pPr marL="514350" indent="-514350">
-              <a:buAutoNum type="arabicPeriod"/>
-            </a:pPr>
-            <a:r>
-              <a:rPr lang="ko-KR" altLang="en-US"/>
-              <a:t>무한 자원 할당</a:t>
+              <a:t>함수가 스택의 주솔르 반환하는 경우</a:t>
             </a:r>
           </a:p>
         </p:txBody>
@@ -5950,7 +6828,7 @@
     </p:spTree>
     <p:extLst>
       <p:ext uri="{BB962C8B-B14F-4D97-AF65-F5344CB8AC3E}">
-        <p14:creationId xmlns:p14="http://schemas.microsoft.com/office/powerpoint/2010/main" val="536930759"/>
+        <p14:creationId xmlns:p14="http://schemas.microsoft.com/office/powerpoint/2010/main" val="2665108525"/>
       </p:ext>
     </p:extLst>
   </p:cSld>
@@ -5982,7 +6860,7 @@
           <p:cNvPr id="2" name="제목 1">
             <a:extLst>
               <a:ext uri="{FF2B5EF4-FFF2-40B4-BE49-F238E27FC236}">
-                <a16:creationId xmlns:a16="http://schemas.microsoft.com/office/drawing/2014/main" id="{9C51D5ED-0C81-9A61-464B-CBC11AB0C77C}"/>
+                <a16:creationId xmlns:a16="http://schemas.microsoft.com/office/drawing/2014/main" id="{BB7460B0-7D1B-766A-4F43-5B58BA4D108F}"/>
               </a:ext>
             </a:extLst>
           </p:cNvPr>
@@ -5993,18 +6871,23 @@
             <p:ph type="title"/>
           </p:nvPr>
         </p:nvSpPr>
-        <p:spPr/>
+        <p:spPr>
+          <a:xfrm>
+            <a:off x="838200" y="21974"/>
+            <a:ext cx="10515600" cy="1325563"/>
+          </a:xfrm>
+        </p:spPr>
         <p:txBody>
           <a:bodyPr/>
           <a:lstStyle/>
           <a:p>
             <a:r>
               <a:rPr lang="en-US" altLang="ko-KR" b="1"/>
-              <a:t>6</a:t>
+              <a:t>5</a:t>
             </a:r>
             <a:r>
               <a:rPr lang="ko-KR" altLang="en-US" b="1"/>
-              <a:t>절 캡슐화</a:t>
+              <a:t>절 코드 오류</a:t>
             </a:r>
           </a:p>
         </p:txBody>
@@ -6014,7 +6897,7 @@
           <p:cNvPr id="3" name="내용 개체 틀 2">
             <a:extLst>
               <a:ext uri="{FF2B5EF4-FFF2-40B4-BE49-F238E27FC236}">
-                <a16:creationId xmlns:a16="http://schemas.microsoft.com/office/drawing/2014/main" id="{EA831A3E-7533-45B0-4190-04F49D5E6408}"/>
+                <a16:creationId xmlns:a16="http://schemas.microsoft.com/office/drawing/2014/main" id="{5F2EA4B3-94D2-F598-4A31-06CE254562FA}"/>
               </a:ext>
             </a:extLst>
           </p:cNvPr>
@@ -6025,27 +6908,224 @@
             <p:ph idx="1"/>
           </p:nvPr>
         </p:nvSpPr>
-        <p:spPr/>
-        <p:txBody>
-          <a:bodyPr/>
-          <a:lstStyle/>
-          <a:p>
-            <a:pPr marL="514350" indent="-514350">
-              <a:buAutoNum type="arabicPeriod"/>
+        <p:spPr>
+          <a:xfrm>
+            <a:off x="838200" y="1347537"/>
+            <a:ext cx="10515600" cy="4829426"/>
+          </a:xfrm>
+        </p:spPr>
+        <p:txBody>
+          <a:bodyPr>
+            <a:normAutofit lnSpcReduction="10000"/>
+          </a:bodyPr>
+          <a:lstStyle/>
+          <a:p>
+            <a:r>
+              <a:rPr lang="ko-KR" altLang="en-US"/>
+              <a:t>매크로의 잘못된 사용</a:t>
+            </a:r>
+            <a:endParaRPr lang="en-US" altLang="ko-KR"/>
+          </a:p>
+          <a:p>
+            <a:endParaRPr lang="en-US" altLang="ko-KR"/>
+          </a:p>
+          <a:p>
+            <a:endParaRPr lang="en-US" altLang="ko-KR"/>
+          </a:p>
+          <a:p>
+            <a:r>
+              <a:rPr lang="ko-KR" altLang="en-US"/>
+              <a:t>스택 주소 해제</a:t>
+            </a:r>
+            <a:endParaRPr lang="en-US" altLang="ko-KR"/>
+          </a:p>
+          <a:p>
+            <a:endParaRPr lang="en-US" altLang="ko-KR"/>
+          </a:p>
+          <a:p>
+            <a:endParaRPr lang="en-US" altLang="ko-KR"/>
+          </a:p>
+          <a:p>
+            <a:r>
+              <a:rPr lang="ko-KR" altLang="en-US"/>
+              <a:t>스레드 조기 종료</a:t>
+            </a:r>
+            <a:endParaRPr lang="en-US" altLang="ko-KR"/>
+          </a:p>
+          <a:p>
+            <a:endParaRPr lang="en-US" altLang="ko-KR"/>
+          </a:p>
+          <a:p>
+            <a:endParaRPr lang="en-US" altLang="ko-KR"/>
+          </a:p>
+          <a:p>
+            <a:r>
+              <a:rPr lang="ko-KR" altLang="en-US"/>
+              <a:t>무한 자원 할당</a:t>
+            </a:r>
+          </a:p>
+        </p:txBody>
+      </p:sp>
+      <p:sp>
+        <p:nvSpPr>
+          <p:cNvPr id="4" name="TextBox 3">
+            <a:extLst>
+              <a:ext uri="{FF2B5EF4-FFF2-40B4-BE49-F238E27FC236}">
+                <a16:creationId xmlns:a16="http://schemas.microsoft.com/office/drawing/2014/main" id="{E1FBB781-6993-9837-3F21-D3CDF9841E1F}"/>
+              </a:ext>
+            </a:extLst>
+          </p:cNvPr>
+          <p:cNvSpPr txBox="1"/>
+          <p:nvPr/>
+        </p:nvSpPr>
+        <p:spPr>
+          <a:xfrm>
+            <a:off x="1391653" y="1858599"/>
+            <a:ext cx="6123792" cy="369332"/>
+          </a:xfrm>
+          <a:prstGeom prst="rect">
+            <a:avLst/>
+          </a:prstGeom>
+          <a:noFill/>
+        </p:spPr>
+        <p:txBody>
+          <a:bodyPr wrap="none" rtlCol="0">
+            <a:spAutoFit/>
+          </a:bodyPr>
+          <a:lstStyle/>
+          <a:p>
+            <a:pPr marL="285750" indent="-285750">
+              <a:buFontTx/>
+              <a:buChar char="-"/>
             </a:pPr>
             <a:r>
               <a:rPr lang="ko-KR" altLang="en-US"/>
-              <a:t>제거되지 않은 디버그 코드</a:t>
-            </a:r>
-            <a:endParaRPr lang="en-US" altLang="ko-KR"/>
-          </a:p>
-          <a:p>
-            <a:pPr marL="514350" indent="-514350">
-              <a:buAutoNum type="arabicPeriod"/>
+              <a:t>각 매크로마다 특정한 사용 규칙을 준수하지 않을 경우</a:t>
+            </a:r>
+          </a:p>
+        </p:txBody>
+      </p:sp>
+      <p:sp>
+        <p:nvSpPr>
+          <p:cNvPr id="5" name="TextBox 4">
+            <a:extLst>
+              <a:ext uri="{FF2B5EF4-FFF2-40B4-BE49-F238E27FC236}">
+                <a16:creationId xmlns:a16="http://schemas.microsoft.com/office/drawing/2014/main" id="{05FA8360-FA4A-165E-134D-2AD98C3CF37A}"/>
+              </a:ext>
+            </a:extLst>
+          </p:cNvPr>
+          <p:cNvSpPr txBox="1"/>
+          <p:nvPr/>
+        </p:nvSpPr>
+        <p:spPr>
+          <a:xfrm>
+            <a:off x="1391653" y="3244334"/>
+            <a:ext cx="3026791" cy="369332"/>
+          </a:xfrm>
+          <a:prstGeom prst="rect">
+            <a:avLst/>
+          </a:prstGeom>
+          <a:noFill/>
+        </p:spPr>
+        <p:txBody>
+          <a:bodyPr wrap="none" rtlCol="0">
+            <a:spAutoFit/>
+          </a:bodyPr>
+          <a:lstStyle/>
+          <a:p>
+            <a:pPr marL="285750" indent="-285750">
+              <a:buFontTx/>
+              <a:buChar char="-"/>
             </a:pPr>
             <a:r>
               <a:rPr lang="ko-KR" altLang="en-US"/>
-              <a:t>시스템 데이터 정보 노출</a:t>
+              <a:t>스택 버퍼를 해제할 경우</a:t>
+            </a:r>
+          </a:p>
+        </p:txBody>
+      </p:sp>
+      <p:sp>
+        <p:nvSpPr>
+          <p:cNvPr id="6" name="TextBox 5">
+            <a:extLst>
+              <a:ext uri="{FF2B5EF4-FFF2-40B4-BE49-F238E27FC236}">
+                <a16:creationId xmlns:a16="http://schemas.microsoft.com/office/drawing/2014/main" id="{324F4782-299C-08C0-D0B0-4434AB2375D8}"/>
+              </a:ext>
+            </a:extLst>
+          </p:cNvPr>
+          <p:cNvSpPr txBox="1"/>
+          <p:nvPr/>
+        </p:nvSpPr>
+        <p:spPr>
+          <a:xfrm>
+            <a:off x="1391652" y="4630069"/>
+            <a:ext cx="5892960" cy="369332"/>
+          </a:xfrm>
+          <a:prstGeom prst="rect">
+            <a:avLst/>
+          </a:prstGeom>
+          <a:noFill/>
+        </p:spPr>
+        <p:txBody>
+          <a:bodyPr wrap="none" rtlCol="0">
+            <a:spAutoFit/>
+          </a:bodyPr>
+          <a:lstStyle/>
+          <a:p>
+            <a:pPr marL="285750" indent="-285750">
+              <a:buFontTx/>
+              <a:buChar char="-"/>
+            </a:pPr>
+            <a:r>
+              <a:rPr lang="ko-KR" altLang="en-US"/>
+              <a:t>부모 스레드가 자식 스레드 보다 먼저 종료되는 경우</a:t>
+            </a:r>
+          </a:p>
+        </p:txBody>
+      </p:sp>
+      <p:sp>
+        <p:nvSpPr>
+          <p:cNvPr id="7" name="TextBox 6">
+            <a:extLst>
+              <a:ext uri="{FF2B5EF4-FFF2-40B4-BE49-F238E27FC236}">
+                <a16:creationId xmlns:a16="http://schemas.microsoft.com/office/drawing/2014/main" id="{F0E3395E-AAC6-711D-4CF5-5AA89D815B87}"/>
+              </a:ext>
+            </a:extLst>
+          </p:cNvPr>
+          <p:cNvSpPr txBox="1"/>
+          <p:nvPr/>
+        </p:nvSpPr>
+        <p:spPr>
+          <a:xfrm>
+            <a:off x="1391652" y="6015804"/>
+            <a:ext cx="10046340" cy="369332"/>
+          </a:xfrm>
+          <a:prstGeom prst="rect">
+            <a:avLst/>
+          </a:prstGeom>
+          <a:noFill/>
+        </p:spPr>
+        <p:txBody>
+          <a:bodyPr wrap="none" rtlCol="0">
+            <a:spAutoFit/>
+          </a:bodyPr>
+          <a:lstStyle/>
+          <a:p>
+            <a:pPr marL="285750" indent="-285750">
+              <a:buFontTx/>
+              <a:buChar char="-"/>
+            </a:pPr>
+            <a:r>
+              <a:rPr lang="ko-KR" altLang="en-US"/>
+              <a:t>서비스할 수 있는 자원의 양을 제한하지 않고</a:t>
+            </a:r>
+            <a:r>
+              <a:rPr lang="en-US" altLang="ko-KR"/>
+              <a:t>, </a:t>
+            </a:r>
+            <a:r>
+              <a:rPr lang="ko-KR" altLang="en-US"/>
+              <a:t>서비스 요청마다 요구하는 자원을 할당할 경우</a:t>
             </a:r>
           </a:p>
         </p:txBody>
@@ -6053,7 +7133,7 @@
     </p:spTree>
     <p:extLst>
       <p:ext uri="{BB962C8B-B14F-4D97-AF65-F5344CB8AC3E}">
-        <p14:creationId xmlns:p14="http://schemas.microsoft.com/office/powerpoint/2010/main" val="611997382"/>
+        <p14:creationId xmlns:p14="http://schemas.microsoft.com/office/powerpoint/2010/main" val="536930759"/>
       </p:ext>
     </p:extLst>
   </p:cSld>

--- a/발표자료/Secure Coding 발표자료.pptx
+++ b/발표자료/Secure Coding 발표자료.pptx
@@ -4898,13 +4898,7 @@
       </p:grpSpPr>
       <p:sp>
         <p:nvSpPr>
-          <p:cNvPr id="3" name="내용 개체 틀 2">
-            <a:extLst>
-              <a:ext uri="{FF2B5EF4-FFF2-40B4-BE49-F238E27FC236}">
-                <a16:creationId xmlns:a16="http://schemas.microsoft.com/office/drawing/2014/main" id="{1620EEC6-6476-9C0A-A584-E34C541480BE}"/>
-              </a:ext>
-            </a:extLst>
-          </p:cNvPr>
+          <p:cNvPr id="3" name="내용 개체 틀 2"/>
           <p:cNvSpPr>
             <a:spLocks noGrp="1"/>
           </p:cNvSpPr>
@@ -4914,288 +4908,206 @@
         </p:nvSpPr>
         <p:spPr>
           <a:xfrm>
-            <a:off x="628650" y="1863725"/>
-            <a:ext cx="11239500" cy="4351338"/>
+            <a:off x="310462" y="1516620"/>
+            <a:ext cx="11624106" cy="5102225"/>
           </a:xfrm>
         </p:spPr>
         <p:txBody>
           <a:bodyPr>
-            <a:normAutofit fontScale="92500" lnSpcReduction="10000"/>
+            <a:noAutofit/>
           </a:bodyPr>
           <a:lstStyle/>
           <a:p>
-            <a:r>
-              <a:rPr lang="ko-KR" altLang="en-US" sz="2400" dirty="0"/>
+            <a:pPr lvl="0">
+              <a:defRPr/>
+            </a:pPr>
+            <a:r>
+              <a:rPr lang="ko-KR" altLang="en-US" sz="2000"/>
               <a:t>입력 받은 데이터 </a:t>
             </a:r>
             <a:r>
-              <a:rPr lang="ko-KR" altLang="en-US" sz="2400" b="1" dirty="0"/>
+              <a:rPr lang="ko-KR" altLang="en-US" sz="2000" b="1"/>
               <a:t>값</a:t>
             </a:r>
             <a:r>
-              <a:rPr lang="ko-KR" altLang="en-US" sz="2400" dirty="0"/>
+              <a:rPr lang="ko-KR" altLang="en-US" sz="2000"/>
               <a:t> 또는 데이터의 </a:t>
             </a:r>
             <a:r>
-              <a:rPr lang="ko-KR" altLang="en-US" sz="2400" b="1" dirty="0"/>
+              <a:rPr lang="ko-KR" altLang="en-US" sz="2000" b="1"/>
               <a:t>출처</a:t>
             </a:r>
             <a:r>
-              <a:rPr lang="ko-KR" altLang="en-US" sz="2400" dirty="0"/>
+              <a:rPr lang="ko-KR" altLang="en-US" sz="2000"/>
               <a:t> 등이 제대로 검증하지 않은 경우</a:t>
             </a:r>
-            <a:endParaRPr lang="en-US" altLang="ko-KR" sz="2400" dirty="0"/>
           </a:p>
           <a:p>
             <a:pPr marL="0" indent="0">
               <a:buNone/>
+              <a:defRPr/>
             </a:pPr>
             <a:r>
-              <a:rPr lang="en-US" altLang="ko-KR" sz="2400" dirty="0"/>
+              <a:rPr lang="en-US" altLang="ko-KR" sz="2000"/>
+              <a:t>    - SQL</a:t>
+            </a:r>
+            <a:r>
+              <a:rPr lang="ko-KR" altLang="en-US" sz="2000"/>
+              <a:t>문 삽입</a:t>
+            </a:r>
+            <a:r>
+              <a:rPr lang="en-US" altLang="ko-KR" sz="2000"/>
+              <a:t>,  </a:t>
+            </a:r>
+            <a:r>
+              <a:rPr lang="ko-KR" altLang="en-US" sz="2000"/>
+              <a:t>자원 삽입</a:t>
+            </a:r>
+            <a:r>
+              <a:rPr lang="en-US" altLang="ko-KR" sz="2000"/>
+              <a:t>,  </a:t>
+            </a:r>
+            <a:r>
+              <a:rPr lang="ko-KR" altLang="en-US" sz="2000"/>
+              <a:t>운영체제 명령어 삽입 등</a:t>
+            </a:r>
+          </a:p>
+          <a:p>
+            <a:pPr marL="0" indent="0">
+              <a:buNone/>
+              <a:defRPr/>
+            </a:pPr>
+            <a:endParaRPr lang="ko-KR" altLang="en-US" sz="2000"/>
+          </a:p>
+          <a:p>
+            <a:pPr lvl="0">
+              <a:defRPr/>
+            </a:pPr>
+            <a:r>
+              <a:rPr lang="ko-KR" altLang="en-US" sz="2000"/>
+              <a:t>입력 받은</a:t>
+            </a:r>
+            <a:r>
+              <a:rPr lang="en-US" altLang="ko-KR" sz="2000"/>
+              <a:t> </a:t>
+            </a:r>
+            <a:r>
+              <a:rPr lang="ko-KR" altLang="en-US" sz="2000" b="1"/>
+              <a:t>데이터 값이 조작</a:t>
+            </a:r>
+            <a:r>
+              <a:rPr lang="ko-KR" altLang="en-US" sz="2000"/>
+              <a:t>되는 경우</a:t>
+            </a:r>
+          </a:p>
+          <a:p>
+            <a:pPr marL="0" indent="0">
+              <a:buNone/>
+              <a:defRPr/>
+            </a:pPr>
+            <a:r>
+              <a:rPr lang="en-US" altLang="ko-KR" sz="2000"/>
+              <a:t>    - </a:t>
+            </a:r>
+            <a:r>
+              <a:rPr lang="ko-KR" altLang="en-US" sz="2000"/>
+              <a:t>보호 매커니즘을 우회할 수 있는 입력 값 변조</a:t>
+            </a:r>
+            <a:r>
+              <a:rPr lang="en-US" altLang="ko-KR" sz="2000"/>
+              <a:t>(</a:t>
+            </a:r>
+            <a:r>
+              <a:rPr lang="ko-KR" altLang="en-US" sz="2000"/>
+              <a:t>쿠키</a:t>
+            </a:r>
+            <a:r>
+              <a:rPr lang="en-US" altLang="ko-KR" sz="2000"/>
+              <a:t>, </a:t>
+            </a:r>
+            <a:r>
+              <a:rPr lang="ko-KR" altLang="en-US" sz="2000"/>
+              <a:t>환경 변수 등의 입력 값 변조</a:t>
+            </a:r>
+            <a:r>
+              <a:rPr lang="en-US" altLang="ko-KR" sz="2000"/>
+              <a:t>), </a:t>
+            </a:r>
+            <a:r>
+              <a:rPr lang="ko-KR" altLang="en-US" sz="2000"/>
+              <a:t> </a:t>
+            </a:r>
+          </a:p>
+          <a:p>
+            <a:pPr marL="0" indent="0">
+              <a:buNone/>
+              <a:defRPr/>
+            </a:pPr>
+            <a:r>
+              <a:rPr lang="ko-KR" altLang="en-US" sz="2000"/>
+              <a:t>        디렉터리 경로조작 </a:t>
+            </a:r>
+          </a:p>
+          <a:p>
+            <a:pPr marL="0" indent="0">
+              <a:buNone/>
+              <a:defRPr/>
+            </a:pPr>
+            <a:endParaRPr lang="ko-KR" altLang="en-US" sz="2000"/>
+          </a:p>
+          <a:p>
+            <a:pPr lvl="0">
+              <a:defRPr/>
+            </a:pPr>
+            <a:r>
+              <a:rPr lang="ko-KR" altLang="en-US" sz="2000" b="1"/>
+              <a:t>오버플로우</a:t>
+            </a:r>
+            <a:r>
+              <a:rPr lang="ko-KR" altLang="en-US" sz="2000"/>
+              <a:t> 발생</a:t>
+            </a:r>
+          </a:p>
+          <a:p>
+            <a:pPr marL="0" indent="0">
+              <a:buNone/>
+              <a:defRPr/>
+            </a:pPr>
+            <a:r>
+              <a:rPr lang="en-US" altLang="ko-KR" sz="2000"/>
+              <a:t> </a:t>
+            </a:r>
+            <a:r>
+              <a:rPr lang="ko-KR" altLang="en-US" sz="2000"/>
               <a:t>    </a:t>
             </a:r>
             <a:r>
-              <a:rPr lang="en-US" altLang="ko-KR" sz="1800" dirty="0"/>
-              <a:t>-SQL</a:t>
-            </a:r>
-            <a:r>
-              <a:rPr lang="ko-KR" altLang="en-US" sz="1800" dirty="0"/>
-              <a:t>문 삽입</a:t>
-            </a:r>
-            <a:r>
-              <a:rPr lang="en-US" altLang="ko-KR" sz="1800" dirty="0"/>
+              <a:rPr lang="en-US" altLang="ko-KR" sz="2000"/>
+              <a:t>- </a:t>
+            </a:r>
+            <a:r>
+              <a:rPr lang="ko-KR" altLang="en-US" sz="2000"/>
+              <a:t>스택에 할당된 버퍼 오버플로우</a:t>
+            </a:r>
+            <a:r>
+              <a:rPr lang="en-US" altLang="ko-KR" sz="2000"/>
               <a:t>,  </a:t>
             </a:r>
             <a:r>
-              <a:rPr lang="ko-KR" altLang="en-US" sz="1800" dirty="0"/>
-              <a:t>자원 삽입</a:t>
-            </a:r>
-            <a:r>
-              <a:rPr lang="en-US" altLang="ko-KR" sz="1800" dirty="0"/>
-              <a:t>,  </a:t>
-            </a:r>
-            <a:r>
-              <a:rPr lang="ko-KR" altLang="en-US" sz="1800" dirty="0"/>
-              <a:t>운영체제 명령어 삽입 등</a:t>
-            </a:r>
-            <a:endParaRPr lang="en-US" altLang="ko-KR" sz="1800" dirty="0"/>
+              <a:rPr lang="ko-KR" altLang="en-US" sz="2000"/>
+              <a:t>힙에 할당된 버퍼 오버플로우</a:t>
+            </a:r>
           </a:p>
           <a:p>
             <a:pPr marL="0" indent="0">
               <a:buNone/>
+              <a:defRPr/>
             </a:pPr>
-            <a:endParaRPr lang="en-US" altLang="ko-KR" sz="1800" dirty="0"/>
-          </a:p>
-          <a:p>
-            <a:r>
-              <a:rPr lang="ko-KR" altLang="en-US" sz="2400" dirty="0"/>
-              <a:t>입력 받은</a:t>
-            </a:r>
-            <a:r>
-              <a:rPr lang="en-US" altLang="ko-KR" sz="2400" dirty="0"/>
+            <a:r>
+              <a:rPr lang="en-US" altLang="ko-KR" sz="2000"/>
               <a:t> </a:t>
             </a:r>
-            <a:r>
-              <a:rPr lang="ko-KR" altLang="en-US" sz="2400" dirty="0" err="1"/>
-              <a:t>데이터값이</a:t>
-            </a:r>
-            <a:r>
-              <a:rPr lang="ko-KR" altLang="en-US" sz="2400" dirty="0"/>
-              <a:t> 조작되는 경우</a:t>
-            </a:r>
-            <a:endParaRPr lang="en-US" altLang="ko-KR" sz="2400" dirty="0"/>
-          </a:p>
-          <a:p>
-            <a:pPr marL="0" indent="0">
-              <a:buNone/>
-            </a:pPr>
-            <a:r>
-              <a:rPr lang="en-US" altLang="ko-KR" sz="2400" dirty="0"/>
-              <a:t>     -</a:t>
-            </a:r>
-            <a:r>
-              <a:rPr lang="ko-KR" altLang="en-US" sz="1800" dirty="0"/>
-              <a:t>보호 </a:t>
-            </a:r>
-            <a:r>
-              <a:rPr lang="ko-KR" altLang="en-US" sz="1800" dirty="0" err="1"/>
-              <a:t>매커니즘을</a:t>
-            </a:r>
-            <a:r>
-              <a:rPr lang="ko-KR" altLang="en-US" sz="1800" dirty="0"/>
-              <a:t> 우회할 수 있는 </a:t>
-            </a:r>
-            <a:r>
-              <a:rPr lang="ko-KR" altLang="en-US" sz="1800" dirty="0" err="1"/>
-              <a:t>입력값</a:t>
-            </a:r>
-            <a:r>
-              <a:rPr lang="ko-KR" altLang="en-US" sz="1800" dirty="0"/>
-              <a:t> 변조</a:t>
-            </a:r>
-            <a:r>
-              <a:rPr lang="en-US" altLang="ko-KR" sz="1800" dirty="0"/>
-              <a:t>(</a:t>
-            </a:r>
-            <a:r>
-              <a:rPr lang="ko-KR" altLang="en-US" sz="1800" dirty="0"/>
-              <a:t>쿠키</a:t>
-            </a:r>
-            <a:r>
-              <a:rPr lang="en-US" altLang="ko-KR" sz="1800" dirty="0"/>
-              <a:t>, </a:t>
-            </a:r>
-            <a:r>
-              <a:rPr lang="ko-KR" altLang="en-US" sz="1800" dirty="0" err="1"/>
-              <a:t>환경변수등의</a:t>
-            </a:r>
-            <a:r>
-              <a:rPr lang="ko-KR" altLang="en-US" sz="1800" dirty="0"/>
-              <a:t> </a:t>
-            </a:r>
-            <a:r>
-              <a:rPr lang="ko-KR" altLang="en-US" sz="1800" dirty="0" err="1"/>
-              <a:t>입력값</a:t>
-            </a:r>
-            <a:r>
-              <a:rPr lang="ko-KR" altLang="en-US" sz="1800" dirty="0"/>
-              <a:t> 변조</a:t>
-            </a:r>
-            <a:r>
-              <a:rPr lang="en-US" altLang="ko-KR" sz="1800" dirty="0"/>
-              <a:t>), </a:t>
-            </a:r>
-            <a:r>
-              <a:rPr lang="ko-KR" altLang="en-US" sz="1800" dirty="0"/>
-              <a:t>디렉터리 경로 조작</a:t>
-            </a:r>
-            <a:endParaRPr lang="en-US" altLang="ko-KR" sz="1800" dirty="0"/>
-          </a:p>
-          <a:p>
-            <a:pPr marL="0" indent="0">
-              <a:buNone/>
-            </a:pPr>
-            <a:endParaRPr lang="en-US" altLang="ko-KR" sz="1800" dirty="0"/>
-          </a:p>
-          <a:p>
-            <a:r>
-              <a:rPr lang="ko-KR" altLang="en-US" sz="2400" dirty="0" err="1"/>
-              <a:t>입력받은</a:t>
-            </a:r>
-            <a:r>
-              <a:rPr lang="ko-KR" altLang="en-US" sz="2400" dirty="0"/>
-              <a:t> 데이터의 </a:t>
-            </a:r>
-            <a:r>
-              <a:rPr lang="ko-KR" altLang="en-US" sz="2400" b="1" dirty="0"/>
-              <a:t>데이터 타입</a:t>
-            </a:r>
-            <a:r>
-              <a:rPr lang="ko-KR" altLang="en-US" sz="2400" dirty="0"/>
-              <a:t>이 잘못 할당된 경우</a:t>
-            </a:r>
-            <a:endParaRPr lang="en-US" altLang="ko-KR" sz="2400" dirty="0"/>
-          </a:p>
-          <a:p>
-            <a:pPr marL="0" indent="0">
-              <a:buNone/>
-            </a:pPr>
-            <a:r>
-              <a:rPr lang="en-US" altLang="ko-KR" sz="1800" dirty="0"/>
-              <a:t>     -</a:t>
-            </a:r>
-            <a:r>
-              <a:rPr lang="ko-KR" altLang="en-US" sz="1800" dirty="0"/>
-              <a:t>정수 </a:t>
-            </a:r>
-            <a:r>
-              <a:rPr lang="ko-KR" altLang="en-US" sz="1800" dirty="0" err="1"/>
-              <a:t>오버플로우</a:t>
-            </a:r>
-            <a:r>
-              <a:rPr lang="en-US" altLang="ko-KR" sz="1800" dirty="0"/>
-              <a:t>, (un)signed(</a:t>
-            </a:r>
-            <a:r>
-              <a:rPr lang="ko-KR" altLang="en-US" sz="1800" dirty="0" err="1"/>
-              <a:t>부호없음</a:t>
-            </a:r>
-            <a:r>
-              <a:rPr lang="en-US" altLang="ko-KR" sz="1800" dirty="0"/>
-              <a:t>/</a:t>
-            </a:r>
-            <a:r>
-              <a:rPr lang="ko-KR" altLang="en-US" sz="1800" dirty="0"/>
-              <a:t>있음</a:t>
-            </a:r>
-            <a:r>
-              <a:rPr lang="en-US" altLang="ko-KR" sz="1800" dirty="0"/>
-              <a:t>)</a:t>
-            </a:r>
-            <a:r>
-              <a:rPr lang="ko-KR" altLang="en-US" sz="1800" dirty="0"/>
-              <a:t>타입변환 오류</a:t>
-            </a:r>
-            <a:r>
-              <a:rPr lang="en-US" altLang="ko-KR" sz="1800" dirty="0"/>
-              <a:t>, </a:t>
-            </a:r>
-            <a:r>
-              <a:rPr lang="ko-KR" altLang="en-US" sz="1800" dirty="0"/>
-              <a:t>의도하지 않은 부호확장 등</a:t>
-            </a:r>
-            <a:endParaRPr lang="en-US" altLang="ko-KR" sz="1800" dirty="0"/>
-          </a:p>
-          <a:p>
-            <a:pPr marL="0" indent="0">
-              <a:buNone/>
-            </a:pPr>
-            <a:endParaRPr lang="en-US" altLang="ko-KR" sz="2400" dirty="0"/>
-          </a:p>
-          <a:p>
-            <a:r>
-              <a:rPr lang="ko-KR" altLang="en-US" sz="2400" dirty="0"/>
-              <a:t>배열</a:t>
-            </a:r>
-            <a:r>
-              <a:rPr lang="en-US" altLang="ko-KR" sz="2400" dirty="0"/>
-              <a:t>- </a:t>
-            </a:r>
-            <a:r>
-              <a:rPr lang="ko-KR" altLang="en-US" sz="2400" b="1" dirty="0"/>
-              <a:t>인덱스 지정</a:t>
-            </a:r>
-            <a:r>
-              <a:rPr lang="ko-KR" altLang="en-US" sz="2400" dirty="0"/>
-              <a:t>이 잘못 된 경우</a:t>
-            </a:r>
-            <a:endParaRPr lang="en-US" altLang="ko-KR" sz="2400" dirty="0"/>
-          </a:p>
-          <a:p>
-            <a:pPr marL="0" indent="0">
-              <a:buNone/>
-            </a:pPr>
-            <a:r>
-              <a:rPr lang="en-US" altLang="ko-KR" sz="1900" dirty="0"/>
-              <a:t>    - </a:t>
-            </a:r>
-            <a:r>
-              <a:rPr lang="ko-KR" altLang="en-US" sz="1900" dirty="0"/>
-              <a:t>널 종료 문제</a:t>
-            </a:r>
-            <a:r>
-              <a:rPr lang="en-US" altLang="ko-KR" sz="1900" dirty="0"/>
-              <a:t>, </a:t>
-            </a:r>
-            <a:r>
-              <a:rPr lang="ko-KR" altLang="en-US" sz="1900" dirty="0"/>
-              <a:t>검사되지 않은 배열 인덱싱 등</a:t>
-            </a:r>
-            <a:r>
-              <a:rPr lang="en-US" altLang="ko-KR" sz="2400" dirty="0"/>
-              <a:t> </a:t>
-            </a:r>
-            <a:endParaRPr lang="ko-KR" altLang="en-US" sz="2400" dirty="0"/>
+            <a:endParaRPr lang="ko-KR" altLang="en-US" sz="2000"/>
           </a:p>
         </p:txBody>
       </p:sp>
@@ -5217,23 +5129,25 @@
         </p:nvSpPr>
         <p:spPr>
           <a:xfrm>
-            <a:off x="838200" y="365125"/>
+            <a:off x="752475" y="268287"/>
             <a:ext cx="10515600" cy="1325563"/>
           </a:xfrm>
         </p:spPr>
         <p:txBody>
-          <a:bodyPr/>
-          <a:lstStyle/>
-          <a:p>
-            <a:r>
-              <a:rPr lang="en-US" altLang="ko-KR" b="1" dirty="0"/>
+          <a:bodyPr>
+            <a:normAutofit/>
+          </a:bodyPr>
+          <a:lstStyle/>
+          <a:p>
+            <a:r>
+              <a:rPr lang="en-US" altLang="ko-KR" sz="3800" b="1" dirty="0"/>
               <a:t>1</a:t>
             </a:r>
             <a:r>
-              <a:rPr lang="ko-KR" altLang="en-US" b="1" dirty="0"/>
+              <a:rPr lang="ko-KR" altLang="en-US" sz="3800" b="1" dirty="0"/>
               <a:t>절 입력데이터 검증 및 표현</a:t>
             </a:r>
-            <a:endParaRPr lang="ko-KR" altLang="en-US" dirty="0"/>
+            <a:endParaRPr lang="ko-KR" altLang="en-US" sz="3800" dirty="0"/>
           </a:p>
         </p:txBody>
       </p:sp>
@@ -5247,6 +5161,14 @@
   <p:clrMapOvr>
     <a:masterClrMapping/>
   </p:clrMapOvr>
+  <mc:AlternateContent xmlns:mc="http://schemas.openxmlformats.org/markup-compatibility/2006" xmlns:p14="http://schemas.microsoft.com/office/powerpoint/2010/main">
+    <mc:Choice Requires="p14">
+      <p:transition/>
+    </mc:Choice>
+    <mc:Fallback xmlns="" xmlns:c="http://schemas.openxmlformats.org/drawingml/2006/chart" xmlns:dgm="http://schemas.openxmlformats.org/drawingml/2006/diagram" xmlns:dsp="http://schemas.microsoft.com/office/drawing/2008/diagram">
+      <p:transition/>
+    </mc:Fallback>
+  </mc:AlternateContent>
 </p:sld>
 </file>
 

--- a/발표자료/Secure Coding 발표자료.pptx
+++ b/발표자료/Secure Coding 발표자료.pptx
@@ -9,7 +9,7 @@
     <p:sldId id="258" r:id="rId3"/>
     <p:sldId id="259" r:id="rId4"/>
     <p:sldId id="260" r:id="rId5"/>
-    <p:sldId id="271" r:id="rId6"/>
+    <p:sldId id="274" r:id="rId6"/>
     <p:sldId id="265" r:id="rId7"/>
     <p:sldId id="266" r:id="rId8"/>
     <p:sldId id="272" r:id="rId9"/>
@@ -138,14 +138,52 @@
 <file path=ppt/revisionInfo.xml><?xml version="1.0" encoding="utf-8"?>
 <p1510:revInfo xmlns:a="http://schemas.openxmlformats.org/drawingml/2006/main" xmlns:r="http://schemas.openxmlformats.org/officeDocument/2006/relationships" xmlns:p1510="http://schemas.microsoft.com/office/powerpoint/2015/10/main">
   <p1510:revLst>
-    <p1510:client id="{0FECC9CA-CC5E-4291-BB61-37B8B9ABF2D2}" v="68" dt="2022-08-11T17:09:09.857"/>
-    <p1510:client id="{E818CA95-EDBB-4311-B019-CF4EDEA4713D}" v="3" dt="2022-08-12T00:52:55.869"/>
+    <p1510:client id="{086FC52B-C889-4617-BF35-BE778DE66C6F}" v="231" dt="2022-08-17T00:10:01.893"/>
   </p1510:revLst>
 </p1510:revInfo>
 </file>
 
 <file path=ppt/changesInfos/changesInfo1.xml><?xml version="1.0" encoding="utf-8"?>
 <pc:chgInfo xmlns:a="http://schemas.openxmlformats.org/drawingml/2006/main" xmlns:r="http://schemas.openxmlformats.org/officeDocument/2006/relationships" xmlns:ac="http://schemas.microsoft.com/office/drawing/2013/main/command" xmlns:pc="http://schemas.microsoft.com/office/powerpoint/2013/main/command">
+  <pc:docChgLst>
+    <pc:chgData name="양 나은" userId="a5807b44723fbc74" providerId="LiveId" clId="{086FC52B-C889-4617-BF35-BE778DE66C6F}"/>
+    <pc:docChg chg="undo redo custSel addSld delSld modSld">
+      <pc:chgData name="양 나은" userId="a5807b44723fbc74" providerId="LiveId" clId="{086FC52B-C889-4617-BF35-BE778DE66C6F}" dt="2022-08-17T00:20:55.878" v="3242" actId="47"/>
+      <pc:docMkLst>
+        <pc:docMk/>
+      </pc:docMkLst>
+      <pc:sldChg chg="del">
+        <pc:chgData name="양 나은" userId="a5807b44723fbc74" providerId="LiveId" clId="{086FC52B-C889-4617-BF35-BE778DE66C6F}" dt="2022-08-17T00:20:55.878" v="3242" actId="47"/>
+        <pc:sldMkLst>
+          <pc:docMk/>
+          <pc:sldMk cId="2077967628" sldId="271"/>
+        </pc:sldMkLst>
+      </pc:sldChg>
+      <pc:sldChg chg="modSp add mod">
+        <pc:chgData name="양 나은" userId="a5807b44723fbc74" providerId="LiveId" clId="{086FC52B-C889-4617-BF35-BE778DE66C6F}" dt="2022-08-17T00:10:15.500" v="3241" actId="20577"/>
+        <pc:sldMkLst>
+          <pc:docMk/>
+          <pc:sldMk cId="3648961496" sldId="274"/>
+        </pc:sldMkLst>
+        <pc:spChg chg="mod">
+          <ac:chgData name="양 나은" userId="a5807b44723fbc74" providerId="LiveId" clId="{086FC52B-C889-4617-BF35-BE778DE66C6F}" dt="2022-08-17T00:10:15.500" v="3241" actId="20577"/>
+          <ac:spMkLst>
+            <pc:docMk/>
+            <pc:sldMk cId="3648961496" sldId="274"/>
+            <ac:spMk id="3" creationId="{00000000-0000-0000-0000-000000000000}"/>
+          </ac:spMkLst>
+        </pc:spChg>
+        <pc:spChg chg="mod">
+          <ac:chgData name="양 나은" userId="a5807b44723fbc74" providerId="LiveId" clId="{086FC52B-C889-4617-BF35-BE778DE66C6F}" dt="2022-08-16T22:11:14.461" v="19"/>
+          <ac:spMkLst>
+            <pc:docMk/>
+            <pc:sldMk cId="3648961496" sldId="274"/>
+            <ac:spMk id="11" creationId="{DE17DE96-682A-47DD-89B4-44A556F2782B}"/>
+          </ac:spMkLst>
+        </pc:spChg>
+      </pc:sldChg>
+    </pc:docChg>
+  </pc:docChgLst>
   <pc:docChgLst>
     <pc:chgData name="양 나은" userId="a5807b44723fbc74" providerId="LiveId" clId="{0FECC9CA-CC5E-4291-BB61-37B8B9ABF2D2}"/>
     <pc:docChg chg="custSel modSld">
@@ -320,7 +358,7 @@
           <a:p>
             <a:fld id="{81BC6B80-30EB-47B0-81C9-9CAAF1328A66}" type="datetimeFigureOut">
               <a:rPr lang="ko-KR" altLang="en-US" smtClean="0"/>
-              <a:t>2022-08-16</a:t>
+              <a:t>2022-08-17</a:t>
             </a:fld>
             <a:endParaRPr lang="ko-KR" altLang="en-US"/>
           </a:p>
@@ -518,7 +556,7 @@
           <a:p>
             <a:fld id="{81BC6B80-30EB-47B0-81C9-9CAAF1328A66}" type="datetimeFigureOut">
               <a:rPr lang="ko-KR" altLang="en-US" smtClean="0"/>
-              <a:t>2022-08-16</a:t>
+              <a:t>2022-08-17</a:t>
             </a:fld>
             <a:endParaRPr lang="ko-KR" altLang="en-US"/>
           </a:p>
@@ -726,7 +764,7 @@
           <a:p>
             <a:fld id="{81BC6B80-30EB-47B0-81C9-9CAAF1328A66}" type="datetimeFigureOut">
               <a:rPr lang="ko-KR" altLang="en-US" smtClean="0"/>
-              <a:t>2022-08-16</a:t>
+              <a:t>2022-08-17</a:t>
             </a:fld>
             <a:endParaRPr lang="ko-KR" altLang="en-US"/>
           </a:p>
@@ -924,7 +962,7 @@
           <a:p>
             <a:fld id="{81BC6B80-30EB-47B0-81C9-9CAAF1328A66}" type="datetimeFigureOut">
               <a:rPr lang="ko-KR" altLang="en-US" smtClean="0"/>
-              <a:t>2022-08-16</a:t>
+              <a:t>2022-08-17</a:t>
             </a:fld>
             <a:endParaRPr lang="ko-KR" altLang="en-US"/>
           </a:p>
@@ -1199,7 +1237,7 @@
           <a:p>
             <a:fld id="{81BC6B80-30EB-47B0-81C9-9CAAF1328A66}" type="datetimeFigureOut">
               <a:rPr lang="ko-KR" altLang="en-US" smtClean="0"/>
-              <a:t>2022-08-16</a:t>
+              <a:t>2022-08-17</a:t>
             </a:fld>
             <a:endParaRPr lang="ko-KR" altLang="en-US"/>
           </a:p>
@@ -1464,7 +1502,7 @@
           <a:p>
             <a:fld id="{81BC6B80-30EB-47B0-81C9-9CAAF1328A66}" type="datetimeFigureOut">
               <a:rPr lang="ko-KR" altLang="en-US" smtClean="0"/>
-              <a:t>2022-08-16</a:t>
+              <a:t>2022-08-17</a:t>
             </a:fld>
             <a:endParaRPr lang="ko-KR" altLang="en-US"/>
           </a:p>
@@ -1876,7 +1914,7 @@
           <a:p>
             <a:fld id="{81BC6B80-30EB-47B0-81C9-9CAAF1328A66}" type="datetimeFigureOut">
               <a:rPr lang="ko-KR" altLang="en-US" smtClean="0"/>
-              <a:t>2022-08-16</a:t>
+              <a:t>2022-08-17</a:t>
             </a:fld>
             <a:endParaRPr lang="ko-KR" altLang="en-US"/>
           </a:p>
@@ -2017,7 +2055,7 @@
           <a:p>
             <a:fld id="{81BC6B80-30EB-47B0-81C9-9CAAF1328A66}" type="datetimeFigureOut">
               <a:rPr lang="ko-KR" altLang="en-US" smtClean="0"/>
-              <a:t>2022-08-16</a:t>
+              <a:t>2022-08-17</a:t>
             </a:fld>
             <a:endParaRPr lang="ko-KR" altLang="en-US"/>
           </a:p>
@@ -2130,7 +2168,7 @@
           <a:p>
             <a:fld id="{81BC6B80-30EB-47B0-81C9-9CAAF1328A66}" type="datetimeFigureOut">
               <a:rPr lang="ko-KR" altLang="en-US" smtClean="0"/>
-              <a:t>2022-08-16</a:t>
+              <a:t>2022-08-17</a:t>
             </a:fld>
             <a:endParaRPr lang="ko-KR" altLang="en-US"/>
           </a:p>
@@ -2441,7 +2479,7 @@
           <a:p>
             <a:fld id="{81BC6B80-30EB-47B0-81C9-9CAAF1328A66}" type="datetimeFigureOut">
               <a:rPr lang="ko-KR" altLang="en-US" smtClean="0"/>
-              <a:t>2022-08-16</a:t>
+              <a:t>2022-08-17</a:t>
             </a:fld>
             <a:endParaRPr lang="ko-KR" altLang="en-US"/>
           </a:p>
@@ -2729,7 +2767,7 @@
           <a:p>
             <a:fld id="{81BC6B80-30EB-47B0-81C9-9CAAF1328A66}" type="datetimeFigureOut">
               <a:rPr lang="ko-KR" altLang="en-US" smtClean="0"/>
-              <a:t>2022-08-16</a:t>
+              <a:t>2022-08-17</a:t>
             </a:fld>
             <a:endParaRPr lang="ko-KR" altLang="en-US"/>
           </a:p>
@@ -2970,7 +3008,7 @@
           <a:p>
             <a:fld id="{81BC6B80-30EB-47B0-81C9-9CAAF1328A66}" type="datetimeFigureOut">
               <a:rPr lang="ko-KR" altLang="en-US" smtClean="0"/>
-              <a:t>2022-08-16</a:t>
+              <a:t>2022-08-17</a:t>
             </a:fld>
             <a:endParaRPr lang="ko-KR" altLang="en-US"/>
           </a:p>
@@ -5165,7 +5203,7 @@
     <mc:Choice Requires="p14">
       <p:transition/>
     </mc:Choice>
-    <mc:Fallback xmlns="" xmlns:c="http://schemas.openxmlformats.org/drawingml/2006/chart" xmlns:dgm="http://schemas.openxmlformats.org/drawingml/2006/diagram" xmlns:dsp="http://schemas.microsoft.com/office/drawing/2008/diagram">
+    <mc:Fallback xmlns:dsp="http://schemas.microsoft.com/office/drawing/2008/diagram" xmlns:dgm="http://schemas.openxmlformats.org/drawingml/2006/diagram" xmlns:c="http://schemas.openxmlformats.org/drawingml/2006/chart" xmlns="">
       <p:transition/>
     </mc:Fallback>
   </mc:AlternateContent>
@@ -5191,730 +5229,254 @@
       </p:grpSpPr>
       <p:sp>
         <p:nvSpPr>
-          <p:cNvPr id="2" name="제목 1">
-            <a:extLst>
-              <a:ext uri="{FF2B5EF4-FFF2-40B4-BE49-F238E27FC236}">
-                <a16:creationId xmlns:a16="http://schemas.microsoft.com/office/drawing/2014/main" id="{15921F49-7D41-59E5-E27F-21F8AF38ECF5}"/>
-              </a:ext>
-            </a:extLst>
-          </p:cNvPr>
-          <p:cNvSpPr>
-            <a:spLocks noGrp="1"/>
-          </p:cNvSpPr>
-          <p:nvPr>
-            <p:ph type="title"/>
+          <p:cNvPr id="3" name="내용 개체 틀 2"/>
+          <p:cNvSpPr>
+            <a:spLocks noGrp="1"/>
+          </p:cNvSpPr>
+          <p:nvPr>
+            <p:ph idx="1"/>
           </p:nvPr>
         </p:nvSpPr>
         <p:spPr>
           <a:xfrm>
-            <a:off x="404567" y="-21371"/>
+            <a:off x="310462" y="1516620"/>
+            <a:ext cx="11624106" cy="5102225"/>
+          </a:xfrm>
+        </p:spPr>
+        <p:txBody>
+          <a:bodyPr>
+            <a:noAutofit/>
+          </a:bodyPr>
+          <a:lstStyle/>
+          <a:p>
+            <a:pPr lvl="0">
+              <a:defRPr/>
+            </a:pPr>
+            <a:r>
+              <a:rPr lang="ko-KR" altLang="en-US" sz="2000"/>
+              <a:t>잘못된 권한 부여</a:t>
+            </a:r>
+          </a:p>
+          <a:p>
+            <a:pPr marL="0" indent="0">
+              <a:buNone/>
+              <a:defRPr/>
+            </a:pPr>
+            <a:r>
+              <a:rPr lang="en-US" altLang="ko-KR" sz="2000"/>
+              <a:t>    - </a:t>
+            </a:r>
+            <a:r>
+              <a:rPr lang="ko-KR" altLang="en-US" sz="2000"/>
+              <a:t>중요자원에 대한 잘못된 권한 허용</a:t>
+            </a:r>
+            <a:r>
+              <a:rPr lang="en-US" altLang="ko-KR" sz="2000"/>
+              <a:t>, </a:t>
+            </a:r>
+            <a:r>
+              <a:rPr lang="ko-KR" altLang="en-US" sz="2000"/>
+              <a:t>최소 권한 적용 위배</a:t>
+            </a:r>
+          </a:p>
+          <a:p>
+            <a:pPr marL="0" indent="0">
+              <a:buNone/>
+              <a:defRPr/>
+            </a:pPr>
+            <a:endParaRPr lang="ko-KR" altLang="en-US" sz="2000"/>
+          </a:p>
+          <a:p>
+            <a:pPr lvl="0">
+              <a:defRPr/>
+            </a:pPr>
+            <a:r>
+              <a:rPr lang="ko-KR" altLang="en-US" sz="2000"/>
+              <a:t>중요정보를 평문으로 저장 </a:t>
+            </a:r>
+          </a:p>
+          <a:p>
+            <a:pPr marL="0" indent="0">
+              <a:buNone/>
+              <a:defRPr/>
+            </a:pPr>
+            <a:r>
+              <a:rPr lang="en-US" altLang="ko-KR" sz="2000"/>
+              <a:t>    - </a:t>
+            </a:r>
+            <a:r>
+              <a:rPr lang="ko-KR" altLang="en-US" sz="2000"/>
+              <a:t>사용자 중요정보나 패스워드를 평문 저장 또는 전송</a:t>
+            </a:r>
+          </a:p>
+          <a:p>
+            <a:pPr marL="0" indent="0">
+              <a:buNone/>
+              <a:defRPr/>
+            </a:pPr>
+            <a:r>
+              <a:rPr lang="ko-KR" altLang="en-US" sz="2000"/>
+              <a:t>        </a:t>
+            </a:r>
+          </a:p>
+          <a:p>
+            <a:pPr lvl="0">
+              <a:defRPr/>
+            </a:pPr>
+            <a:r>
+              <a:rPr lang="ko-KR" altLang="en-US" sz="2000"/>
+              <a:t>중요정보를 하드코드하여 저장 및 전송</a:t>
+            </a:r>
+          </a:p>
+          <a:p>
+            <a:pPr marL="0" indent="0">
+              <a:buNone/>
+              <a:defRPr/>
+            </a:pPr>
+            <a:r>
+              <a:rPr lang="en-US" altLang="ko-KR" sz="2000"/>
+              <a:t> </a:t>
+            </a:r>
+            <a:r>
+              <a:rPr lang="ko-KR" altLang="en-US" sz="2000"/>
+              <a:t>    </a:t>
+            </a:r>
+            <a:r>
+              <a:rPr lang="en-US" altLang="ko-KR" sz="2000"/>
+              <a:t>- </a:t>
+            </a:r>
+            <a:r>
+              <a:rPr lang="ko-KR" altLang="en-US" sz="2000"/>
+              <a:t>하드코드 된 패스워드 및 사용자 계정</a:t>
+            </a:r>
+            <a:r>
+              <a:rPr lang="en-US" altLang="ko-KR" sz="2000"/>
+              <a:t>, </a:t>
+            </a:r>
+            <a:r>
+              <a:rPr lang="ko-KR" altLang="en-US" sz="2000"/>
+              <a:t>하드코드된 암호화 키</a:t>
+            </a:r>
+            <a:r>
+              <a:rPr lang="en-US" altLang="ko-KR" sz="2000"/>
+              <a:t>, </a:t>
+            </a:r>
+            <a:r>
+              <a:rPr lang="ko-KR" altLang="en-US" sz="2000"/>
+              <a:t>주석문 안에 포함된 주요정보</a:t>
+            </a:r>
+            <a:endParaRPr lang="en-US" altLang="ko-KR" sz="2000"/>
+          </a:p>
+          <a:p>
+            <a:pPr marL="0" indent="0">
+              <a:buNone/>
+              <a:defRPr/>
+            </a:pPr>
+            <a:endParaRPr lang="en-US" altLang="ko-KR" sz="2000"/>
+          </a:p>
+          <a:p>
+            <a:pPr>
+              <a:defRPr/>
+            </a:pPr>
+            <a:r>
+              <a:rPr lang="ko-KR" altLang="en-US" sz="2000"/>
+              <a:t>취약한 암호 알고리즘 사용 </a:t>
+            </a:r>
+            <a:r>
+              <a:rPr lang="en-US" altLang="ko-KR" sz="2000"/>
+              <a:t> </a:t>
+            </a:r>
+          </a:p>
+          <a:p>
+            <a:pPr marL="0" indent="0">
+              <a:buNone/>
+              <a:defRPr/>
+            </a:pPr>
+            <a:r>
+              <a:rPr lang="en-US" altLang="ko-KR" sz="2000"/>
+              <a:t>     - </a:t>
+            </a:r>
+            <a:r>
+              <a:rPr lang="ko-KR" altLang="en-US" sz="2000"/>
+              <a:t>취약한 암호화 알고리즘 사용</a:t>
+            </a:r>
+            <a:r>
+              <a:rPr lang="en-US" altLang="ko-KR" sz="2000"/>
+              <a:t>, </a:t>
+            </a:r>
+            <a:r>
+              <a:rPr lang="ko-KR" altLang="en-US" sz="2000"/>
+              <a:t>충분하지 않은 키 길이 사용</a:t>
+            </a:r>
+            <a:r>
+              <a:rPr lang="en-US" altLang="ko-KR" sz="2000"/>
+              <a:t>, </a:t>
+            </a:r>
+            <a:r>
+              <a:rPr lang="ko-KR" altLang="en-US" sz="2000"/>
+              <a:t>솔트 없이 일방향 해쉬함수 사용</a:t>
+            </a:r>
+          </a:p>
+        </p:txBody>
+      </p:sp>
+      <p:sp>
+        <p:nvSpPr>
+          <p:cNvPr id="11" name="제목 1">
+            <a:extLst>
+              <a:ext uri="{FF2B5EF4-FFF2-40B4-BE49-F238E27FC236}">
+                <a16:creationId xmlns:a16="http://schemas.microsoft.com/office/drawing/2014/main" id="{DE17DE96-682A-47DD-89B4-44A556F2782B}"/>
+              </a:ext>
+            </a:extLst>
+          </p:cNvPr>
+          <p:cNvSpPr>
+            <a:spLocks noGrp="1"/>
+          </p:cNvSpPr>
+          <p:nvPr>
+            <p:ph type="title"/>
+          </p:nvPr>
+        </p:nvSpPr>
+        <p:spPr>
+          <a:xfrm>
+            <a:off x="752475" y="268287"/>
             <a:ext cx="10515600" cy="1325563"/>
           </a:xfrm>
         </p:spPr>
         <p:txBody>
-          <a:bodyPr/>
-          <a:lstStyle/>
-          <a:p>
-            <a:r>
-              <a:rPr lang="en-US" altLang="ko-KR" b="1"/>
-              <a:t>2</a:t>
-            </a:r>
-            <a:r>
-              <a:rPr lang="ko-KR" altLang="en-US" b="1"/>
-              <a:t>절 보안기능</a:t>
-            </a:r>
-            <a:endParaRPr lang="ko-KR" altLang="en-US"/>
-          </a:p>
-        </p:txBody>
-      </p:sp>
-      <p:sp>
-        <p:nvSpPr>
-          <p:cNvPr id="6" name="내용 개체 틀 2">
-            <a:extLst>
-              <a:ext uri="{FF2B5EF4-FFF2-40B4-BE49-F238E27FC236}">
-                <a16:creationId xmlns:a16="http://schemas.microsoft.com/office/drawing/2014/main" id="{609BAE97-2A2D-34BC-A29A-B867A3525096}"/>
-              </a:ext>
-            </a:extLst>
-          </p:cNvPr>
-          <p:cNvSpPr txBox="1">
-            <a:spLocks/>
-          </p:cNvSpPr>
-          <p:nvPr/>
-        </p:nvSpPr>
-        <p:spPr>
-          <a:xfrm>
-            <a:off x="444137" y="1152494"/>
-            <a:ext cx="11303725" cy="5424496"/>
-          </a:xfrm>
-          <a:prstGeom prst="rect">
-            <a:avLst/>
-          </a:prstGeom>
-        </p:spPr>
-        <p:txBody>
-          <a:bodyPr vert="horz" lIns="91440" tIns="45720" rIns="91440" bIns="45720" rtlCol="0">
+          <a:bodyPr>
             <a:normAutofit/>
           </a:bodyPr>
-          <a:lstStyle>
-            <a:lvl1pPr marL="228600" indent="-228600" algn="l" defTabSz="914400" rtl="0" eaLnBrk="1" latinLnBrk="1" hangingPunct="1">
-              <a:lnSpc>
-                <a:spcPct val="90000"/>
-              </a:lnSpc>
-              <a:spcBef>
-                <a:spcPts val="1000"/>
-              </a:spcBef>
-              <a:buFont typeface="Arial" panose="020B0604020202020204" pitchFamily="34" charset="0"/>
-              <a:buChar char="•"/>
-              <a:defRPr sz="2800" kern="1200">
-                <a:solidFill>
-                  <a:schemeClr val="tx1"/>
-                </a:solidFill>
-                <a:latin typeface="+mn-lt"/>
-                <a:ea typeface="+mn-ea"/>
-                <a:cs typeface="+mn-cs"/>
-              </a:defRPr>
-            </a:lvl1pPr>
-            <a:lvl2pPr marL="685800" indent="-228600" algn="l" defTabSz="914400" rtl="0" eaLnBrk="1" latinLnBrk="1" hangingPunct="1">
-              <a:lnSpc>
-                <a:spcPct val="90000"/>
-              </a:lnSpc>
-              <a:spcBef>
-                <a:spcPts val="500"/>
-              </a:spcBef>
-              <a:buFont typeface="Arial" panose="020B0604020202020204" pitchFamily="34" charset="0"/>
-              <a:buChar char="•"/>
-              <a:defRPr sz="2400" kern="1200">
-                <a:solidFill>
-                  <a:schemeClr val="tx1"/>
-                </a:solidFill>
-                <a:latin typeface="+mn-lt"/>
-                <a:ea typeface="+mn-ea"/>
-                <a:cs typeface="+mn-cs"/>
-              </a:defRPr>
-            </a:lvl2pPr>
-            <a:lvl3pPr marL="1143000" indent="-228600" algn="l" defTabSz="914400" rtl="0" eaLnBrk="1" latinLnBrk="1" hangingPunct="1">
-              <a:lnSpc>
-                <a:spcPct val="90000"/>
-              </a:lnSpc>
-              <a:spcBef>
-                <a:spcPts val="500"/>
-              </a:spcBef>
-              <a:buFont typeface="Arial" panose="020B0604020202020204" pitchFamily="34" charset="0"/>
-              <a:buChar char="•"/>
-              <a:defRPr sz="2000" kern="1200">
-                <a:solidFill>
-                  <a:schemeClr val="tx1"/>
-                </a:solidFill>
-                <a:latin typeface="+mn-lt"/>
-                <a:ea typeface="+mn-ea"/>
-                <a:cs typeface="+mn-cs"/>
-              </a:defRPr>
-            </a:lvl3pPr>
-            <a:lvl4pPr marL="1600200" indent="-228600" algn="l" defTabSz="914400" rtl="0" eaLnBrk="1" latinLnBrk="1" hangingPunct="1">
-              <a:lnSpc>
-                <a:spcPct val="90000"/>
-              </a:lnSpc>
-              <a:spcBef>
-                <a:spcPts val="500"/>
-              </a:spcBef>
-              <a:buFont typeface="Arial" panose="020B0604020202020204" pitchFamily="34" charset="0"/>
-              <a:buChar char="•"/>
-              <a:defRPr sz="1800" kern="1200">
-                <a:solidFill>
-                  <a:schemeClr val="tx1"/>
-                </a:solidFill>
-                <a:latin typeface="+mn-lt"/>
-                <a:ea typeface="+mn-ea"/>
-                <a:cs typeface="+mn-cs"/>
-              </a:defRPr>
-            </a:lvl4pPr>
-            <a:lvl5pPr marL="2057400" indent="-228600" algn="l" defTabSz="914400" rtl="0" eaLnBrk="1" latinLnBrk="1" hangingPunct="1">
-              <a:lnSpc>
-                <a:spcPct val="90000"/>
-              </a:lnSpc>
-              <a:spcBef>
-                <a:spcPts val="500"/>
-              </a:spcBef>
-              <a:buFont typeface="Arial" panose="020B0604020202020204" pitchFamily="34" charset="0"/>
-              <a:buChar char="•"/>
-              <a:defRPr sz="1800" kern="1200">
-                <a:solidFill>
-                  <a:schemeClr val="tx1"/>
-                </a:solidFill>
-                <a:latin typeface="+mn-lt"/>
-                <a:ea typeface="+mn-ea"/>
-                <a:cs typeface="+mn-cs"/>
-              </a:defRPr>
-            </a:lvl5pPr>
-            <a:lvl6pPr marL="2514600" indent="-228600" algn="l" defTabSz="914400" rtl="0" eaLnBrk="1" latinLnBrk="1" hangingPunct="1">
-              <a:lnSpc>
-                <a:spcPct val="90000"/>
-              </a:lnSpc>
-              <a:spcBef>
-                <a:spcPts val="500"/>
-              </a:spcBef>
-              <a:buFont typeface="Arial" panose="020B0604020202020204" pitchFamily="34" charset="0"/>
-              <a:buChar char="•"/>
-              <a:defRPr sz="1800" kern="1200">
-                <a:solidFill>
-                  <a:schemeClr val="tx1"/>
-                </a:solidFill>
-                <a:latin typeface="+mn-lt"/>
-                <a:ea typeface="+mn-ea"/>
-                <a:cs typeface="+mn-cs"/>
-              </a:defRPr>
-            </a:lvl6pPr>
-            <a:lvl7pPr marL="2971800" indent="-228600" algn="l" defTabSz="914400" rtl="0" eaLnBrk="1" latinLnBrk="1" hangingPunct="1">
-              <a:lnSpc>
-                <a:spcPct val="90000"/>
-              </a:lnSpc>
-              <a:spcBef>
-                <a:spcPts val="500"/>
-              </a:spcBef>
-              <a:buFont typeface="Arial" panose="020B0604020202020204" pitchFamily="34" charset="0"/>
-              <a:buChar char="•"/>
-              <a:defRPr sz="1800" kern="1200">
-                <a:solidFill>
-                  <a:schemeClr val="tx1"/>
-                </a:solidFill>
-                <a:latin typeface="+mn-lt"/>
-                <a:ea typeface="+mn-ea"/>
-                <a:cs typeface="+mn-cs"/>
-              </a:defRPr>
-            </a:lvl7pPr>
-            <a:lvl8pPr marL="3429000" indent="-228600" algn="l" defTabSz="914400" rtl="0" eaLnBrk="1" latinLnBrk="1" hangingPunct="1">
-              <a:lnSpc>
-                <a:spcPct val="90000"/>
-              </a:lnSpc>
-              <a:spcBef>
-                <a:spcPts val="500"/>
-              </a:spcBef>
-              <a:buFont typeface="Arial" panose="020B0604020202020204" pitchFamily="34" charset="0"/>
-              <a:buChar char="•"/>
-              <a:defRPr sz="1800" kern="1200">
-                <a:solidFill>
-                  <a:schemeClr val="tx1"/>
-                </a:solidFill>
-                <a:latin typeface="+mn-lt"/>
-                <a:ea typeface="+mn-ea"/>
-                <a:cs typeface="+mn-cs"/>
-              </a:defRPr>
-            </a:lvl8pPr>
-            <a:lvl9pPr marL="3886200" indent="-228600" algn="l" defTabSz="914400" rtl="0" eaLnBrk="1" latinLnBrk="1" hangingPunct="1">
-              <a:lnSpc>
-                <a:spcPct val="90000"/>
-              </a:lnSpc>
-              <a:spcBef>
-                <a:spcPts val="500"/>
-              </a:spcBef>
-              <a:buFont typeface="Arial" panose="020B0604020202020204" pitchFamily="34" charset="0"/>
-              <a:buChar char="•"/>
-              <a:defRPr sz="1800" kern="1200">
-                <a:solidFill>
-                  <a:schemeClr val="tx1"/>
-                </a:solidFill>
-                <a:latin typeface="+mn-lt"/>
-                <a:ea typeface="+mn-ea"/>
-                <a:cs typeface="+mn-cs"/>
-              </a:defRPr>
-            </a:lvl9pPr>
-          </a:lstStyle>
-          <a:p>
-            <a:pPr marL="0" indent="0">
-              <a:buFont typeface="Arial" panose="020B0604020202020204" pitchFamily="34" charset="0"/>
-              <a:buNone/>
-            </a:pPr>
-            <a:r>
-              <a:rPr lang="en-US" altLang="ko-KR" sz="2000"/>
-              <a:t>1. </a:t>
-            </a:r>
-            <a:r>
-              <a:rPr lang="ko-KR" altLang="en-US" sz="2000"/>
-              <a:t>패스워드등의 중요정보를 평문으로 저장 및 전송</a:t>
-            </a:r>
-            <a:endParaRPr lang="en-US" altLang="ko-KR" sz="2000"/>
-          </a:p>
-          <a:p>
-            <a:pPr marL="0" indent="0">
-              <a:buFont typeface="Arial" panose="020B0604020202020204" pitchFamily="34" charset="0"/>
-              <a:buNone/>
-            </a:pPr>
-            <a:r>
-              <a:rPr lang="en-US" altLang="ko-KR" sz="1200"/>
-              <a:t>    </a:t>
-            </a:r>
-            <a:r>
-              <a:rPr lang="ko-KR" altLang="en-US" sz="1200">
-                <a:sym typeface="Wingdings" panose="05000000000000000000" pitchFamily="2" charset="2"/>
-              </a:rPr>
-              <a:t> 문제 </a:t>
-            </a:r>
-            <a:r>
-              <a:rPr lang="en-US" altLang="ko-KR" sz="1200">
-                <a:sym typeface="Wingdings" panose="05000000000000000000" pitchFamily="2" charset="2"/>
-              </a:rPr>
-              <a:t>: </a:t>
-            </a:r>
-            <a:r>
-              <a:rPr lang="ko-KR" altLang="en-US" sz="1200">
-                <a:sym typeface="Wingdings" panose="05000000000000000000" pitchFamily="2" charset="2"/>
-              </a:rPr>
-              <a:t>①환경설정 파일에 접근할 수 있는 사람 누구나 패스워드를 알아낼 수 있다</a:t>
-            </a:r>
-            <a:r>
-              <a:rPr lang="en-US" altLang="ko-KR" sz="1200">
-                <a:sym typeface="Wingdings" panose="05000000000000000000" pitchFamily="2" charset="2"/>
-              </a:rPr>
-              <a:t>. </a:t>
-            </a:r>
-          </a:p>
-          <a:p>
-            <a:pPr marL="0" indent="0">
-              <a:buFont typeface="Arial" panose="020B0604020202020204" pitchFamily="34" charset="0"/>
-              <a:buNone/>
-            </a:pPr>
-            <a:r>
-              <a:rPr lang="en-US" altLang="ko-KR" sz="1200">
-                <a:sym typeface="Wingdings" panose="05000000000000000000" pitchFamily="2" charset="2"/>
-              </a:rPr>
-              <a:t>              </a:t>
-            </a:r>
-            <a:r>
-              <a:rPr lang="ko-KR" altLang="en-US" sz="1200">
-                <a:sym typeface="Wingdings" panose="05000000000000000000" pitchFamily="2" charset="2"/>
-              </a:rPr>
-              <a:t>②통신채널를 통해 정보를 송수신하는</a:t>
-            </a:r>
-            <a:r>
-              <a:rPr lang="en-US" altLang="ko-KR" sz="1200">
-                <a:sym typeface="Wingdings" panose="05000000000000000000" pitchFamily="2" charset="2"/>
-              </a:rPr>
-              <a:t> </a:t>
-            </a:r>
-            <a:r>
-              <a:rPr lang="ko-KR" altLang="en-US" sz="1200">
-                <a:sym typeface="Wingdings" panose="05000000000000000000" pitchFamily="2" charset="2"/>
-              </a:rPr>
-              <a:t>경우 통신채널 스니핑을 통해 민감한 정보가 유출될 수 있다</a:t>
-            </a:r>
-            <a:r>
-              <a:rPr lang="en-US" altLang="ko-KR" sz="1200">
-                <a:sym typeface="Wingdings" panose="05000000000000000000" pitchFamily="2" charset="2"/>
-              </a:rPr>
-              <a:t>.</a:t>
-            </a:r>
-            <a:r>
-              <a:rPr lang="ko-KR" altLang="en-US" sz="1200">
-                <a:sym typeface="Wingdings" panose="05000000000000000000" pitchFamily="2" charset="2"/>
-              </a:rPr>
-              <a:t> </a:t>
-            </a:r>
-            <a:endParaRPr lang="en-US" altLang="ko-KR" sz="1200">
-              <a:sym typeface="Wingdings" panose="05000000000000000000" pitchFamily="2" charset="2"/>
-            </a:endParaRPr>
-          </a:p>
-          <a:p>
-            <a:pPr marL="0" indent="0">
-              <a:buFont typeface="Arial" panose="020B0604020202020204" pitchFamily="34" charset="0"/>
-              <a:buNone/>
-            </a:pPr>
-            <a:r>
-              <a:rPr lang="en-US" altLang="ko-KR" sz="1200">
-                <a:sym typeface="Wingdings" panose="05000000000000000000" pitchFamily="2" charset="2"/>
-              </a:rPr>
-              <a:t>    </a:t>
-            </a:r>
-            <a:r>
-              <a:rPr lang="ko-KR" altLang="en-US" sz="1200">
-                <a:sym typeface="Wingdings" panose="05000000000000000000" pitchFamily="2" charset="2"/>
-              </a:rPr>
-              <a:t> 해결 방안 </a:t>
-            </a:r>
-            <a:r>
-              <a:rPr lang="en-US" altLang="ko-KR" sz="1200">
-                <a:sym typeface="Wingdings" panose="05000000000000000000" pitchFamily="2" charset="2"/>
-              </a:rPr>
-              <a:t>: </a:t>
-            </a:r>
-            <a:r>
-              <a:rPr lang="ko-KR" altLang="en-US" sz="1200">
-                <a:sym typeface="Wingdings" panose="05000000000000000000" pitchFamily="2" charset="2"/>
-              </a:rPr>
-              <a:t>중요한 정보는 암호화해서 파일로 저장하도록 설계한다</a:t>
-            </a:r>
-            <a:r>
-              <a:rPr lang="en-US" altLang="ko-KR" sz="1200">
-                <a:sym typeface="Wingdings" panose="05000000000000000000" pitchFamily="2" charset="2"/>
-              </a:rPr>
-              <a:t>. </a:t>
-            </a:r>
-            <a:r>
-              <a:rPr lang="ko-KR" altLang="en-US" sz="1200">
-                <a:sym typeface="Wingdings" panose="05000000000000000000" pitchFamily="2" charset="2"/>
-              </a:rPr>
-              <a:t>패스워드 암호화→해시 함수 알고리즘</a:t>
-            </a:r>
-            <a:endParaRPr lang="en-US" altLang="ko-KR" sz="1200">
-              <a:sym typeface="Wingdings" panose="05000000000000000000" pitchFamily="2" charset="2"/>
-            </a:endParaRPr>
-          </a:p>
-          <a:p>
-            <a:pPr marL="0" indent="0">
-              <a:buFont typeface="Arial" panose="020B0604020202020204" pitchFamily="34" charset="0"/>
-              <a:buNone/>
-            </a:pPr>
-            <a:endParaRPr lang="en-US" altLang="ko-KR" sz="1200"/>
-          </a:p>
-          <a:p>
-            <a:pPr marL="0" indent="0">
-              <a:buFont typeface="Arial" panose="020B0604020202020204" pitchFamily="34" charset="0"/>
-              <a:buNone/>
-            </a:pPr>
-            <a:r>
-              <a:rPr lang="en-US" altLang="ko-KR" sz="2000"/>
-              <a:t>2. </a:t>
-            </a:r>
-            <a:r>
-              <a:rPr lang="ko-KR" altLang="en-US" sz="2000"/>
-              <a:t>주석문 안에 포함된 패스워드 등 시스템 주요정보</a:t>
-            </a:r>
-            <a:endParaRPr lang="en-US" altLang="ko-KR" sz="2000"/>
-          </a:p>
-          <a:p>
-            <a:pPr marL="0" indent="0">
-              <a:buFont typeface="Arial" panose="020B0604020202020204" pitchFamily="34" charset="0"/>
-              <a:buNone/>
-            </a:pPr>
-            <a:r>
-              <a:rPr lang="en-US" altLang="ko-KR" sz="1200"/>
-              <a:t>   </a:t>
-            </a:r>
-            <a:r>
-              <a:rPr lang="ko-KR" altLang="en-US" sz="1200">
-                <a:sym typeface="Wingdings" panose="05000000000000000000" pitchFamily="2" charset="2"/>
-              </a:rPr>
-              <a:t> 문제 </a:t>
-            </a:r>
-            <a:r>
-              <a:rPr lang="en-US" altLang="ko-KR" sz="1200">
-                <a:sym typeface="Wingdings" panose="05000000000000000000" pitchFamily="2" charset="2"/>
-              </a:rPr>
-              <a:t>: </a:t>
-            </a:r>
-            <a:r>
-              <a:rPr lang="ko-KR" altLang="en-US" sz="1200">
-                <a:sym typeface="Wingdings" panose="05000000000000000000" pitchFamily="2" charset="2"/>
-              </a:rPr>
-              <a:t>공격자가 소스코드에 접근하면 시스템의 패스워드를 쉽게 확인할 수 있으며</a:t>
-            </a:r>
-            <a:r>
-              <a:rPr lang="en-US" altLang="ko-KR" sz="1200">
-                <a:sym typeface="Wingdings" panose="05000000000000000000" pitchFamily="2" charset="2"/>
-              </a:rPr>
-              <a:t>,</a:t>
-            </a:r>
-            <a:r>
-              <a:rPr lang="ko-KR" altLang="en-US" sz="1200">
-                <a:sym typeface="Wingdings" panose="05000000000000000000" pitchFamily="2" charset="2"/>
-              </a:rPr>
-              <a:t> </a:t>
-            </a:r>
-            <a:r>
-              <a:rPr lang="en-US" altLang="ko-KR" sz="1200">
-                <a:sym typeface="Wingdings" panose="05000000000000000000" pitchFamily="2" charset="2"/>
-              </a:rPr>
-              <a:t> SW</a:t>
-            </a:r>
-            <a:r>
-              <a:rPr lang="ko-KR" altLang="en-US" sz="1200">
-                <a:sym typeface="Wingdings" panose="05000000000000000000" pitchFamily="2" charset="2"/>
-              </a:rPr>
-              <a:t>가 완성된 후에 주석을 제거하는 것이 매우 어렵다</a:t>
-            </a:r>
-            <a:r>
-              <a:rPr lang="en-US" altLang="ko-KR" sz="1200">
-                <a:sym typeface="Wingdings" panose="05000000000000000000" pitchFamily="2" charset="2"/>
-              </a:rPr>
-              <a:t>.   </a:t>
-            </a:r>
-          </a:p>
-          <a:p>
-            <a:pPr marL="0" indent="0">
-              <a:buFont typeface="Arial" panose="020B0604020202020204" pitchFamily="34" charset="0"/>
-              <a:buNone/>
-            </a:pPr>
-            <a:r>
-              <a:rPr lang="en-US" altLang="ko-KR" sz="1200">
-                <a:sym typeface="Wingdings" panose="05000000000000000000" pitchFamily="2" charset="2"/>
-              </a:rPr>
-              <a:t>   </a:t>
-            </a:r>
-            <a:r>
-              <a:rPr lang="ko-KR" altLang="en-US" sz="1200">
-                <a:sym typeface="Wingdings" panose="05000000000000000000" pitchFamily="2" charset="2"/>
-              </a:rPr>
-              <a:t> 해결 방안 </a:t>
-            </a:r>
-            <a:r>
-              <a:rPr lang="en-US" altLang="ko-KR" sz="1200">
-                <a:sym typeface="Wingdings" panose="05000000000000000000" pitchFamily="2" charset="2"/>
-              </a:rPr>
-              <a:t>: </a:t>
-            </a:r>
-            <a:r>
-              <a:rPr lang="ko-KR" altLang="en-US" sz="1200">
-                <a:sym typeface="Wingdings" panose="05000000000000000000" pitchFamily="2" charset="2"/>
-              </a:rPr>
-              <a:t>개발 시 주석으로 남겨놓은 주요정보는 개발이 끝난 후에 반드시 제거해야한다</a:t>
-            </a:r>
-            <a:r>
-              <a:rPr lang="en-US" altLang="ko-KR" sz="1200">
-                <a:sym typeface="Wingdings" panose="05000000000000000000" pitchFamily="2" charset="2"/>
-              </a:rPr>
-              <a:t>.</a:t>
-            </a:r>
-          </a:p>
-          <a:p>
-            <a:pPr marL="0" indent="0">
-              <a:buFont typeface="Arial" panose="020B0604020202020204" pitchFamily="34" charset="0"/>
-              <a:buNone/>
-            </a:pPr>
-            <a:endParaRPr lang="en-US" altLang="ko-KR" sz="1200"/>
-          </a:p>
-          <a:p>
-            <a:pPr marL="0" indent="0">
-              <a:buFont typeface="Arial" panose="020B0604020202020204" pitchFamily="34" charset="0"/>
-              <a:buNone/>
-            </a:pPr>
-            <a:r>
-              <a:rPr lang="en-US" altLang="ko-KR" sz="2000"/>
-              <a:t>3. </a:t>
-            </a:r>
-            <a:r>
-              <a:rPr lang="ko-KR" altLang="en-US" sz="2000"/>
-              <a:t>하드코드된 사용자 계정 및 패스워드</a:t>
-            </a:r>
-            <a:endParaRPr lang="en-US" altLang="ko-KR" sz="2000"/>
-          </a:p>
-          <a:p>
-            <a:pPr marL="0" indent="0">
-              <a:buFont typeface="Arial" panose="020B0604020202020204" pitchFamily="34" charset="0"/>
-              <a:buNone/>
-            </a:pPr>
-            <a:r>
-              <a:rPr lang="en-US" altLang="ko-KR" sz="1200"/>
-              <a:t>   </a:t>
-            </a:r>
-            <a:r>
-              <a:rPr lang="ko-KR" altLang="en-US" sz="1200">
-                <a:sym typeface="Wingdings" panose="05000000000000000000" pitchFamily="2" charset="2"/>
-              </a:rPr>
-              <a:t> 문제 </a:t>
-            </a:r>
-            <a:r>
-              <a:rPr lang="en-US" altLang="ko-KR" sz="1200">
-                <a:sym typeface="Wingdings" panose="05000000000000000000" pitchFamily="2" charset="2"/>
-              </a:rPr>
-              <a:t>: </a:t>
-            </a:r>
-            <a:r>
-              <a:rPr lang="ko-KR" altLang="en-US" sz="1200">
-                <a:sym typeface="Wingdings" panose="05000000000000000000" pitchFamily="2" charset="2"/>
-              </a:rPr>
-              <a:t>공격에 쉽게 노출되고</a:t>
-            </a:r>
-            <a:r>
-              <a:rPr lang="en-US" altLang="ko-KR" sz="1200">
-                <a:sym typeface="Wingdings" panose="05000000000000000000" pitchFamily="2" charset="2"/>
-              </a:rPr>
-              <a:t>, </a:t>
-            </a:r>
-            <a:r>
-              <a:rPr lang="ko-KR" altLang="en-US" sz="1200">
-                <a:sym typeface="Wingdings" panose="05000000000000000000" pitchFamily="2" charset="2"/>
-              </a:rPr>
-              <a:t>코드 내부에 하드코드된 사용자 계정이 인증 실패를 야기하게 되면 원인을 찾아내기가 매우 힘들다</a:t>
-            </a:r>
-            <a:r>
-              <a:rPr lang="en-US" altLang="ko-KR" sz="1200">
-                <a:sym typeface="Wingdings" panose="05000000000000000000" pitchFamily="2" charset="2"/>
-              </a:rPr>
-              <a:t>.   </a:t>
-            </a:r>
-          </a:p>
-          <a:p>
-            <a:pPr marL="0" indent="0">
-              <a:buFont typeface="Arial" panose="020B0604020202020204" pitchFamily="34" charset="0"/>
-              <a:buNone/>
-            </a:pPr>
-            <a:r>
-              <a:rPr lang="en-US" altLang="ko-KR" sz="1200">
-                <a:sym typeface="Wingdings" panose="05000000000000000000" pitchFamily="2" charset="2"/>
-              </a:rPr>
-              <a:t>   </a:t>
-            </a:r>
-            <a:r>
-              <a:rPr lang="ko-KR" altLang="en-US" sz="1200">
-                <a:sym typeface="Wingdings" panose="05000000000000000000" pitchFamily="2" charset="2"/>
-              </a:rPr>
-              <a:t> 해결 방안 </a:t>
-            </a:r>
-            <a:r>
-              <a:rPr lang="en-US" altLang="ko-KR" sz="1200">
-                <a:sym typeface="Wingdings" panose="05000000000000000000" pitchFamily="2" charset="2"/>
-              </a:rPr>
-              <a:t>: </a:t>
-            </a:r>
-            <a:r>
-              <a:rPr lang="ko-KR" altLang="en-US" sz="1200">
-                <a:sym typeface="Wingdings" panose="05000000000000000000" pitchFamily="2" charset="2"/>
-              </a:rPr>
-              <a:t>① 사용자 계정이나 패스워드를 코드 내부에 하드코드하여 사용하지 않고 검증과정을 거쳐 얻은 값을</a:t>
-            </a:r>
-            <a:r>
-              <a:rPr lang="en-US" altLang="ko-KR" sz="1200">
-                <a:sym typeface="Wingdings" panose="05000000000000000000" pitchFamily="2" charset="2"/>
-              </a:rPr>
-              <a:t> </a:t>
-            </a:r>
-            <a:r>
-              <a:rPr lang="ko-KR" altLang="en-US" sz="1200">
-                <a:sym typeface="Wingdings" panose="05000000000000000000" pitchFamily="2" charset="2"/>
-              </a:rPr>
-              <a:t>사용해야 한다</a:t>
-            </a:r>
-            <a:r>
-              <a:rPr lang="en-US" altLang="ko-KR" sz="1200">
-                <a:sym typeface="Wingdings" panose="05000000000000000000" pitchFamily="2" charset="2"/>
-              </a:rPr>
-              <a:t>. </a:t>
-            </a:r>
-          </a:p>
-          <a:p>
-            <a:pPr marL="0" indent="0">
-              <a:buFont typeface="Arial" panose="020B0604020202020204" pitchFamily="34" charset="0"/>
-              <a:buNone/>
-            </a:pPr>
-            <a:r>
-              <a:rPr lang="en-US" altLang="ko-KR" sz="1200">
-                <a:sym typeface="Wingdings" panose="05000000000000000000" pitchFamily="2" charset="2"/>
-              </a:rPr>
-              <a:t>                    </a:t>
-            </a:r>
-            <a:r>
-              <a:rPr lang="ko-KR" altLang="en-US" sz="1200">
-                <a:sym typeface="Wingdings" panose="05000000000000000000" pitchFamily="2" charset="2"/>
-              </a:rPr>
-              <a:t>② 서버에서 관리자를 인증할 때 일방향 함수로 암호화되어 저장된 패스워드를 사용</a:t>
-            </a:r>
-            <a:endParaRPr lang="en-US" altLang="ko-KR" sz="1200">
-              <a:sym typeface="Wingdings" panose="05000000000000000000" pitchFamily="2" charset="2"/>
-            </a:endParaRPr>
-          </a:p>
-          <a:p>
-            <a:pPr marL="0" indent="0">
-              <a:buFont typeface="Arial" panose="020B0604020202020204" pitchFamily="34" charset="0"/>
-              <a:buNone/>
-            </a:pPr>
-            <a:endParaRPr lang="en-US" altLang="ko-KR" sz="1200"/>
-          </a:p>
-          <a:p>
-            <a:pPr marL="0" indent="0">
-              <a:buFont typeface="Arial" panose="020B0604020202020204" pitchFamily="34" charset="0"/>
-              <a:buNone/>
-            </a:pPr>
-            <a:r>
-              <a:rPr lang="en-US" altLang="ko-KR" sz="2000"/>
-              <a:t>4. </a:t>
-            </a:r>
-            <a:r>
-              <a:rPr lang="ko-KR" altLang="en-US" sz="2000"/>
-              <a:t>잘못된 권한부여</a:t>
-            </a:r>
-            <a:endParaRPr lang="en-US" altLang="ko-KR" sz="2000"/>
-          </a:p>
-          <a:p>
-            <a:pPr marL="0" indent="0">
-              <a:buFont typeface="Arial" panose="020B0604020202020204" pitchFamily="34" charset="0"/>
-              <a:buNone/>
-            </a:pPr>
-            <a:r>
-              <a:rPr lang="en-US" altLang="ko-KR" sz="1200"/>
-              <a:t>   </a:t>
-            </a:r>
-            <a:r>
-              <a:rPr lang="ko-KR" altLang="en-US" sz="1200">
-                <a:sym typeface="Wingdings" panose="05000000000000000000" pitchFamily="2" charset="2"/>
-              </a:rPr>
-              <a:t> 문제 </a:t>
-            </a:r>
-            <a:r>
-              <a:rPr lang="en-US" altLang="ko-KR" sz="1200">
-                <a:sym typeface="Wingdings" panose="05000000000000000000" pitchFamily="2" charset="2"/>
-              </a:rPr>
-              <a:t>: </a:t>
-            </a:r>
-            <a:r>
-              <a:rPr lang="ko-KR" altLang="en-US" sz="1200">
-                <a:sym typeface="Wingdings" panose="05000000000000000000" pitchFamily="2" charset="2"/>
-              </a:rPr>
-              <a:t>권한이 없는 사용자가 중요한 자원을 사용할 수 있게 된다</a:t>
-            </a:r>
-            <a:r>
-              <a:rPr lang="en-US" altLang="ko-KR" sz="1200">
-                <a:sym typeface="Wingdings" panose="05000000000000000000" pitchFamily="2" charset="2"/>
-              </a:rPr>
-              <a:t>.</a:t>
-            </a:r>
-          </a:p>
-          <a:p>
-            <a:pPr marL="0" indent="0">
-              <a:buFont typeface="Arial" panose="020B0604020202020204" pitchFamily="34" charset="0"/>
-              <a:buNone/>
-            </a:pPr>
-            <a:r>
-              <a:rPr lang="en-US" altLang="ko-KR" sz="1200">
-                <a:sym typeface="Wingdings" panose="05000000000000000000" pitchFamily="2" charset="2"/>
-              </a:rPr>
-              <a:t>   </a:t>
-            </a:r>
-            <a:r>
-              <a:rPr lang="ko-KR" altLang="en-US" sz="1200">
-                <a:sym typeface="Wingdings" panose="05000000000000000000" pitchFamily="2" charset="2"/>
-              </a:rPr>
-              <a:t> 해결 방안 </a:t>
-            </a:r>
-            <a:r>
-              <a:rPr lang="en-US" altLang="ko-KR" sz="1200">
-                <a:sym typeface="Wingdings" panose="05000000000000000000" pitchFamily="2" charset="2"/>
-              </a:rPr>
-              <a:t>: </a:t>
-            </a:r>
-            <a:r>
-              <a:rPr lang="ko-KR" altLang="en-US" sz="1200">
-                <a:sym typeface="Wingdings" panose="05000000000000000000" pitchFamily="2" charset="2"/>
-              </a:rPr>
-              <a:t>각 유저의 권한을 미리 정의해두고 각 권한에 따른 작업만을 허용한다</a:t>
-            </a:r>
-            <a:r>
-              <a:rPr lang="en-US" altLang="ko-KR" sz="1200">
-                <a:sym typeface="Wingdings" panose="05000000000000000000" pitchFamily="2" charset="2"/>
-              </a:rPr>
-              <a:t>.</a:t>
-            </a:r>
-            <a:endParaRPr lang="ko-KR" altLang="en-US" sz="1200"/>
+          <a:lstStyle/>
+          <a:p>
+            <a:r>
+              <a:rPr lang="en-US" altLang="ko-KR" sz="3800" b="1"/>
+              <a:t>2</a:t>
+            </a:r>
+            <a:r>
+              <a:rPr lang="ko-KR" altLang="en-US" sz="3800" b="1"/>
+              <a:t>절 보안기능</a:t>
+            </a:r>
+            <a:endParaRPr lang="ko-KR" altLang="en-US" sz="3800" dirty="0"/>
           </a:p>
         </p:txBody>
       </p:sp>
     </p:spTree>
     <p:extLst>
       <p:ext uri="{BB962C8B-B14F-4D97-AF65-F5344CB8AC3E}">
-        <p14:creationId xmlns:p14="http://schemas.microsoft.com/office/powerpoint/2010/main" val="2077967628"/>
+        <p14:creationId xmlns:p14="http://schemas.microsoft.com/office/powerpoint/2010/main" val="3648961496"/>
       </p:ext>
     </p:extLst>
   </p:cSld>
   <p:clrMapOvr>
     <a:masterClrMapping/>
   </p:clrMapOvr>
+  <mc:AlternateContent xmlns:mc="http://schemas.openxmlformats.org/markup-compatibility/2006" xmlns:p14="http://schemas.microsoft.com/office/powerpoint/2010/main">
+    <mc:Choice Requires="p14">
+      <p:transition/>
+    </mc:Choice>
+    <mc:Fallback xmlns:dsp="http://schemas.microsoft.com/office/drawing/2008/diagram" xmlns:dgm="http://schemas.openxmlformats.org/drawingml/2006/diagram" xmlns:c="http://schemas.openxmlformats.org/drawingml/2006/chart" xmlns="">
+      <p:transition/>
+    </mc:Fallback>
+  </mc:AlternateContent>
 </p:sld>
 </file>
 

--- a/발표자료/Secure Coding 발표자료.pptx
+++ b/발표자료/Secure Coding 발표자료.pptx
@@ -6,18 +6,19 @@
   </p:sldMasterIdLst>
   <p:sldIdLst>
     <p:sldId id="257" r:id="rId2"/>
-    <p:sldId id="258" r:id="rId3"/>
-    <p:sldId id="259" r:id="rId4"/>
-    <p:sldId id="260" r:id="rId5"/>
-    <p:sldId id="274" r:id="rId6"/>
-    <p:sldId id="265" r:id="rId7"/>
-    <p:sldId id="266" r:id="rId8"/>
-    <p:sldId id="272" r:id="rId9"/>
-    <p:sldId id="267" r:id="rId10"/>
-    <p:sldId id="268" r:id="rId11"/>
-    <p:sldId id="273" r:id="rId12"/>
-    <p:sldId id="269" r:id="rId13"/>
-    <p:sldId id="263" r:id="rId14"/>
+    <p:sldId id="275" r:id="rId3"/>
+    <p:sldId id="258" r:id="rId4"/>
+    <p:sldId id="259" r:id="rId5"/>
+    <p:sldId id="260" r:id="rId6"/>
+    <p:sldId id="274" r:id="rId7"/>
+    <p:sldId id="265" r:id="rId8"/>
+    <p:sldId id="266" r:id="rId9"/>
+    <p:sldId id="272" r:id="rId10"/>
+    <p:sldId id="267" r:id="rId11"/>
+    <p:sldId id="268" r:id="rId12"/>
+    <p:sldId id="273" r:id="rId13"/>
+    <p:sldId id="269" r:id="rId14"/>
+    <p:sldId id="263" r:id="rId15"/>
   </p:sldIdLst>
   <p:sldSz cx="12192000" cy="6858000"/>
   <p:notesSz cx="6858000" cy="9144000"/>
@@ -138,7 +139,7 @@
 <file path=ppt/revisionInfo.xml><?xml version="1.0" encoding="utf-8"?>
 <p1510:revInfo xmlns:a="http://schemas.openxmlformats.org/drawingml/2006/main" xmlns:r="http://schemas.openxmlformats.org/officeDocument/2006/relationships" xmlns:p1510="http://schemas.microsoft.com/office/powerpoint/2015/10/main">
   <p1510:revLst>
-    <p1510:client id="{086FC52B-C889-4617-BF35-BE778DE66C6F}" v="231" dt="2022-08-17T00:10:01.893"/>
+    <p1510:client id="{E818CA95-EDBB-4311-B019-CF4EDEA4713D}" v="2" dt="2022-08-26T01:27:22.376"/>
   </p1510:revLst>
 </p1510:revInfo>
 </file>
@@ -358,7 +359,7 @@
           <a:p>
             <a:fld id="{81BC6B80-30EB-47B0-81C9-9CAAF1328A66}" type="datetimeFigureOut">
               <a:rPr lang="ko-KR" altLang="en-US" smtClean="0"/>
-              <a:t>2022-08-17</a:t>
+              <a:t>2022-08-26</a:t>
             </a:fld>
             <a:endParaRPr lang="ko-KR" altLang="en-US"/>
           </a:p>
@@ -556,7 +557,7 @@
           <a:p>
             <a:fld id="{81BC6B80-30EB-47B0-81C9-9CAAF1328A66}" type="datetimeFigureOut">
               <a:rPr lang="ko-KR" altLang="en-US" smtClean="0"/>
-              <a:t>2022-08-17</a:t>
+              <a:t>2022-08-26</a:t>
             </a:fld>
             <a:endParaRPr lang="ko-KR" altLang="en-US"/>
           </a:p>
@@ -764,7 +765,7 @@
           <a:p>
             <a:fld id="{81BC6B80-30EB-47B0-81C9-9CAAF1328A66}" type="datetimeFigureOut">
               <a:rPr lang="ko-KR" altLang="en-US" smtClean="0"/>
-              <a:t>2022-08-17</a:t>
+              <a:t>2022-08-26</a:t>
             </a:fld>
             <a:endParaRPr lang="ko-KR" altLang="en-US"/>
           </a:p>
@@ -962,7 +963,7 @@
           <a:p>
             <a:fld id="{81BC6B80-30EB-47B0-81C9-9CAAF1328A66}" type="datetimeFigureOut">
               <a:rPr lang="ko-KR" altLang="en-US" smtClean="0"/>
-              <a:t>2022-08-17</a:t>
+              <a:t>2022-08-26</a:t>
             </a:fld>
             <a:endParaRPr lang="ko-KR" altLang="en-US"/>
           </a:p>
@@ -1237,7 +1238,7 @@
           <a:p>
             <a:fld id="{81BC6B80-30EB-47B0-81C9-9CAAF1328A66}" type="datetimeFigureOut">
               <a:rPr lang="ko-KR" altLang="en-US" smtClean="0"/>
-              <a:t>2022-08-17</a:t>
+              <a:t>2022-08-26</a:t>
             </a:fld>
             <a:endParaRPr lang="ko-KR" altLang="en-US"/>
           </a:p>
@@ -1502,7 +1503,7 @@
           <a:p>
             <a:fld id="{81BC6B80-30EB-47B0-81C9-9CAAF1328A66}" type="datetimeFigureOut">
               <a:rPr lang="ko-KR" altLang="en-US" smtClean="0"/>
-              <a:t>2022-08-17</a:t>
+              <a:t>2022-08-26</a:t>
             </a:fld>
             <a:endParaRPr lang="ko-KR" altLang="en-US"/>
           </a:p>
@@ -1914,7 +1915,7 @@
           <a:p>
             <a:fld id="{81BC6B80-30EB-47B0-81C9-9CAAF1328A66}" type="datetimeFigureOut">
               <a:rPr lang="ko-KR" altLang="en-US" smtClean="0"/>
-              <a:t>2022-08-17</a:t>
+              <a:t>2022-08-26</a:t>
             </a:fld>
             <a:endParaRPr lang="ko-KR" altLang="en-US"/>
           </a:p>
@@ -2055,7 +2056,7 @@
           <a:p>
             <a:fld id="{81BC6B80-30EB-47B0-81C9-9CAAF1328A66}" type="datetimeFigureOut">
               <a:rPr lang="ko-KR" altLang="en-US" smtClean="0"/>
-              <a:t>2022-08-17</a:t>
+              <a:t>2022-08-26</a:t>
             </a:fld>
             <a:endParaRPr lang="ko-KR" altLang="en-US"/>
           </a:p>
@@ -2168,7 +2169,7 @@
           <a:p>
             <a:fld id="{81BC6B80-30EB-47B0-81C9-9CAAF1328A66}" type="datetimeFigureOut">
               <a:rPr lang="ko-KR" altLang="en-US" smtClean="0"/>
-              <a:t>2022-08-17</a:t>
+              <a:t>2022-08-26</a:t>
             </a:fld>
             <a:endParaRPr lang="ko-KR" altLang="en-US"/>
           </a:p>
@@ -2479,7 +2480,7 @@
           <a:p>
             <a:fld id="{81BC6B80-30EB-47B0-81C9-9CAAF1328A66}" type="datetimeFigureOut">
               <a:rPr lang="ko-KR" altLang="en-US" smtClean="0"/>
-              <a:t>2022-08-17</a:t>
+              <a:t>2022-08-26</a:t>
             </a:fld>
             <a:endParaRPr lang="ko-KR" altLang="en-US"/>
           </a:p>
@@ -2767,7 +2768,7 @@
           <a:p>
             <a:fld id="{81BC6B80-30EB-47B0-81C9-9CAAF1328A66}" type="datetimeFigureOut">
               <a:rPr lang="ko-KR" altLang="en-US" smtClean="0"/>
-              <a:t>2022-08-17</a:t>
+              <a:t>2022-08-26</a:t>
             </a:fld>
             <a:endParaRPr lang="ko-KR" altLang="en-US"/>
           </a:p>
@@ -3008,7 +3009,7 @@
           <a:p>
             <a:fld id="{81BC6B80-30EB-47B0-81C9-9CAAF1328A66}" type="datetimeFigureOut">
               <a:rPr lang="ko-KR" altLang="en-US" smtClean="0"/>
-              <a:t>2022-08-17</a:t>
+              <a:t>2022-08-26</a:t>
             </a:fld>
             <a:endParaRPr lang="ko-KR" altLang="en-US"/>
           </a:p>
@@ -3576,7 +3577,7 @@
           <p:cNvPr id="2" name="제목 1">
             <a:extLst>
               <a:ext uri="{FF2B5EF4-FFF2-40B4-BE49-F238E27FC236}">
-                <a16:creationId xmlns:a16="http://schemas.microsoft.com/office/drawing/2014/main" id="{9C51D5ED-0C81-9A61-464B-CBC11AB0C77C}"/>
+                <a16:creationId xmlns:a16="http://schemas.microsoft.com/office/drawing/2014/main" id="{BB7460B0-7D1B-766A-4F43-5B58BA4D108F}"/>
               </a:ext>
             </a:extLst>
           </p:cNvPr>
@@ -3587,18 +3588,23 @@
             <p:ph type="title"/>
           </p:nvPr>
         </p:nvSpPr>
-        <p:spPr/>
+        <p:spPr>
+          <a:xfrm>
+            <a:off x="838200" y="21974"/>
+            <a:ext cx="10515600" cy="1325563"/>
+          </a:xfrm>
+        </p:spPr>
         <p:txBody>
           <a:bodyPr/>
           <a:lstStyle/>
           <a:p>
             <a:r>
               <a:rPr lang="en-US" altLang="ko-KR" b="1"/>
-              <a:t>6</a:t>
+              <a:t>5</a:t>
             </a:r>
             <a:r>
               <a:rPr lang="ko-KR" altLang="en-US" b="1"/>
-              <a:t>절 캡슐화</a:t>
+              <a:t>절 코드 오류</a:t>
             </a:r>
           </a:p>
         </p:txBody>
@@ -3608,7 +3614,7 @@
           <p:cNvPr id="3" name="내용 개체 틀 2">
             <a:extLst>
               <a:ext uri="{FF2B5EF4-FFF2-40B4-BE49-F238E27FC236}">
-                <a16:creationId xmlns:a16="http://schemas.microsoft.com/office/drawing/2014/main" id="{EA831A3E-7533-45B0-4190-04F49D5E6408}"/>
+                <a16:creationId xmlns:a16="http://schemas.microsoft.com/office/drawing/2014/main" id="{5F2EA4B3-94D2-F598-4A31-06CE254562FA}"/>
               </a:ext>
             </a:extLst>
           </p:cNvPr>
@@ -3619,14 +3625,21 @@
             <p:ph idx="1"/>
           </p:nvPr>
         </p:nvSpPr>
-        <p:spPr/>
-        <p:txBody>
-          <a:bodyPr/>
-          <a:lstStyle/>
-          <a:p>
-            <a:r>
-              <a:rPr lang="ko-KR" altLang="en-US"/>
-              <a:t>제거되지 않은 디버그 코드</a:t>
+        <p:spPr>
+          <a:xfrm>
+            <a:off x="838200" y="1347537"/>
+            <a:ext cx="10515600" cy="4829426"/>
+          </a:xfrm>
+        </p:spPr>
+        <p:txBody>
+          <a:bodyPr>
+            <a:normAutofit lnSpcReduction="10000"/>
+          </a:bodyPr>
+          <a:lstStyle/>
+          <a:p>
+            <a:r>
+              <a:rPr lang="ko-KR" altLang="en-US"/>
+              <a:t>매크로의 잘못된 사용</a:t>
             </a:r>
             <a:endParaRPr lang="en-US" altLang="ko-KR"/>
           </a:p>
@@ -3639,7 +3652,33 @@
           <a:p>
             <a:r>
               <a:rPr lang="ko-KR" altLang="en-US"/>
-              <a:t>시스템 데이터 정보 노출</a:t>
+              <a:t>스택 주소 해제</a:t>
+            </a:r>
+            <a:endParaRPr lang="en-US" altLang="ko-KR"/>
+          </a:p>
+          <a:p>
+            <a:endParaRPr lang="en-US" altLang="ko-KR"/>
+          </a:p>
+          <a:p>
+            <a:endParaRPr lang="en-US" altLang="ko-KR"/>
+          </a:p>
+          <a:p>
+            <a:r>
+              <a:rPr lang="ko-KR" altLang="en-US"/>
+              <a:t>스레드 조기 종료</a:t>
+            </a:r>
+            <a:endParaRPr lang="en-US" altLang="ko-KR"/>
+          </a:p>
+          <a:p>
+            <a:endParaRPr lang="en-US" altLang="ko-KR"/>
+          </a:p>
+          <a:p>
+            <a:endParaRPr lang="en-US" altLang="ko-KR"/>
+          </a:p>
+          <a:p>
+            <a:r>
+              <a:rPr lang="ko-KR" altLang="en-US"/>
+              <a:t>무한 자원 할당</a:t>
             </a:r>
           </a:p>
         </p:txBody>
@@ -3649,7 +3688,7 @@
           <p:cNvPr id="4" name="TextBox 3">
             <a:extLst>
               <a:ext uri="{FF2B5EF4-FFF2-40B4-BE49-F238E27FC236}">
-                <a16:creationId xmlns:a16="http://schemas.microsoft.com/office/drawing/2014/main" id="{EB0E372C-9F06-7F92-C12B-8C8532E2D980}"/>
+                <a16:creationId xmlns:a16="http://schemas.microsoft.com/office/drawing/2014/main" id="{E1FBB781-6993-9837-3F21-D3CDF9841E1F}"/>
               </a:ext>
             </a:extLst>
           </p:cNvPr>
@@ -3658,8 +3697,8 @@
         </p:nvSpPr>
         <p:spPr>
           <a:xfrm>
-            <a:off x="1253304" y="2370236"/>
-            <a:ext cx="5147563" cy="369332"/>
+            <a:off x="1391653" y="1858599"/>
+            <a:ext cx="6123792" cy="369332"/>
           </a:xfrm>
           <a:prstGeom prst="rect">
             <a:avLst/>
@@ -3678,15 +3717,7 @@
             </a:pPr>
             <a:r>
               <a:rPr lang="ko-KR" altLang="en-US"/>
-              <a:t>디버깅 목적으로 사용되는 </a:t>
-            </a:r>
-            <a:r>
-              <a:rPr lang="en-US" altLang="ko-KR"/>
-              <a:t>main()</a:t>
-            </a:r>
-            <a:r>
-              <a:rPr lang="ko-KR" altLang="en-US"/>
-              <a:t>의 출력함수</a:t>
+              <a:t>각 매크로마다 특정한 사용 규칙을 준수하지 않을 경우</a:t>
             </a:r>
           </a:p>
         </p:txBody>
@@ -3696,7 +3727,7 @@
           <p:cNvPr id="5" name="TextBox 4">
             <a:extLst>
               <a:ext uri="{FF2B5EF4-FFF2-40B4-BE49-F238E27FC236}">
-                <a16:creationId xmlns:a16="http://schemas.microsoft.com/office/drawing/2014/main" id="{6A53EBCE-2C04-B297-9DC0-682F6D4CEC82}"/>
+                <a16:creationId xmlns:a16="http://schemas.microsoft.com/office/drawing/2014/main" id="{05FA8360-FA4A-165E-134D-2AD98C3CF37A}"/>
               </a:ext>
             </a:extLst>
           </p:cNvPr>
@@ -3705,8 +3736,8 @@
         </p:nvSpPr>
         <p:spPr>
           <a:xfrm>
-            <a:off x="1253304" y="3904267"/>
-            <a:ext cx="5876930" cy="369332"/>
+            <a:off x="1391653" y="3244334"/>
+            <a:ext cx="3026791" cy="369332"/>
           </a:xfrm>
           <a:prstGeom prst="rect">
             <a:avLst/>
@@ -3725,7 +3756,85 @@
             </a:pPr>
             <a:r>
               <a:rPr lang="ko-KR" altLang="en-US"/>
-              <a:t>에러 발생 시</a:t>
+              <a:t>스택 버퍼를 해제할 경우</a:t>
+            </a:r>
+          </a:p>
+        </p:txBody>
+      </p:sp>
+      <p:sp>
+        <p:nvSpPr>
+          <p:cNvPr id="6" name="TextBox 5">
+            <a:extLst>
+              <a:ext uri="{FF2B5EF4-FFF2-40B4-BE49-F238E27FC236}">
+                <a16:creationId xmlns:a16="http://schemas.microsoft.com/office/drawing/2014/main" id="{324F4782-299C-08C0-D0B0-4434AB2375D8}"/>
+              </a:ext>
+            </a:extLst>
+          </p:cNvPr>
+          <p:cNvSpPr txBox="1"/>
+          <p:nvPr/>
+        </p:nvSpPr>
+        <p:spPr>
+          <a:xfrm>
+            <a:off x="1391652" y="4630069"/>
+            <a:ext cx="5892960" cy="369332"/>
+          </a:xfrm>
+          <a:prstGeom prst="rect">
+            <a:avLst/>
+          </a:prstGeom>
+          <a:noFill/>
+        </p:spPr>
+        <p:txBody>
+          <a:bodyPr wrap="none" rtlCol="0">
+            <a:spAutoFit/>
+          </a:bodyPr>
+          <a:lstStyle/>
+          <a:p>
+            <a:pPr marL="285750" indent="-285750">
+              <a:buFontTx/>
+              <a:buChar char="-"/>
+            </a:pPr>
+            <a:r>
+              <a:rPr lang="ko-KR" altLang="en-US"/>
+              <a:t>부모 스레드가 자식 스레드 보다 먼저 종료되는 경우</a:t>
+            </a:r>
+          </a:p>
+        </p:txBody>
+      </p:sp>
+      <p:sp>
+        <p:nvSpPr>
+          <p:cNvPr id="7" name="TextBox 6">
+            <a:extLst>
+              <a:ext uri="{FF2B5EF4-FFF2-40B4-BE49-F238E27FC236}">
+                <a16:creationId xmlns:a16="http://schemas.microsoft.com/office/drawing/2014/main" id="{F0E3395E-AAC6-711D-4CF5-5AA89D815B87}"/>
+              </a:ext>
+            </a:extLst>
+          </p:cNvPr>
+          <p:cNvSpPr txBox="1"/>
+          <p:nvPr/>
+        </p:nvSpPr>
+        <p:spPr>
+          <a:xfrm>
+            <a:off x="1391652" y="6015804"/>
+            <a:ext cx="10046340" cy="369332"/>
+          </a:xfrm>
+          <a:prstGeom prst="rect">
+            <a:avLst/>
+          </a:prstGeom>
+          <a:noFill/>
+        </p:spPr>
+        <p:txBody>
+          <a:bodyPr wrap="none" rtlCol="0">
+            <a:spAutoFit/>
+          </a:bodyPr>
+          <a:lstStyle/>
+          <a:p>
+            <a:pPr marL="285750" indent="-285750">
+              <a:buFontTx/>
+              <a:buChar char="-"/>
+            </a:pPr>
+            <a:r>
+              <a:rPr lang="ko-KR" altLang="en-US"/>
+              <a:t>서비스할 수 있는 자원의 양을 제한하지 않고</a:t>
             </a:r>
             <a:r>
               <a:rPr lang="en-US" altLang="ko-KR"/>
@@ -3733,7 +3842,7 @@
             </a:r>
             <a:r>
               <a:rPr lang="ko-KR" altLang="en-US"/>
-              <a:t> 시스템의 내부 데이터가 공개 될 경우</a:t>
+              <a:t>서비스 요청마다 요구하는 자원을 할당할 경우</a:t>
             </a:r>
           </a:p>
         </p:txBody>
@@ -3741,7 +3850,7 @@
     </p:spTree>
     <p:extLst>
       <p:ext uri="{BB962C8B-B14F-4D97-AF65-F5344CB8AC3E}">
-        <p14:creationId xmlns:p14="http://schemas.microsoft.com/office/powerpoint/2010/main" val="611997382"/>
+        <p14:creationId xmlns:p14="http://schemas.microsoft.com/office/powerpoint/2010/main" val="536930759"/>
       </p:ext>
     </p:extLst>
   </p:cSld>
@@ -3773,7 +3882,7 @@
           <p:cNvPr id="2" name="제목 1">
             <a:extLst>
               <a:ext uri="{FF2B5EF4-FFF2-40B4-BE49-F238E27FC236}">
-                <a16:creationId xmlns:a16="http://schemas.microsoft.com/office/drawing/2014/main" id="{34BA6AF7-3BA7-B9D7-4B9A-8008EFBA9B91}"/>
+                <a16:creationId xmlns:a16="http://schemas.microsoft.com/office/drawing/2014/main" id="{9C51D5ED-0C81-9A61-464B-CBC11AB0C77C}"/>
               </a:ext>
             </a:extLst>
           </p:cNvPr>
@@ -3791,19 +3900,11 @@
           <a:p>
             <a:r>
               <a:rPr lang="en-US" altLang="ko-KR" b="1"/>
-              <a:t>7</a:t>
+              <a:t>6</a:t>
             </a:r>
             <a:r>
               <a:rPr lang="ko-KR" altLang="en-US" b="1"/>
-              <a:t>절 </a:t>
-            </a:r>
-            <a:r>
-              <a:rPr lang="en-US" altLang="ko-KR" b="1"/>
-              <a:t>API </a:t>
-            </a:r>
-            <a:r>
-              <a:rPr lang="ko-KR" altLang="en-US" b="1"/>
-              <a:t>오용</a:t>
+              <a:t>절 캡슐화</a:t>
             </a:r>
           </a:p>
         </p:txBody>
@@ -3813,7 +3914,7 @@
           <p:cNvPr id="3" name="내용 개체 틀 2">
             <a:extLst>
               <a:ext uri="{FF2B5EF4-FFF2-40B4-BE49-F238E27FC236}">
-                <a16:creationId xmlns:a16="http://schemas.microsoft.com/office/drawing/2014/main" id="{54294108-B9FD-B03A-434B-5E51C863B1BF}"/>
+                <a16:creationId xmlns:a16="http://schemas.microsoft.com/office/drawing/2014/main" id="{EA831A3E-7533-45B0-4190-04F49D5E6408}"/>
               </a:ext>
             </a:extLst>
           </p:cNvPr>
@@ -3826,14 +3927,12 @@
         </p:nvSpPr>
         <p:spPr/>
         <p:txBody>
-          <a:bodyPr>
-            <a:normAutofit/>
-          </a:bodyPr>
-          <a:lstStyle/>
-          <a:p>
-            <a:r>
-              <a:rPr lang="ko-KR" altLang="en-US"/>
-              <a:t>도메인명에 의존한 보안 결정</a:t>
+          <a:bodyPr/>
+          <a:lstStyle/>
+          <a:p>
+            <a:r>
+              <a:rPr lang="ko-KR" altLang="en-US"/>
+              <a:t>제거되지 않은 디버그 코드</a:t>
             </a:r>
             <a:endParaRPr lang="en-US" altLang="ko-KR"/>
           </a:p>
@@ -3846,30 +3945,8 @@
           <a:p>
             <a:r>
               <a:rPr lang="ko-KR" altLang="en-US"/>
-              <a:t>위험한 함수 사용</a:t>
-            </a:r>
-            <a:endParaRPr lang="en-US" altLang="ko-KR"/>
-          </a:p>
-          <a:p>
-            <a:endParaRPr lang="en-US" altLang="ko-KR"/>
-          </a:p>
-          <a:p>
-            <a:endParaRPr lang="en-US" altLang="ko-KR"/>
-          </a:p>
-          <a:p>
-            <a:r>
-              <a:rPr lang="ko-KR" altLang="en-US"/>
-              <a:t>작업 디렉터리 변경 없는 </a:t>
-            </a:r>
-            <a:r>
-              <a:rPr lang="en-US" altLang="ko-KR"/>
-              <a:t>chroot jail</a:t>
-            </a:r>
-            <a:r>
-              <a:rPr lang="ko-KR" altLang="en-US"/>
-              <a:t> 생성</a:t>
-            </a:r>
-            <a:endParaRPr lang="en-US" altLang="ko-KR"/>
+              <a:t>시스템 데이터 정보 노출</a:t>
+            </a:r>
           </a:p>
         </p:txBody>
       </p:sp>
@@ -3878,7 +3955,7 @@
           <p:cNvPr id="4" name="TextBox 3">
             <a:extLst>
               <a:ext uri="{FF2B5EF4-FFF2-40B4-BE49-F238E27FC236}">
-                <a16:creationId xmlns:a16="http://schemas.microsoft.com/office/drawing/2014/main" id="{0AF99DF7-BA30-C9AA-611A-DDB5A2B4CC10}"/>
+                <a16:creationId xmlns:a16="http://schemas.microsoft.com/office/drawing/2014/main" id="{EB0E372C-9F06-7F92-C12B-8C8532E2D980}"/>
               </a:ext>
             </a:extLst>
           </p:cNvPr>
@@ -3887,8 +3964,8 @@
         </p:nvSpPr>
         <p:spPr>
           <a:xfrm>
-            <a:off x="1211179" y="2339862"/>
-            <a:ext cx="6093335" cy="369332"/>
+            <a:off x="1253304" y="2370236"/>
+            <a:ext cx="5147563" cy="369332"/>
           </a:xfrm>
           <a:prstGeom prst="rect">
             <a:avLst/>
@@ -3901,13 +3978,21 @@
           </a:bodyPr>
           <a:lstStyle/>
           <a:p>
+            <a:pPr marL="285750" indent="-285750">
+              <a:buFontTx/>
+              <a:buChar char="-"/>
+            </a:pPr>
+            <a:r>
+              <a:rPr lang="ko-KR" altLang="en-US"/>
+              <a:t>디버깅 목적으로 사용되는 </a:t>
+            </a:r>
             <a:r>
               <a:rPr lang="en-US" altLang="ko-KR"/>
-              <a:t>-</a:t>
-            </a:r>
-            <a:r>
-              <a:rPr lang="ko-KR" altLang="en-US"/>
-              <a:t> 도메인명에 의존하여 인증 및 접근 통제 등을 하는 경우</a:t>
+              <a:t>main()</a:t>
+            </a:r>
+            <a:r>
+              <a:rPr lang="ko-KR" altLang="en-US"/>
+              <a:t>의 출력함수</a:t>
             </a:r>
           </a:p>
         </p:txBody>
@@ -3917,7 +4002,7 @@
           <p:cNvPr id="5" name="TextBox 4">
             <a:extLst>
               <a:ext uri="{FF2B5EF4-FFF2-40B4-BE49-F238E27FC236}">
-                <a16:creationId xmlns:a16="http://schemas.microsoft.com/office/drawing/2014/main" id="{4771371F-5FF8-21BD-3C52-6F0E88DF1376}"/>
+                <a16:creationId xmlns:a16="http://schemas.microsoft.com/office/drawing/2014/main" id="{6A53EBCE-2C04-B297-9DC0-682F6D4CEC82}"/>
               </a:ext>
             </a:extLst>
           </p:cNvPr>
@@ -3926,8 +4011,8 @@
         </p:nvSpPr>
         <p:spPr>
           <a:xfrm>
-            <a:off x="1211177" y="3871808"/>
-            <a:ext cx="3190297" cy="369332"/>
+            <a:off x="1253304" y="3904267"/>
+            <a:ext cx="5876930" cy="369332"/>
           </a:xfrm>
           <a:prstGeom prst="rect">
             <a:avLst/>
@@ -3940,60 +4025,21 @@
           </a:bodyPr>
           <a:lstStyle/>
           <a:p>
+            <a:pPr marL="285750" indent="-285750">
+              <a:buFontTx/>
+              <a:buChar char="-"/>
+            </a:pPr>
+            <a:r>
+              <a:rPr lang="ko-KR" altLang="en-US"/>
+              <a:t>에러 발생 시</a:t>
+            </a:r>
             <a:r>
               <a:rPr lang="en-US" altLang="ko-KR"/>
-              <a:t>- get() </a:t>
-            </a:r>
-            <a:r>
-              <a:rPr lang="ko-KR" altLang="en-US"/>
-              <a:t>함수</a:t>
-            </a:r>
-            <a:r>
-              <a:rPr lang="en-US" altLang="ko-KR"/>
-              <a:t>, vfork()</a:t>
-            </a:r>
-            <a:r>
-              <a:rPr lang="ko-KR" altLang="en-US"/>
-              <a:t>함수 사용</a:t>
-            </a:r>
-          </a:p>
-        </p:txBody>
-      </p:sp>
-      <p:sp>
-        <p:nvSpPr>
-          <p:cNvPr id="6" name="TextBox 5">
-            <a:extLst>
-              <a:ext uri="{FF2B5EF4-FFF2-40B4-BE49-F238E27FC236}">
-                <a16:creationId xmlns:a16="http://schemas.microsoft.com/office/drawing/2014/main" id="{27DFEBA1-B4F8-FEAB-4B57-A484F25D0D7F}"/>
-              </a:ext>
-            </a:extLst>
-          </p:cNvPr>
-          <p:cNvSpPr txBox="1"/>
-          <p:nvPr/>
-        </p:nvSpPr>
-        <p:spPr>
-          <a:xfrm>
-            <a:off x="1211177" y="5403754"/>
-            <a:ext cx="10283521" cy="369332"/>
-          </a:xfrm>
-          <a:prstGeom prst="rect">
-            <a:avLst/>
-          </a:prstGeom>
-          <a:noFill/>
-        </p:spPr>
-        <p:txBody>
-          <a:bodyPr wrap="none" rtlCol="0">
-            <a:spAutoFit/>
-          </a:bodyPr>
-          <a:lstStyle/>
-          <a:p>
-            <a:r>
-              <a:rPr lang="en-US" altLang="ko-KR"/>
-              <a:t>- Chroot</a:t>
-            </a:r>
-            <a:r>
-              <a:rPr lang="ko-KR" altLang="en-US"/>
-              <a:t>함수를 사용하여 접근 가능한 디렉터리를 제한할 때 작업 디렉터리를 변경하지 않는 경우</a:t>
+              <a:t>, </a:t>
+            </a:r>
+            <a:r>
+              <a:rPr lang="ko-KR" altLang="en-US"/>
+              <a:t> 시스템의 내부 데이터가 공개 될 경우</a:t>
             </a:r>
           </a:p>
         </p:txBody>
@@ -4001,7 +4047,7 @@
     </p:spTree>
     <p:extLst>
       <p:ext uri="{BB962C8B-B14F-4D97-AF65-F5344CB8AC3E}">
-        <p14:creationId xmlns:p14="http://schemas.microsoft.com/office/powerpoint/2010/main" val="2175700646"/>
+        <p14:creationId xmlns:p14="http://schemas.microsoft.com/office/powerpoint/2010/main" val="611997382"/>
       </p:ext>
     </p:extLst>
   </p:cSld>
@@ -4093,6 +4139,266 @@
           <a:p>
             <a:r>
               <a:rPr lang="ko-KR" altLang="en-US"/>
+              <a:t>도메인명에 의존한 보안 결정</a:t>
+            </a:r>
+            <a:endParaRPr lang="en-US" altLang="ko-KR"/>
+          </a:p>
+          <a:p>
+            <a:endParaRPr lang="en-US" altLang="ko-KR"/>
+          </a:p>
+          <a:p>
+            <a:endParaRPr lang="en-US" altLang="ko-KR"/>
+          </a:p>
+          <a:p>
+            <a:r>
+              <a:rPr lang="ko-KR" altLang="en-US"/>
+              <a:t>위험한 함수 사용</a:t>
+            </a:r>
+            <a:endParaRPr lang="en-US" altLang="ko-KR"/>
+          </a:p>
+          <a:p>
+            <a:endParaRPr lang="en-US" altLang="ko-KR"/>
+          </a:p>
+          <a:p>
+            <a:endParaRPr lang="en-US" altLang="ko-KR"/>
+          </a:p>
+          <a:p>
+            <a:r>
+              <a:rPr lang="ko-KR" altLang="en-US"/>
+              <a:t>작업 디렉터리 변경 없는 </a:t>
+            </a:r>
+            <a:r>
+              <a:rPr lang="en-US" altLang="ko-KR"/>
+              <a:t>chroot jail</a:t>
+            </a:r>
+            <a:r>
+              <a:rPr lang="ko-KR" altLang="en-US"/>
+              <a:t> 생성</a:t>
+            </a:r>
+            <a:endParaRPr lang="en-US" altLang="ko-KR"/>
+          </a:p>
+        </p:txBody>
+      </p:sp>
+      <p:sp>
+        <p:nvSpPr>
+          <p:cNvPr id="4" name="TextBox 3">
+            <a:extLst>
+              <a:ext uri="{FF2B5EF4-FFF2-40B4-BE49-F238E27FC236}">
+                <a16:creationId xmlns:a16="http://schemas.microsoft.com/office/drawing/2014/main" id="{0AF99DF7-BA30-C9AA-611A-DDB5A2B4CC10}"/>
+              </a:ext>
+            </a:extLst>
+          </p:cNvPr>
+          <p:cNvSpPr txBox="1"/>
+          <p:nvPr/>
+        </p:nvSpPr>
+        <p:spPr>
+          <a:xfrm>
+            <a:off x="1211179" y="2339862"/>
+            <a:ext cx="6093335" cy="369332"/>
+          </a:xfrm>
+          <a:prstGeom prst="rect">
+            <a:avLst/>
+          </a:prstGeom>
+          <a:noFill/>
+        </p:spPr>
+        <p:txBody>
+          <a:bodyPr wrap="none" rtlCol="0">
+            <a:spAutoFit/>
+          </a:bodyPr>
+          <a:lstStyle/>
+          <a:p>
+            <a:r>
+              <a:rPr lang="en-US" altLang="ko-KR"/>
+              <a:t>-</a:t>
+            </a:r>
+            <a:r>
+              <a:rPr lang="ko-KR" altLang="en-US"/>
+              <a:t> 도메인명에 의존하여 인증 및 접근 통제 등을 하는 경우</a:t>
+            </a:r>
+          </a:p>
+        </p:txBody>
+      </p:sp>
+      <p:sp>
+        <p:nvSpPr>
+          <p:cNvPr id="5" name="TextBox 4">
+            <a:extLst>
+              <a:ext uri="{FF2B5EF4-FFF2-40B4-BE49-F238E27FC236}">
+                <a16:creationId xmlns:a16="http://schemas.microsoft.com/office/drawing/2014/main" id="{4771371F-5FF8-21BD-3C52-6F0E88DF1376}"/>
+              </a:ext>
+            </a:extLst>
+          </p:cNvPr>
+          <p:cNvSpPr txBox="1"/>
+          <p:nvPr/>
+        </p:nvSpPr>
+        <p:spPr>
+          <a:xfrm>
+            <a:off x="1211177" y="3871808"/>
+            <a:ext cx="3190297" cy="369332"/>
+          </a:xfrm>
+          <a:prstGeom prst="rect">
+            <a:avLst/>
+          </a:prstGeom>
+          <a:noFill/>
+        </p:spPr>
+        <p:txBody>
+          <a:bodyPr wrap="none" rtlCol="0">
+            <a:spAutoFit/>
+          </a:bodyPr>
+          <a:lstStyle/>
+          <a:p>
+            <a:r>
+              <a:rPr lang="en-US" altLang="ko-KR"/>
+              <a:t>- get() </a:t>
+            </a:r>
+            <a:r>
+              <a:rPr lang="ko-KR" altLang="en-US"/>
+              <a:t>함수</a:t>
+            </a:r>
+            <a:r>
+              <a:rPr lang="en-US" altLang="ko-KR"/>
+              <a:t>, vfork()</a:t>
+            </a:r>
+            <a:r>
+              <a:rPr lang="ko-KR" altLang="en-US"/>
+              <a:t>함수 사용</a:t>
+            </a:r>
+          </a:p>
+        </p:txBody>
+      </p:sp>
+      <p:sp>
+        <p:nvSpPr>
+          <p:cNvPr id="6" name="TextBox 5">
+            <a:extLst>
+              <a:ext uri="{FF2B5EF4-FFF2-40B4-BE49-F238E27FC236}">
+                <a16:creationId xmlns:a16="http://schemas.microsoft.com/office/drawing/2014/main" id="{27DFEBA1-B4F8-FEAB-4B57-A484F25D0D7F}"/>
+              </a:ext>
+            </a:extLst>
+          </p:cNvPr>
+          <p:cNvSpPr txBox="1"/>
+          <p:nvPr/>
+        </p:nvSpPr>
+        <p:spPr>
+          <a:xfrm>
+            <a:off x="1211177" y="5403754"/>
+            <a:ext cx="10283521" cy="369332"/>
+          </a:xfrm>
+          <a:prstGeom prst="rect">
+            <a:avLst/>
+          </a:prstGeom>
+          <a:noFill/>
+        </p:spPr>
+        <p:txBody>
+          <a:bodyPr wrap="none" rtlCol="0">
+            <a:spAutoFit/>
+          </a:bodyPr>
+          <a:lstStyle/>
+          <a:p>
+            <a:r>
+              <a:rPr lang="en-US" altLang="ko-KR"/>
+              <a:t>- Chroot</a:t>
+            </a:r>
+            <a:r>
+              <a:rPr lang="ko-KR" altLang="en-US"/>
+              <a:t>함수를 사용하여 접근 가능한 디렉터리를 제한할 때 작업 디렉터리를 변경하지 않는 경우</a:t>
+            </a:r>
+          </a:p>
+        </p:txBody>
+      </p:sp>
+    </p:spTree>
+    <p:extLst>
+      <p:ext uri="{BB962C8B-B14F-4D97-AF65-F5344CB8AC3E}">
+        <p14:creationId xmlns:p14="http://schemas.microsoft.com/office/powerpoint/2010/main" val="2175700646"/>
+      </p:ext>
+    </p:extLst>
+  </p:cSld>
+  <p:clrMapOvr>
+    <a:masterClrMapping/>
+  </p:clrMapOvr>
+</p:sld>
+</file>
+
+<file path=ppt/slides/slide13.xml><?xml version="1.0" encoding="utf-8"?>
+<p:sld xmlns:a="http://schemas.openxmlformats.org/drawingml/2006/main" xmlns:r="http://schemas.openxmlformats.org/officeDocument/2006/relationships" xmlns:p="http://schemas.openxmlformats.org/presentationml/2006/main">
+  <p:cSld>
+    <p:spTree>
+      <p:nvGrpSpPr>
+        <p:cNvPr id="1" name=""/>
+        <p:cNvGrpSpPr/>
+        <p:nvPr/>
+      </p:nvGrpSpPr>
+      <p:grpSpPr>
+        <a:xfrm>
+          <a:off x="0" y="0"/>
+          <a:ext cx="0" cy="0"/>
+          <a:chOff x="0" y="0"/>
+          <a:chExt cx="0" cy="0"/>
+        </a:xfrm>
+      </p:grpSpPr>
+      <p:sp>
+        <p:nvSpPr>
+          <p:cNvPr id="2" name="제목 1">
+            <a:extLst>
+              <a:ext uri="{FF2B5EF4-FFF2-40B4-BE49-F238E27FC236}">
+                <a16:creationId xmlns:a16="http://schemas.microsoft.com/office/drawing/2014/main" id="{34BA6AF7-3BA7-B9D7-4B9A-8008EFBA9B91}"/>
+              </a:ext>
+            </a:extLst>
+          </p:cNvPr>
+          <p:cNvSpPr>
+            <a:spLocks noGrp="1"/>
+          </p:cNvSpPr>
+          <p:nvPr>
+            <p:ph type="title"/>
+          </p:nvPr>
+        </p:nvSpPr>
+        <p:spPr/>
+        <p:txBody>
+          <a:bodyPr/>
+          <a:lstStyle/>
+          <a:p>
+            <a:r>
+              <a:rPr lang="en-US" altLang="ko-KR" b="1"/>
+              <a:t>7</a:t>
+            </a:r>
+            <a:r>
+              <a:rPr lang="ko-KR" altLang="en-US" b="1"/>
+              <a:t>절 </a:t>
+            </a:r>
+            <a:r>
+              <a:rPr lang="en-US" altLang="ko-KR" b="1"/>
+              <a:t>API </a:t>
+            </a:r>
+            <a:r>
+              <a:rPr lang="ko-KR" altLang="en-US" b="1"/>
+              <a:t>오용</a:t>
+            </a:r>
+          </a:p>
+        </p:txBody>
+      </p:sp>
+      <p:sp>
+        <p:nvSpPr>
+          <p:cNvPr id="3" name="내용 개체 틀 2">
+            <a:extLst>
+              <a:ext uri="{FF2B5EF4-FFF2-40B4-BE49-F238E27FC236}">
+                <a16:creationId xmlns:a16="http://schemas.microsoft.com/office/drawing/2014/main" id="{54294108-B9FD-B03A-434B-5E51C863B1BF}"/>
+              </a:ext>
+            </a:extLst>
+          </p:cNvPr>
+          <p:cNvSpPr>
+            <a:spLocks noGrp="1"/>
+          </p:cNvSpPr>
+          <p:nvPr>
+            <p:ph idx="1"/>
+          </p:nvPr>
+        </p:nvSpPr>
+        <p:spPr/>
+        <p:txBody>
+          <a:bodyPr>
+            <a:normAutofit/>
+          </a:bodyPr>
+          <a:lstStyle/>
+          <a:p>
+            <a:r>
+              <a:rPr lang="ko-KR" altLang="en-US"/>
               <a:t>버퍼 오버 플로우가 발생할 수 있는 문자열 연산 함수 호출</a:t>
             </a:r>
             <a:endParaRPr lang="en-US" altLang="ko-KR"/>
@@ -4218,7 +4524,7 @@
 </p:sld>
 </file>
 
-<file path=ppt/slides/slide13.xml><?xml version="1.0" encoding="utf-8"?>
+<file path=ppt/slides/slide14.xml><?xml version="1.0" encoding="utf-8"?>
 <p:sld xmlns:a="http://schemas.openxmlformats.org/drawingml/2006/main" xmlns:r="http://schemas.openxmlformats.org/officeDocument/2006/relationships" xmlns:p="http://schemas.openxmlformats.org/presentationml/2006/main">
   <p:cSld>
     <p:spTree>
@@ -4533,7 +4839,7 @@
           <p:cNvPr id="2" name="TextBox 1">
             <a:extLst>
               <a:ext uri="{FF2B5EF4-FFF2-40B4-BE49-F238E27FC236}">
-                <a16:creationId xmlns:a16="http://schemas.microsoft.com/office/drawing/2014/main" id="{6718DA8D-B36D-0AAA-9707-678B254C1605}"/>
+                <a16:creationId xmlns:a16="http://schemas.microsoft.com/office/drawing/2014/main" id="{ADD123DD-D9A7-913C-71FD-05000E6BAC2C}"/>
               </a:ext>
             </a:extLst>
           </p:cNvPr>
@@ -4542,8 +4848,8 @@
         </p:nvSpPr>
         <p:spPr>
           <a:xfrm>
-            <a:off x="729047" y="877330"/>
-            <a:ext cx="3390672" cy="584775"/>
+            <a:off x="729046" y="877330"/>
+            <a:ext cx="10243753" cy="3785652"/>
           </a:xfrm>
           <a:prstGeom prst="rect">
             <a:avLst/>
@@ -4551,181 +4857,103 @@
           <a:noFill/>
         </p:spPr>
         <p:txBody>
-          <a:bodyPr wrap="none" rtlCol="0">
-            <a:spAutoFit/>
-          </a:bodyPr>
-          <a:lstStyle/>
-          <a:p>
-            <a:r>
-              <a:rPr lang="ko-KR" altLang="en-US" sz="3200" b="1"/>
-              <a:t>시큐어 코딩이란</a:t>
-            </a:r>
-            <a:r>
-              <a:rPr lang="en-US" altLang="ko-KR" sz="3200" b="1"/>
-              <a:t>?</a:t>
-            </a:r>
-            <a:endParaRPr lang="ko-KR" altLang="en-US" sz="3200" b="1"/>
-          </a:p>
-        </p:txBody>
-      </p:sp>
-      <p:sp>
-        <p:nvSpPr>
-          <p:cNvPr id="3" name="TextBox 2">
-            <a:extLst>
-              <a:ext uri="{FF2B5EF4-FFF2-40B4-BE49-F238E27FC236}">
-                <a16:creationId xmlns:a16="http://schemas.microsoft.com/office/drawing/2014/main" id="{1951AC44-1010-84BD-EFA0-F012F264B51B}"/>
-              </a:ext>
-            </a:extLst>
-          </p:cNvPr>
-          <p:cNvSpPr txBox="1"/>
-          <p:nvPr/>
-        </p:nvSpPr>
-        <p:spPr>
-          <a:xfrm>
-            <a:off x="729047" y="1878228"/>
-            <a:ext cx="10317894" cy="2062103"/>
-          </a:xfrm>
-          <a:prstGeom prst="rect">
-            <a:avLst/>
-          </a:prstGeom>
-          <a:noFill/>
-        </p:spPr>
-        <p:txBody>
           <a:bodyPr wrap="square" rtlCol="0">
             <a:spAutoFit/>
           </a:bodyPr>
           <a:lstStyle/>
           <a:p>
-            <a:r>
-              <a:rPr lang="ko-KR" altLang="en-US" sz="3200" dirty="0"/>
-              <a:t>소프트웨어</a:t>
-            </a:r>
-            <a:r>
-              <a:rPr lang="en-US" altLang="ko-KR" sz="3200" dirty="0"/>
-              <a:t>(SW)</a:t>
-            </a:r>
-            <a:r>
-              <a:rPr lang="ko-KR" altLang="en-US" sz="3200" dirty="0"/>
-              <a:t>를 개발함에 있어 </a:t>
-            </a:r>
-            <a:endParaRPr lang="en-US" altLang="ko-KR" sz="3200" dirty="0"/>
-          </a:p>
-          <a:p>
-            <a:r>
-              <a:rPr lang="ko-KR" altLang="en-US" sz="3200" dirty="0"/>
-              <a:t>개발자의 실수</a:t>
-            </a:r>
-            <a:r>
-              <a:rPr lang="en-US" altLang="ko-KR" sz="3200" dirty="0"/>
-              <a:t>, </a:t>
-            </a:r>
-            <a:r>
-              <a:rPr lang="ko-KR" altLang="en-US" sz="3200" dirty="0"/>
-              <a:t>논리적 오류 등으로 인해 </a:t>
-            </a:r>
-            <a:endParaRPr lang="en-US" altLang="ko-KR" sz="3200" dirty="0"/>
-          </a:p>
-          <a:p>
-            <a:r>
-              <a:rPr lang="en-US" altLang="ko-KR" sz="3200" dirty="0"/>
-              <a:t>SW</a:t>
-            </a:r>
-            <a:r>
-              <a:rPr lang="ko-KR" altLang="en-US" sz="3200" dirty="0"/>
-              <a:t>에 내포될 수 있는 보안취약점</a:t>
-            </a:r>
-            <a:r>
-              <a:rPr lang="en-US" altLang="ko-KR" sz="3200" dirty="0"/>
-              <a:t>(vulnerability)</a:t>
-            </a:r>
-            <a:r>
-              <a:rPr lang="ko-KR" altLang="en-US" sz="3200" dirty="0"/>
-              <a:t>을 </a:t>
-            </a:r>
-            <a:endParaRPr lang="en-US" altLang="ko-KR" sz="3200" dirty="0"/>
-          </a:p>
-          <a:p>
-            <a:r>
-              <a:rPr lang="ko-KR" altLang="en-US" sz="3200" dirty="0"/>
-              <a:t>배제하기 위한 코딩 기법</a:t>
-            </a:r>
-          </a:p>
-        </p:txBody>
-      </p:sp>
-      <p:sp>
-        <p:nvSpPr>
-          <p:cNvPr id="4" name="TextBox 3">
-            <a:extLst>
-              <a:ext uri="{FF2B5EF4-FFF2-40B4-BE49-F238E27FC236}">
-                <a16:creationId xmlns:a16="http://schemas.microsoft.com/office/drawing/2014/main" id="{0B98C827-BD37-2D78-679B-0D83D2B3A418}"/>
-              </a:ext>
-            </a:extLst>
-          </p:cNvPr>
-          <p:cNvSpPr txBox="1"/>
-          <p:nvPr/>
-        </p:nvSpPr>
-        <p:spPr>
-          <a:xfrm>
-            <a:off x="6710519" y="6434091"/>
-            <a:ext cx="5481481" cy="246221"/>
-          </a:xfrm>
-          <a:prstGeom prst="rect">
-            <a:avLst/>
-          </a:prstGeom>
-          <a:noFill/>
-        </p:spPr>
-        <p:txBody>
-          <a:bodyPr wrap="square" rtlCol="0">
-            <a:spAutoFit/>
-          </a:bodyPr>
-          <a:lstStyle/>
-          <a:p>
-            <a:r>
-              <a:rPr lang="en-US" altLang="ko-KR" sz="1000"/>
-              <a:t>owgno6, “01 </a:t>
-            </a:r>
-            <a:r>
-              <a:rPr lang="ko-KR" altLang="en-US" sz="1000"/>
-              <a:t>시큐어코딩</a:t>
-            </a:r>
-            <a:r>
-              <a:rPr lang="en-US" altLang="ko-KR" sz="1000"/>
-              <a:t>(secure</a:t>
-            </a:r>
-            <a:r>
-              <a:rPr lang="ko-KR" altLang="en-US" sz="1000"/>
-              <a:t> </a:t>
-            </a:r>
-            <a:r>
-              <a:rPr lang="en-US" altLang="ko-KR" sz="1000"/>
-              <a:t>coding)</a:t>
-            </a:r>
-            <a:r>
-              <a:rPr lang="ko-KR" altLang="en-US" sz="1000"/>
-              <a:t>이란</a:t>
-            </a:r>
-            <a:r>
-              <a:rPr lang="en-US" altLang="ko-KR" sz="1000"/>
-              <a:t>?.” 2018.08.11. </a:t>
-            </a:r>
-            <a:r>
-              <a:rPr lang="en-US" altLang="ko-KR" sz="1000">
+            <a:pPr marL="457200" indent="-457200">
+              <a:buFont typeface="Wingdings" panose="05000000000000000000" pitchFamily="2" charset="2"/>
+              <a:buChar char="Ø"/>
+            </a:pPr>
+            <a:r>
+              <a:rPr lang="ko-KR" altLang="en-US" sz="3200" b="1"/>
+              <a:t>활동 기간 </a:t>
+            </a:r>
+            <a:r>
+              <a:rPr lang="en-US" altLang="ko-KR" sz="3200" b="1"/>
+              <a:t>: </a:t>
+            </a:r>
+          </a:p>
+          <a:p>
+            <a:r>
+              <a:rPr lang="en-US" altLang="ko-KR" sz="3200" b="1"/>
+              <a:t>	6/22 ~ 7/22 </a:t>
+            </a:r>
+          </a:p>
+          <a:p>
+            <a:endParaRPr lang="en-US" altLang="ko-KR" sz="3200" b="1"/>
+          </a:p>
+          <a:p>
+            <a:pPr marL="457200" indent="-457200">
+              <a:buFont typeface="Wingdings" panose="05000000000000000000" pitchFamily="2" charset="2"/>
+              <a:buChar char="Ø"/>
+            </a:pPr>
+            <a:r>
+              <a:rPr lang="ko-KR" altLang="en-US" sz="3200" b="1"/>
+              <a:t>활동 내용 </a:t>
+            </a:r>
+            <a:r>
+              <a:rPr lang="en-US" altLang="ko-KR" sz="3200" b="1"/>
+              <a:t>:</a:t>
+            </a:r>
+          </a:p>
+          <a:p>
+            <a:r>
+              <a:rPr lang="en-US" altLang="ko-KR" sz="3200" b="1"/>
+              <a:t>	</a:t>
+            </a:r>
+            <a:r>
+              <a:rPr lang="ko-KR" altLang="en-US" sz="3200" b="1"/>
+              <a:t>한국인터넷진흥원 제공 </a:t>
+            </a:r>
+            <a:r>
+              <a:rPr lang="en-US" altLang="ko-KR" sz="3200" b="1"/>
+              <a:t>‘</a:t>
+            </a:r>
+            <a:r>
+              <a:rPr lang="ko-KR" altLang="en-US" sz="3200" b="1"/>
+              <a:t>코딩가이드</a:t>
+            </a:r>
+            <a:r>
+              <a:rPr lang="en-US" altLang="ko-KR" sz="3200" b="1"/>
+              <a:t>(C)pdf’ </a:t>
+            </a:r>
+            <a:r>
+              <a:rPr lang="ko-KR" altLang="en-US" sz="3200" b="1"/>
+              <a:t>정리</a:t>
+            </a:r>
+            <a:endParaRPr lang="en-US" altLang="ko-KR" sz="3200" b="1"/>
+          </a:p>
+          <a:p>
+            <a:r>
+              <a:rPr lang="en-US" altLang="ko-KR" sz="3200" b="1"/>
+              <a:t>	</a:t>
+            </a:r>
+            <a:r>
+              <a:rPr lang="en-US" altLang="ko-KR" sz="2400" b="1">
                 <a:hlinkClick r:id="rId2"/>
               </a:rPr>
-              <a:t>https://codelib.tistory.com/18</a:t>
-            </a:r>
-            <a:r>
-              <a:rPr lang="en-US" altLang="ko-KR" sz="1000"/>
+              <a:t>https://www.kisa.or.kr/2060204/form?postSeq=7&amp;page=1</a:t>
+            </a:r>
+            <a:endParaRPr lang="en-US" altLang="ko-KR" sz="2400" b="1"/>
+          </a:p>
+          <a:p>
+            <a:endParaRPr lang="en-US" altLang="ko-KR" sz="2400" b="1"/>
+          </a:p>
+          <a:p>
+            <a:r>
+              <a:rPr lang="en-US" altLang="ko-KR" sz="2400" b="1"/>
               <a:t> </a:t>
             </a:r>
-            <a:endParaRPr lang="ko-KR" altLang="en-US" sz="1000"/>
+            <a:endParaRPr lang="ko-KR" altLang="en-US" sz="2400" b="1"/>
           </a:p>
         </p:txBody>
       </p:sp>
     </p:spTree>
     <p:extLst>
       <p:ext uri="{BB962C8B-B14F-4D97-AF65-F5344CB8AC3E}">
-        <p14:creationId xmlns:p14="http://schemas.microsoft.com/office/powerpoint/2010/main" val="2568485438"/>
+        <p14:creationId xmlns:p14="http://schemas.microsoft.com/office/powerpoint/2010/main" val="2818715454"/>
       </p:ext>
     </p:extLst>
   </p:cSld>
@@ -4754,110 +4982,20 @@
       </p:grpSpPr>
       <p:sp>
         <p:nvSpPr>
-          <p:cNvPr id="2" name="제목 1">
-            <a:extLst>
-              <a:ext uri="{FF2B5EF4-FFF2-40B4-BE49-F238E27FC236}">
-                <a16:creationId xmlns:a16="http://schemas.microsoft.com/office/drawing/2014/main" id="{93F653EF-C2BB-3925-E788-A9E81FFD9A5F}"/>
-              </a:ext>
-            </a:extLst>
-          </p:cNvPr>
-          <p:cNvSpPr>
-            <a:spLocks noGrp="1"/>
-          </p:cNvSpPr>
-          <p:nvPr>
-            <p:ph type="title"/>
-          </p:nvPr>
-        </p:nvSpPr>
-        <p:spPr/>
-        <p:txBody>
-          <a:bodyPr/>
-          <a:lstStyle/>
-          <a:p>
-            <a:r>
-              <a:rPr lang="ko-KR" altLang="en-US" b="1"/>
-              <a:t>시큐어 코딩이 중요한 이유</a:t>
-            </a:r>
-          </a:p>
-        </p:txBody>
-      </p:sp>
-      <p:sp>
-        <p:nvSpPr>
-          <p:cNvPr id="3" name="내용 개체 틀 2">
-            <a:extLst>
-              <a:ext uri="{FF2B5EF4-FFF2-40B4-BE49-F238E27FC236}">
-                <a16:creationId xmlns:a16="http://schemas.microsoft.com/office/drawing/2014/main" id="{8B48238D-9A0A-836C-E4EC-6D2BA35A278C}"/>
-              </a:ext>
-            </a:extLst>
-          </p:cNvPr>
-          <p:cNvSpPr>
-            <a:spLocks noGrp="1"/>
-          </p:cNvSpPr>
-          <p:nvPr>
-            <p:ph idx="1"/>
-          </p:nvPr>
+          <p:cNvPr id="2" name="TextBox 1">
+            <a:extLst>
+              <a:ext uri="{FF2B5EF4-FFF2-40B4-BE49-F238E27FC236}">
+                <a16:creationId xmlns:a16="http://schemas.microsoft.com/office/drawing/2014/main" id="{6718DA8D-B36D-0AAA-9707-678B254C1605}"/>
+              </a:ext>
+            </a:extLst>
+          </p:cNvPr>
+          <p:cNvSpPr txBox="1"/>
+          <p:nvPr/>
         </p:nvSpPr>
         <p:spPr>
           <a:xfrm>
-            <a:off x="838200" y="1924479"/>
-            <a:ext cx="10515600" cy="4351338"/>
-          </a:xfrm>
-        </p:spPr>
-        <p:txBody>
-          <a:bodyPr/>
-          <a:lstStyle/>
-          <a:p>
-            <a:r>
-              <a:rPr lang="ko-KR" altLang="en-US" dirty="0"/>
-              <a:t>비용효율적</a:t>
-            </a:r>
-            <a:endParaRPr lang="en-US" altLang="ko-KR" dirty="0"/>
-          </a:p>
-          <a:p>
-            <a:pPr marL="0" indent="0">
-              <a:buNone/>
-            </a:pPr>
-            <a:r>
-              <a:rPr lang="en-US" altLang="ko-KR" dirty="0"/>
-              <a:t>	- </a:t>
-            </a:r>
-            <a:r>
-              <a:rPr lang="ko-KR" altLang="en-US" dirty="0"/>
-              <a:t>서비스 이후에 발생할 수 있는 오류나 취약점을 사전에 </a:t>
-            </a:r>
-            <a:r>
-              <a:rPr lang="en-US" altLang="ko-KR" dirty="0"/>
-              <a:t>	 	  </a:t>
-            </a:r>
-            <a:r>
-              <a:rPr lang="ko-KR" altLang="en-US" dirty="0"/>
-              <a:t>발견 및 방지</a:t>
-            </a:r>
-            <a:endParaRPr lang="en-US" altLang="ko-KR" dirty="0"/>
-          </a:p>
-          <a:p>
-            <a:r>
-              <a:rPr lang="ko-KR" altLang="en-US" dirty="0"/>
-              <a:t>다양한 해킹 예방 및 개인정보의 보호</a:t>
-            </a:r>
-          </a:p>
-        </p:txBody>
-      </p:sp>
-      <p:sp>
-        <p:nvSpPr>
-          <p:cNvPr id="5" name="TextBox 4">
-            <a:extLst>
-              <a:ext uri="{FF2B5EF4-FFF2-40B4-BE49-F238E27FC236}">
-                <a16:creationId xmlns:a16="http://schemas.microsoft.com/office/drawing/2014/main" id="{85B0240A-AF37-7584-6A51-69017E9BC214}"/>
-              </a:ext>
-            </a:extLst>
-          </p:cNvPr>
-          <p:cNvSpPr txBox="1"/>
-          <p:nvPr/>
-        </p:nvSpPr>
-        <p:spPr>
-          <a:xfrm>
-            <a:off x="5844746" y="6275817"/>
-            <a:ext cx="6347254" cy="400110"/>
+            <a:off x="729047" y="877330"/>
+            <a:ext cx="3390672" cy="584775"/>
           </a:xfrm>
           <a:prstGeom prst="rect">
             <a:avLst/>
@@ -4865,49 +5003,181 @@
           <a:noFill/>
         </p:spPr>
         <p:txBody>
-          <a:bodyPr wrap="square">
+          <a:bodyPr wrap="none" rtlCol="0">
             <a:spAutoFit/>
           </a:bodyPr>
           <a:lstStyle/>
           <a:p>
             <a:r>
-              <a:rPr lang="ko-KR" altLang="en-US" sz="1000" dirty="0" err="1"/>
-              <a:t>지에스인포</a:t>
-            </a:r>
-            <a:r>
-              <a:rPr lang="en-US" altLang="ko-KR" sz="1000" dirty="0"/>
-              <a:t>, “#1. </a:t>
-            </a:r>
-            <a:r>
-              <a:rPr lang="ko-KR" altLang="en-US" sz="1000" dirty="0" err="1"/>
-              <a:t>시큐어코딩에</a:t>
-            </a:r>
-            <a:r>
-              <a:rPr lang="ko-KR" altLang="en-US" sz="1000" dirty="0"/>
-              <a:t> 대해 알아보자</a:t>
-            </a:r>
-            <a:r>
-              <a:rPr lang="en-US" altLang="ko-KR" sz="1000" dirty="0"/>
-              <a:t>.,” 2016.05.12 </a:t>
-            </a:r>
-            <a:r>
-              <a:rPr lang="en-US" altLang="ko-KR" sz="1000" dirty="0">
+              <a:rPr lang="ko-KR" altLang="en-US" sz="3200" b="1"/>
+              <a:t>시큐어 코딩이란</a:t>
+            </a:r>
+            <a:r>
+              <a:rPr lang="en-US" altLang="ko-KR" sz="3200" b="1"/>
+              <a:t>?</a:t>
+            </a:r>
+            <a:endParaRPr lang="ko-KR" altLang="en-US" sz="3200" b="1"/>
+          </a:p>
+        </p:txBody>
+      </p:sp>
+      <p:sp>
+        <p:nvSpPr>
+          <p:cNvPr id="3" name="TextBox 2">
+            <a:extLst>
+              <a:ext uri="{FF2B5EF4-FFF2-40B4-BE49-F238E27FC236}">
+                <a16:creationId xmlns:a16="http://schemas.microsoft.com/office/drawing/2014/main" id="{1951AC44-1010-84BD-EFA0-F012F264B51B}"/>
+              </a:ext>
+            </a:extLst>
+          </p:cNvPr>
+          <p:cNvSpPr txBox="1"/>
+          <p:nvPr/>
+        </p:nvSpPr>
+        <p:spPr>
+          <a:xfrm>
+            <a:off x="729047" y="1878228"/>
+            <a:ext cx="10317894" cy="2062103"/>
+          </a:xfrm>
+          <a:prstGeom prst="rect">
+            <a:avLst/>
+          </a:prstGeom>
+          <a:noFill/>
+        </p:spPr>
+        <p:txBody>
+          <a:bodyPr wrap="square" rtlCol="0">
+            <a:spAutoFit/>
+          </a:bodyPr>
+          <a:lstStyle/>
+          <a:p>
+            <a:r>
+              <a:rPr lang="ko-KR" altLang="en-US" sz="3200" dirty="0"/>
+              <a:t>소프트웨어</a:t>
+            </a:r>
+            <a:r>
+              <a:rPr lang="en-US" altLang="ko-KR" sz="3200" dirty="0"/>
+              <a:t>(SW)</a:t>
+            </a:r>
+            <a:r>
+              <a:rPr lang="ko-KR" altLang="en-US" sz="3200" dirty="0"/>
+              <a:t>를 개발함에 있어 </a:t>
+            </a:r>
+            <a:endParaRPr lang="en-US" altLang="ko-KR" sz="3200" dirty="0"/>
+          </a:p>
+          <a:p>
+            <a:r>
+              <a:rPr lang="ko-KR" altLang="en-US" sz="3200" dirty="0"/>
+              <a:t>개발자의 실수</a:t>
+            </a:r>
+            <a:r>
+              <a:rPr lang="en-US" altLang="ko-KR" sz="3200" dirty="0"/>
+              <a:t>, </a:t>
+            </a:r>
+            <a:r>
+              <a:rPr lang="ko-KR" altLang="en-US" sz="3200" dirty="0"/>
+              <a:t>논리적 오류 등으로 인해 </a:t>
+            </a:r>
+            <a:endParaRPr lang="en-US" altLang="ko-KR" sz="3200" dirty="0"/>
+          </a:p>
+          <a:p>
+            <a:r>
+              <a:rPr lang="en-US" altLang="ko-KR" sz="3200" dirty="0"/>
+              <a:t>SW</a:t>
+            </a:r>
+            <a:r>
+              <a:rPr lang="ko-KR" altLang="en-US" sz="3200" dirty="0"/>
+              <a:t>에 내포될 수 있는 보안취약점</a:t>
+            </a:r>
+            <a:r>
+              <a:rPr lang="en-US" altLang="ko-KR" sz="3200" dirty="0"/>
+              <a:t>(vulnerability)</a:t>
+            </a:r>
+            <a:r>
+              <a:rPr lang="ko-KR" altLang="en-US" sz="3200" dirty="0"/>
+              <a:t>을 </a:t>
+            </a:r>
+            <a:endParaRPr lang="en-US" altLang="ko-KR" sz="3200" dirty="0"/>
+          </a:p>
+          <a:p>
+            <a:r>
+              <a:rPr lang="ko-KR" altLang="en-US" sz="3200" dirty="0"/>
+              <a:t>배제하기 위한 코딩 기법</a:t>
+            </a:r>
+          </a:p>
+        </p:txBody>
+      </p:sp>
+      <p:sp>
+        <p:nvSpPr>
+          <p:cNvPr id="4" name="TextBox 3">
+            <a:extLst>
+              <a:ext uri="{FF2B5EF4-FFF2-40B4-BE49-F238E27FC236}">
+                <a16:creationId xmlns:a16="http://schemas.microsoft.com/office/drawing/2014/main" id="{0B98C827-BD37-2D78-679B-0D83D2B3A418}"/>
+              </a:ext>
+            </a:extLst>
+          </p:cNvPr>
+          <p:cNvSpPr txBox="1"/>
+          <p:nvPr/>
+        </p:nvSpPr>
+        <p:spPr>
+          <a:xfrm>
+            <a:off x="6710519" y="6434091"/>
+            <a:ext cx="5481481" cy="246221"/>
+          </a:xfrm>
+          <a:prstGeom prst="rect">
+            <a:avLst/>
+          </a:prstGeom>
+          <a:noFill/>
+        </p:spPr>
+        <p:txBody>
+          <a:bodyPr wrap="square" rtlCol="0">
+            <a:spAutoFit/>
+          </a:bodyPr>
+          <a:lstStyle/>
+          <a:p>
+            <a:r>
+              <a:rPr lang="en-US" altLang="ko-KR" sz="1000"/>
+              <a:t>owgno6, “01 </a:t>
+            </a:r>
+            <a:r>
+              <a:rPr lang="ko-KR" altLang="en-US" sz="1000"/>
+              <a:t>시큐어코딩</a:t>
+            </a:r>
+            <a:r>
+              <a:rPr lang="en-US" altLang="ko-KR" sz="1000"/>
+              <a:t>(secure</a:t>
+            </a:r>
+            <a:r>
+              <a:rPr lang="ko-KR" altLang="en-US" sz="1000"/>
+              <a:t> </a:t>
+            </a:r>
+            <a:r>
+              <a:rPr lang="en-US" altLang="ko-KR" sz="1000"/>
+              <a:t>coding)</a:t>
+            </a:r>
+            <a:r>
+              <a:rPr lang="ko-KR" altLang="en-US" sz="1000"/>
+              <a:t>이란</a:t>
+            </a:r>
+            <a:r>
+              <a:rPr lang="en-US" altLang="ko-KR" sz="1000"/>
+              <a:t>?.” 2018.08.11. </a:t>
+            </a:r>
+            <a:r>
+              <a:rPr lang="en-US" altLang="ko-KR" sz="1000">
                 <a:hlinkClick r:id="rId2"/>
               </a:rPr>
-              <a:t>https://m.blog.naver.com/PostView.naver?isHttpsRedirect=true&amp;blogId=gs_info&amp;logNo=220707616924</a:t>
-            </a:r>
-            <a:r>
-              <a:rPr lang="en-US" altLang="ko-KR" sz="1000" dirty="0"/>
+              <a:t>https://codelib.tistory.com/18</a:t>
+            </a:r>
+            <a:r>
+              <a:rPr lang="en-US" altLang="ko-KR" sz="1000"/>
               <a:t> </a:t>
             </a:r>
-            <a:endParaRPr lang="ko-KR" altLang="en-US" sz="1000" dirty="0"/>
+            <a:endParaRPr lang="ko-KR" altLang="en-US" sz="1000"/>
           </a:p>
         </p:txBody>
       </p:sp>
     </p:spTree>
     <p:extLst>
       <p:ext uri="{BB962C8B-B14F-4D97-AF65-F5344CB8AC3E}">
-        <p14:creationId xmlns:p14="http://schemas.microsoft.com/office/powerpoint/2010/main" val="623683468"/>
+        <p14:creationId xmlns:p14="http://schemas.microsoft.com/office/powerpoint/2010/main" val="2568485438"/>
       </p:ext>
     </p:extLst>
   </p:cSld>
@@ -4936,7 +5206,41 @@
       </p:grpSpPr>
       <p:sp>
         <p:nvSpPr>
-          <p:cNvPr id="3" name="내용 개체 틀 2"/>
+          <p:cNvPr id="2" name="제목 1">
+            <a:extLst>
+              <a:ext uri="{FF2B5EF4-FFF2-40B4-BE49-F238E27FC236}">
+                <a16:creationId xmlns:a16="http://schemas.microsoft.com/office/drawing/2014/main" id="{93F653EF-C2BB-3925-E788-A9E81FFD9A5F}"/>
+              </a:ext>
+            </a:extLst>
+          </p:cNvPr>
+          <p:cNvSpPr>
+            <a:spLocks noGrp="1"/>
+          </p:cNvSpPr>
+          <p:nvPr>
+            <p:ph type="title"/>
+          </p:nvPr>
+        </p:nvSpPr>
+        <p:spPr/>
+        <p:txBody>
+          <a:bodyPr/>
+          <a:lstStyle/>
+          <a:p>
+            <a:r>
+              <a:rPr lang="ko-KR" altLang="en-US" b="1"/>
+              <a:t>시큐어 코딩이 중요한 이유</a:t>
+            </a:r>
+          </a:p>
+        </p:txBody>
+      </p:sp>
+      <p:sp>
+        <p:nvSpPr>
+          <p:cNvPr id="3" name="내용 개체 틀 2">
+            <a:extLst>
+              <a:ext uri="{FF2B5EF4-FFF2-40B4-BE49-F238E27FC236}">
+                <a16:creationId xmlns:a16="http://schemas.microsoft.com/office/drawing/2014/main" id="{8B48238D-9A0A-836C-E4EC-6D2BA35A278C}"/>
+              </a:ext>
+            </a:extLst>
+          </p:cNvPr>
           <p:cNvSpPr>
             <a:spLocks noGrp="1"/>
           </p:cNvSpPr>
@@ -4946,267 +5250,122 @@
         </p:nvSpPr>
         <p:spPr>
           <a:xfrm>
-            <a:off x="310462" y="1516620"/>
-            <a:ext cx="11624106" cy="5102225"/>
+            <a:off x="838200" y="1924479"/>
+            <a:ext cx="10515600" cy="4351338"/>
           </a:xfrm>
         </p:spPr>
         <p:txBody>
-          <a:bodyPr>
-            <a:noAutofit/>
-          </a:bodyPr>
-          <a:lstStyle/>
-          <a:p>
-            <a:pPr lvl="0">
-              <a:defRPr/>
+          <a:bodyPr/>
+          <a:lstStyle/>
+          <a:p>
+            <a:r>
+              <a:rPr lang="ko-KR" altLang="en-US" dirty="0"/>
+              <a:t>비용효율적</a:t>
+            </a:r>
+            <a:endParaRPr lang="en-US" altLang="ko-KR" dirty="0"/>
+          </a:p>
+          <a:p>
+            <a:pPr marL="0" indent="0">
+              <a:buNone/>
             </a:pPr>
             <a:r>
-              <a:rPr lang="ko-KR" altLang="en-US" sz="2000"/>
-              <a:t>입력 받은 데이터 </a:t>
-            </a:r>
-            <a:r>
-              <a:rPr lang="ko-KR" altLang="en-US" sz="2000" b="1"/>
-              <a:t>값</a:t>
-            </a:r>
-            <a:r>
-              <a:rPr lang="ko-KR" altLang="en-US" sz="2000"/>
-              <a:t> 또는 데이터의 </a:t>
-            </a:r>
-            <a:r>
-              <a:rPr lang="ko-KR" altLang="en-US" sz="2000" b="1"/>
-              <a:t>출처</a:t>
-            </a:r>
-            <a:r>
-              <a:rPr lang="ko-KR" altLang="en-US" sz="2000"/>
-              <a:t> 등이 제대로 검증하지 않은 경우</a:t>
-            </a:r>
-          </a:p>
-          <a:p>
-            <a:pPr marL="0" indent="0">
-              <a:buNone/>
-              <a:defRPr/>
-            </a:pPr>
-            <a:r>
-              <a:rPr lang="en-US" altLang="ko-KR" sz="2000"/>
-              <a:t>    - SQL</a:t>
-            </a:r>
-            <a:r>
-              <a:rPr lang="ko-KR" altLang="en-US" sz="2000"/>
-              <a:t>문 삽입</a:t>
-            </a:r>
-            <a:r>
-              <a:rPr lang="en-US" altLang="ko-KR" sz="2000"/>
-              <a:t>,  </a:t>
-            </a:r>
-            <a:r>
-              <a:rPr lang="ko-KR" altLang="en-US" sz="2000"/>
-              <a:t>자원 삽입</a:t>
-            </a:r>
-            <a:r>
-              <a:rPr lang="en-US" altLang="ko-KR" sz="2000"/>
-              <a:t>,  </a:t>
-            </a:r>
-            <a:r>
-              <a:rPr lang="ko-KR" altLang="en-US" sz="2000"/>
-              <a:t>운영체제 명령어 삽입 등</a:t>
-            </a:r>
-          </a:p>
-          <a:p>
-            <a:pPr marL="0" indent="0">
-              <a:buNone/>
-              <a:defRPr/>
-            </a:pPr>
-            <a:endParaRPr lang="ko-KR" altLang="en-US" sz="2000"/>
-          </a:p>
-          <a:p>
-            <a:pPr lvl="0">
-              <a:defRPr/>
-            </a:pPr>
-            <a:r>
-              <a:rPr lang="ko-KR" altLang="en-US" sz="2000"/>
-              <a:t>입력 받은</a:t>
-            </a:r>
-            <a:r>
-              <a:rPr lang="en-US" altLang="ko-KR" sz="2000"/>
-              <a:t> </a:t>
-            </a:r>
-            <a:r>
-              <a:rPr lang="ko-KR" altLang="en-US" sz="2000" b="1"/>
-              <a:t>데이터 값이 조작</a:t>
-            </a:r>
-            <a:r>
-              <a:rPr lang="ko-KR" altLang="en-US" sz="2000"/>
-              <a:t>되는 경우</a:t>
-            </a:r>
-          </a:p>
-          <a:p>
-            <a:pPr marL="0" indent="0">
-              <a:buNone/>
-              <a:defRPr/>
-            </a:pPr>
-            <a:r>
-              <a:rPr lang="en-US" altLang="ko-KR" sz="2000"/>
-              <a:t>    - </a:t>
-            </a:r>
-            <a:r>
-              <a:rPr lang="ko-KR" altLang="en-US" sz="2000"/>
-              <a:t>보호 매커니즘을 우회할 수 있는 입력 값 변조</a:t>
-            </a:r>
-            <a:r>
-              <a:rPr lang="en-US" altLang="ko-KR" sz="2000"/>
-              <a:t>(</a:t>
-            </a:r>
-            <a:r>
-              <a:rPr lang="ko-KR" altLang="en-US" sz="2000"/>
-              <a:t>쿠키</a:t>
-            </a:r>
-            <a:r>
-              <a:rPr lang="en-US" altLang="ko-KR" sz="2000"/>
-              <a:t>, </a:t>
-            </a:r>
-            <a:r>
-              <a:rPr lang="ko-KR" altLang="en-US" sz="2000"/>
-              <a:t>환경 변수 등의 입력 값 변조</a:t>
-            </a:r>
-            <a:r>
-              <a:rPr lang="en-US" altLang="ko-KR" sz="2000"/>
-              <a:t>), </a:t>
-            </a:r>
-            <a:r>
-              <a:rPr lang="ko-KR" altLang="en-US" sz="2000"/>
-              <a:t> </a:t>
-            </a:r>
-          </a:p>
-          <a:p>
-            <a:pPr marL="0" indent="0">
-              <a:buNone/>
-              <a:defRPr/>
-            </a:pPr>
-            <a:r>
-              <a:rPr lang="ko-KR" altLang="en-US" sz="2000"/>
-              <a:t>        디렉터리 경로조작 </a:t>
-            </a:r>
-          </a:p>
-          <a:p>
-            <a:pPr marL="0" indent="0">
-              <a:buNone/>
-              <a:defRPr/>
-            </a:pPr>
-            <a:endParaRPr lang="ko-KR" altLang="en-US" sz="2000"/>
-          </a:p>
-          <a:p>
-            <a:pPr lvl="0">
-              <a:defRPr/>
-            </a:pPr>
-            <a:r>
-              <a:rPr lang="ko-KR" altLang="en-US" sz="2000" b="1"/>
-              <a:t>오버플로우</a:t>
-            </a:r>
-            <a:r>
-              <a:rPr lang="ko-KR" altLang="en-US" sz="2000"/>
-              <a:t> 발생</a:t>
-            </a:r>
-          </a:p>
-          <a:p>
-            <a:pPr marL="0" indent="0">
-              <a:buNone/>
-              <a:defRPr/>
-            </a:pPr>
-            <a:r>
-              <a:rPr lang="en-US" altLang="ko-KR" sz="2000"/>
-              <a:t> </a:t>
-            </a:r>
-            <a:r>
-              <a:rPr lang="ko-KR" altLang="en-US" sz="2000"/>
-              <a:t>    </a:t>
-            </a:r>
-            <a:r>
-              <a:rPr lang="en-US" altLang="ko-KR" sz="2000"/>
-              <a:t>- </a:t>
-            </a:r>
-            <a:r>
-              <a:rPr lang="ko-KR" altLang="en-US" sz="2000"/>
-              <a:t>스택에 할당된 버퍼 오버플로우</a:t>
-            </a:r>
-            <a:r>
-              <a:rPr lang="en-US" altLang="ko-KR" sz="2000"/>
-              <a:t>,  </a:t>
-            </a:r>
-            <a:r>
-              <a:rPr lang="ko-KR" altLang="en-US" sz="2000"/>
-              <a:t>힙에 할당된 버퍼 오버플로우</a:t>
-            </a:r>
-          </a:p>
-          <a:p>
-            <a:pPr marL="0" indent="0">
-              <a:buNone/>
-              <a:defRPr/>
-            </a:pPr>
-            <a:r>
-              <a:rPr lang="en-US" altLang="ko-KR" sz="2000"/>
-              <a:t> </a:t>
-            </a:r>
-            <a:endParaRPr lang="ko-KR" altLang="en-US" sz="2000"/>
-          </a:p>
-        </p:txBody>
-      </p:sp>
-      <p:sp>
-        <p:nvSpPr>
-          <p:cNvPr id="11" name="제목 1">
-            <a:extLst>
-              <a:ext uri="{FF2B5EF4-FFF2-40B4-BE49-F238E27FC236}">
-                <a16:creationId xmlns:a16="http://schemas.microsoft.com/office/drawing/2014/main" id="{DE17DE96-682A-47DD-89B4-44A556F2782B}"/>
-              </a:ext>
-            </a:extLst>
-          </p:cNvPr>
-          <p:cNvSpPr>
-            <a:spLocks noGrp="1"/>
-          </p:cNvSpPr>
-          <p:nvPr>
-            <p:ph type="title"/>
-          </p:nvPr>
+              <a:rPr lang="en-US" altLang="ko-KR" dirty="0"/>
+              <a:t>	- </a:t>
+            </a:r>
+            <a:r>
+              <a:rPr lang="ko-KR" altLang="en-US" dirty="0"/>
+              <a:t>서비스 이후에 발생할 수 있는 오류나 취약점을 사전에 </a:t>
+            </a:r>
+            <a:r>
+              <a:rPr lang="en-US" altLang="ko-KR" dirty="0"/>
+              <a:t>	 	  </a:t>
+            </a:r>
+            <a:r>
+              <a:rPr lang="ko-KR" altLang="en-US" dirty="0"/>
+              <a:t>발견 및 방지</a:t>
+            </a:r>
+            <a:endParaRPr lang="en-US" altLang="ko-KR" dirty="0"/>
+          </a:p>
+          <a:p>
+            <a:r>
+              <a:rPr lang="ko-KR" altLang="en-US" dirty="0"/>
+              <a:t>다양한 해킹 예방 및 개인정보의 보호</a:t>
+            </a:r>
+          </a:p>
+        </p:txBody>
+      </p:sp>
+      <p:sp>
+        <p:nvSpPr>
+          <p:cNvPr id="5" name="TextBox 4">
+            <a:extLst>
+              <a:ext uri="{FF2B5EF4-FFF2-40B4-BE49-F238E27FC236}">
+                <a16:creationId xmlns:a16="http://schemas.microsoft.com/office/drawing/2014/main" id="{85B0240A-AF37-7584-6A51-69017E9BC214}"/>
+              </a:ext>
+            </a:extLst>
+          </p:cNvPr>
+          <p:cNvSpPr txBox="1"/>
+          <p:nvPr/>
         </p:nvSpPr>
         <p:spPr>
           <a:xfrm>
-            <a:off x="752475" y="268287"/>
-            <a:ext cx="10515600" cy="1325563"/>
+            <a:off x="5844746" y="6275817"/>
+            <a:ext cx="6347254" cy="400110"/>
           </a:xfrm>
+          <a:prstGeom prst="rect">
+            <a:avLst/>
+          </a:prstGeom>
+          <a:noFill/>
         </p:spPr>
         <p:txBody>
-          <a:bodyPr>
-            <a:normAutofit/>
+          <a:bodyPr wrap="square">
+            <a:spAutoFit/>
           </a:bodyPr>
           <a:lstStyle/>
           <a:p>
             <a:r>
-              <a:rPr lang="en-US" altLang="ko-KR" sz="3800" b="1" dirty="0"/>
-              <a:t>1</a:t>
-            </a:r>
-            <a:r>
-              <a:rPr lang="ko-KR" altLang="en-US" sz="3800" b="1" dirty="0"/>
-              <a:t>절 입력데이터 검증 및 표현</a:t>
-            </a:r>
-            <a:endParaRPr lang="ko-KR" altLang="en-US" sz="3800" dirty="0"/>
+              <a:rPr lang="ko-KR" altLang="en-US" sz="1000" dirty="0" err="1"/>
+              <a:t>지에스인포</a:t>
+            </a:r>
+            <a:r>
+              <a:rPr lang="en-US" altLang="ko-KR" sz="1000" dirty="0"/>
+              <a:t>, “#1. </a:t>
+            </a:r>
+            <a:r>
+              <a:rPr lang="ko-KR" altLang="en-US" sz="1000" dirty="0" err="1"/>
+              <a:t>시큐어코딩에</a:t>
+            </a:r>
+            <a:r>
+              <a:rPr lang="ko-KR" altLang="en-US" sz="1000" dirty="0"/>
+              <a:t> 대해 알아보자</a:t>
+            </a:r>
+            <a:r>
+              <a:rPr lang="en-US" altLang="ko-KR" sz="1000" dirty="0"/>
+              <a:t>.,” 2016.05.12 </a:t>
+            </a:r>
+            <a:r>
+              <a:rPr lang="en-US" altLang="ko-KR" sz="1000" dirty="0">
+                <a:hlinkClick r:id="rId2"/>
+              </a:rPr>
+              <a:t>https://m.blog.naver.com/PostView.naver?isHttpsRedirect=true&amp;blogId=gs_info&amp;logNo=220707616924</a:t>
+            </a:r>
+            <a:r>
+              <a:rPr lang="en-US" altLang="ko-KR" sz="1000" dirty="0"/>
+              <a:t> </a:t>
+            </a:r>
+            <a:endParaRPr lang="ko-KR" altLang="en-US" sz="1000" dirty="0"/>
           </a:p>
         </p:txBody>
       </p:sp>
     </p:spTree>
     <p:extLst>
       <p:ext uri="{BB962C8B-B14F-4D97-AF65-F5344CB8AC3E}">
-        <p14:creationId xmlns:p14="http://schemas.microsoft.com/office/powerpoint/2010/main" val="3139337764"/>
+        <p14:creationId xmlns:p14="http://schemas.microsoft.com/office/powerpoint/2010/main" val="623683468"/>
       </p:ext>
     </p:extLst>
   </p:cSld>
   <p:clrMapOvr>
     <a:masterClrMapping/>
   </p:clrMapOvr>
-  <mc:AlternateContent xmlns:mc="http://schemas.openxmlformats.org/markup-compatibility/2006" xmlns:p14="http://schemas.microsoft.com/office/powerpoint/2010/main">
-    <mc:Choice Requires="p14">
-      <p:transition/>
-    </mc:Choice>
-    <mc:Fallback xmlns:dsp="http://schemas.microsoft.com/office/drawing/2008/diagram" xmlns:dgm="http://schemas.openxmlformats.org/drawingml/2006/diagram" xmlns:c="http://schemas.openxmlformats.org/drawingml/2006/chart" xmlns="">
-      <p:transition/>
-    </mc:Fallback>
-  </mc:AlternateContent>
 </p:sld>
 </file>
 
@@ -5254,7 +5413,23 @@
             </a:pPr>
             <a:r>
               <a:rPr lang="ko-KR" altLang="en-US" sz="2000"/>
-              <a:t>잘못된 권한 부여</a:t>
+              <a:t>입력 받은 데이터 </a:t>
+            </a:r>
+            <a:r>
+              <a:rPr lang="ko-KR" altLang="en-US" sz="2000" b="1"/>
+              <a:t>값</a:t>
+            </a:r>
+            <a:r>
+              <a:rPr lang="ko-KR" altLang="en-US" sz="2000"/>
+              <a:t> 또는 데이터의 </a:t>
+            </a:r>
+            <a:r>
+              <a:rPr lang="ko-KR" altLang="en-US" sz="2000" b="1"/>
+              <a:t>출처</a:t>
+            </a:r>
+            <a:r>
+              <a:rPr lang="ko-KR" altLang="en-US" sz="2000"/>
+              <a:t> 등이 제대로 검증하지 않은 경우</a:t>
             </a:r>
           </a:p>
           <a:p>
@@ -5264,19 +5439,27 @@
             </a:pPr>
             <a:r>
               <a:rPr lang="en-US" altLang="ko-KR" sz="2000"/>
-              <a:t>    - </a:t>
+              <a:t>    - SQL</a:t>
             </a:r>
             <a:r>
               <a:rPr lang="ko-KR" altLang="en-US" sz="2000"/>
-              <a:t>중요자원에 대한 잘못된 권한 허용</a:t>
+              <a:t>문 삽입</a:t>
             </a:r>
             <a:r>
               <a:rPr lang="en-US" altLang="ko-KR" sz="2000"/>
-              <a:t>, </a:t>
+              <a:t>,  </a:t>
             </a:r>
             <a:r>
               <a:rPr lang="ko-KR" altLang="en-US" sz="2000"/>
-              <a:t>최소 권한 적용 위배</a:t>
+              <a:t>자원 삽입</a:t>
+            </a:r>
+            <a:r>
+              <a:rPr lang="en-US" altLang="ko-KR" sz="2000"/>
+              <a:t>,  </a:t>
+            </a:r>
+            <a:r>
+              <a:rPr lang="ko-KR" altLang="en-US" sz="2000"/>
+              <a:t>운영체제 명령어 삽입 등</a:t>
             </a:r>
           </a:p>
           <a:p>
@@ -5292,7 +5475,19 @@
             </a:pPr>
             <a:r>
               <a:rPr lang="ko-KR" altLang="en-US" sz="2000"/>
-              <a:t>중요정보를 평문으로 저장 </a:t>
+              <a:t>입력 받은</a:t>
+            </a:r>
+            <a:r>
+              <a:rPr lang="en-US" altLang="ko-KR" sz="2000"/>
+              <a:t> </a:t>
+            </a:r>
+            <a:r>
+              <a:rPr lang="ko-KR" altLang="en-US" sz="2000" b="1"/>
+              <a:t>데이터 값이 조작</a:t>
+            </a:r>
+            <a:r>
+              <a:rPr lang="ko-KR" altLang="en-US" sz="2000"/>
+              <a:t>되는 경우</a:t>
             </a:r>
           </a:p>
           <a:p>
@@ -5306,7 +5501,31 @@
             </a:r>
             <a:r>
               <a:rPr lang="ko-KR" altLang="en-US" sz="2000"/>
-              <a:t>사용자 중요정보나 패스워드를 평문 저장 또는 전송</a:t>
+              <a:t>보호 매커니즘을 우회할 수 있는 입력 값 변조</a:t>
+            </a:r>
+            <a:r>
+              <a:rPr lang="en-US" altLang="ko-KR" sz="2000"/>
+              <a:t>(</a:t>
+            </a:r>
+            <a:r>
+              <a:rPr lang="ko-KR" altLang="en-US" sz="2000"/>
+              <a:t>쿠키</a:t>
+            </a:r>
+            <a:r>
+              <a:rPr lang="en-US" altLang="ko-KR" sz="2000"/>
+              <a:t>, </a:t>
+            </a:r>
+            <a:r>
+              <a:rPr lang="ko-KR" altLang="en-US" sz="2000"/>
+              <a:t>환경 변수 등의 입력 값 변조</a:t>
+            </a:r>
+            <a:r>
+              <a:rPr lang="en-US" altLang="ko-KR" sz="2000"/>
+              <a:t>), </a:t>
+            </a:r>
+            <a:r>
+              <a:rPr lang="ko-KR" altLang="en-US" sz="2000"/>
+              <a:t> </a:t>
             </a:r>
           </a:p>
           <a:p>
@@ -5316,16 +5535,27 @@
             </a:pPr>
             <a:r>
               <a:rPr lang="ko-KR" altLang="en-US" sz="2000"/>
-              <a:t>        </a:t>
-            </a:r>
+              <a:t>        디렉터리 경로조작 </a:t>
+            </a:r>
+          </a:p>
+          <a:p>
+            <a:pPr marL="0" indent="0">
+              <a:buNone/>
+              <a:defRPr/>
+            </a:pPr>
+            <a:endParaRPr lang="ko-KR" altLang="en-US" sz="2000"/>
           </a:p>
           <a:p>
             <a:pPr lvl="0">
               <a:defRPr/>
             </a:pPr>
             <a:r>
+              <a:rPr lang="ko-KR" altLang="en-US" sz="2000" b="1"/>
+              <a:t>오버플로우</a:t>
+            </a:r>
+            <a:r>
               <a:rPr lang="ko-KR" altLang="en-US" sz="2000"/>
-              <a:t>중요정보를 하드코드하여 저장 및 전송</a:t>
+              <a:t> 발생</a:t>
             </a:r>
           </a:p>
           <a:p>
@@ -5347,75 +5577,27 @@
             </a:r>
             <a:r>
               <a:rPr lang="ko-KR" altLang="en-US" sz="2000"/>
-              <a:t>하드코드 된 패스워드 및 사용자 계정</a:t>
+              <a:t>스택에 할당된 버퍼 오버플로우</a:t>
             </a:r>
             <a:r>
               <a:rPr lang="en-US" altLang="ko-KR" sz="2000"/>
-              <a:t>, </a:t>
+              <a:t>,  </a:t>
             </a:r>
             <a:r>
               <a:rPr lang="ko-KR" altLang="en-US" sz="2000"/>
-              <a:t>하드코드된 암호화 키</a:t>
-            </a:r>
-            <a:r>
-              <a:rPr lang="en-US" altLang="ko-KR" sz="2000"/>
-              <a:t>, </a:t>
-            </a:r>
-            <a:r>
-              <a:rPr lang="ko-KR" altLang="en-US" sz="2000"/>
-              <a:t>주석문 안에 포함된 주요정보</a:t>
-            </a:r>
-            <a:endParaRPr lang="en-US" altLang="ko-KR" sz="2000"/>
+              <a:t>힙에 할당된 버퍼 오버플로우</a:t>
+            </a:r>
           </a:p>
           <a:p>
             <a:pPr marL="0" indent="0">
               <a:buNone/>
               <a:defRPr/>
             </a:pPr>
-            <a:endParaRPr lang="en-US" altLang="ko-KR" sz="2000"/>
-          </a:p>
-          <a:p>
-            <a:pPr>
-              <a:defRPr/>
-            </a:pPr>
-            <a:r>
-              <a:rPr lang="ko-KR" altLang="en-US" sz="2000"/>
-              <a:t>취약한 암호 알고리즘 사용 </a:t>
-            </a:r>
             <a:r>
               <a:rPr lang="en-US" altLang="ko-KR" sz="2000"/>
               <a:t> </a:t>
             </a:r>
-          </a:p>
-          <a:p>
-            <a:pPr marL="0" indent="0">
-              <a:buNone/>
-              <a:defRPr/>
-            </a:pPr>
-            <a:r>
-              <a:rPr lang="en-US" altLang="ko-KR" sz="2000"/>
-              <a:t>     - </a:t>
-            </a:r>
-            <a:r>
-              <a:rPr lang="ko-KR" altLang="en-US" sz="2000"/>
-              <a:t>취약한 암호화 알고리즘 사용</a:t>
-            </a:r>
-            <a:r>
-              <a:rPr lang="en-US" altLang="ko-KR" sz="2000"/>
-              <a:t>, </a:t>
-            </a:r>
-            <a:r>
-              <a:rPr lang="ko-KR" altLang="en-US" sz="2000"/>
-              <a:t>충분하지 않은 키 길이 사용</a:t>
-            </a:r>
-            <a:r>
-              <a:rPr lang="en-US" altLang="ko-KR" sz="2000"/>
-              <a:t>, </a:t>
-            </a:r>
-            <a:r>
-              <a:rPr lang="ko-KR" altLang="en-US" sz="2000"/>
-              <a:t>솔트 없이 일방향 해쉬함수 사용</a:t>
-            </a:r>
+            <a:endParaRPr lang="ko-KR" altLang="en-US" sz="2000"/>
           </a:p>
         </p:txBody>
       </p:sp>
@@ -5448,12 +5630,12 @@
           <a:lstStyle/>
           <a:p>
             <a:r>
-              <a:rPr lang="en-US" altLang="ko-KR" sz="3800" b="1"/>
-              <a:t>2</a:t>
-            </a:r>
-            <a:r>
-              <a:rPr lang="ko-KR" altLang="en-US" sz="3800" b="1"/>
-              <a:t>절 보안기능</a:t>
+              <a:rPr lang="en-US" altLang="ko-KR" sz="3800" b="1" dirty="0"/>
+              <a:t>1</a:t>
+            </a:r>
+            <a:r>
+              <a:rPr lang="ko-KR" altLang="en-US" sz="3800" b="1" dirty="0"/>
+              <a:t>절 입력데이터 검증 및 표현</a:t>
             </a:r>
             <a:endParaRPr lang="ko-KR" altLang="en-US" sz="3800" dirty="0"/>
           </a:p>
@@ -5462,7 +5644,7 @@
     </p:spTree>
     <p:extLst>
       <p:ext uri="{BB962C8B-B14F-4D97-AF65-F5344CB8AC3E}">
-        <p14:creationId xmlns:p14="http://schemas.microsoft.com/office/powerpoint/2010/main" val="3648961496"/>
+        <p14:creationId xmlns:p14="http://schemas.microsoft.com/office/powerpoint/2010/main" val="3139337764"/>
       </p:ext>
     </p:extLst>
   </p:cSld>
@@ -5499,6 +5681,276 @@
       </p:grpSpPr>
       <p:sp>
         <p:nvSpPr>
+          <p:cNvPr id="3" name="내용 개체 틀 2"/>
+          <p:cNvSpPr>
+            <a:spLocks noGrp="1"/>
+          </p:cNvSpPr>
+          <p:nvPr>
+            <p:ph idx="1"/>
+          </p:nvPr>
+        </p:nvSpPr>
+        <p:spPr>
+          <a:xfrm>
+            <a:off x="310462" y="1516620"/>
+            <a:ext cx="11624106" cy="5102225"/>
+          </a:xfrm>
+        </p:spPr>
+        <p:txBody>
+          <a:bodyPr>
+            <a:noAutofit/>
+          </a:bodyPr>
+          <a:lstStyle/>
+          <a:p>
+            <a:pPr lvl="0">
+              <a:defRPr/>
+            </a:pPr>
+            <a:r>
+              <a:rPr lang="ko-KR" altLang="en-US" sz="2000"/>
+              <a:t>잘못된 권한 부여</a:t>
+            </a:r>
+          </a:p>
+          <a:p>
+            <a:pPr marL="0" indent="0">
+              <a:buNone/>
+              <a:defRPr/>
+            </a:pPr>
+            <a:r>
+              <a:rPr lang="en-US" altLang="ko-KR" sz="2000"/>
+              <a:t>    - </a:t>
+            </a:r>
+            <a:r>
+              <a:rPr lang="ko-KR" altLang="en-US" sz="2000"/>
+              <a:t>중요자원에 대한 잘못된 권한 허용</a:t>
+            </a:r>
+            <a:r>
+              <a:rPr lang="en-US" altLang="ko-KR" sz="2000"/>
+              <a:t>, </a:t>
+            </a:r>
+            <a:r>
+              <a:rPr lang="ko-KR" altLang="en-US" sz="2000"/>
+              <a:t>최소 권한 적용 위배</a:t>
+            </a:r>
+          </a:p>
+          <a:p>
+            <a:pPr marL="0" indent="0">
+              <a:buNone/>
+              <a:defRPr/>
+            </a:pPr>
+            <a:endParaRPr lang="ko-KR" altLang="en-US" sz="2000"/>
+          </a:p>
+          <a:p>
+            <a:pPr lvl="0">
+              <a:defRPr/>
+            </a:pPr>
+            <a:r>
+              <a:rPr lang="ko-KR" altLang="en-US" sz="2000"/>
+              <a:t>중요정보를 평문으로 저장 </a:t>
+            </a:r>
+          </a:p>
+          <a:p>
+            <a:pPr marL="0" indent="0">
+              <a:buNone/>
+              <a:defRPr/>
+            </a:pPr>
+            <a:r>
+              <a:rPr lang="en-US" altLang="ko-KR" sz="2000"/>
+              <a:t>    - </a:t>
+            </a:r>
+            <a:r>
+              <a:rPr lang="ko-KR" altLang="en-US" sz="2000"/>
+              <a:t>사용자 중요정보나 패스워드를 평문 저장 또는 전송</a:t>
+            </a:r>
+          </a:p>
+          <a:p>
+            <a:pPr marL="0" indent="0">
+              <a:buNone/>
+              <a:defRPr/>
+            </a:pPr>
+            <a:r>
+              <a:rPr lang="ko-KR" altLang="en-US" sz="2000"/>
+              <a:t>        </a:t>
+            </a:r>
+          </a:p>
+          <a:p>
+            <a:pPr lvl="0">
+              <a:defRPr/>
+            </a:pPr>
+            <a:r>
+              <a:rPr lang="ko-KR" altLang="en-US" sz="2000"/>
+              <a:t>중요정보를 하드코드하여 저장 및 전송</a:t>
+            </a:r>
+          </a:p>
+          <a:p>
+            <a:pPr marL="0" indent="0">
+              <a:buNone/>
+              <a:defRPr/>
+            </a:pPr>
+            <a:r>
+              <a:rPr lang="en-US" altLang="ko-KR" sz="2000"/>
+              <a:t> </a:t>
+            </a:r>
+            <a:r>
+              <a:rPr lang="ko-KR" altLang="en-US" sz="2000"/>
+              <a:t>    </a:t>
+            </a:r>
+            <a:r>
+              <a:rPr lang="en-US" altLang="ko-KR" sz="2000"/>
+              <a:t>- </a:t>
+            </a:r>
+            <a:r>
+              <a:rPr lang="ko-KR" altLang="en-US" sz="2000"/>
+              <a:t>하드코드 된 패스워드 및 사용자 계정</a:t>
+            </a:r>
+            <a:r>
+              <a:rPr lang="en-US" altLang="ko-KR" sz="2000"/>
+              <a:t>, </a:t>
+            </a:r>
+            <a:r>
+              <a:rPr lang="ko-KR" altLang="en-US" sz="2000"/>
+              <a:t>하드코드된 암호화 키</a:t>
+            </a:r>
+            <a:r>
+              <a:rPr lang="en-US" altLang="ko-KR" sz="2000"/>
+              <a:t>, </a:t>
+            </a:r>
+            <a:r>
+              <a:rPr lang="ko-KR" altLang="en-US" sz="2000"/>
+              <a:t>주석문 안에 포함된 주요정보</a:t>
+            </a:r>
+            <a:endParaRPr lang="en-US" altLang="ko-KR" sz="2000"/>
+          </a:p>
+          <a:p>
+            <a:pPr marL="0" indent="0">
+              <a:buNone/>
+              <a:defRPr/>
+            </a:pPr>
+            <a:endParaRPr lang="en-US" altLang="ko-KR" sz="2000"/>
+          </a:p>
+          <a:p>
+            <a:pPr>
+              <a:defRPr/>
+            </a:pPr>
+            <a:r>
+              <a:rPr lang="ko-KR" altLang="en-US" sz="2000"/>
+              <a:t>취약한 암호 알고리즘 사용 </a:t>
+            </a:r>
+            <a:r>
+              <a:rPr lang="en-US" altLang="ko-KR" sz="2000"/>
+              <a:t> </a:t>
+            </a:r>
+          </a:p>
+          <a:p>
+            <a:pPr marL="0" indent="0">
+              <a:buNone/>
+              <a:defRPr/>
+            </a:pPr>
+            <a:r>
+              <a:rPr lang="en-US" altLang="ko-KR" sz="2000"/>
+              <a:t>     - </a:t>
+            </a:r>
+            <a:r>
+              <a:rPr lang="ko-KR" altLang="en-US" sz="2000"/>
+              <a:t>취약한 암호화 알고리즘 사용</a:t>
+            </a:r>
+            <a:r>
+              <a:rPr lang="en-US" altLang="ko-KR" sz="2000"/>
+              <a:t>, </a:t>
+            </a:r>
+            <a:r>
+              <a:rPr lang="ko-KR" altLang="en-US" sz="2000"/>
+              <a:t>충분하지 않은 키 길이 사용</a:t>
+            </a:r>
+            <a:r>
+              <a:rPr lang="en-US" altLang="ko-KR" sz="2000"/>
+              <a:t>, </a:t>
+            </a:r>
+            <a:r>
+              <a:rPr lang="ko-KR" altLang="en-US" sz="2000"/>
+              <a:t>솔트 없이 일방향 해쉬함수 사용</a:t>
+            </a:r>
+          </a:p>
+        </p:txBody>
+      </p:sp>
+      <p:sp>
+        <p:nvSpPr>
+          <p:cNvPr id="11" name="제목 1">
+            <a:extLst>
+              <a:ext uri="{FF2B5EF4-FFF2-40B4-BE49-F238E27FC236}">
+                <a16:creationId xmlns:a16="http://schemas.microsoft.com/office/drawing/2014/main" id="{DE17DE96-682A-47DD-89B4-44A556F2782B}"/>
+              </a:ext>
+            </a:extLst>
+          </p:cNvPr>
+          <p:cNvSpPr>
+            <a:spLocks noGrp="1"/>
+          </p:cNvSpPr>
+          <p:nvPr>
+            <p:ph type="title"/>
+          </p:nvPr>
+        </p:nvSpPr>
+        <p:spPr>
+          <a:xfrm>
+            <a:off x="752475" y="268287"/>
+            <a:ext cx="10515600" cy="1325563"/>
+          </a:xfrm>
+        </p:spPr>
+        <p:txBody>
+          <a:bodyPr>
+            <a:normAutofit/>
+          </a:bodyPr>
+          <a:lstStyle/>
+          <a:p>
+            <a:r>
+              <a:rPr lang="en-US" altLang="ko-KR" sz="3800" b="1"/>
+              <a:t>2</a:t>
+            </a:r>
+            <a:r>
+              <a:rPr lang="ko-KR" altLang="en-US" sz="3800" b="1"/>
+              <a:t>절 보안기능</a:t>
+            </a:r>
+            <a:endParaRPr lang="ko-KR" altLang="en-US" sz="3800" dirty="0"/>
+          </a:p>
+        </p:txBody>
+      </p:sp>
+    </p:spTree>
+    <p:extLst>
+      <p:ext uri="{BB962C8B-B14F-4D97-AF65-F5344CB8AC3E}">
+        <p14:creationId xmlns:p14="http://schemas.microsoft.com/office/powerpoint/2010/main" val="3648961496"/>
+      </p:ext>
+    </p:extLst>
+  </p:cSld>
+  <p:clrMapOvr>
+    <a:masterClrMapping/>
+  </p:clrMapOvr>
+  <mc:AlternateContent xmlns:mc="http://schemas.openxmlformats.org/markup-compatibility/2006" xmlns:p14="http://schemas.microsoft.com/office/powerpoint/2010/main">
+    <mc:Choice Requires="p14">
+      <p:transition/>
+    </mc:Choice>
+    <mc:Fallback xmlns:dsp="http://schemas.microsoft.com/office/drawing/2008/diagram" xmlns:dgm="http://schemas.openxmlformats.org/drawingml/2006/diagram" xmlns:c="http://schemas.openxmlformats.org/drawingml/2006/chart" xmlns="">
+      <p:transition/>
+    </mc:Fallback>
+  </mc:AlternateContent>
+</p:sld>
+</file>
+
+<file path=ppt/slides/slide7.xml><?xml version="1.0" encoding="utf-8"?>
+<p:sld xmlns:a="http://schemas.openxmlformats.org/drawingml/2006/main" xmlns:r="http://schemas.openxmlformats.org/officeDocument/2006/relationships" xmlns:p="http://schemas.openxmlformats.org/presentationml/2006/main">
+  <p:cSld>
+    <p:spTree>
+      <p:nvGrpSpPr>
+        <p:cNvPr id="1" name=""/>
+        <p:cNvGrpSpPr/>
+        <p:nvPr/>
+      </p:nvGrpSpPr>
+      <p:grpSpPr>
+        <a:xfrm>
+          <a:off x="0" y="0"/>
+          <a:ext cx="0" cy="0"/>
+          <a:chOff x="0" y="0"/>
+          <a:chExt cx="0" cy="0"/>
+        </a:xfrm>
+      </p:grpSpPr>
+      <p:sp>
+        <p:nvSpPr>
           <p:cNvPr id="2" name="제목 1">
             <a:extLst>
               <a:ext uri="{FF2B5EF4-FFF2-40B4-BE49-F238E27FC236}">
@@ -5751,247 +6203,6 @@
 </p:sld>
 </file>
 
-<file path=ppt/slides/slide7.xml><?xml version="1.0" encoding="utf-8"?>
-<p:sld xmlns:a="http://schemas.openxmlformats.org/drawingml/2006/main" xmlns:r="http://schemas.openxmlformats.org/officeDocument/2006/relationships" xmlns:p="http://schemas.openxmlformats.org/presentationml/2006/main">
-  <p:cSld>
-    <p:spTree>
-      <p:nvGrpSpPr>
-        <p:cNvPr id="1" name=""/>
-        <p:cNvGrpSpPr/>
-        <p:nvPr/>
-      </p:nvGrpSpPr>
-      <p:grpSpPr>
-        <a:xfrm>
-          <a:off x="0" y="0"/>
-          <a:ext cx="0" cy="0"/>
-          <a:chOff x="0" y="0"/>
-          <a:chExt cx="0" cy="0"/>
-        </a:xfrm>
-      </p:grpSpPr>
-      <p:sp>
-        <p:nvSpPr>
-          <p:cNvPr id="2" name="제목 1">
-            <a:extLst>
-              <a:ext uri="{FF2B5EF4-FFF2-40B4-BE49-F238E27FC236}">
-                <a16:creationId xmlns:a16="http://schemas.microsoft.com/office/drawing/2014/main" id="{656374FD-B5B3-3EF1-7FF7-056E72BE41C2}"/>
-              </a:ext>
-            </a:extLst>
-          </p:cNvPr>
-          <p:cNvSpPr>
-            <a:spLocks noGrp="1"/>
-          </p:cNvSpPr>
-          <p:nvPr>
-            <p:ph type="title"/>
-          </p:nvPr>
-        </p:nvSpPr>
-        <p:spPr/>
-        <p:txBody>
-          <a:bodyPr/>
-          <a:lstStyle/>
-          <a:p>
-            <a:r>
-              <a:rPr lang="en-US" altLang="ko-KR" b="1"/>
-              <a:t>4</a:t>
-            </a:r>
-            <a:r>
-              <a:rPr lang="ko-KR" altLang="en-US" b="1"/>
-              <a:t>절 에러처리</a:t>
-            </a:r>
-          </a:p>
-        </p:txBody>
-      </p:sp>
-      <p:sp>
-        <p:nvSpPr>
-          <p:cNvPr id="3" name="내용 개체 틀 2">
-            <a:extLst>
-              <a:ext uri="{FF2B5EF4-FFF2-40B4-BE49-F238E27FC236}">
-                <a16:creationId xmlns:a16="http://schemas.microsoft.com/office/drawing/2014/main" id="{F8B4F7D4-6AB0-05D4-877B-FE42DCA438A1}"/>
-              </a:ext>
-            </a:extLst>
-          </p:cNvPr>
-          <p:cNvSpPr>
-            <a:spLocks noGrp="1"/>
-          </p:cNvSpPr>
-          <p:nvPr>
-            <p:ph idx="1"/>
-          </p:nvPr>
-        </p:nvSpPr>
-        <p:spPr/>
-        <p:txBody>
-          <a:bodyPr/>
-          <a:lstStyle/>
-          <a:p>
-            <a:r>
-              <a:rPr lang="ko-KR" altLang="en-US"/>
-              <a:t>오류 메시지를 통한 정보 노출</a:t>
-            </a:r>
-            <a:endParaRPr lang="en-US" altLang="ko-KR"/>
-          </a:p>
-          <a:p>
-            <a:endParaRPr lang="en-US" altLang="ko-KR"/>
-          </a:p>
-          <a:p>
-            <a:endParaRPr lang="en-US" altLang="ko-KR"/>
-          </a:p>
-          <a:p>
-            <a:r>
-              <a:rPr lang="ko-KR" altLang="en-US"/>
-              <a:t>오류 상황 대응 부재</a:t>
-            </a:r>
-            <a:endParaRPr lang="en-US" altLang="ko-KR"/>
-          </a:p>
-          <a:p>
-            <a:endParaRPr lang="en-US" altLang="ko-KR"/>
-          </a:p>
-          <a:p>
-            <a:endParaRPr lang="en-US" altLang="ko-KR"/>
-          </a:p>
-          <a:p>
-            <a:r>
-              <a:rPr lang="ko-KR" altLang="en-US"/>
-              <a:t>적절하지 않은 예외처리</a:t>
-            </a:r>
-          </a:p>
-        </p:txBody>
-      </p:sp>
-      <p:sp>
-        <p:nvSpPr>
-          <p:cNvPr id="4" name="TextBox 3">
-            <a:extLst>
-              <a:ext uri="{FF2B5EF4-FFF2-40B4-BE49-F238E27FC236}">
-                <a16:creationId xmlns:a16="http://schemas.microsoft.com/office/drawing/2014/main" id="{3448EBE4-1FEC-389D-4E71-8030ECD0896F}"/>
-              </a:ext>
-            </a:extLst>
-          </p:cNvPr>
-          <p:cNvSpPr txBox="1"/>
-          <p:nvPr/>
-        </p:nvSpPr>
-        <p:spPr>
-          <a:xfrm>
-            <a:off x="1295401" y="2389777"/>
-            <a:ext cx="7194598" cy="369332"/>
-          </a:xfrm>
-          <a:prstGeom prst="rect">
-            <a:avLst/>
-          </a:prstGeom>
-          <a:noFill/>
-        </p:spPr>
-        <p:txBody>
-          <a:bodyPr wrap="none" rtlCol="0">
-            <a:spAutoFit/>
-          </a:bodyPr>
-          <a:lstStyle/>
-          <a:p>
-            <a:pPr marL="285750" indent="-285750">
-              <a:buFontTx/>
-              <a:buChar char="-"/>
-            </a:pPr>
-            <a:r>
-              <a:rPr lang="ko-KR" altLang="en-US"/>
-              <a:t>환경변수 출력</a:t>
-            </a:r>
-            <a:r>
-              <a:rPr lang="en-US" altLang="ko-KR"/>
-              <a:t>,  </a:t>
-            </a:r>
-            <a:r>
-              <a:rPr lang="ko-KR" altLang="en-US"/>
-              <a:t>에러 발생 위치에 대한 정보와 세부내용 출력 등 </a:t>
-            </a:r>
-          </a:p>
-        </p:txBody>
-      </p:sp>
-      <p:sp>
-        <p:nvSpPr>
-          <p:cNvPr id="5" name="TextBox 4">
-            <a:extLst>
-              <a:ext uri="{FF2B5EF4-FFF2-40B4-BE49-F238E27FC236}">
-                <a16:creationId xmlns:a16="http://schemas.microsoft.com/office/drawing/2014/main" id="{AD1D160E-C577-A396-68CC-3716D74A61DA}"/>
-              </a:ext>
-            </a:extLst>
-          </p:cNvPr>
-          <p:cNvSpPr txBox="1"/>
-          <p:nvPr/>
-        </p:nvSpPr>
-        <p:spPr>
-          <a:xfrm>
-            <a:off x="1295401" y="3914038"/>
-            <a:ext cx="6042039" cy="369332"/>
-          </a:xfrm>
-          <a:prstGeom prst="rect">
-            <a:avLst/>
-          </a:prstGeom>
-          <a:noFill/>
-        </p:spPr>
-        <p:txBody>
-          <a:bodyPr wrap="none" rtlCol="0">
-            <a:spAutoFit/>
-          </a:bodyPr>
-          <a:lstStyle/>
-          <a:p>
-            <a:pPr marL="285750" indent="-285750">
-              <a:buFontTx/>
-              <a:buChar char="-"/>
-            </a:pPr>
-            <a:r>
-              <a:rPr lang="ko-KR" altLang="en-US"/>
-              <a:t>각각의 예외상황에 대하여 적절히 처리되지 않은 경우</a:t>
-            </a:r>
-          </a:p>
-        </p:txBody>
-      </p:sp>
-      <p:sp>
-        <p:nvSpPr>
-          <p:cNvPr id="6" name="TextBox 5">
-            <a:extLst>
-              <a:ext uri="{FF2B5EF4-FFF2-40B4-BE49-F238E27FC236}">
-                <a16:creationId xmlns:a16="http://schemas.microsoft.com/office/drawing/2014/main" id="{53443C19-20F5-7CC6-60A4-2FBA4BDB6C2E}"/>
-              </a:ext>
-            </a:extLst>
-          </p:cNvPr>
-          <p:cNvSpPr txBox="1"/>
-          <p:nvPr/>
-        </p:nvSpPr>
-        <p:spPr>
-          <a:xfrm>
-            <a:off x="1295401" y="5438299"/>
-            <a:ext cx="5974713" cy="369332"/>
-          </a:xfrm>
-          <a:prstGeom prst="rect">
-            <a:avLst/>
-          </a:prstGeom>
-          <a:noFill/>
-        </p:spPr>
-        <p:txBody>
-          <a:bodyPr wrap="none" rtlCol="0">
-            <a:spAutoFit/>
-          </a:bodyPr>
-          <a:lstStyle/>
-          <a:p>
-            <a:pPr marL="285750" indent="-285750">
-              <a:buFontTx/>
-              <a:buChar char="-"/>
-            </a:pPr>
-            <a:r>
-              <a:rPr lang="ko-KR" altLang="en-US"/>
-              <a:t>함수의 결과 값에 대한 적절한 처리를 하지 않은 경우</a:t>
-            </a:r>
-          </a:p>
-        </p:txBody>
-      </p:sp>
-    </p:spTree>
-    <p:extLst>
-      <p:ext uri="{BB962C8B-B14F-4D97-AF65-F5344CB8AC3E}">
-        <p14:creationId xmlns:p14="http://schemas.microsoft.com/office/powerpoint/2010/main" val="3413742210"/>
-      </p:ext>
-    </p:extLst>
-  </p:cSld>
-  <p:clrMapOvr>
-    <a:masterClrMapping/>
-  </p:clrMapOvr>
-</p:sld>
-</file>
-
 <file path=ppt/slides/slide8.xml><?xml version="1.0" encoding="utf-8"?>
 <p:sld xmlns:a="http://schemas.openxmlformats.org/drawingml/2006/main" xmlns:r="http://schemas.openxmlformats.org/officeDocument/2006/relationships" xmlns:p="http://schemas.openxmlformats.org/presentationml/2006/main">
   <p:cSld>
@@ -6014,7 +6225,7 @@
           <p:cNvPr id="2" name="제목 1">
             <a:extLst>
               <a:ext uri="{FF2B5EF4-FFF2-40B4-BE49-F238E27FC236}">
-                <a16:creationId xmlns:a16="http://schemas.microsoft.com/office/drawing/2014/main" id="{BB7460B0-7D1B-766A-4F43-5B58BA4D108F}"/>
+                <a16:creationId xmlns:a16="http://schemas.microsoft.com/office/drawing/2014/main" id="{656374FD-B5B3-3EF1-7FF7-056E72BE41C2}"/>
               </a:ext>
             </a:extLst>
           </p:cNvPr>
@@ -6024,127 +6235,93 @@
           <p:nvPr>
             <p:ph type="title"/>
           </p:nvPr>
+        </p:nvSpPr>
+        <p:spPr/>
+        <p:txBody>
+          <a:bodyPr/>
+          <a:lstStyle/>
+          <a:p>
+            <a:r>
+              <a:rPr lang="en-US" altLang="ko-KR" b="1"/>
+              <a:t>4</a:t>
+            </a:r>
+            <a:r>
+              <a:rPr lang="ko-KR" altLang="en-US" b="1"/>
+              <a:t>절 에러처리</a:t>
+            </a:r>
+          </a:p>
+        </p:txBody>
+      </p:sp>
+      <p:sp>
+        <p:nvSpPr>
+          <p:cNvPr id="3" name="내용 개체 틀 2">
+            <a:extLst>
+              <a:ext uri="{FF2B5EF4-FFF2-40B4-BE49-F238E27FC236}">
+                <a16:creationId xmlns:a16="http://schemas.microsoft.com/office/drawing/2014/main" id="{F8B4F7D4-6AB0-05D4-877B-FE42DCA438A1}"/>
+              </a:ext>
+            </a:extLst>
+          </p:cNvPr>
+          <p:cNvSpPr>
+            <a:spLocks noGrp="1"/>
+          </p:cNvSpPr>
+          <p:nvPr>
+            <p:ph idx="1"/>
+          </p:nvPr>
+        </p:nvSpPr>
+        <p:spPr/>
+        <p:txBody>
+          <a:bodyPr/>
+          <a:lstStyle/>
+          <a:p>
+            <a:r>
+              <a:rPr lang="ko-KR" altLang="en-US"/>
+              <a:t>오류 메시지를 통한 정보 노출</a:t>
+            </a:r>
+            <a:endParaRPr lang="en-US" altLang="ko-KR"/>
+          </a:p>
+          <a:p>
+            <a:endParaRPr lang="en-US" altLang="ko-KR"/>
+          </a:p>
+          <a:p>
+            <a:endParaRPr lang="en-US" altLang="ko-KR"/>
+          </a:p>
+          <a:p>
+            <a:r>
+              <a:rPr lang="ko-KR" altLang="en-US"/>
+              <a:t>오류 상황 대응 부재</a:t>
+            </a:r>
+            <a:endParaRPr lang="en-US" altLang="ko-KR"/>
+          </a:p>
+          <a:p>
+            <a:endParaRPr lang="en-US" altLang="ko-KR"/>
+          </a:p>
+          <a:p>
+            <a:endParaRPr lang="en-US" altLang="ko-KR"/>
+          </a:p>
+          <a:p>
+            <a:r>
+              <a:rPr lang="ko-KR" altLang="en-US"/>
+              <a:t>적절하지 않은 예외처리</a:t>
+            </a:r>
+          </a:p>
+        </p:txBody>
+      </p:sp>
+      <p:sp>
+        <p:nvSpPr>
+          <p:cNvPr id="4" name="TextBox 3">
+            <a:extLst>
+              <a:ext uri="{FF2B5EF4-FFF2-40B4-BE49-F238E27FC236}">
+                <a16:creationId xmlns:a16="http://schemas.microsoft.com/office/drawing/2014/main" id="{3448EBE4-1FEC-389D-4E71-8030ECD0896F}"/>
+              </a:ext>
+            </a:extLst>
+          </p:cNvPr>
+          <p:cNvSpPr txBox="1"/>
+          <p:nvPr/>
         </p:nvSpPr>
         <p:spPr>
           <a:xfrm>
-            <a:off x="838200" y="177579"/>
-            <a:ext cx="10515600" cy="1325563"/>
-          </a:xfrm>
-        </p:spPr>
-        <p:txBody>
-          <a:bodyPr/>
-          <a:lstStyle/>
-          <a:p>
-            <a:r>
-              <a:rPr lang="en-US" altLang="ko-KR" b="1"/>
-              <a:t>5</a:t>
-            </a:r>
-            <a:r>
-              <a:rPr lang="ko-KR" altLang="en-US" b="1"/>
-              <a:t>절 코드 오류</a:t>
-            </a:r>
-          </a:p>
-        </p:txBody>
-      </p:sp>
-      <p:sp>
-        <p:nvSpPr>
-          <p:cNvPr id="3" name="내용 개체 틀 2">
-            <a:extLst>
-              <a:ext uri="{FF2B5EF4-FFF2-40B4-BE49-F238E27FC236}">
-                <a16:creationId xmlns:a16="http://schemas.microsoft.com/office/drawing/2014/main" id="{5F2EA4B3-94D2-F598-4A31-06CE254562FA}"/>
-              </a:ext>
-            </a:extLst>
-          </p:cNvPr>
-          <p:cNvSpPr>
-            <a:spLocks noGrp="1"/>
-          </p:cNvSpPr>
-          <p:nvPr>
-            <p:ph idx="1"/>
-          </p:nvPr>
-        </p:nvSpPr>
-        <p:spPr>
-          <a:xfrm>
-            <a:off x="838200" y="1479884"/>
-            <a:ext cx="10515600" cy="4829426"/>
-          </a:xfrm>
-        </p:spPr>
-        <p:txBody>
-          <a:bodyPr>
-            <a:normAutofit lnSpcReduction="10000"/>
-          </a:bodyPr>
-          <a:lstStyle/>
-          <a:p>
-            <a:r>
-              <a:rPr lang="ko-KR" altLang="en-US"/>
-              <a:t>널포인트 역참조</a:t>
-            </a:r>
-            <a:endParaRPr lang="en-US" altLang="ko-KR"/>
-          </a:p>
-          <a:p>
-            <a:endParaRPr lang="en-US" altLang="ko-KR"/>
-          </a:p>
-          <a:p>
-            <a:endParaRPr lang="en-US" altLang="ko-KR"/>
-          </a:p>
-          <a:p>
-            <a:r>
-              <a:rPr lang="ko-KR" altLang="en-US"/>
-              <a:t>부적절한 자원 해제</a:t>
-            </a:r>
-            <a:endParaRPr lang="en-US" altLang="ko-KR"/>
-          </a:p>
-          <a:p>
-            <a:endParaRPr lang="en-US" altLang="ko-KR"/>
-          </a:p>
-          <a:p>
-            <a:endParaRPr lang="en-US" altLang="ko-KR"/>
-          </a:p>
-          <a:p>
-            <a:r>
-              <a:rPr lang="ko-KR" altLang="en-US"/>
-              <a:t>무부호 타입</a:t>
-            </a:r>
-            <a:r>
-              <a:rPr lang="en-US" altLang="ko-KR"/>
-              <a:t>(unsigned integer)</a:t>
-            </a:r>
-            <a:r>
-              <a:rPr lang="ko-KR" altLang="en-US"/>
-              <a:t>으로 변환 오류</a:t>
-            </a:r>
-            <a:endParaRPr lang="en-US" altLang="ko-KR"/>
-          </a:p>
-          <a:p>
-            <a:endParaRPr lang="en-US" altLang="ko-KR"/>
-          </a:p>
-          <a:p>
-            <a:endParaRPr lang="en-US" altLang="ko-KR"/>
-          </a:p>
-          <a:p>
-            <a:r>
-              <a:rPr lang="ko-KR" altLang="en-US"/>
-              <a:t>스택 변수 주소 리턴</a:t>
-            </a:r>
-            <a:endParaRPr lang="en-US" altLang="ko-KR"/>
-          </a:p>
-        </p:txBody>
-      </p:sp>
-      <p:sp>
-        <p:nvSpPr>
-          <p:cNvPr id="4" name="TextBox 3">
-            <a:extLst>
-              <a:ext uri="{FF2B5EF4-FFF2-40B4-BE49-F238E27FC236}">
-                <a16:creationId xmlns:a16="http://schemas.microsoft.com/office/drawing/2014/main" id="{E1FBB781-6993-9837-3F21-D3CDF9841E1F}"/>
-              </a:ext>
-            </a:extLst>
-          </p:cNvPr>
-          <p:cNvSpPr txBox="1"/>
-          <p:nvPr/>
-        </p:nvSpPr>
-        <p:spPr>
-          <a:xfrm>
-            <a:off x="1307432" y="3429000"/>
-            <a:ext cx="4262705" cy="369332"/>
+            <a:off x="1295401" y="2389777"/>
+            <a:ext cx="7194598" cy="369332"/>
           </a:xfrm>
           <a:prstGeom prst="rect">
             <a:avLst/>
@@ -6163,7 +6340,15 @@
             </a:pPr>
             <a:r>
               <a:rPr lang="ko-KR" altLang="en-US"/>
-              <a:t>자원을 할당받고 반환하지 않은 경우</a:t>
+              <a:t>환경변수 출력</a:t>
+            </a:r>
+            <a:r>
+              <a:rPr lang="en-US" altLang="ko-KR"/>
+              <a:t>,  </a:t>
+            </a:r>
+            <a:r>
+              <a:rPr lang="ko-KR" altLang="en-US"/>
+              <a:t>에러 발생 위치에 대한 정보와 세부내용 출력 등 </a:t>
             </a:r>
           </a:p>
         </p:txBody>
@@ -6173,7 +6358,7 @@
           <p:cNvPr id="5" name="TextBox 4">
             <a:extLst>
               <a:ext uri="{FF2B5EF4-FFF2-40B4-BE49-F238E27FC236}">
-                <a16:creationId xmlns:a16="http://schemas.microsoft.com/office/drawing/2014/main" id="{729BD00A-1715-11A8-B5A5-17D16A143258}"/>
+                <a16:creationId xmlns:a16="http://schemas.microsoft.com/office/drawing/2014/main" id="{AD1D160E-C577-A396-68CC-3716D74A61DA}"/>
               </a:ext>
             </a:extLst>
           </p:cNvPr>
@@ -6182,8 +6367,8 @@
         </p:nvSpPr>
         <p:spPr>
           <a:xfrm>
-            <a:off x="1307432" y="1973670"/>
-            <a:ext cx="6139822" cy="369332"/>
+            <a:off x="1295401" y="3914038"/>
+            <a:ext cx="6042039" cy="369332"/>
           </a:xfrm>
           <a:prstGeom prst="rect">
             <a:avLst/>
@@ -6202,15 +6387,7 @@
             </a:pPr>
             <a:r>
               <a:rPr lang="ko-KR" altLang="en-US"/>
-              <a:t>함수의 반환값이 </a:t>
-            </a:r>
-            <a:r>
-              <a:rPr lang="en-US" altLang="ko-KR"/>
-              <a:t>NULL</a:t>
-            </a:r>
-            <a:r>
-              <a:rPr lang="ko-KR" altLang="en-US"/>
-              <a:t>인지 확인하지 않고 사용할 경우</a:t>
+              <a:t>각각의 예외상황에 대하여 적절히 처리되지 않은 경우</a:t>
             </a:r>
           </a:p>
         </p:txBody>
@@ -6220,7 +6397,7 @@
           <p:cNvPr id="6" name="TextBox 5">
             <a:extLst>
               <a:ext uri="{FF2B5EF4-FFF2-40B4-BE49-F238E27FC236}">
-                <a16:creationId xmlns:a16="http://schemas.microsoft.com/office/drawing/2014/main" id="{AA7A9576-3146-32D4-E16B-F8CA64791C3E}"/>
+                <a16:creationId xmlns:a16="http://schemas.microsoft.com/office/drawing/2014/main" id="{53443C19-20F5-7CC6-60A4-2FBA4BDB6C2E}"/>
               </a:ext>
             </a:extLst>
           </p:cNvPr>
@@ -6229,8 +6406,8 @@
         </p:nvSpPr>
         <p:spPr>
           <a:xfrm>
-            <a:off x="1307432" y="4869155"/>
-            <a:ext cx="7827143" cy="369332"/>
+            <a:off x="1295401" y="5438299"/>
+            <a:ext cx="5974713" cy="369332"/>
           </a:xfrm>
           <a:prstGeom prst="rect">
             <a:avLst/>
@@ -6249,62 +6426,7 @@
             </a:pPr>
             <a:r>
               <a:rPr lang="ko-KR" altLang="en-US"/>
-              <a:t>부호정수</a:t>
-            </a:r>
-            <a:r>
-              <a:rPr lang="en-US" altLang="ko-KR"/>
-              <a:t>(signed integer)</a:t>
-            </a:r>
-            <a:r>
-              <a:rPr lang="ko-KR" altLang="en-US"/>
-              <a:t>를 무부호 정수</a:t>
-            </a:r>
-            <a:r>
-              <a:rPr lang="en-US" altLang="ko-KR"/>
-              <a:t>(unsigned integer)</a:t>
-            </a:r>
-            <a:r>
-              <a:rPr lang="ko-KR" altLang="en-US"/>
-              <a:t>로 변할 경우</a:t>
-            </a:r>
-          </a:p>
-        </p:txBody>
-      </p:sp>
-      <p:sp>
-        <p:nvSpPr>
-          <p:cNvPr id="8" name="TextBox 7">
-            <a:extLst>
-              <a:ext uri="{FF2B5EF4-FFF2-40B4-BE49-F238E27FC236}">
-                <a16:creationId xmlns:a16="http://schemas.microsoft.com/office/drawing/2014/main" id="{7D0F6F6D-6B40-E1A8-FB07-50A1069ED9A9}"/>
-              </a:ext>
-            </a:extLst>
-          </p:cNvPr>
-          <p:cNvSpPr txBox="1"/>
-          <p:nvPr/>
-        </p:nvSpPr>
-        <p:spPr>
-          <a:xfrm>
-            <a:off x="1307432" y="6139819"/>
-            <a:ext cx="4262705" cy="369332"/>
-          </a:xfrm>
-          <a:prstGeom prst="rect">
-            <a:avLst/>
-          </a:prstGeom>
-          <a:noFill/>
-        </p:spPr>
-        <p:txBody>
-          <a:bodyPr wrap="none" rtlCol="0">
-            <a:spAutoFit/>
-          </a:bodyPr>
-          <a:lstStyle/>
-          <a:p>
-            <a:pPr marL="285750" indent="-285750">
-              <a:buFontTx/>
-              <a:buChar char="-"/>
-            </a:pPr>
-            <a:r>
-              <a:rPr lang="ko-KR" altLang="en-US"/>
-              <a:t>함수가 스택의 주솔르 반환하는 경우</a:t>
+              <a:t>함수의 결과 값에 대한 적절한 처리를 하지 않은 경우</a:t>
             </a:r>
           </a:p>
         </p:txBody>
@@ -6312,7 +6434,7 @@
     </p:spTree>
     <p:extLst>
       <p:ext uri="{BB962C8B-B14F-4D97-AF65-F5344CB8AC3E}">
-        <p14:creationId xmlns:p14="http://schemas.microsoft.com/office/powerpoint/2010/main" val="2665108525"/>
+        <p14:creationId xmlns:p14="http://schemas.microsoft.com/office/powerpoint/2010/main" val="3413742210"/>
       </p:ext>
     </p:extLst>
   </p:cSld>
@@ -6357,7 +6479,7 @@
         </p:nvSpPr>
         <p:spPr>
           <a:xfrm>
-            <a:off x="838200" y="21974"/>
+            <a:off x="838200" y="177579"/>
             <a:ext cx="10515600" cy="1325563"/>
           </a:xfrm>
         </p:spPr>
@@ -6394,7 +6516,7 @@
         </p:nvSpPr>
         <p:spPr>
           <a:xfrm>
-            <a:off x="838200" y="1347537"/>
+            <a:off x="838200" y="1479884"/>
             <a:ext cx="10515600" cy="4829426"/>
           </a:xfrm>
         </p:spPr>
@@ -6406,7 +6528,7 @@
           <a:p>
             <a:r>
               <a:rPr lang="ko-KR" altLang="en-US"/>
-              <a:t>매크로의 잘못된 사용</a:t>
+              <a:t>널포인트 역참조</a:t>
             </a:r>
             <a:endParaRPr lang="en-US" altLang="ko-KR"/>
           </a:p>
@@ -6419,7 +6541,7 @@
           <a:p>
             <a:r>
               <a:rPr lang="ko-KR" altLang="en-US"/>
-              <a:t>스택 주소 해제</a:t>
+              <a:t>부적절한 자원 해제</a:t>
             </a:r>
             <a:endParaRPr lang="en-US" altLang="ko-KR"/>
           </a:p>
@@ -6432,7 +6554,15 @@
           <a:p>
             <a:r>
               <a:rPr lang="ko-KR" altLang="en-US"/>
-              <a:t>스레드 조기 종료</a:t>
+              <a:t>무부호 타입</a:t>
+            </a:r>
+            <a:r>
+              <a:rPr lang="en-US" altLang="ko-KR"/>
+              <a:t>(unsigned integer)</a:t>
+            </a:r>
+            <a:r>
+              <a:rPr lang="ko-KR" altLang="en-US"/>
+              <a:t>으로 변환 오류</a:t>
             </a:r>
             <a:endParaRPr lang="en-US" altLang="ko-KR"/>
           </a:p>
@@ -6445,8 +6575,9 @@
           <a:p>
             <a:r>
               <a:rPr lang="ko-KR" altLang="en-US"/>
-              <a:t>무한 자원 할당</a:t>
-            </a:r>
+              <a:t>스택 변수 주소 리턴</a:t>
+            </a:r>
+            <a:endParaRPr lang="en-US" altLang="ko-KR"/>
           </a:p>
         </p:txBody>
       </p:sp>
@@ -6464,8 +6595,8 @@
         </p:nvSpPr>
         <p:spPr>
           <a:xfrm>
-            <a:off x="1391653" y="1858599"/>
-            <a:ext cx="6123792" cy="369332"/>
+            <a:off x="1307432" y="3429000"/>
+            <a:ext cx="4262705" cy="369332"/>
           </a:xfrm>
           <a:prstGeom prst="rect">
             <a:avLst/>
@@ -6484,7 +6615,7 @@
             </a:pPr>
             <a:r>
               <a:rPr lang="ko-KR" altLang="en-US"/>
-              <a:t>각 매크로마다 특정한 사용 규칙을 준수하지 않을 경우</a:t>
+              <a:t>자원을 할당받고 반환하지 않은 경우</a:t>
             </a:r>
           </a:p>
         </p:txBody>
@@ -6494,7 +6625,7 @@
           <p:cNvPr id="5" name="TextBox 4">
             <a:extLst>
               <a:ext uri="{FF2B5EF4-FFF2-40B4-BE49-F238E27FC236}">
-                <a16:creationId xmlns:a16="http://schemas.microsoft.com/office/drawing/2014/main" id="{05FA8360-FA4A-165E-134D-2AD98C3CF37A}"/>
+                <a16:creationId xmlns:a16="http://schemas.microsoft.com/office/drawing/2014/main" id="{729BD00A-1715-11A8-B5A5-17D16A143258}"/>
               </a:ext>
             </a:extLst>
           </p:cNvPr>
@@ -6503,8 +6634,8 @@
         </p:nvSpPr>
         <p:spPr>
           <a:xfrm>
-            <a:off x="1391653" y="3244334"/>
-            <a:ext cx="3026791" cy="369332"/>
+            <a:off x="1307432" y="1973670"/>
+            <a:ext cx="6139822" cy="369332"/>
           </a:xfrm>
           <a:prstGeom prst="rect">
             <a:avLst/>
@@ -6523,7 +6654,15 @@
             </a:pPr>
             <a:r>
               <a:rPr lang="ko-KR" altLang="en-US"/>
-              <a:t>스택 버퍼를 해제할 경우</a:t>
+              <a:t>함수의 반환값이 </a:t>
+            </a:r>
+            <a:r>
+              <a:rPr lang="en-US" altLang="ko-KR"/>
+              <a:t>NULL</a:t>
+            </a:r>
+            <a:r>
+              <a:rPr lang="ko-KR" altLang="en-US"/>
+              <a:t>인지 확인하지 않고 사용할 경우</a:t>
             </a:r>
           </a:p>
         </p:txBody>
@@ -6533,7 +6672,7 @@
           <p:cNvPr id="6" name="TextBox 5">
             <a:extLst>
               <a:ext uri="{FF2B5EF4-FFF2-40B4-BE49-F238E27FC236}">
-                <a16:creationId xmlns:a16="http://schemas.microsoft.com/office/drawing/2014/main" id="{324F4782-299C-08C0-D0B0-4434AB2375D8}"/>
+                <a16:creationId xmlns:a16="http://schemas.microsoft.com/office/drawing/2014/main" id="{AA7A9576-3146-32D4-E16B-F8CA64791C3E}"/>
               </a:ext>
             </a:extLst>
           </p:cNvPr>
@@ -6542,8 +6681,8 @@
         </p:nvSpPr>
         <p:spPr>
           <a:xfrm>
-            <a:off x="1391652" y="4630069"/>
-            <a:ext cx="5892960" cy="369332"/>
+            <a:off x="1307432" y="4869155"/>
+            <a:ext cx="7827143" cy="369332"/>
           </a:xfrm>
           <a:prstGeom prst="rect">
             <a:avLst/>
@@ -6562,17 +6701,33 @@
             </a:pPr>
             <a:r>
               <a:rPr lang="ko-KR" altLang="en-US"/>
-              <a:t>부모 스레드가 자식 스레드 보다 먼저 종료되는 경우</a:t>
-            </a:r>
-          </a:p>
-        </p:txBody>
-      </p:sp>
-      <p:sp>
-        <p:nvSpPr>
-          <p:cNvPr id="7" name="TextBox 6">
-            <a:extLst>
-              <a:ext uri="{FF2B5EF4-FFF2-40B4-BE49-F238E27FC236}">
-                <a16:creationId xmlns:a16="http://schemas.microsoft.com/office/drawing/2014/main" id="{F0E3395E-AAC6-711D-4CF5-5AA89D815B87}"/>
+              <a:t>부호정수</a:t>
+            </a:r>
+            <a:r>
+              <a:rPr lang="en-US" altLang="ko-KR"/>
+              <a:t>(signed integer)</a:t>
+            </a:r>
+            <a:r>
+              <a:rPr lang="ko-KR" altLang="en-US"/>
+              <a:t>를 무부호 정수</a:t>
+            </a:r>
+            <a:r>
+              <a:rPr lang="en-US" altLang="ko-KR"/>
+              <a:t>(unsigned integer)</a:t>
+            </a:r>
+            <a:r>
+              <a:rPr lang="ko-KR" altLang="en-US"/>
+              <a:t>로 변할 경우</a:t>
+            </a:r>
+          </a:p>
+        </p:txBody>
+      </p:sp>
+      <p:sp>
+        <p:nvSpPr>
+          <p:cNvPr id="8" name="TextBox 7">
+            <a:extLst>
+              <a:ext uri="{FF2B5EF4-FFF2-40B4-BE49-F238E27FC236}">
+                <a16:creationId xmlns:a16="http://schemas.microsoft.com/office/drawing/2014/main" id="{7D0F6F6D-6B40-E1A8-FB07-50A1069ED9A9}"/>
               </a:ext>
             </a:extLst>
           </p:cNvPr>
@@ -6581,8 +6736,8 @@
         </p:nvSpPr>
         <p:spPr>
           <a:xfrm>
-            <a:off x="1391652" y="6015804"/>
-            <a:ext cx="10046340" cy="369332"/>
+            <a:off x="1307432" y="6139819"/>
+            <a:ext cx="4262705" cy="369332"/>
           </a:xfrm>
           <a:prstGeom prst="rect">
             <a:avLst/>
@@ -6601,15 +6756,7 @@
             </a:pPr>
             <a:r>
               <a:rPr lang="ko-KR" altLang="en-US"/>
-              <a:t>서비스할 수 있는 자원의 양을 제한하지 않고</a:t>
-            </a:r>
-            <a:r>
-              <a:rPr lang="en-US" altLang="ko-KR"/>
-              <a:t>, </a:t>
-            </a:r>
-            <a:r>
-              <a:rPr lang="ko-KR" altLang="en-US"/>
-              <a:t>서비스 요청마다 요구하는 자원을 할당할 경우</a:t>
+              <a:t>함수가 스택의 주소를 반환하는 경우</a:t>
             </a:r>
           </a:p>
         </p:txBody>
@@ -6617,7 +6764,7 @@
     </p:spTree>
     <p:extLst>
       <p:ext uri="{BB962C8B-B14F-4D97-AF65-F5344CB8AC3E}">
-        <p14:creationId xmlns:p14="http://schemas.microsoft.com/office/powerpoint/2010/main" val="536930759"/>
+        <p14:creationId xmlns:p14="http://schemas.microsoft.com/office/powerpoint/2010/main" val="2665108525"/>
       </p:ext>
     </p:extLst>
   </p:cSld>
